--- a/MOD01_Arreglos_multidimensionales/01 Presentacion/INFO2_MOD01-Arreglos_Multidimensionales.pptx
+++ b/MOD01_Arreglos_multidimensionales/01 Presentacion/INFO2_MOD01-Arreglos_Multidimensionales.pptx
@@ -5,7 +5,7 @@
     <p:sldMasterId id="2147483756" r:id="rId1"/>
   </p:sldMasterIdLst>
   <p:handoutMasterIdLst>
-    <p:handoutMasterId r:id="rId27"/>
+    <p:handoutMasterId r:id="rId26"/>
   </p:handoutMasterIdLst>
   <p:sldIdLst>
     <p:sldId id="256" r:id="rId2"/>
@@ -19,20 +19,19 @@
     <p:sldId id="311" r:id="rId10"/>
     <p:sldId id="327" r:id="rId11"/>
     <p:sldId id="328" r:id="rId12"/>
-    <p:sldId id="324" r:id="rId13"/>
-    <p:sldId id="312" r:id="rId14"/>
+    <p:sldId id="312" r:id="rId13"/>
+    <p:sldId id="324" r:id="rId14"/>
     <p:sldId id="329" r:id="rId15"/>
-    <p:sldId id="330" r:id="rId16"/>
-    <p:sldId id="333" r:id="rId17"/>
-    <p:sldId id="334" r:id="rId18"/>
-    <p:sldId id="335" r:id="rId19"/>
-    <p:sldId id="280" r:id="rId20"/>
-    <p:sldId id="282" r:id="rId21"/>
-    <p:sldId id="283" r:id="rId22"/>
-    <p:sldId id="332" r:id="rId23"/>
-    <p:sldId id="336" r:id="rId24"/>
-    <p:sldId id="337" r:id="rId25"/>
-    <p:sldId id="331" r:id="rId26"/>
+    <p:sldId id="333" r:id="rId16"/>
+    <p:sldId id="334" r:id="rId17"/>
+    <p:sldId id="335" r:id="rId18"/>
+    <p:sldId id="280" r:id="rId19"/>
+    <p:sldId id="282" r:id="rId20"/>
+    <p:sldId id="283" r:id="rId21"/>
+    <p:sldId id="332" r:id="rId22"/>
+    <p:sldId id="336" r:id="rId23"/>
+    <p:sldId id="337" r:id="rId24"/>
+    <p:sldId id="331" r:id="rId25"/>
   </p:sldIdLst>
   <p:sldSz cx="9144000" cy="6858000" type="screen4x3"/>
   <p:notesSz cx="6858000" cy="9144000"/>
@@ -175,6 +174,9 @@
           </p15:clr>
         </p15:guide>
       </p15:sldGuideLst>
+    </p:ext>
+    <p:ext uri="{2D200454-40CA-4A62-9FC3-DE9A4176ACB9}">
+      <p15:notesGuideLst xmlns:p15="http://schemas.microsoft.com/office/powerpoint/2012/main"/>
     </p:ext>
   </p:extLst>
 </p:presentation>
@@ -1920,7 +1922,7 @@
                 </a:solidFill>
                 <a:latin typeface="Cascadia Code,  Courier New"/>
               </a:rPr>
-              <a:t>// Method 2: Implicit declaration</a:t>
+              <a:t>// Method 2: Implicit initialization</a:t>
             </a:r>
             <a:endParaRPr lang="en-US" dirty="0">
               <a:solidFill>
@@ -2950,7 +2952,14 @@
           <a:bodyPr/>
           <a:lstStyle/>
           <a:p>
-            <a:endParaRPr lang="en-US" dirty="0"/>
+            <a:r>
+              <a:rPr lang="en-US" dirty="0" err="1"/>
+              <a:t>Declaración</a:t>
+            </a:r>
+            <a:r>
+              <a:rPr lang="en-US" dirty="0"/>
+              <a:t> General</a:t>
+            </a:r>
           </a:p>
         </p:txBody>
       </p:sp>
@@ -2970,25 +2979,136 @@
             <p:ph idx="1"/>
           </p:nvPr>
         </p:nvSpPr>
-        <p:spPr/>
+        <p:spPr>
+          <a:xfrm>
+            <a:off x="718955" y="1224152"/>
+            <a:ext cx="7873614" cy="499946"/>
+          </a:xfrm>
+          <a:solidFill>
+            <a:schemeClr val="tx1"/>
+          </a:solidFill>
+        </p:spPr>
         <p:txBody>
           <a:bodyPr/>
           <a:lstStyle/>
           <a:p>
-            <a:pPr marL="0" indent="0" fontAlgn="auto">
-              <a:spcAft>
-                <a:spcPts val="0"/>
-              </a:spcAft>
-              <a:buNone/>
-              <a:defRPr/>
-            </a:pPr>
-            <a:r>
-              <a:rPr lang="es-ES" sz="2400" dirty="0"/>
-              <a:t>La forma general para crear una matriz y asignarla a una variable es la siguiente:</a:t>
-            </a:r>
-          </a:p>
-          <a:p>
-            <a:pPr marL="320040" indent="-320040" fontAlgn="auto">
+            <a:r>
+              <a:rPr lang="en-US" sz="1800" dirty="0" err="1">
+                <a:solidFill>
+                  <a:srgbClr val="4EC9B0"/>
+                </a:solidFill>
+                <a:latin typeface="Cascadia Code,  Courier New"/>
+              </a:rPr>
+              <a:t>data_type</a:t>
+            </a:r>
+            <a:r>
+              <a:rPr lang="en-US" sz="1800" dirty="0">
+                <a:solidFill>
+                  <a:srgbClr val="D4D4D4"/>
+                </a:solidFill>
+                <a:latin typeface="Cascadia Code,  Courier New"/>
+              </a:rPr>
+              <a:t>[][] </a:t>
+            </a:r>
+            <a:r>
+              <a:rPr lang="en-US" sz="1800" dirty="0" err="1">
+                <a:solidFill>
+                  <a:srgbClr val="9CDCFE"/>
+                </a:solidFill>
+                <a:latin typeface="Cascadia Code,  Courier New"/>
+              </a:rPr>
+              <a:t>variable_name</a:t>
+            </a:r>
+            <a:r>
+              <a:rPr lang="en-US" sz="1800" dirty="0">
+                <a:solidFill>
+                  <a:srgbClr val="D4D4D4"/>
+                </a:solidFill>
+                <a:latin typeface="Cascadia Code,  Courier New"/>
+              </a:rPr>
+              <a:t> = </a:t>
+            </a:r>
+            <a:r>
+              <a:rPr lang="en-US" sz="1800" dirty="0">
+                <a:solidFill>
+                  <a:srgbClr val="C586C0"/>
+                </a:solidFill>
+                <a:latin typeface="Cascadia Code,  Courier New"/>
+              </a:rPr>
+              <a:t>new</a:t>
+            </a:r>
+            <a:r>
+              <a:rPr lang="en-US" sz="1800" dirty="0">
+                <a:solidFill>
+                  <a:srgbClr val="D4D4D4"/>
+                </a:solidFill>
+                <a:latin typeface="Cascadia Code,  Courier New"/>
+              </a:rPr>
+              <a:t> </a:t>
+            </a:r>
+            <a:r>
+              <a:rPr lang="en-US" sz="1800" dirty="0" err="1">
+                <a:solidFill>
+                  <a:srgbClr val="4EC9B0"/>
+                </a:solidFill>
+                <a:latin typeface="Cascadia Code,  Courier New"/>
+              </a:rPr>
+              <a:t>data_type</a:t>
+            </a:r>
+            <a:r>
+              <a:rPr lang="en-US" sz="1800" dirty="0">
+                <a:solidFill>
+                  <a:srgbClr val="D4D4D4"/>
+                </a:solidFill>
+                <a:latin typeface="Cascadia Code,  Courier New"/>
+              </a:rPr>
+              <a:t>[</a:t>
+            </a:r>
+            <a:r>
+              <a:rPr lang="en-US" sz="1800" dirty="0">
+                <a:solidFill>
+                  <a:schemeClr val="accent2">
+                    <a:lumMod val="20000"/>
+                    <a:lumOff val="80000"/>
+                  </a:schemeClr>
+                </a:solidFill>
+                <a:latin typeface="Cascadia Code,  Courier New"/>
+              </a:rPr>
+              <a:t>rows</a:t>
+            </a:r>
+            <a:r>
+              <a:rPr lang="en-US" sz="1800" dirty="0">
+                <a:solidFill>
+                  <a:srgbClr val="D4D4D4"/>
+                </a:solidFill>
+                <a:latin typeface="Cascadia Code,  Courier New"/>
+              </a:rPr>
+              <a:t>][</a:t>
+            </a:r>
+            <a:r>
+              <a:rPr lang="en-US" sz="1800" dirty="0">
+                <a:solidFill>
+                  <a:schemeClr val="accent2">
+                    <a:lumMod val="20000"/>
+                    <a:lumOff val="80000"/>
+                  </a:schemeClr>
+                </a:solidFill>
+                <a:latin typeface="Cascadia Code,  Courier New"/>
+              </a:rPr>
+              <a:t>columns</a:t>
+            </a:r>
+            <a:r>
+              <a:rPr lang="en-US" sz="1800" dirty="0">
+                <a:solidFill>
+                  <a:srgbClr val="D4D4D4"/>
+                </a:solidFill>
+                <a:latin typeface="Cascadia Code,  Courier New"/>
+              </a:rPr>
+              <a:t>];</a:t>
+            </a:r>
+          </a:p>
+          <a:p>
+            <a:pPr marL="320040" indent="-320040" algn="ctr" fontAlgn="auto">
               <a:spcAft>
                 <a:spcPts val="0"/>
               </a:spcAft>
@@ -2996,168 +3116,272 @@
               <a:buNone/>
               <a:defRPr/>
             </a:pPr>
-            <a:r>
-              <a:rPr lang="es-ES" sz="2400" b="1" dirty="0"/>
-              <a:t>			</a:t>
-            </a:r>
-            <a:r>
-              <a:rPr lang="es-ES" sz="2400" b="1" dirty="0">
-                <a:solidFill>
-                  <a:srgbClr val="92D050"/>
-                </a:solidFill>
-              </a:rPr>
-              <a:t>nombre </a:t>
-            </a:r>
-            <a:r>
-              <a:rPr lang="es-ES" sz="2400" b="1" dirty="0"/>
-              <a:t>= new </a:t>
-            </a:r>
-            <a:r>
-              <a:rPr lang="es-ES" sz="2400" b="1" dirty="0">
-                <a:solidFill>
-                  <a:srgbClr val="FF0000"/>
-                </a:solidFill>
-              </a:rPr>
-              <a:t>tipo</a:t>
-            </a:r>
-            <a:r>
-              <a:rPr lang="es-ES" sz="2400" b="1" dirty="0"/>
-              <a:t>[</a:t>
-            </a:r>
-            <a:r>
-              <a:rPr lang="es-ES" sz="2400" b="1" dirty="0" err="1">
-                <a:solidFill>
-                  <a:srgbClr val="FFC000"/>
-                </a:solidFill>
-              </a:rPr>
-              <a:t>numReng</a:t>
-            </a:r>
-            <a:r>
-              <a:rPr lang="es-ES" sz="2400" b="1" dirty="0"/>
-              <a:t>][</a:t>
-            </a:r>
-            <a:r>
-              <a:rPr lang="es-ES" sz="2400" b="1" dirty="0" err="1">
-                <a:solidFill>
-                  <a:srgbClr val="FFC000"/>
-                </a:solidFill>
-              </a:rPr>
-              <a:t>numColum</a:t>
-            </a:r>
-            <a:r>
-              <a:rPr lang="es-ES" sz="2400" b="1" dirty="0"/>
-              <a:t>];</a:t>
-            </a:r>
-            <a:endParaRPr lang="es-ES" sz="2400" dirty="0"/>
-          </a:p>
-          <a:p>
-            <a:pPr marL="0" indent="0" fontAlgn="auto">
-              <a:spcAft>
-                <a:spcPts val="0"/>
-              </a:spcAft>
-              <a:buNone/>
-              <a:defRPr/>
-            </a:pPr>
-            <a:r>
-              <a:rPr lang="es-ES" sz="2400" b="1" dirty="0">
-                <a:solidFill>
-                  <a:srgbClr val="92D050"/>
-                </a:solidFill>
-              </a:rPr>
-              <a:t>nombre</a:t>
-            </a:r>
-            <a:r>
-              <a:rPr lang="es-ES" sz="2400" b="1" dirty="0"/>
+            <a:endParaRPr lang="es-ES" sz="2400" dirty="0">
+              <a:latin typeface="Cascadia Code" panose="00000509000000000000" pitchFamily="49" charset="0"/>
+            </a:endParaRPr>
+          </a:p>
+        </p:txBody>
+      </p:sp>
+      <p:sp>
+        <p:nvSpPr>
+          <p:cNvPr id="4" name="TextBox 3">
+            <a:extLst>
+              <a:ext uri="{FF2B5EF4-FFF2-40B4-BE49-F238E27FC236}">
+                <a16:creationId xmlns:a16="http://schemas.microsoft.com/office/drawing/2014/main" id="{8EBF9B23-587C-482B-9FFB-F5ACD2EF9560}"/>
+              </a:ext>
+            </a:extLst>
+          </p:cNvPr>
+          <p:cNvSpPr txBox="1"/>
+          <p:nvPr/>
+        </p:nvSpPr>
+        <p:spPr>
+          <a:xfrm>
+            <a:off x="718955" y="2484934"/>
+            <a:ext cx="5975012" cy="369332"/>
+          </a:xfrm>
+          <a:prstGeom prst="rect">
+            <a:avLst/>
+          </a:prstGeom>
+          <a:noFill/>
+          <a:ln w="38100">
+            <a:solidFill>
+              <a:schemeClr val="tx1"/>
+            </a:solidFill>
+          </a:ln>
+        </p:spPr>
+        <p:txBody>
+          <a:bodyPr wrap="square" rtlCol="0">
+            <a:spAutoFit/>
+          </a:bodyPr>
+          <a:lstStyle/>
+          <a:p>
+            <a:r>
+              <a:rPr lang="en-US" dirty="0" err="1">
+                <a:solidFill>
+                  <a:srgbClr val="4EC9B0"/>
+                </a:solidFill>
+                <a:latin typeface="Cascadia Code,  Courier New"/>
+              </a:rPr>
+              <a:t>data_type</a:t>
+            </a:r>
+            <a:r>
+              <a:rPr lang="en-US" dirty="0">
+                <a:solidFill>
+                  <a:srgbClr val="4EC9B0"/>
+                </a:solidFill>
+                <a:latin typeface="Cascadia Code,  Courier New"/>
+              </a:rPr>
+              <a:t>: </a:t>
+            </a:r>
+            <a:r>
+              <a:rPr lang="en-US" dirty="0">
+                <a:latin typeface="Cascadia Code" panose="00000509000000000000" pitchFamily="49" charset="0"/>
+              </a:rPr>
+              <a:t>String, char, Scanner, int</a:t>
+            </a:r>
+          </a:p>
+        </p:txBody>
+      </p:sp>
+      <p:sp>
+        <p:nvSpPr>
+          <p:cNvPr id="5" name="Rectangle 4">
+            <a:extLst>
+              <a:ext uri="{FF2B5EF4-FFF2-40B4-BE49-F238E27FC236}">
+                <a16:creationId xmlns:a16="http://schemas.microsoft.com/office/drawing/2014/main" id="{01F5F00F-42A4-46BC-9ABF-DEA4A89B3F69}"/>
+              </a:ext>
+            </a:extLst>
+          </p:cNvPr>
+          <p:cNvSpPr/>
+          <p:nvPr/>
+        </p:nvSpPr>
+        <p:spPr>
+          <a:xfrm>
+            <a:off x="718955" y="3105834"/>
+            <a:ext cx="7873614" cy="646331"/>
+          </a:xfrm>
+          <a:prstGeom prst="rect">
+            <a:avLst/>
+          </a:prstGeom>
+          <a:ln w="38100">
+            <a:solidFill>
+              <a:schemeClr val="tx1"/>
+            </a:solidFill>
+          </a:ln>
+        </p:spPr>
+        <p:txBody>
+          <a:bodyPr wrap="square">
+            <a:spAutoFit/>
+          </a:bodyPr>
+          <a:lstStyle/>
+          <a:p>
+            <a:r>
+              <a:rPr lang="en-US" dirty="0" err="1">
+                <a:solidFill>
+                  <a:srgbClr val="9CDCFE"/>
+                </a:solidFill>
+                <a:latin typeface="Cascadia Code,  Courier New"/>
+              </a:rPr>
+              <a:t>variable_name</a:t>
+            </a:r>
+            <a:r>
+              <a:rPr lang="en-US" dirty="0">
+                <a:solidFill>
+                  <a:srgbClr val="9CDCFE"/>
+                </a:solidFill>
+                <a:latin typeface="Cascadia Code,  Courier New"/>
+              </a:rPr>
+              <a:t>: </a:t>
+            </a:r>
+            <a:r>
+              <a:rPr lang="en-US" dirty="0" err="1">
+                <a:latin typeface="Cascadia Code" panose="00000509000000000000" pitchFamily="49" charset="0"/>
+              </a:rPr>
+              <a:t>Identificador</a:t>
+            </a:r>
+            <a:r>
+              <a:rPr lang="en-US" dirty="0">
+                <a:latin typeface="Cascadia Code" panose="00000509000000000000" pitchFamily="49" charset="0"/>
+              </a:rPr>
               <a:t> </a:t>
             </a:r>
             <a:r>
-              <a:rPr lang="es-ES" sz="2400" dirty="0"/>
-              <a:t>es el nombre de la variable previamente declarada.</a:t>
-            </a:r>
-          </a:p>
-          <a:p>
-            <a:pPr marL="0" indent="0" fontAlgn="auto">
-              <a:spcAft>
-                <a:spcPts val="0"/>
-              </a:spcAft>
-              <a:buNone/>
-              <a:defRPr/>
-            </a:pPr>
-            <a:r>
-              <a:rPr lang="es-ES" sz="2400" b="1" dirty="0">
-                <a:solidFill>
-                  <a:srgbClr val="FF0000"/>
-                </a:solidFill>
-              </a:rPr>
-              <a:t>Tipo</a:t>
-            </a:r>
-            <a:r>
-              <a:rPr lang="es-ES" sz="2400" b="1" dirty="0"/>
+              <a:rPr lang="en-US" dirty="0" err="1">
+                <a:latin typeface="Cascadia Code" panose="00000509000000000000" pitchFamily="49" charset="0"/>
+              </a:rPr>
+              <a:t>mediante</a:t>
+            </a:r>
+            <a:r>
+              <a:rPr lang="en-US" dirty="0">
+                <a:latin typeface="Cascadia Code" panose="00000509000000000000" pitchFamily="49" charset="0"/>
+              </a:rPr>
+              <a:t> el </a:t>
+            </a:r>
+            <a:r>
+              <a:rPr lang="en-US" dirty="0" err="1">
+                <a:latin typeface="Cascadia Code" panose="00000509000000000000" pitchFamily="49" charset="0"/>
+              </a:rPr>
+              <a:t>cual</a:t>
+            </a:r>
+            <a:r>
+              <a:rPr lang="en-US" dirty="0">
+                <a:latin typeface="Cascadia Code" panose="00000509000000000000" pitchFamily="49" charset="0"/>
+              </a:rPr>
               <a:t> </a:t>
             </a:r>
             <a:r>
-              <a:rPr lang="es-ES" sz="2400" dirty="0"/>
-              <a:t>es el tipo de datos (debe ser igual al definido en la declaración). </a:t>
-            </a:r>
-          </a:p>
-          <a:p>
-            <a:pPr marL="0" indent="0" fontAlgn="auto">
-              <a:spcAft>
-                <a:spcPts val="0"/>
-              </a:spcAft>
-              <a:buNone/>
-              <a:defRPr/>
-            </a:pPr>
-            <a:r>
-              <a:rPr lang="es-ES" sz="2400" b="1" dirty="0" err="1">
-                <a:solidFill>
-                  <a:srgbClr val="FFC000"/>
-                </a:solidFill>
-              </a:rPr>
-              <a:t>numReng</a:t>
-            </a:r>
-            <a:r>
-              <a:rPr lang="es-ES" sz="2400" b="1" dirty="0">
-                <a:solidFill>
-                  <a:srgbClr val="FFC000"/>
-                </a:solidFill>
+              <a:rPr lang="en-US" dirty="0" err="1">
+                <a:latin typeface="Cascadia Code" panose="00000509000000000000" pitchFamily="49" charset="0"/>
+              </a:rPr>
+              <a:t>nos</a:t>
+            </a:r>
+            <a:r>
+              <a:rPr lang="en-US" dirty="0">
+                <a:latin typeface="Cascadia Code" panose="00000509000000000000" pitchFamily="49" charset="0"/>
               </a:rPr>
               <a:t> </a:t>
             </a:r>
             <a:r>
-              <a:rPr lang="es-ES" sz="2400" dirty="0"/>
-              <a:t>es la cantidad de renglones que tendrá la </a:t>
-            </a:r>
-            <a:r>
-              <a:rPr lang="es-ES" sz="2400" dirty="0" err="1"/>
-              <a:t>matríz</a:t>
-            </a:r>
-            <a:endParaRPr lang="es-ES" sz="2400" dirty="0"/>
-          </a:p>
-          <a:p>
-            <a:pPr marL="0" indent="0" fontAlgn="auto">
-              <a:spcAft>
-                <a:spcPts val="0"/>
-              </a:spcAft>
-              <a:buNone/>
-              <a:defRPr/>
-            </a:pPr>
-            <a:r>
-              <a:rPr lang="es-ES" sz="2400" b="1" dirty="0" err="1">
-                <a:solidFill>
-                  <a:srgbClr val="FFC000"/>
-                </a:solidFill>
-              </a:rPr>
-              <a:t>numColum</a:t>
-            </a:r>
-            <a:r>
-              <a:rPr lang="es-ES" sz="2400" b="1" dirty="0"/>
-              <a:t> </a:t>
-            </a:r>
-            <a:r>
-              <a:rPr lang="es-ES" sz="2400" dirty="0"/>
-              <a:t>es la cantidad de columnas de la matriz. </a:t>
-            </a:r>
+              <a:rPr lang="en-US" dirty="0" err="1">
+                <a:latin typeface="Cascadia Code" panose="00000509000000000000" pitchFamily="49" charset="0"/>
+              </a:rPr>
+              <a:t>vamos</a:t>
+            </a:r>
+            <a:r>
+              <a:rPr lang="en-US" dirty="0">
+                <a:latin typeface="Cascadia Code" panose="00000509000000000000" pitchFamily="49" charset="0"/>
+              </a:rPr>
+              <a:t> a </a:t>
+            </a:r>
+            <a:r>
+              <a:rPr lang="en-US" dirty="0" err="1">
+                <a:latin typeface="Cascadia Code" panose="00000509000000000000" pitchFamily="49" charset="0"/>
+              </a:rPr>
+              <a:t>referir</a:t>
+            </a:r>
+            <a:r>
+              <a:rPr lang="en-US" dirty="0">
+                <a:latin typeface="Cascadia Code" panose="00000509000000000000" pitchFamily="49" charset="0"/>
+              </a:rPr>
+              <a:t> a la variable</a:t>
+            </a:r>
+          </a:p>
+        </p:txBody>
+      </p:sp>
+      <p:sp>
+        <p:nvSpPr>
+          <p:cNvPr id="6" name="Rectangle 5">
+            <a:extLst>
+              <a:ext uri="{FF2B5EF4-FFF2-40B4-BE49-F238E27FC236}">
+                <a16:creationId xmlns:a16="http://schemas.microsoft.com/office/drawing/2014/main" id="{92AFFBE2-98F8-4B75-821F-323F0351102C}"/>
+              </a:ext>
+            </a:extLst>
+          </p:cNvPr>
+          <p:cNvSpPr/>
+          <p:nvPr/>
+        </p:nvSpPr>
+        <p:spPr>
+          <a:xfrm>
+            <a:off x="718955" y="4003733"/>
+            <a:ext cx="4897495" cy="369332"/>
+          </a:xfrm>
+          <a:prstGeom prst="rect">
+            <a:avLst/>
+          </a:prstGeom>
+          <a:ln w="38100">
+            <a:solidFill>
+              <a:schemeClr val="tx1"/>
+            </a:solidFill>
+          </a:ln>
+        </p:spPr>
+        <p:txBody>
+          <a:bodyPr wrap="none">
+            <a:spAutoFit/>
+          </a:bodyPr>
+          <a:lstStyle/>
+          <a:p>
+            <a:r>
+              <a:rPr lang="en-US" dirty="0">
+                <a:solidFill>
+                  <a:schemeClr val="accent2">
+                    <a:lumMod val="20000"/>
+                    <a:lumOff val="80000"/>
+                  </a:schemeClr>
+                </a:solidFill>
+                <a:latin typeface="Cascadia Code,  Courier New"/>
+              </a:rPr>
+              <a:t>rows: </a:t>
+            </a:r>
+            <a:r>
+              <a:rPr lang="en-US" dirty="0" err="1">
+                <a:latin typeface="Cascadia Code" panose="00000509000000000000" pitchFamily="49" charset="0"/>
+              </a:rPr>
+              <a:t>Cantidad</a:t>
+            </a:r>
+            <a:r>
+              <a:rPr lang="en-US" dirty="0">
+                <a:latin typeface="Cascadia Code" panose="00000509000000000000" pitchFamily="49" charset="0"/>
+              </a:rPr>
+              <a:t> de </a:t>
+            </a:r>
+            <a:r>
+              <a:rPr lang="en-US" dirty="0" err="1">
+                <a:latin typeface="Cascadia Code" panose="00000509000000000000" pitchFamily="49" charset="0"/>
+              </a:rPr>
+              <a:t>filas</a:t>
+            </a:r>
+            <a:r>
+              <a:rPr lang="en-US" dirty="0">
+                <a:latin typeface="Cascadia Code" panose="00000509000000000000" pitchFamily="49" charset="0"/>
+              </a:rPr>
+              <a:t> y </a:t>
+            </a:r>
+            <a:r>
+              <a:rPr lang="en-US" dirty="0" err="1">
+                <a:latin typeface="Cascadia Code" panose="00000509000000000000" pitchFamily="49" charset="0"/>
+              </a:rPr>
+              <a:t>columnas</a:t>
+            </a:r>
+            <a:endParaRPr lang="en-US" dirty="0"/>
           </a:p>
         </p:txBody>
       </p:sp>
@@ -3171,10 +3395,339 @@
   <p:clrMapOvr>
     <a:masterClrMapping/>
   </p:clrMapOvr>
+  <p:timing>
+    <p:tnLst>
+      <p:par>
+        <p:cTn id="1" dur="indefinite" restart="never" nodeType="tmRoot">
+          <p:childTnLst>
+            <p:seq concurrent="1" nextAc="seek">
+              <p:cTn id="2" dur="indefinite" nodeType="mainSeq">
+                <p:childTnLst>
+                  <p:par>
+                    <p:cTn id="3" fill="hold">
+                      <p:stCondLst>
+                        <p:cond delay="indefinite"/>
+                      </p:stCondLst>
+                      <p:childTnLst>
+                        <p:par>
+                          <p:cTn id="4" fill="hold">
+                            <p:stCondLst>
+                              <p:cond delay="0"/>
+                            </p:stCondLst>
+                            <p:childTnLst>
+                              <p:par>
+                                <p:cTn id="5" presetID="1" presetClass="entr" presetSubtype="0" fill="hold" grpId="0" nodeType="clickEffect">
+                                  <p:stCondLst>
+                                    <p:cond delay="0"/>
+                                  </p:stCondLst>
+                                  <p:childTnLst>
+                                    <p:set>
+                                      <p:cBhvr>
+                                        <p:cTn id="6" dur="1" fill="hold">
+                                          <p:stCondLst>
+                                            <p:cond delay="0"/>
+                                          </p:stCondLst>
+                                        </p:cTn>
+                                        <p:tgtEl>
+                                          <p:spTgt spid="4"/>
+                                        </p:tgtEl>
+                                        <p:attrNameLst>
+                                          <p:attrName>style.visibility</p:attrName>
+                                        </p:attrNameLst>
+                                      </p:cBhvr>
+                                      <p:to>
+                                        <p:strVal val="visible"/>
+                                      </p:to>
+                                    </p:set>
+                                  </p:childTnLst>
+                                </p:cTn>
+                              </p:par>
+                            </p:childTnLst>
+                          </p:cTn>
+                        </p:par>
+                      </p:childTnLst>
+                    </p:cTn>
+                  </p:par>
+                  <p:par>
+                    <p:cTn id="7" fill="hold">
+                      <p:stCondLst>
+                        <p:cond delay="indefinite"/>
+                      </p:stCondLst>
+                      <p:childTnLst>
+                        <p:par>
+                          <p:cTn id="8" fill="hold">
+                            <p:stCondLst>
+                              <p:cond delay="0"/>
+                            </p:stCondLst>
+                            <p:childTnLst>
+                              <p:par>
+                                <p:cTn id="9" presetID="1" presetClass="entr" presetSubtype="0" fill="hold" grpId="0" nodeType="clickEffect">
+                                  <p:stCondLst>
+                                    <p:cond delay="0"/>
+                                  </p:stCondLst>
+                                  <p:childTnLst>
+                                    <p:set>
+                                      <p:cBhvr>
+                                        <p:cTn id="10" dur="1" fill="hold">
+                                          <p:stCondLst>
+                                            <p:cond delay="0"/>
+                                          </p:stCondLst>
+                                        </p:cTn>
+                                        <p:tgtEl>
+                                          <p:spTgt spid="5"/>
+                                        </p:tgtEl>
+                                        <p:attrNameLst>
+                                          <p:attrName>style.visibility</p:attrName>
+                                        </p:attrNameLst>
+                                      </p:cBhvr>
+                                      <p:to>
+                                        <p:strVal val="visible"/>
+                                      </p:to>
+                                    </p:set>
+                                  </p:childTnLst>
+                                </p:cTn>
+                              </p:par>
+                            </p:childTnLst>
+                          </p:cTn>
+                        </p:par>
+                      </p:childTnLst>
+                    </p:cTn>
+                  </p:par>
+                  <p:par>
+                    <p:cTn id="11" fill="hold">
+                      <p:stCondLst>
+                        <p:cond delay="indefinite"/>
+                      </p:stCondLst>
+                      <p:childTnLst>
+                        <p:par>
+                          <p:cTn id="12" fill="hold">
+                            <p:stCondLst>
+                              <p:cond delay="0"/>
+                            </p:stCondLst>
+                            <p:childTnLst>
+                              <p:par>
+                                <p:cTn id="13" presetID="1" presetClass="entr" presetSubtype="0" fill="hold" grpId="0" nodeType="clickEffect">
+                                  <p:stCondLst>
+                                    <p:cond delay="0"/>
+                                  </p:stCondLst>
+                                  <p:childTnLst>
+                                    <p:set>
+                                      <p:cBhvr>
+                                        <p:cTn id="14" dur="1" fill="hold">
+                                          <p:stCondLst>
+                                            <p:cond delay="0"/>
+                                          </p:stCondLst>
+                                        </p:cTn>
+                                        <p:tgtEl>
+                                          <p:spTgt spid="6"/>
+                                        </p:tgtEl>
+                                        <p:attrNameLst>
+                                          <p:attrName>style.visibility</p:attrName>
+                                        </p:attrNameLst>
+                                      </p:cBhvr>
+                                      <p:to>
+                                        <p:strVal val="visible"/>
+                                      </p:to>
+                                    </p:set>
+                                  </p:childTnLst>
+                                </p:cTn>
+                              </p:par>
+                            </p:childTnLst>
+                          </p:cTn>
+                        </p:par>
+                      </p:childTnLst>
+                    </p:cTn>
+                  </p:par>
+                </p:childTnLst>
+              </p:cTn>
+              <p:prevCondLst>
+                <p:cond evt="onPrev" delay="0">
+                  <p:tgtEl>
+                    <p:sldTgt/>
+                  </p:tgtEl>
+                </p:cond>
+              </p:prevCondLst>
+              <p:nextCondLst>
+                <p:cond evt="onNext" delay="0">
+                  <p:tgtEl>
+                    <p:sldTgt/>
+                  </p:tgtEl>
+                </p:cond>
+              </p:nextCondLst>
+            </p:seq>
+          </p:childTnLst>
+        </p:cTn>
+      </p:par>
+    </p:tnLst>
+    <p:bldLst>
+      <p:bldP spid="4" grpId="0" animBg="1"/>
+      <p:bldP spid="5" grpId="0" animBg="1"/>
+      <p:bldP spid="6" grpId="0" animBg="1"/>
+    </p:bldLst>
+  </p:timing>
 </p:sld>
 </file>
 
 <file path=ppt/slides/slide12.xml><?xml version="1.0" encoding="utf-8"?>
+<p:sld xmlns:a="http://schemas.openxmlformats.org/drawingml/2006/main" xmlns:r="http://schemas.openxmlformats.org/officeDocument/2006/relationships" xmlns:p="http://schemas.openxmlformats.org/presentationml/2006/main">
+  <p:cSld>
+    <p:spTree>
+      <p:nvGrpSpPr>
+        <p:cNvPr id="1" name=""/>
+        <p:cNvGrpSpPr/>
+        <p:nvPr/>
+      </p:nvGrpSpPr>
+      <p:grpSpPr>
+        <a:xfrm>
+          <a:off x="0" y="0"/>
+          <a:ext cx="0" cy="0"/>
+          <a:chOff x="0" y="0"/>
+          <a:chExt cx="0" cy="0"/>
+        </a:xfrm>
+      </p:grpSpPr>
+      <p:sp>
+        <p:nvSpPr>
+          <p:cNvPr id="17410" name="Title 1">
+            <a:extLst>
+              <a:ext uri="{FF2B5EF4-FFF2-40B4-BE49-F238E27FC236}">
+                <a16:creationId xmlns:a16="http://schemas.microsoft.com/office/drawing/2014/main" id="{9A05B501-3FDB-4C5E-BC93-635431A2EF4D}"/>
+              </a:ext>
+            </a:extLst>
+          </p:cNvPr>
+          <p:cNvSpPr>
+            <a:spLocks noGrp="1"/>
+          </p:cNvSpPr>
+          <p:nvPr>
+            <p:ph type="title"/>
+          </p:nvPr>
+        </p:nvSpPr>
+        <p:spPr/>
+        <p:txBody>
+          <a:bodyPr/>
+          <a:lstStyle/>
+          <a:p>
+            <a:r>
+              <a:rPr lang="en-US" altLang="en-US" dirty="0" err="1"/>
+              <a:t>Arreglos</a:t>
+            </a:r>
+            <a:r>
+              <a:rPr lang="en-US" altLang="en-US" dirty="0"/>
+              <a:t> </a:t>
+            </a:r>
+            <a:r>
+              <a:rPr lang="en-US" altLang="en-US" dirty="0" err="1"/>
+              <a:t>multidimensionales</a:t>
+            </a:r>
+            <a:endParaRPr lang="en-US" altLang="en-US" dirty="0"/>
+          </a:p>
+        </p:txBody>
+      </p:sp>
+      <p:sp>
+        <p:nvSpPr>
+          <p:cNvPr id="53251" name="Content Placeholder 2">
+            <a:extLst>
+              <a:ext uri="{FF2B5EF4-FFF2-40B4-BE49-F238E27FC236}">
+                <a16:creationId xmlns:a16="http://schemas.microsoft.com/office/drawing/2014/main" id="{C88622C7-58FE-476F-91B0-A76F4703D2D1}"/>
+              </a:ext>
+            </a:extLst>
+          </p:cNvPr>
+          <p:cNvSpPr>
+            <a:spLocks noGrp="1"/>
+          </p:cNvSpPr>
+          <p:nvPr>
+            <p:ph idx="1"/>
+          </p:nvPr>
+        </p:nvSpPr>
+        <p:spPr>
+          <a:xfrm>
+            <a:off x="457200" y="1476983"/>
+            <a:ext cx="8229600" cy="1558047"/>
+          </a:xfrm>
+        </p:spPr>
+        <p:txBody>
+          <a:bodyPr/>
+          <a:lstStyle/>
+          <a:p>
+            <a:pPr marL="0" indent="0">
+              <a:buFontTx/>
+              <a:buNone/>
+              <a:defRPr/>
+            </a:pPr>
+            <a:r>
+              <a:rPr lang="es-MX" altLang="en-US" dirty="0"/>
+              <a:t>Para acceder a cada uno de los elementos, debemos utilizar los </a:t>
+            </a:r>
+            <a:r>
+              <a:rPr lang="es-MX" altLang="en-US" b="1" dirty="0">
+                <a:solidFill>
+                  <a:schemeClr val="accent3">
+                    <a:lumMod val="60000"/>
+                    <a:lumOff val="40000"/>
+                  </a:schemeClr>
+                </a:solidFill>
+              </a:rPr>
+              <a:t>índices</a:t>
+            </a:r>
+            <a:r>
+              <a:rPr lang="es-MX" altLang="en-US" dirty="0"/>
+              <a:t> pertinentes al elemento que queremos utilizar.</a:t>
+            </a:r>
+            <a:endParaRPr lang="en-US" altLang="en-US" dirty="0"/>
+          </a:p>
+          <a:p>
+            <a:pPr marL="0" indent="0">
+              <a:buFontTx/>
+              <a:buNone/>
+              <a:defRPr/>
+            </a:pPr>
+            <a:endParaRPr lang="en-US" altLang="en-US" dirty="0"/>
+          </a:p>
+        </p:txBody>
+      </p:sp>
+      <p:pic>
+        <p:nvPicPr>
+          <p:cNvPr id="2" name="Picture 1">
+            <a:extLst>
+              <a:ext uri="{FF2B5EF4-FFF2-40B4-BE49-F238E27FC236}">
+                <a16:creationId xmlns:a16="http://schemas.microsoft.com/office/drawing/2014/main" id="{D2D338BF-EFD5-4C25-BA30-F7BF4D940B7B}"/>
+              </a:ext>
+            </a:extLst>
+          </p:cNvPr>
+          <p:cNvPicPr>
+            <a:picLocks noChangeAspect="1"/>
+          </p:cNvPicPr>
+          <p:nvPr/>
+        </p:nvPicPr>
+        <p:blipFill>
+          <a:blip r:embed="rId2"/>
+          <a:stretch>
+            <a:fillRect/>
+          </a:stretch>
+        </p:blipFill>
+        <p:spPr>
+          <a:xfrm>
+            <a:off x="2376993" y="3230562"/>
+            <a:ext cx="4803837" cy="3021080"/>
+          </a:xfrm>
+          <a:prstGeom prst="rect">
+            <a:avLst/>
+          </a:prstGeom>
+        </p:spPr>
+      </p:pic>
+    </p:spTree>
+    <p:extLst>
+      <p:ext uri="{BB962C8B-B14F-4D97-AF65-F5344CB8AC3E}">
+        <p14:creationId xmlns:p14="http://schemas.microsoft.com/office/powerpoint/2010/main" val="2903349426"/>
+      </p:ext>
+    </p:extLst>
+  </p:cSld>
+  <p:clrMapOvr>
+    <a:masterClrMapping/>
+  </p:clrMapOvr>
+</p:sld>
+</file>
+
+<file path=ppt/slides/slide13.xml><?xml version="1.0" encoding="utf-8"?>
 <p:sld xmlns:a="http://schemas.openxmlformats.org/drawingml/2006/main" xmlns:r="http://schemas.openxmlformats.org/officeDocument/2006/relationships" xmlns:p="http://schemas.openxmlformats.org/presentationml/2006/main" showMasterSp="0">
   <p:cSld>
     <p:spTree>
@@ -3214,23 +3767,15 @@
           <a:p>
             <a:r>
               <a:rPr lang="en-US" dirty="0" err="1"/>
-              <a:t>Declaración</a:t>
+              <a:t>Ejemplo</a:t>
             </a:r>
             <a:r>
               <a:rPr lang="en-US" dirty="0"/>
-              <a:t> de </a:t>
+              <a:t>: </a:t>
             </a:r>
             <a:r>
               <a:rPr lang="en-US" dirty="0" err="1"/>
-              <a:t>arreglos</a:t>
-            </a:r>
-            <a:r>
-              <a:rPr lang="en-US" dirty="0"/>
-              <a:t> </a:t>
-            </a:r>
-            <a:r>
-              <a:rPr lang="en-US" dirty="0" err="1"/>
-              <a:t>multidimensionales</a:t>
+              <a:t>Calendario</a:t>
             </a:r>
             <a:endParaRPr lang="en-US" dirty="0"/>
           </a:p>
@@ -3254,7 +3799,7 @@
         </p:nvSpPr>
         <p:spPr>
           <a:xfrm>
-            <a:off x="457200" y="1600200"/>
+            <a:off x="457200" y="1130031"/>
             <a:ext cx="8229600" cy="1901757"/>
           </a:xfrm>
         </p:spPr>
@@ -3267,11 +3812,63 @@
             </a:pPr>
             <a:r>
               <a:rPr lang="en-US" sz="2400" dirty="0" err="1"/>
-              <a:t>Declaración</a:t>
+              <a:t>Diseña</a:t>
             </a:r>
             <a:r>
               <a:rPr lang="en-US" sz="2400" dirty="0"/>
-              <a:t> de una </a:t>
+              <a:t> un </a:t>
+            </a:r>
+            <a:r>
+              <a:rPr lang="en-US" sz="2400" dirty="0" err="1"/>
+              <a:t>método</a:t>
+            </a:r>
+            <a:r>
+              <a:rPr lang="en-US" sz="2400" dirty="0"/>
+              <a:t> </a:t>
+            </a:r>
+            <a:r>
+              <a:rPr lang="en-US" sz="2400" dirty="0" err="1">
+                <a:solidFill>
+                  <a:schemeClr val="accent1">
+                    <a:lumMod val="75000"/>
+                  </a:schemeClr>
+                </a:solidFill>
+                <a:latin typeface="Cascadia Code" panose="00000509000000000000" pitchFamily="49" charset="0"/>
+              </a:rPr>
+              <a:t>createCalendar</a:t>
+            </a:r>
+            <a:r>
+              <a:rPr lang="en-US" sz="2400" dirty="0">
+                <a:solidFill>
+                  <a:schemeClr val="accent1">
+                    <a:lumMod val="75000"/>
+                  </a:schemeClr>
+                </a:solidFill>
+                <a:latin typeface="Cascadia Code" panose="00000509000000000000" pitchFamily="49" charset="0"/>
+              </a:rPr>
+              <a:t>()</a:t>
+            </a:r>
+            <a:r>
+              <a:rPr lang="en-US" sz="2400" dirty="0">
+                <a:solidFill>
+                  <a:schemeClr val="accent1">
+                    <a:lumMod val="75000"/>
+                  </a:schemeClr>
+                </a:solidFill>
+              </a:rPr>
+              <a:t> </a:t>
+            </a:r>
+            <a:r>
+              <a:rPr lang="en-US" sz="2400" dirty="0"/>
+              <a:t>que </a:t>
+            </a:r>
+            <a:r>
+              <a:rPr lang="en-US" sz="2400" dirty="0" err="1"/>
+              <a:t>instancíe</a:t>
+            </a:r>
+            <a:r>
+              <a:rPr lang="en-US" sz="2400" dirty="0"/>
+              <a:t> una </a:t>
             </a:r>
             <a:r>
               <a:rPr lang="en-US" sz="2400" dirty="0" err="1"/>
@@ -3279,207 +3876,59 @@
             </a:r>
             <a:r>
               <a:rPr lang="en-US" sz="2400" dirty="0"/>
-              <a:t>:</a:t>
-            </a:r>
-          </a:p>
-          <a:p>
+              <a:t> </a:t>
+            </a:r>
+            <a:r>
+              <a:rPr lang="en-US" sz="2400" dirty="0" err="1"/>
+              <a:t>en</a:t>
+            </a:r>
             <a:r>
               <a:rPr lang="en-US" sz="2400" dirty="0"/>
-              <a:t>6 </a:t>
+              <a:t> forma de </a:t>
             </a:r>
             <a:r>
               <a:rPr lang="en-US" sz="2400" dirty="0" err="1"/>
-              <a:t>filas</a:t>
-            </a:r>
-            <a:endParaRPr lang="en-US" sz="2400" dirty="0"/>
-          </a:p>
-          <a:p>
+              <a:t>calendario</a:t>
+            </a:r>
             <a:r>
               <a:rPr lang="en-US" sz="2400" dirty="0"/>
-              <a:t>5 </a:t>
-            </a:r>
+              <a:t>. </a:t>
+            </a:r>
+          </a:p>
+          <a:p>
+            <a:pPr marL="0" indent="0">
+              <a:buNone/>
+            </a:pPr>
             <a:r>
               <a:rPr lang="en-US" sz="2400" dirty="0" err="1"/>
-              <a:t>columnas</a:t>
+              <a:t>Cada</a:t>
+            </a:r>
+            <a:r>
+              <a:rPr lang="en-US" sz="2400" dirty="0"/>
+              <a:t> fila </a:t>
+            </a:r>
+            <a:r>
+              <a:rPr lang="en-US" sz="2400" dirty="0" err="1"/>
+              <a:t>deberá</a:t>
+            </a:r>
+            <a:r>
+              <a:rPr lang="en-US" sz="2400" dirty="0"/>
+              <a:t> </a:t>
+            </a:r>
+            <a:r>
+              <a:rPr lang="en-US" sz="2400" dirty="0" err="1"/>
+              <a:t>alc</a:t>
             </a:r>
             <a:endParaRPr lang="en-US" sz="2400" dirty="0"/>
           </a:p>
         </p:txBody>
       </p:sp>
-      <p:pic>
-        <p:nvPicPr>
-          <p:cNvPr id="6" name="Picture 5">
-            <a:extLst>
-              <a:ext uri="{FF2B5EF4-FFF2-40B4-BE49-F238E27FC236}">
-                <a16:creationId xmlns:a16="http://schemas.microsoft.com/office/drawing/2014/main" id="{CC9DE308-16C1-4FED-B7F9-BB42C1733DCA}"/>
-              </a:ext>
-            </a:extLst>
-          </p:cNvPr>
-          <p:cNvPicPr>
-            <a:picLocks noChangeAspect="1"/>
-          </p:cNvPicPr>
-          <p:nvPr/>
-        </p:nvPicPr>
-        <p:blipFill rotWithShape="1">
-          <a:blip r:embed="rId2"/>
-          <a:srcRect b="23504"/>
-          <a:stretch/>
-        </p:blipFill>
-        <p:spPr>
-          <a:xfrm>
-            <a:off x="457200" y="3826212"/>
-            <a:ext cx="4667250" cy="1238656"/>
-          </a:xfrm>
-          <a:prstGeom prst="rect">
-            <a:avLst/>
-          </a:prstGeom>
-        </p:spPr>
-      </p:pic>
     </p:spTree>
     <p:extLst>
       <p:ext uri="{BB962C8B-B14F-4D97-AF65-F5344CB8AC3E}">
         <p14:creationId xmlns:p14="http://schemas.microsoft.com/office/powerpoint/2010/main" val="3985180665"/>
       </p:ext>
     </p:extLst>
-  </p:cSld>
-  <p:clrMapOvr>
-    <a:masterClrMapping/>
-  </p:clrMapOvr>
-</p:sld>
-</file>
-
-<file path=ppt/slides/slide13.xml><?xml version="1.0" encoding="utf-8"?>
-<p:sld xmlns:a="http://schemas.openxmlformats.org/drawingml/2006/main" xmlns:r="http://schemas.openxmlformats.org/officeDocument/2006/relationships" xmlns:p="http://schemas.openxmlformats.org/presentationml/2006/main" showMasterSp="0">
-  <p:cSld>
-    <p:spTree>
-      <p:nvGrpSpPr>
-        <p:cNvPr id="1" name=""/>
-        <p:cNvGrpSpPr/>
-        <p:nvPr/>
-      </p:nvGrpSpPr>
-      <p:grpSpPr>
-        <a:xfrm>
-          <a:off x="0" y="0"/>
-          <a:ext cx="0" cy="0"/>
-          <a:chOff x="0" y="0"/>
-          <a:chExt cx="0" cy="0"/>
-        </a:xfrm>
-      </p:grpSpPr>
-      <p:sp>
-        <p:nvSpPr>
-          <p:cNvPr id="17410" name="Title 1">
-            <a:extLst>
-              <a:ext uri="{FF2B5EF4-FFF2-40B4-BE49-F238E27FC236}">
-                <a16:creationId xmlns:a16="http://schemas.microsoft.com/office/drawing/2014/main" id="{9A05B501-3FDB-4C5E-BC93-635431A2EF4D}"/>
-              </a:ext>
-            </a:extLst>
-          </p:cNvPr>
-          <p:cNvSpPr>
-            <a:spLocks noGrp="1"/>
-          </p:cNvSpPr>
-          <p:nvPr>
-            <p:ph type="title"/>
-          </p:nvPr>
-        </p:nvSpPr>
-        <p:spPr/>
-        <p:txBody>
-          <a:bodyPr/>
-          <a:lstStyle/>
-          <a:p>
-            <a:r>
-              <a:rPr lang="en-US" altLang="en-US" dirty="0" err="1"/>
-              <a:t>Arreglos</a:t>
-            </a:r>
-            <a:r>
-              <a:rPr lang="en-US" altLang="en-US" dirty="0"/>
-              <a:t> </a:t>
-            </a:r>
-            <a:r>
-              <a:rPr lang="en-US" altLang="en-US" dirty="0" err="1"/>
-              <a:t>multidimensionales</a:t>
-            </a:r>
-            <a:endParaRPr lang="en-US" altLang="en-US" dirty="0"/>
-          </a:p>
-        </p:txBody>
-      </p:sp>
-      <p:sp>
-        <p:nvSpPr>
-          <p:cNvPr id="53251" name="Content Placeholder 2">
-            <a:extLst>
-              <a:ext uri="{FF2B5EF4-FFF2-40B4-BE49-F238E27FC236}">
-                <a16:creationId xmlns:a16="http://schemas.microsoft.com/office/drawing/2014/main" id="{C88622C7-58FE-476F-91B0-A76F4703D2D1}"/>
-              </a:ext>
-            </a:extLst>
-          </p:cNvPr>
-          <p:cNvSpPr>
-            <a:spLocks noGrp="1"/>
-          </p:cNvSpPr>
-          <p:nvPr>
-            <p:ph idx="1"/>
-          </p:nvPr>
-        </p:nvSpPr>
-        <p:spPr>
-          <a:xfrm>
-            <a:off x="457200" y="1476983"/>
-            <a:ext cx="8229600" cy="1558047"/>
-          </a:xfrm>
-        </p:spPr>
-        <p:txBody>
-          <a:bodyPr/>
-          <a:lstStyle/>
-          <a:p>
-            <a:pPr marL="0" indent="0">
-              <a:buFontTx/>
-              <a:buNone/>
-              <a:defRPr/>
-            </a:pPr>
-            <a:r>
-              <a:rPr lang="es-MX" altLang="en-US" dirty="0"/>
-              <a:t>Para acceder a cada uno de los elementos, debemos utilizar los índices pertinentes del elemento que queremos utilizar.</a:t>
-            </a:r>
-            <a:endParaRPr lang="en-US" altLang="en-US" dirty="0"/>
-          </a:p>
-          <a:p>
-            <a:pPr marL="0" indent="0">
-              <a:buFontTx/>
-              <a:buNone/>
-              <a:defRPr/>
-            </a:pPr>
-            <a:endParaRPr lang="en-US" altLang="en-US" dirty="0"/>
-          </a:p>
-        </p:txBody>
-      </p:sp>
-      <p:pic>
-        <p:nvPicPr>
-          <p:cNvPr id="2" name="Picture 1">
-            <a:extLst>
-              <a:ext uri="{FF2B5EF4-FFF2-40B4-BE49-F238E27FC236}">
-                <a16:creationId xmlns:a16="http://schemas.microsoft.com/office/drawing/2014/main" id="{D2D338BF-EFD5-4C25-BA30-F7BF4D940B7B}"/>
-              </a:ext>
-            </a:extLst>
-          </p:cNvPr>
-          <p:cNvPicPr>
-            <a:picLocks noChangeAspect="1"/>
-          </p:cNvPicPr>
-          <p:nvPr/>
-        </p:nvPicPr>
-        <p:blipFill>
-          <a:blip r:embed="rId2"/>
-          <a:stretch>
-            <a:fillRect/>
-          </a:stretch>
-        </p:blipFill>
-        <p:spPr>
-          <a:xfrm>
-            <a:off x="2376993" y="3230562"/>
-            <a:ext cx="4803837" cy="3021080"/>
-          </a:xfrm>
-          <a:prstGeom prst="rect">
-            <a:avLst/>
-          </a:prstGeom>
-        </p:spPr>
-      </p:pic>
-    </p:spTree>
   </p:cSld>
   <p:clrMapOvr>
     <a:masterClrMapping/>
@@ -3640,178 +4089,6 @@
           <p:cNvPr id="2" name="Title 1">
             <a:extLst>
               <a:ext uri="{FF2B5EF4-FFF2-40B4-BE49-F238E27FC236}">
-                <a16:creationId xmlns:a16="http://schemas.microsoft.com/office/drawing/2014/main" id="{0C85AC1D-F0E4-4EAC-BED2-82C51D7BC173}"/>
-              </a:ext>
-            </a:extLst>
-          </p:cNvPr>
-          <p:cNvSpPr>
-            <a:spLocks noGrp="1"/>
-          </p:cNvSpPr>
-          <p:nvPr>
-            <p:ph type="title"/>
-          </p:nvPr>
-        </p:nvSpPr>
-        <p:spPr/>
-        <p:txBody>
-          <a:bodyPr/>
-          <a:lstStyle/>
-          <a:p>
-            <a:r>
-              <a:rPr lang="en-US" dirty="0" err="1"/>
-              <a:t>Inicialización</a:t>
-            </a:r>
-            <a:r>
-              <a:rPr lang="en-US" dirty="0"/>
-              <a:t> de </a:t>
-            </a:r>
-            <a:r>
-              <a:rPr lang="en-US" dirty="0" err="1"/>
-              <a:t>arreglos</a:t>
-            </a:r>
-            <a:endParaRPr lang="en-US" dirty="0"/>
-          </a:p>
-        </p:txBody>
-      </p:sp>
-      <p:sp>
-        <p:nvSpPr>
-          <p:cNvPr id="3" name="Content Placeholder 2">
-            <a:extLst>
-              <a:ext uri="{FF2B5EF4-FFF2-40B4-BE49-F238E27FC236}">
-                <a16:creationId xmlns:a16="http://schemas.microsoft.com/office/drawing/2014/main" id="{32DCD470-6085-4749-ABF1-E3AD620F0552}"/>
-              </a:ext>
-            </a:extLst>
-          </p:cNvPr>
-          <p:cNvSpPr>
-            <a:spLocks noGrp="1"/>
-          </p:cNvSpPr>
-          <p:nvPr>
-            <p:ph idx="1"/>
-          </p:nvPr>
-        </p:nvSpPr>
-        <p:spPr>
-          <a:xfrm>
-            <a:off x="457200" y="1600200"/>
-            <a:ext cx="8229600" cy="1143000"/>
-          </a:xfrm>
-        </p:spPr>
-        <p:txBody>
-          <a:bodyPr/>
-          <a:lstStyle/>
-          <a:p>
-            <a:r>
-              <a:rPr lang="en-US" dirty="0" err="1"/>
-              <a:t>Inicialización</a:t>
-            </a:r>
-            <a:r>
-              <a:rPr lang="en-US" dirty="0"/>
-              <a:t> </a:t>
-            </a:r>
-            <a:r>
-              <a:rPr lang="en-US" dirty="0" err="1"/>
-              <a:t>implícita</a:t>
-            </a:r>
-            <a:r>
-              <a:rPr lang="en-US" dirty="0"/>
-              <a:t>:</a:t>
-            </a:r>
-          </a:p>
-        </p:txBody>
-      </p:sp>
-      <p:pic>
-        <p:nvPicPr>
-          <p:cNvPr id="4" name="Picture 3">
-            <a:extLst>
-              <a:ext uri="{FF2B5EF4-FFF2-40B4-BE49-F238E27FC236}">
-                <a16:creationId xmlns:a16="http://schemas.microsoft.com/office/drawing/2014/main" id="{66C740C1-2CD9-4A57-8E2C-7C3646E618F5}"/>
-              </a:ext>
-            </a:extLst>
-          </p:cNvPr>
-          <p:cNvPicPr>
-            <a:picLocks noChangeAspect="1"/>
-          </p:cNvPicPr>
-          <p:nvPr/>
-        </p:nvPicPr>
-        <p:blipFill>
-          <a:blip r:embed="rId2"/>
-          <a:stretch>
-            <a:fillRect/>
-          </a:stretch>
-        </p:blipFill>
-        <p:spPr>
-          <a:xfrm>
-            <a:off x="809716" y="2394727"/>
-            <a:ext cx="6421178" cy="805132"/>
-          </a:xfrm>
-          <a:prstGeom prst="rect">
-            <a:avLst/>
-          </a:prstGeom>
-        </p:spPr>
-      </p:pic>
-      <p:pic>
-        <p:nvPicPr>
-          <p:cNvPr id="6" name="Picture 5">
-            <a:extLst>
-              <a:ext uri="{FF2B5EF4-FFF2-40B4-BE49-F238E27FC236}">
-                <a16:creationId xmlns:a16="http://schemas.microsoft.com/office/drawing/2014/main" id="{595FA961-F756-4A6F-8158-8DC21A43FFA2}"/>
-              </a:ext>
-            </a:extLst>
-          </p:cNvPr>
-          <p:cNvPicPr>
-            <a:picLocks noChangeAspect="1"/>
-          </p:cNvPicPr>
-          <p:nvPr/>
-        </p:nvPicPr>
-        <p:blipFill>
-          <a:blip r:embed="rId3"/>
-          <a:stretch>
-            <a:fillRect/>
-          </a:stretch>
-        </p:blipFill>
-        <p:spPr>
-          <a:xfrm>
-            <a:off x="809716" y="3429000"/>
-            <a:ext cx="3830180" cy="2076855"/>
-          </a:xfrm>
-          <a:prstGeom prst="rect">
-            <a:avLst/>
-          </a:prstGeom>
-        </p:spPr>
-      </p:pic>
-    </p:spTree>
-    <p:extLst>
-      <p:ext uri="{BB962C8B-B14F-4D97-AF65-F5344CB8AC3E}">
-        <p14:creationId xmlns:p14="http://schemas.microsoft.com/office/powerpoint/2010/main" val="950711904"/>
-      </p:ext>
-    </p:extLst>
-  </p:cSld>
-  <p:clrMapOvr>
-    <a:masterClrMapping/>
-  </p:clrMapOvr>
-</p:sld>
-</file>
-
-<file path=ppt/slides/slide16.xml><?xml version="1.0" encoding="utf-8"?>
-<p:sld xmlns:a="http://schemas.openxmlformats.org/drawingml/2006/main" xmlns:r="http://schemas.openxmlformats.org/officeDocument/2006/relationships" xmlns:p="http://schemas.openxmlformats.org/presentationml/2006/main" showMasterSp="0">
-  <p:cSld>
-    <p:spTree>
-      <p:nvGrpSpPr>
-        <p:cNvPr id="1" name=""/>
-        <p:cNvGrpSpPr/>
-        <p:nvPr/>
-      </p:nvGrpSpPr>
-      <p:grpSpPr>
-        <a:xfrm>
-          <a:off x="0" y="0"/>
-          <a:ext cx="0" cy="0"/>
-          <a:chOff x="0" y="0"/>
-          <a:chExt cx="0" cy="0"/>
-        </a:xfrm>
-      </p:grpSpPr>
-      <p:sp>
-        <p:nvSpPr>
-          <p:cNvPr id="2" name="Title 1">
-            <a:extLst>
-              <a:ext uri="{FF2B5EF4-FFF2-40B4-BE49-F238E27FC236}">
                 <a16:creationId xmlns:a16="http://schemas.microsoft.com/office/drawing/2014/main" id="{8D35616C-53BE-4653-B9FE-959B20E448F9}"/>
               </a:ext>
             </a:extLst>
@@ -3892,15 +4169,15 @@
               <a:defRPr/>
             </a:pPr>
             <a:r>
-              <a:rPr lang="es-ES" sz="2400" b="1" dirty="0"/>
-              <a:t>     </a:t>
-            </a:r>
-            <a:r>
-              <a:rPr lang="es-ES" sz="2400" b="1" dirty="0" err="1"/>
+              <a:rPr lang="es-ES" sz="2400" b="1" dirty="0" err="1">
+                <a:latin typeface="Cascadia Code" panose="00000509000000000000" pitchFamily="49" charset="0"/>
+              </a:rPr>
               <a:t>nombre.length</a:t>
             </a:r>
             <a:r>
-              <a:rPr lang="es-ES" sz="2400" b="1" dirty="0"/>
+              <a:rPr lang="es-ES" sz="2400" b="1" dirty="0">
+                <a:latin typeface="Cascadia Code" panose="00000509000000000000" pitchFamily="49" charset="0"/>
+              </a:rPr>
               <a:t> </a:t>
             </a:r>
           </a:p>
@@ -3915,11 +4192,11 @@
             </a:pPr>
             <a:r>
               <a:rPr lang="es-ES" sz="2400" dirty="0"/>
-              <a:t>En donde nombre es el nombre de la variable matriz.</a:t>
-            </a:r>
-          </a:p>
-          <a:p>
-            <a:pPr marL="320040" indent="-320040" fontAlgn="auto">
+              <a:t>Para obtener el numero de columnas de una matriz debe escribirse:  </a:t>
+            </a:r>
+          </a:p>
+          <a:p>
+            <a:pPr marL="320040" indent="-320040" algn="ctr" fontAlgn="auto">
               <a:spcAft>
                 <a:spcPts val="0"/>
               </a:spcAft>
@@ -3928,44 +4205,37 @@
               <a:defRPr/>
             </a:pPr>
             <a:r>
-              <a:rPr lang="es-ES" sz="2400" dirty="0"/>
-              <a:t>Para obtener el numero de columnas de una matriz debe escribirse:  </a:t>
-            </a:r>
-          </a:p>
-          <a:p>
-            <a:pPr marL="320040" indent="-320040" fontAlgn="auto">
-              <a:spcAft>
-                <a:spcPts val="0"/>
-              </a:spcAft>
-              <a:buFont typeface="Wingdings"/>
-              <a:buNone/>
-              <a:defRPr/>
-            </a:pPr>
-            <a:r>
-              <a:rPr lang="es-ES" sz="2400" b="1" dirty="0"/>
-              <a:t>  				      nombre[0].</a:t>
-            </a:r>
-            <a:r>
-              <a:rPr lang="es-ES" sz="2400" b="1" dirty="0" err="1"/>
+              <a:rPr lang="es-ES" sz="2400" b="1" dirty="0">
+                <a:latin typeface="Cascadia Code" panose="00000509000000000000" pitchFamily="49" charset="0"/>
+              </a:rPr>
+              <a:t>nombre[</a:t>
+            </a:r>
+            <a:r>
+              <a:rPr lang="es-ES" sz="2400" b="1" dirty="0" err="1">
+                <a:solidFill>
+                  <a:srgbClr val="92D050"/>
+                </a:solidFill>
+                <a:latin typeface="Cascadia Code" panose="00000509000000000000" pitchFamily="49" charset="0"/>
+              </a:rPr>
+              <a:t>row_index</a:t>
+            </a:r>
+            <a:r>
+              <a:rPr lang="es-ES" sz="2400" b="1" dirty="0">
+                <a:latin typeface="Cascadia Code" panose="00000509000000000000" pitchFamily="49" charset="0"/>
+              </a:rPr>
+              <a:t>].</a:t>
+            </a:r>
+            <a:r>
+              <a:rPr lang="es-ES" sz="2400" b="1" dirty="0" err="1">
+                <a:latin typeface="Cascadia Code" panose="00000509000000000000" pitchFamily="49" charset="0"/>
+              </a:rPr>
               <a:t>length</a:t>
             </a:r>
             <a:r>
-              <a:rPr lang="es-ES" sz="2400" b="1" dirty="0"/>
+              <a:rPr lang="es-ES" sz="2400" b="1" dirty="0">
+                <a:latin typeface="Cascadia Code" panose="00000509000000000000" pitchFamily="49" charset="0"/>
+              </a:rPr>
               <a:t> </a:t>
-            </a:r>
-          </a:p>
-          <a:p>
-            <a:pPr marL="320040" indent="-320040" fontAlgn="auto">
-              <a:spcAft>
-                <a:spcPts val="0"/>
-              </a:spcAft>
-              <a:buFont typeface="Wingdings"/>
-              <a:buNone/>
-              <a:defRPr/>
-            </a:pPr>
-            <a:r>
-              <a:rPr lang="es-ES" sz="2400" dirty="0"/>
-              <a:t>En donde nombre es el nombre de la variable matriz.</a:t>
             </a:r>
           </a:p>
           <a:p>
@@ -3994,7 +4264,7 @@
 </p:sld>
 </file>
 
-<file path=ppt/slides/slide17.xml><?xml version="1.0" encoding="utf-8"?>
+<file path=ppt/slides/slide16.xml><?xml version="1.0" encoding="utf-8"?>
 <p:sld xmlns:a="http://schemas.openxmlformats.org/drawingml/2006/main" xmlns:r="http://schemas.openxmlformats.org/officeDocument/2006/relationships" xmlns:p="http://schemas.openxmlformats.org/presentationml/2006/main" showMasterSp="0">
   <p:cSld>
     <p:spTree>
@@ -4057,7 +4327,7 @@
         </p:nvSpPr>
         <p:spPr>
           <a:xfrm>
-            <a:off x="457200" y="1600200"/>
+            <a:off x="457200" y="1216292"/>
             <a:ext cx="8229600" cy="1596957"/>
           </a:xfrm>
         </p:spPr>
@@ -4077,20 +4347,56 @@
               <a:t>La estructura compañera de las matrices es dos ciclos </a:t>
             </a:r>
             <a:r>
-              <a:rPr lang="es-ES" sz="2400" dirty="0" err="1"/>
+              <a:rPr lang="es-ES" sz="2400" b="1" dirty="0" err="1">
+                <a:solidFill>
+                  <a:schemeClr val="accent3">
+                    <a:lumMod val="60000"/>
+                    <a:lumOff val="40000"/>
+                  </a:schemeClr>
+                </a:solidFill>
+                <a:latin typeface="Cascadia Code" panose="00000509000000000000" pitchFamily="49" charset="0"/>
+              </a:rPr>
               <a:t>for</a:t>
             </a:r>
             <a:r>
+              <a:rPr lang="es-ES" sz="2400" b="1" dirty="0">
+                <a:solidFill>
+                  <a:schemeClr val="accent3">
+                    <a:lumMod val="60000"/>
+                    <a:lumOff val="40000"/>
+                  </a:schemeClr>
+                </a:solidFill>
+                <a:latin typeface="Cascadia Code" panose="00000509000000000000" pitchFamily="49" charset="0"/>
+              </a:rPr>
+              <a:t> </a:t>
+            </a:r>
+            <a:r>
+              <a:rPr lang="es-ES" sz="2400" b="1" dirty="0">
+                <a:solidFill>
+                  <a:schemeClr val="accent3">
+                    <a:lumMod val="60000"/>
+                    <a:lumOff val="40000"/>
+                  </a:schemeClr>
+                </a:solidFill>
+              </a:rPr>
+              <a:t>anidados</a:t>
+            </a:r>
+            <a:r>
               <a:rPr lang="es-ES" sz="2400" dirty="0"/>
-              <a:t> </a:t>
-            </a:r>
-            <a:r>
-              <a:rPr lang="es-ES" sz="2400" u="sng" dirty="0"/>
-              <a:t>anidados</a:t>
-            </a:r>
+              <a:t>. </a:t>
+            </a:r>
+          </a:p>
+          <a:p>
+            <a:pPr marL="0" indent="0" fontAlgn="auto">
+              <a:spcAft>
+                <a:spcPts val="0"/>
+              </a:spcAft>
+              <a:buNone/>
+              <a:defRPr/>
+            </a:pPr>
             <a:r>
               <a:rPr lang="es-ES" sz="2400" dirty="0"/>
-              <a:t>. La mayoría de los problemas de matrices tienen un código similar al siguiente:</a:t>
+              <a:t>La mayoría de los problemas de matrices tienen un código similar al siguiente:</a:t>
             </a:r>
           </a:p>
           <a:p>
@@ -4107,36 +4413,287 @@
           </a:p>
         </p:txBody>
       </p:sp>
-      <p:pic>
-        <p:nvPicPr>
-          <p:cNvPr id="4" name="Picture 3">
+      <p:sp>
+        <p:nvSpPr>
+          <p:cNvPr id="5" name="Rectangle 4">
             <a:extLst>
               <a:ext uri="{FF2B5EF4-FFF2-40B4-BE49-F238E27FC236}">
-                <a16:creationId xmlns:a16="http://schemas.microsoft.com/office/drawing/2014/main" id="{C3426590-140C-4B61-89F0-F0B703589E23}"/>
+                <a16:creationId xmlns:a16="http://schemas.microsoft.com/office/drawing/2014/main" id="{4201A289-8941-4ED4-8D06-C7FE9B477435}"/>
               </a:ext>
             </a:extLst>
           </p:cNvPr>
-          <p:cNvPicPr>
-            <a:picLocks noChangeAspect="1"/>
-          </p:cNvPicPr>
+          <p:cNvSpPr/>
           <p:nvPr/>
-        </p:nvPicPr>
-        <p:blipFill>
-          <a:blip r:embed="rId2"/>
-          <a:stretch>
-            <a:fillRect/>
-          </a:stretch>
-        </p:blipFill>
+        </p:nvSpPr>
         <p:spPr>
           <a:xfrm>
             <a:off x="457200" y="3429000"/>
-            <a:ext cx="8429625" cy="1514475"/>
+            <a:ext cx="8037646" cy="1477328"/>
           </a:xfrm>
           <a:prstGeom prst="rect">
             <a:avLst/>
           </a:prstGeom>
+          <a:solidFill>
+            <a:schemeClr val="tx1"/>
+          </a:solidFill>
         </p:spPr>
-      </p:pic>
+        <p:txBody>
+          <a:bodyPr wrap="square">
+            <a:spAutoFit/>
+          </a:bodyPr>
+          <a:lstStyle/>
+          <a:p>
+            <a:r>
+              <a:rPr lang="en-US" dirty="0">
+                <a:solidFill>
+                  <a:srgbClr val="C586C0"/>
+                </a:solidFill>
+                <a:latin typeface="Cascadia Code,  Courier New"/>
+              </a:rPr>
+              <a:t>for</a:t>
+            </a:r>
+            <a:r>
+              <a:rPr lang="en-US" dirty="0">
+                <a:solidFill>
+                  <a:srgbClr val="D4D4D4"/>
+                </a:solidFill>
+                <a:latin typeface="Cascadia Code,  Courier New"/>
+              </a:rPr>
+              <a:t>(</a:t>
+            </a:r>
+            <a:r>
+              <a:rPr lang="en-US" dirty="0">
+                <a:solidFill>
+                  <a:srgbClr val="4EC9B0"/>
+                </a:solidFill>
+                <a:latin typeface="Cascadia Code,  Courier New"/>
+              </a:rPr>
+              <a:t>int</a:t>
+            </a:r>
+            <a:r>
+              <a:rPr lang="en-US" dirty="0">
+                <a:solidFill>
+                  <a:srgbClr val="D4D4D4"/>
+                </a:solidFill>
+                <a:latin typeface="Cascadia Code,  Courier New"/>
+              </a:rPr>
+              <a:t> </a:t>
+            </a:r>
+            <a:r>
+              <a:rPr lang="en-US" dirty="0">
+                <a:solidFill>
+                  <a:srgbClr val="9CDCFE"/>
+                </a:solidFill>
+                <a:latin typeface="Cascadia Code,  Courier New"/>
+              </a:rPr>
+              <a:t>row</a:t>
+            </a:r>
+            <a:r>
+              <a:rPr lang="en-US" dirty="0">
+                <a:solidFill>
+                  <a:srgbClr val="D4D4D4"/>
+                </a:solidFill>
+                <a:latin typeface="Cascadia Code,  Courier New"/>
+              </a:rPr>
+              <a:t> = </a:t>
+            </a:r>
+            <a:r>
+              <a:rPr lang="en-US" dirty="0">
+                <a:solidFill>
+                  <a:srgbClr val="B5CEA8"/>
+                </a:solidFill>
+                <a:latin typeface="Cascadia Code,  Courier New"/>
+              </a:rPr>
+              <a:t>0</a:t>
+            </a:r>
+            <a:r>
+              <a:rPr lang="en-US" dirty="0">
+                <a:solidFill>
+                  <a:srgbClr val="D4D4D4"/>
+                </a:solidFill>
+                <a:latin typeface="Cascadia Code,  Courier New"/>
+              </a:rPr>
+              <a:t>; row &lt; </a:t>
+            </a:r>
+            <a:r>
+              <a:rPr lang="en-US" dirty="0" err="1">
+                <a:solidFill>
+                  <a:srgbClr val="9CDCFE"/>
+                </a:solidFill>
+                <a:latin typeface="Cascadia Code,  Courier New"/>
+              </a:rPr>
+              <a:t>matrix</a:t>
+            </a:r>
+            <a:r>
+              <a:rPr lang="en-US" dirty="0" err="1">
+                <a:solidFill>
+                  <a:srgbClr val="D4D4D4"/>
+                </a:solidFill>
+                <a:latin typeface="Cascadia Code,  Courier New"/>
+              </a:rPr>
+              <a:t>.</a:t>
+            </a:r>
+            <a:r>
+              <a:rPr lang="en-US" dirty="0" err="1">
+                <a:solidFill>
+                  <a:srgbClr val="9CDCFE"/>
+                </a:solidFill>
+                <a:latin typeface="Cascadia Code,  Courier New"/>
+              </a:rPr>
+              <a:t>length</a:t>
+            </a:r>
+            <a:r>
+              <a:rPr lang="en-US" dirty="0">
+                <a:solidFill>
+                  <a:srgbClr val="D4D4D4"/>
+                </a:solidFill>
+                <a:latin typeface="Cascadia Code,  Courier New"/>
+              </a:rPr>
+              <a:t>; row++){</a:t>
+            </a:r>
+          </a:p>
+          <a:p>
+            <a:r>
+              <a:rPr lang="en-US" dirty="0">
+                <a:solidFill>
+                  <a:srgbClr val="D4D4D4"/>
+                </a:solidFill>
+                <a:latin typeface="Cascadia Code,  Courier New"/>
+              </a:rPr>
+              <a:t>  </a:t>
+            </a:r>
+            <a:r>
+              <a:rPr lang="en-US" dirty="0">
+                <a:solidFill>
+                  <a:srgbClr val="C586C0"/>
+                </a:solidFill>
+                <a:latin typeface="Cascadia Code,  Courier New"/>
+              </a:rPr>
+              <a:t>for</a:t>
+            </a:r>
+            <a:r>
+              <a:rPr lang="en-US" dirty="0">
+                <a:solidFill>
+                  <a:srgbClr val="D4D4D4"/>
+                </a:solidFill>
+                <a:latin typeface="Cascadia Code,  Courier New"/>
+              </a:rPr>
+              <a:t>(</a:t>
+            </a:r>
+            <a:r>
+              <a:rPr lang="en-US" dirty="0">
+                <a:solidFill>
+                  <a:srgbClr val="4EC9B0"/>
+                </a:solidFill>
+                <a:latin typeface="Cascadia Code,  Courier New"/>
+              </a:rPr>
+              <a:t>int</a:t>
+            </a:r>
+            <a:r>
+              <a:rPr lang="en-US" dirty="0">
+                <a:solidFill>
+                  <a:srgbClr val="D4D4D4"/>
+                </a:solidFill>
+                <a:latin typeface="Cascadia Code,  Courier New"/>
+              </a:rPr>
+              <a:t> </a:t>
+            </a:r>
+            <a:r>
+              <a:rPr lang="en-US" dirty="0">
+                <a:solidFill>
+                  <a:srgbClr val="9CDCFE"/>
+                </a:solidFill>
+                <a:latin typeface="Cascadia Code,  Courier New"/>
+              </a:rPr>
+              <a:t>column</a:t>
+            </a:r>
+            <a:r>
+              <a:rPr lang="en-US" dirty="0">
+                <a:solidFill>
+                  <a:srgbClr val="D4D4D4"/>
+                </a:solidFill>
+                <a:latin typeface="Cascadia Code,  Courier New"/>
+              </a:rPr>
+              <a:t> = </a:t>
+            </a:r>
+            <a:r>
+              <a:rPr lang="en-US" dirty="0">
+                <a:solidFill>
+                  <a:srgbClr val="B5CEA8"/>
+                </a:solidFill>
+                <a:latin typeface="Cascadia Code,  Courier New"/>
+              </a:rPr>
+              <a:t>0</a:t>
+            </a:r>
+            <a:r>
+              <a:rPr lang="en-US" dirty="0">
+                <a:solidFill>
+                  <a:srgbClr val="D4D4D4"/>
+                </a:solidFill>
+                <a:latin typeface="Cascadia Code,  Courier New"/>
+              </a:rPr>
+              <a:t>; column &lt; matrix[row].</a:t>
+            </a:r>
+            <a:r>
+              <a:rPr lang="en-US" dirty="0">
+                <a:solidFill>
+                  <a:srgbClr val="9CDCFE"/>
+                </a:solidFill>
+                <a:latin typeface="Cascadia Code,  Courier New"/>
+              </a:rPr>
+              <a:t>length</a:t>
+            </a:r>
+            <a:r>
+              <a:rPr lang="en-US" dirty="0">
+                <a:solidFill>
+                  <a:srgbClr val="D4D4D4"/>
+                </a:solidFill>
+                <a:latin typeface="Cascadia Code,  Courier New"/>
+              </a:rPr>
+              <a:t>; column++) {</a:t>
+            </a:r>
+          </a:p>
+          <a:p>
+            <a:r>
+              <a:rPr lang="en-US" dirty="0">
+                <a:solidFill>
+                  <a:srgbClr val="6A9955"/>
+                </a:solidFill>
+                <a:latin typeface="Cascadia Code,  Courier New"/>
+              </a:rPr>
+              <a:t>    // Code here</a:t>
+            </a:r>
+            <a:endParaRPr lang="en-US" dirty="0">
+              <a:solidFill>
+                <a:srgbClr val="D4D4D4"/>
+              </a:solidFill>
+              <a:latin typeface="Cascadia Code,  Courier New"/>
+            </a:endParaRPr>
+          </a:p>
+          <a:p>
+            <a:r>
+              <a:rPr lang="en-US" dirty="0">
+                <a:solidFill>
+                  <a:srgbClr val="D4D4D4"/>
+                </a:solidFill>
+                <a:latin typeface="Cascadia Code,  Courier New"/>
+              </a:rPr>
+              <a:t>  }</a:t>
+            </a:r>
+          </a:p>
+          <a:p>
+            <a:r>
+              <a:rPr lang="en-US" dirty="0">
+                <a:solidFill>
+                  <a:srgbClr val="D4D4D4"/>
+                </a:solidFill>
+                <a:latin typeface="Cascadia Code,  Courier New"/>
+              </a:rPr>
+              <a:t>}</a:t>
+            </a:r>
+          </a:p>
+        </p:txBody>
+      </p:sp>
     </p:spTree>
     <p:extLst>
       <p:ext uri="{BB962C8B-B14F-4D97-AF65-F5344CB8AC3E}">
@@ -4150,7 +4707,7 @@
 </p:sld>
 </file>
 
-<file path=ppt/slides/slide18.xml><?xml version="1.0" encoding="utf-8"?>
+<file path=ppt/slides/slide17.xml><?xml version="1.0" encoding="utf-8"?>
 <p:sld xmlns:a="http://schemas.openxmlformats.org/drawingml/2006/main" xmlns:r="http://schemas.openxmlformats.org/officeDocument/2006/relationships" xmlns:p="http://schemas.openxmlformats.org/presentationml/2006/main" showMasterSp="0">
   <p:cSld>
     <p:spTree>
@@ -4196,66 +4753,6 @@
           </a:p>
         </p:txBody>
       </p:sp>
-      <p:pic>
-        <p:nvPicPr>
-          <p:cNvPr id="6" name="Picture 5">
-            <a:extLst>
-              <a:ext uri="{FF2B5EF4-FFF2-40B4-BE49-F238E27FC236}">
-                <a16:creationId xmlns:a16="http://schemas.microsoft.com/office/drawing/2014/main" id="{F068DFB8-08F5-4545-A596-02A2A5120E12}"/>
-              </a:ext>
-            </a:extLst>
-          </p:cNvPr>
-          <p:cNvPicPr>
-            <a:picLocks noChangeAspect="1"/>
-          </p:cNvPicPr>
-          <p:nvPr/>
-        </p:nvPicPr>
-        <p:blipFill>
-          <a:blip r:embed="rId2"/>
-          <a:stretch>
-            <a:fillRect/>
-          </a:stretch>
-        </p:blipFill>
-        <p:spPr>
-          <a:xfrm>
-            <a:off x="252412" y="1845655"/>
-            <a:ext cx="8639175" cy="2581275"/>
-          </a:xfrm>
-          <a:prstGeom prst="rect">
-            <a:avLst/>
-          </a:prstGeom>
-        </p:spPr>
-      </p:pic>
-      <p:pic>
-        <p:nvPicPr>
-          <p:cNvPr id="7" name="Picture 6">
-            <a:extLst>
-              <a:ext uri="{FF2B5EF4-FFF2-40B4-BE49-F238E27FC236}">
-                <a16:creationId xmlns:a16="http://schemas.microsoft.com/office/drawing/2014/main" id="{31C8DA1B-54AC-45CC-91CE-EBD08E149535}"/>
-              </a:ext>
-            </a:extLst>
-          </p:cNvPr>
-          <p:cNvPicPr>
-            <a:picLocks noChangeAspect="1"/>
-          </p:cNvPicPr>
-          <p:nvPr/>
-        </p:nvPicPr>
-        <p:blipFill>
-          <a:blip r:embed="rId3"/>
-          <a:stretch>
-            <a:fillRect/>
-          </a:stretch>
-        </p:blipFill>
-        <p:spPr>
-          <a:xfrm>
-            <a:off x="5494142" y="4574777"/>
-            <a:ext cx="3192658" cy="1731169"/>
-          </a:xfrm>
-          <a:prstGeom prst="rect">
-            <a:avLst/>
-          </a:prstGeom>
-        </p:spPr>
-      </p:pic>
       <p:sp>
         <p:nvSpPr>
           <p:cNvPr id="8" name="Content Placeholder 2">
@@ -4293,6 +4790,1090 @@
           </a:p>
         </p:txBody>
       </p:sp>
+      <p:sp>
+        <p:nvSpPr>
+          <p:cNvPr id="3" name="Rectangle 2">
+            <a:extLst>
+              <a:ext uri="{FF2B5EF4-FFF2-40B4-BE49-F238E27FC236}">
+                <a16:creationId xmlns:a16="http://schemas.microsoft.com/office/drawing/2014/main" id="{63998A18-AE25-49B4-A382-41DD7A7EB6DA}"/>
+              </a:ext>
+            </a:extLst>
+          </p:cNvPr>
+          <p:cNvSpPr/>
+          <p:nvPr/>
+        </p:nvSpPr>
+        <p:spPr>
+          <a:xfrm>
+            <a:off x="586333" y="2052057"/>
+            <a:ext cx="7971334" cy="2308324"/>
+          </a:xfrm>
+          <a:prstGeom prst="rect">
+            <a:avLst/>
+          </a:prstGeom>
+          <a:solidFill>
+            <a:schemeClr val="tx1"/>
+          </a:solidFill>
+        </p:spPr>
+        <p:txBody>
+          <a:bodyPr wrap="square">
+            <a:spAutoFit/>
+          </a:bodyPr>
+          <a:lstStyle/>
+          <a:p>
+            <a:r>
+              <a:rPr lang="en-US" dirty="0">
+                <a:solidFill>
+                  <a:srgbClr val="4EC9B0"/>
+                </a:solidFill>
+                <a:latin typeface="Cascadia Code,  Courier New"/>
+              </a:rPr>
+              <a:t>int</a:t>
+            </a:r>
+            <a:r>
+              <a:rPr lang="en-US" dirty="0">
+                <a:solidFill>
+                  <a:srgbClr val="D4D4D4"/>
+                </a:solidFill>
+                <a:latin typeface="Cascadia Code,  Courier New"/>
+              </a:rPr>
+              <a:t>[][] </a:t>
+            </a:r>
+            <a:r>
+              <a:rPr lang="en-US" dirty="0">
+                <a:solidFill>
+                  <a:srgbClr val="9CDCFE"/>
+                </a:solidFill>
+                <a:latin typeface="Cascadia Code,  Courier New"/>
+              </a:rPr>
+              <a:t>matrix</a:t>
+            </a:r>
+            <a:r>
+              <a:rPr lang="en-US" dirty="0">
+                <a:solidFill>
+                  <a:srgbClr val="D4D4D4"/>
+                </a:solidFill>
+                <a:latin typeface="Cascadia Code,  Courier New"/>
+              </a:rPr>
+              <a:t> = </a:t>
+            </a:r>
+            <a:r>
+              <a:rPr lang="en-US" dirty="0">
+                <a:solidFill>
+                  <a:srgbClr val="C586C0"/>
+                </a:solidFill>
+                <a:latin typeface="Cascadia Code,  Courier New"/>
+              </a:rPr>
+              <a:t>new</a:t>
+            </a:r>
+            <a:r>
+              <a:rPr lang="en-US" dirty="0">
+                <a:solidFill>
+                  <a:srgbClr val="D4D4D4"/>
+                </a:solidFill>
+                <a:latin typeface="Cascadia Code,  Courier New"/>
+              </a:rPr>
+              <a:t> </a:t>
+            </a:r>
+            <a:r>
+              <a:rPr lang="en-US" dirty="0">
+                <a:solidFill>
+                  <a:srgbClr val="4EC9B0"/>
+                </a:solidFill>
+                <a:latin typeface="Cascadia Code,  Courier New"/>
+              </a:rPr>
+              <a:t>int</a:t>
+            </a:r>
+            <a:r>
+              <a:rPr lang="en-US" dirty="0">
+                <a:solidFill>
+                  <a:srgbClr val="D4D4D4"/>
+                </a:solidFill>
+                <a:latin typeface="Cascadia Code,  Courier New"/>
+              </a:rPr>
+              <a:t>[</a:t>
+            </a:r>
+            <a:r>
+              <a:rPr lang="en-US" dirty="0">
+                <a:solidFill>
+                  <a:srgbClr val="B5CEA8"/>
+                </a:solidFill>
+                <a:latin typeface="Cascadia Code,  Courier New"/>
+              </a:rPr>
+              <a:t>3</a:t>
+            </a:r>
+            <a:r>
+              <a:rPr lang="en-US" dirty="0">
+                <a:solidFill>
+                  <a:srgbClr val="D4D4D4"/>
+                </a:solidFill>
+                <a:latin typeface="Cascadia Code,  Courier New"/>
+              </a:rPr>
+              <a:t>][</a:t>
+            </a:r>
+            <a:r>
+              <a:rPr lang="en-US" dirty="0">
+                <a:solidFill>
+                  <a:srgbClr val="B5CEA8"/>
+                </a:solidFill>
+                <a:latin typeface="Cascadia Code,  Courier New"/>
+              </a:rPr>
+              <a:t>3</a:t>
+            </a:r>
+            <a:r>
+              <a:rPr lang="en-US" dirty="0">
+                <a:solidFill>
+                  <a:srgbClr val="D4D4D4"/>
+                </a:solidFill>
+                <a:latin typeface="Cascadia Code,  Courier New"/>
+              </a:rPr>
+              <a:t>];</a:t>
+            </a:r>
+          </a:p>
+          <a:p>
+            <a:r>
+              <a:rPr lang="en-US" dirty="0">
+                <a:solidFill>
+                  <a:srgbClr val="4EC9B0"/>
+                </a:solidFill>
+                <a:latin typeface="Cascadia Code,  Courier New"/>
+              </a:rPr>
+              <a:t>int</a:t>
+            </a:r>
+            <a:r>
+              <a:rPr lang="en-US" dirty="0">
+                <a:solidFill>
+                  <a:srgbClr val="D4D4D4"/>
+                </a:solidFill>
+                <a:latin typeface="Cascadia Code,  Courier New"/>
+              </a:rPr>
+              <a:t> </a:t>
+            </a:r>
+            <a:r>
+              <a:rPr lang="en-US" dirty="0" err="1">
+                <a:solidFill>
+                  <a:srgbClr val="9CDCFE"/>
+                </a:solidFill>
+                <a:latin typeface="Cascadia Code,  Courier New"/>
+              </a:rPr>
+              <a:t>contador</a:t>
+            </a:r>
+            <a:r>
+              <a:rPr lang="en-US" dirty="0">
+                <a:solidFill>
+                  <a:srgbClr val="D4D4D4"/>
+                </a:solidFill>
+                <a:latin typeface="Cascadia Code,  Courier New"/>
+              </a:rPr>
+              <a:t> = </a:t>
+            </a:r>
+            <a:r>
+              <a:rPr lang="en-US" dirty="0">
+                <a:solidFill>
+                  <a:srgbClr val="B5CEA8"/>
+                </a:solidFill>
+                <a:latin typeface="Cascadia Code,  Courier New"/>
+              </a:rPr>
+              <a:t>1</a:t>
+            </a:r>
+            <a:r>
+              <a:rPr lang="en-US" dirty="0">
+                <a:solidFill>
+                  <a:srgbClr val="D4D4D4"/>
+                </a:solidFill>
+                <a:latin typeface="Cascadia Code,  Courier New"/>
+              </a:rPr>
+              <a:t>;</a:t>
+            </a:r>
+          </a:p>
+          <a:p>
+            <a:br>
+              <a:rPr lang="en-US" dirty="0">
+                <a:solidFill>
+                  <a:srgbClr val="D4D4D4"/>
+                </a:solidFill>
+                <a:latin typeface="Cascadia Code,  Courier New"/>
+              </a:rPr>
+            </a:br>
+            <a:r>
+              <a:rPr lang="en-US" dirty="0">
+                <a:solidFill>
+                  <a:srgbClr val="C586C0"/>
+                </a:solidFill>
+                <a:latin typeface="Cascadia Code,  Courier New"/>
+              </a:rPr>
+              <a:t>for</a:t>
+            </a:r>
+            <a:r>
+              <a:rPr lang="en-US" dirty="0">
+                <a:solidFill>
+                  <a:srgbClr val="D4D4D4"/>
+                </a:solidFill>
+                <a:latin typeface="Cascadia Code,  Courier New"/>
+              </a:rPr>
+              <a:t>(</a:t>
+            </a:r>
+            <a:r>
+              <a:rPr lang="en-US" dirty="0">
+                <a:solidFill>
+                  <a:srgbClr val="4EC9B0"/>
+                </a:solidFill>
+                <a:latin typeface="Cascadia Code,  Courier New"/>
+              </a:rPr>
+              <a:t>int</a:t>
+            </a:r>
+            <a:r>
+              <a:rPr lang="en-US" dirty="0">
+                <a:solidFill>
+                  <a:srgbClr val="D4D4D4"/>
+                </a:solidFill>
+                <a:latin typeface="Cascadia Code,  Courier New"/>
+              </a:rPr>
+              <a:t> </a:t>
+            </a:r>
+            <a:r>
+              <a:rPr lang="en-US" dirty="0">
+                <a:solidFill>
+                  <a:srgbClr val="9CDCFE"/>
+                </a:solidFill>
+                <a:latin typeface="Cascadia Code,  Courier New"/>
+              </a:rPr>
+              <a:t>row</a:t>
+            </a:r>
+            <a:r>
+              <a:rPr lang="en-US" dirty="0">
+                <a:solidFill>
+                  <a:srgbClr val="D4D4D4"/>
+                </a:solidFill>
+                <a:latin typeface="Cascadia Code,  Courier New"/>
+              </a:rPr>
+              <a:t> = </a:t>
+            </a:r>
+            <a:r>
+              <a:rPr lang="en-US" dirty="0">
+                <a:solidFill>
+                  <a:srgbClr val="B5CEA8"/>
+                </a:solidFill>
+                <a:latin typeface="Cascadia Code,  Courier New"/>
+              </a:rPr>
+              <a:t>0</a:t>
+            </a:r>
+            <a:r>
+              <a:rPr lang="en-US" dirty="0">
+                <a:solidFill>
+                  <a:srgbClr val="D4D4D4"/>
+                </a:solidFill>
+                <a:latin typeface="Cascadia Code,  Courier New"/>
+              </a:rPr>
+              <a:t>; row &lt; </a:t>
+            </a:r>
+            <a:r>
+              <a:rPr lang="en-US" dirty="0" err="1">
+                <a:solidFill>
+                  <a:srgbClr val="9CDCFE"/>
+                </a:solidFill>
+                <a:latin typeface="Cascadia Code,  Courier New"/>
+              </a:rPr>
+              <a:t>matrix</a:t>
+            </a:r>
+            <a:r>
+              <a:rPr lang="en-US" dirty="0" err="1">
+                <a:solidFill>
+                  <a:srgbClr val="D4D4D4"/>
+                </a:solidFill>
+                <a:latin typeface="Cascadia Code,  Courier New"/>
+              </a:rPr>
+              <a:t>.</a:t>
+            </a:r>
+            <a:r>
+              <a:rPr lang="en-US" dirty="0" err="1">
+                <a:solidFill>
+                  <a:srgbClr val="9CDCFE"/>
+                </a:solidFill>
+                <a:latin typeface="Cascadia Code,  Courier New"/>
+              </a:rPr>
+              <a:t>length</a:t>
+            </a:r>
+            <a:r>
+              <a:rPr lang="en-US" dirty="0">
+                <a:solidFill>
+                  <a:srgbClr val="D4D4D4"/>
+                </a:solidFill>
+                <a:latin typeface="Cascadia Code,  Courier New"/>
+              </a:rPr>
+              <a:t>; row++){</a:t>
+            </a:r>
+          </a:p>
+          <a:p>
+            <a:r>
+              <a:rPr lang="en-US" dirty="0">
+                <a:solidFill>
+                  <a:srgbClr val="C586C0"/>
+                </a:solidFill>
+                <a:latin typeface="Cascadia Code,  Courier New"/>
+              </a:rPr>
+              <a:t>  for</a:t>
+            </a:r>
+            <a:r>
+              <a:rPr lang="en-US" dirty="0">
+                <a:solidFill>
+                  <a:srgbClr val="D4D4D4"/>
+                </a:solidFill>
+                <a:latin typeface="Cascadia Code,  Courier New"/>
+              </a:rPr>
+              <a:t>(</a:t>
+            </a:r>
+            <a:r>
+              <a:rPr lang="en-US" dirty="0">
+                <a:solidFill>
+                  <a:srgbClr val="4EC9B0"/>
+                </a:solidFill>
+                <a:latin typeface="Cascadia Code,  Courier New"/>
+              </a:rPr>
+              <a:t>int</a:t>
+            </a:r>
+            <a:r>
+              <a:rPr lang="en-US" dirty="0">
+                <a:solidFill>
+                  <a:srgbClr val="D4D4D4"/>
+                </a:solidFill>
+                <a:latin typeface="Cascadia Code,  Courier New"/>
+              </a:rPr>
+              <a:t> </a:t>
+            </a:r>
+            <a:r>
+              <a:rPr lang="en-US" dirty="0">
+                <a:solidFill>
+                  <a:srgbClr val="9CDCFE"/>
+                </a:solidFill>
+                <a:latin typeface="Cascadia Code,  Courier New"/>
+              </a:rPr>
+              <a:t>column</a:t>
+            </a:r>
+            <a:r>
+              <a:rPr lang="en-US" dirty="0">
+                <a:solidFill>
+                  <a:srgbClr val="D4D4D4"/>
+                </a:solidFill>
+                <a:latin typeface="Cascadia Code,  Courier New"/>
+              </a:rPr>
+              <a:t> = </a:t>
+            </a:r>
+            <a:r>
+              <a:rPr lang="en-US" dirty="0">
+                <a:solidFill>
+                  <a:srgbClr val="B5CEA8"/>
+                </a:solidFill>
+                <a:latin typeface="Cascadia Code,  Courier New"/>
+              </a:rPr>
+              <a:t>0</a:t>
+            </a:r>
+            <a:r>
+              <a:rPr lang="en-US" dirty="0">
+                <a:solidFill>
+                  <a:srgbClr val="D4D4D4"/>
+                </a:solidFill>
+                <a:latin typeface="Cascadia Code,  Courier New"/>
+              </a:rPr>
+              <a:t>; column &lt; matrix[row].</a:t>
+            </a:r>
+            <a:r>
+              <a:rPr lang="en-US" dirty="0">
+                <a:solidFill>
+                  <a:srgbClr val="9CDCFE"/>
+                </a:solidFill>
+                <a:latin typeface="Cascadia Code,  Courier New"/>
+              </a:rPr>
+              <a:t>length</a:t>
+            </a:r>
+            <a:r>
+              <a:rPr lang="en-US" dirty="0">
+                <a:solidFill>
+                  <a:srgbClr val="D4D4D4"/>
+                </a:solidFill>
+                <a:latin typeface="Cascadia Code,  Courier New"/>
+              </a:rPr>
+              <a:t>; column++) {</a:t>
+            </a:r>
+          </a:p>
+          <a:p>
+            <a:r>
+              <a:rPr lang="en-US" dirty="0">
+                <a:solidFill>
+                  <a:srgbClr val="D4D4D4"/>
+                </a:solidFill>
+                <a:latin typeface="Cascadia Code,  Courier New"/>
+              </a:rPr>
+              <a:t>    matrix[row][column] = </a:t>
+            </a:r>
+            <a:r>
+              <a:rPr lang="en-US" dirty="0" err="1">
+                <a:solidFill>
+                  <a:srgbClr val="D4D4D4"/>
+                </a:solidFill>
+                <a:latin typeface="Cascadia Code,  Courier New"/>
+              </a:rPr>
+              <a:t>contador</a:t>
+            </a:r>
+            <a:r>
+              <a:rPr lang="en-US" dirty="0">
+                <a:solidFill>
+                  <a:srgbClr val="D4D4D4"/>
+                </a:solidFill>
+                <a:latin typeface="Cascadia Code,  Courier New"/>
+              </a:rPr>
+              <a:t>++;</a:t>
+            </a:r>
+          </a:p>
+          <a:p>
+            <a:r>
+              <a:rPr lang="en-US" dirty="0">
+                <a:solidFill>
+                  <a:srgbClr val="D4D4D4"/>
+                </a:solidFill>
+                <a:latin typeface="Cascadia Code,  Courier New"/>
+              </a:rPr>
+              <a:t>  }</a:t>
+            </a:r>
+          </a:p>
+          <a:p>
+            <a:r>
+              <a:rPr lang="en-US" dirty="0">
+                <a:solidFill>
+                  <a:srgbClr val="D4D4D4"/>
+                </a:solidFill>
+                <a:latin typeface="Cascadia Code,  Courier New"/>
+              </a:rPr>
+              <a:t>}</a:t>
+            </a:r>
+            <a:endParaRPr lang="en-US" b="0" dirty="0">
+              <a:solidFill>
+                <a:srgbClr val="D4D4D4"/>
+              </a:solidFill>
+              <a:effectLst/>
+              <a:latin typeface="Cascadia Code,  Courier New"/>
+            </a:endParaRPr>
+          </a:p>
+        </p:txBody>
+      </p:sp>
+      <p:graphicFrame>
+        <p:nvGraphicFramePr>
+          <p:cNvPr id="4" name="Table 4">
+            <a:extLst>
+              <a:ext uri="{FF2B5EF4-FFF2-40B4-BE49-F238E27FC236}">
+                <a16:creationId xmlns:a16="http://schemas.microsoft.com/office/drawing/2014/main" id="{2F16A3AD-D440-4CA3-8087-8A31A1002596}"/>
+              </a:ext>
+            </a:extLst>
+          </p:cNvPr>
+          <p:cNvGraphicFramePr>
+            <a:graphicFrameLocks noGrp="1"/>
+          </p:cNvGraphicFramePr>
+          <p:nvPr>
+            <p:extLst>
+              <p:ext uri="{D42A27DB-BD31-4B8C-83A1-F6EECF244321}">
+                <p14:modId xmlns:p14="http://schemas.microsoft.com/office/powerpoint/2010/main" val="2085728865"/>
+              </p:ext>
+            </p:extLst>
+          </p:nvPr>
+        </p:nvGraphicFramePr>
+        <p:xfrm>
+          <a:off x="2410479" y="4652338"/>
+          <a:ext cx="4171806" cy="1724205"/>
+        </p:xfrm>
+        <a:graphic>
+          <a:graphicData uri="http://schemas.openxmlformats.org/drawingml/2006/table">
+            <a:tbl>
+              <a:tblPr firstRow="1" bandRow="1">
+                <a:tableStyleId>{5940675A-B579-460E-94D1-54222C63F5DA}</a:tableStyleId>
+              </a:tblPr>
+              <a:tblGrid>
+                <a:gridCol w="1390602">
+                  <a:extLst>
+                    <a:ext uri="{9D8B030D-6E8A-4147-A177-3AD203B41FA5}">
+                      <a16:colId xmlns:a16="http://schemas.microsoft.com/office/drawing/2014/main" val="3611635579"/>
+                    </a:ext>
+                  </a:extLst>
+                </a:gridCol>
+                <a:gridCol w="1390602">
+                  <a:extLst>
+                    <a:ext uri="{9D8B030D-6E8A-4147-A177-3AD203B41FA5}">
+                      <a16:colId xmlns:a16="http://schemas.microsoft.com/office/drawing/2014/main" val="2197036353"/>
+                    </a:ext>
+                  </a:extLst>
+                </a:gridCol>
+                <a:gridCol w="1390602">
+                  <a:extLst>
+                    <a:ext uri="{9D8B030D-6E8A-4147-A177-3AD203B41FA5}">
+                      <a16:colId xmlns:a16="http://schemas.microsoft.com/office/drawing/2014/main" val="952212892"/>
+                    </a:ext>
+                  </a:extLst>
+                </a:gridCol>
+              </a:tblGrid>
+              <a:tr h="574735">
+                <a:tc>
+                  <a:txBody>
+                    <a:bodyPr/>
+                    <a:lstStyle/>
+                    <a:p>
+                      <a:pPr algn="ctr"/>
+                      <a:endParaRPr lang="en-US" dirty="0"/>
+                    </a:p>
+                  </a:txBody>
+                  <a:tcPr anchor="ctr"/>
+                </a:tc>
+                <a:tc>
+                  <a:txBody>
+                    <a:bodyPr/>
+                    <a:lstStyle/>
+                    <a:p>
+                      <a:pPr algn="ctr"/>
+                      <a:endParaRPr lang="en-US" dirty="0"/>
+                    </a:p>
+                  </a:txBody>
+                  <a:tcPr anchor="ctr"/>
+                </a:tc>
+                <a:tc>
+                  <a:txBody>
+                    <a:bodyPr/>
+                    <a:lstStyle/>
+                    <a:p>
+                      <a:pPr algn="ctr"/>
+                      <a:endParaRPr lang="en-US" dirty="0"/>
+                    </a:p>
+                  </a:txBody>
+                  <a:tcPr anchor="ctr"/>
+                </a:tc>
+                <a:extLst>
+                  <a:ext uri="{0D108BD9-81ED-4DB2-BD59-A6C34878D82A}">
+                    <a16:rowId xmlns:a16="http://schemas.microsoft.com/office/drawing/2014/main" val="3132607426"/>
+                  </a:ext>
+                </a:extLst>
+              </a:tr>
+              <a:tr h="574735">
+                <a:tc>
+                  <a:txBody>
+                    <a:bodyPr/>
+                    <a:lstStyle/>
+                    <a:p>
+                      <a:pPr algn="ctr"/>
+                      <a:endParaRPr lang="en-US" dirty="0"/>
+                    </a:p>
+                  </a:txBody>
+                  <a:tcPr anchor="ctr"/>
+                </a:tc>
+                <a:tc>
+                  <a:txBody>
+                    <a:bodyPr/>
+                    <a:lstStyle/>
+                    <a:p>
+                      <a:pPr algn="ctr"/>
+                      <a:endParaRPr lang="en-US" dirty="0"/>
+                    </a:p>
+                  </a:txBody>
+                  <a:tcPr anchor="ctr"/>
+                </a:tc>
+                <a:tc>
+                  <a:txBody>
+                    <a:bodyPr/>
+                    <a:lstStyle/>
+                    <a:p>
+                      <a:pPr algn="ctr"/>
+                      <a:endParaRPr lang="en-US" dirty="0"/>
+                    </a:p>
+                  </a:txBody>
+                  <a:tcPr anchor="ctr"/>
+                </a:tc>
+                <a:extLst>
+                  <a:ext uri="{0D108BD9-81ED-4DB2-BD59-A6C34878D82A}">
+                    <a16:rowId xmlns:a16="http://schemas.microsoft.com/office/drawing/2014/main" val="4130310541"/>
+                  </a:ext>
+                </a:extLst>
+              </a:tr>
+              <a:tr h="574735">
+                <a:tc>
+                  <a:txBody>
+                    <a:bodyPr/>
+                    <a:lstStyle/>
+                    <a:p>
+                      <a:pPr algn="ctr"/>
+                      <a:endParaRPr lang="en-US" dirty="0"/>
+                    </a:p>
+                  </a:txBody>
+                  <a:tcPr anchor="ctr"/>
+                </a:tc>
+                <a:tc>
+                  <a:txBody>
+                    <a:bodyPr/>
+                    <a:lstStyle/>
+                    <a:p>
+                      <a:pPr algn="ctr"/>
+                      <a:endParaRPr lang="en-US" dirty="0"/>
+                    </a:p>
+                  </a:txBody>
+                  <a:tcPr anchor="ctr"/>
+                </a:tc>
+                <a:tc>
+                  <a:txBody>
+                    <a:bodyPr/>
+                    <a:lstStyle/>
+                    <a:p>
+                      <a:pPr algn="ctr"/>
+                      <a:endParaRPr lang="en-US" dirty="0"/>
+                    </a:p>
+                  </a:txBody>
+                  <a:tcPr anchor="ctr"/>
+                </a:tc>
+                <a:extLst>
+                  <a:ext uri="{0D108BD9-81ED-4DB2-BD59-A6C34878D82A}">
+                    <a16:rowId xmlns:a16="http://schemas.microsoft.com/office/drawing/2014/main" val="1642781919"/>
+                  </a:ext>
+                </a:extLst>
+              </a:tr>
+            </a:tbl>
+          </a:graphicData>
+        </a:graphic>
+      </p:graphicFrame>
+      <p:sp>
+        <p:nvSpPr>
+          <p:cNvPr id="10" name="Rectangle 9">
+            <a:extLst>
+              <a:ext uri="{FF2B5EF4-FFF2-40B4-BE49-F238E27FC236}">
+                <a16:creationId xmlns:a16="http://schemas.microsoft.com/office/drawing/2014/main" id="{F0A4AA1C-3A40-4F1E-8711-739F5E5ADF2D}"/>
+              </a:ext>
+            </a:extLst>
+          </p:cNvPr>
+          <p:cNvSpPr/>
+          <p:nvPr/>
+        </p:nvSpPr>
+        <p:spPr>
+          <a:xfrm>
+            <a:off x="2783667" y="4646646"/>
+            <a:ext cx="692448" cy="584775"/>
+          </a:xfrm>
+          <a:prstGeom prst="rect">
+            <a:avLst/>
+          </a:prstGeom>
+          <a:noFill/>
+        </p:spPr>
+        <p:txBody>
+          <a:bodyPr wrap="square" lIns="91440" tIns="45720" rIns="91440" bIns="45720">
+            <a:spAutoFit/>
+          </a:bodyPr>
+          <a:lstStyle/>
+          <a:p>
+            <a:pPr algn="ctr"/>
+            <a:r>
+              <a:rPr lang="en-US" sz="3200" b="0" cap="none" spc="0" dirty="0">
+                <a:ln w="0"/>
+                <a:solidFill>
+                  <a:schemeClr val="tx1"/>
+                </a:solidFill>
+                <a:effectLst>
+                  <a:outerShdw blurRad="38100" dist="19050" dir="2700000" algn="tl" rotWithShape="0">
+                    <a:schemeClr val="dk1">
+                      <a:alpha val="40000"/>
+                    </a:schemeClr>
+                  </a:outerShdw>
+                </a:effectLst>
+              </a:rPr>
+              <a:t>1</a:t>
+            </a:r>
+          </a:p>
+        </p:txBody>
+      </p:sp>
+      <p:sp>
+        <p:nvSpPr>
+          <p:cNvPr id="11" name="Rectangle 10">
+            <a:extLst>
+              <a:ext uri="{FF2B5EF4-FFF2-40B4-BE49-F238E27FC236}">
+                <a16:creationId xmlns:a16="http://schemas.microsoft.com/office/drawing/2014/main" id="{FBEEECD3-C428-444B-9F53-15CA8F7593D8}"/>
+              </a:ext>
+            </a:extLst>
+          </p:cNvPr>
+          <p:cNvSpPr/>
+          <p:nvPr/>
+        </p:nvSpPr>
+        <p:spPr>
+          <a:xfrm>
+            <a:off x="4150158" y="4646645"/>
+            <a:ext cx="692448" cy="584775"/>
+          </a:xfrm>
+          <a:prstGeom prst="rect">
+            <a:avLst/>
+          </a:prstGeom>
+          <a:noFill/>
+        </p:spPr>
+        <p:txBody>
+          <a:bodyPr wrap="square" lIns="91440" tIns="45720" rIns="91440" bIns="45720">
+            <a:spAutoFit/>
+          </a:bodyPr>
+          <a:lstStyle/>
+          <a:p>
+            <a:pPr algn="ctr"/>
+            <a:r>
+              <a:rPr lang="en-US" sz="3200" b="0" cap="none" spc="0" dirty="0">
+                <a:ln w="0"/>
+                <a:solidFill>
+                  <a:schemeClr val="tx1"/>
+                </a:solidFill>
+                <a:effectLst>
+                  <a:outerShdw blurRad="38100" dist="19050" dir="2700000" algn="tl" rotWithShape="0">
+                    <a:schemeClr val="dk1">
+                      <a:alpha val="40000"/>
+                    </a:schemeClr>
+                  </a:outerShdw>
+                </a:effectLst>
+              </a:rPr>
+              <a:t>2</a:t>
+            </a:r>
+          </a:p>
+        </p:txBody>
+      </p:sp>
+      <p:sp>
+        <p:nvSpPr>
+          <p:cNvPr id="12" name="Rectangle 11">
+            <a:extLst>
+              <a:ext uri="{FF2B5EF4-FFF2-40B4-BE49-F238E27FC236}">
+                <a16:creationId xmlns:a16="http://schemas.microsoft.com/office/drawing/2014/main" id="{D0173577-6836-45AD-B70E-28DB08523EFB}"/>
+              </a:ext>
+            </a:extLst>
+          </p:cNvPr>
+          <p:cNvSpPr/>
+          <p:nvPr/>
+        </p:nvSpPr>
+        <p:spPr>
+          <a:xfrm>
+            <a:off x="5535367" y="4646644"/>
+            <a:ext cx="692448" cy="584775"/>
+          </a:xfrm>
+          <a:prstGeom prst="rect">
+            <a:avLst/>
+          </a:prstGeom>
+          <a:noFill/>
+        </p:spPr>
+        <p:txBody>
+          <a:bodyPr wrap="square" lIns="91440" tIns="45720" rIns="91440" bIns="45720">
+            <a:spAutoFit/>
+          </a:bodyPr>
+          <a:lstStyle/>
+          <a:p>
+            <a:pPr algn="ctr"/>
+            <a:r>
+              <a:rPr lang="en-US" sz="3200" b="0" cap="none" spc="0" dirty="0">
+                <a:ln w="0"/>
+                <a:solidFill>
+                  <a:schemeClr val="tx1"/>
+                </a:solidFill>
+                <a:effectLst>
+                  <a:outerShdw blurRad="38100" dist="19050" dir="2700000" algn="tl" rotWithShape="0">
+                    <a:schemeClr val="dk1">
+                      <a:alpha val="40000"/>
+                    </a:schemeClr>
+                  </a:outerShdw>
+                </a:effectLst>
+              </a:rPr>
+              <a:t>3</a:t>
+            </a:r>
+          </a:p>
+        </p:txBody>
+      </p:sp>
+      <p:sp>
+        <p:nvSpPr>
+          <p:cNvPr id="13" name="Rectangle 12">
+            <a:extLst>
+              <a:ext uri="{FF2B5EF4-FFF2-40B4-BE49-F238E27FC236}">
+                <a16:creationId xmlns:a16="http://schemas.microsoft.com/office/drawing/2014/main" id="{81F5BF8C-7433-442B-8B48-713206968AE8}"/>
+              </a:ext>
+            </a:extLst>
+          </p:cNvPr>
+          <p:cNvSpPr/>
+          <p:nvPr/>
+        </p:nvSpPr>
+        <p:spPr>
+          <a:xfrm>
+            <a:off x="2774465" y="5219206"/>
+            <a:ext cx="692448" cy="584775"/>
+          </a:xfrm>
+          <a:prstGeom prst="rect">
+            <a:avLst/>
+          </a:prstGeom>
+          <a:noFill/>
+        </p:spPr>
+        <p:txBody>
+          <a:bodyPr wrap="square" lIns="91440" tIns="45720" rIns="91440" bIns="45720">
+            <a:spAutoFit/>
+          </a:bodyPr>
+          <a:lstStyle/>
+          <a:p>
+            <a:pPr algn="ctr"/>
+            <a:r>
+              <a:rPr lang="en-US" sz="3200" b="0" cap="none" spc="0" dirty="0">
+                <a:ln w="0"/>
+                <a:solidFill>
+                  <a:schemeClr val="tx1"/>
+                </a:solidFill>
+                <a:effectLst>
+                  <a:outerShdw blurRad="38100" dist="19050" dir="2700000" algn="tl" rotWithShape="0">
+                    <a:schemeClr val="dk1">
+                      <a:alpha val="40000"/>
+                    </a:schemeClr>
+                  </a:outerShdw>
+                </a:effectLst>
+              </a:rPr>
+              <a:t>4</a:t>
+            </a:r>
+          </a:p>
+        </p:txBody>
+      </p:sp>
+      <p:sp>
+        <p:nvSpPr>
+          <p:cNvPr id="14" name="Rectangle 13">
+            <a:extLst>
+              <a:ext uri="{FF2B5EF4-FFF2-40B4-BE49-F238E27FC236}">
+                <a16:creationId xmlns:a16="http://schemas.microsoft.com/office/drawing/2014/main" id="{D14CFF1D-E26F-43A6-934F-48D4293BDC80}"/>
+              </a:ext>
+            </a:extLst>
+          </p:cNvPr>
+          <p:cNvSpPr/>
+          <p:nvPr/>
+        </p:nvSpPr>
+        <p:spPr>
+          <a:xfrm>
+            <a:off x="4168876" y="5219205"/>
+            <a:ext cx="692448" cy="584775"/>
+          </a:xfrm>
+          <a:prstGeom prst="rect">
+            <a:avLst/>
+          </a:prstGeom>
+          <a:noFill/>
+        </p:spPr>
+        <p:txBody>
+          <a:bodyPr wrap="square" lIns="91440" tIns="45720" rIns="91440" bIns="45720">
+            <a:spAutoFit/>
+          </a:bodyPr>
+          <a:lstStyle/>
+          <a:p>
+            <a:pPr algn="ctr"/>
+            <a:r>
+              <a:rPr lang="en-US" sz="3200" b="0" cap="none" spc="0" dirty="0">
+                <a:ln w="0"/>
+                <a:solidFill>
+                  <a:schemeClr val="tx1"/>
+                </a:solidFill>
+                <a:effectLst>
+                  <a:outerShdw blurRad="38100" dist="19050" dir="2700000" algn="tl" rotWithShape="0">
+                    <a:schemeClr val="dk1">
+                      <a:alpha val="40000"/>
+                    </a:schemeClr>
+                  </a:outerShdw>
+                </a:effectLst>
+              </a:rPr>
+              <a:t>5</a:t>
+            </a:r>
+          </a:p>
+        </p:txBody>
+      </p:sp>
+      <p:sp>
+        <p:nvSpPr>
+          <p:cNvPr id="15" name="Rectangle 14">
+            <a:extLst>
+              <a:ext uri="{FF2B5EF4-FFF2-40B4-BE49-F238E27FC236}">
+                <a16:creationId xmlns:a16="http://schemas.microsoft.com/office/drawing/2014/main" id="{57454736-B143-44AC-B879-62F10C052E89}"/>
+              </a:ext>
+            </a:extLst>
+          </p:cNvPr>
+          <p:cNvSpPr/>
+          <p:nvPr/>
+        </p:nvSpPr>
+        <p:spPr>
+          <a:xfrm>
+            <a:off x="5516649" y="5219204"/>
+            <a:ext cx="692448" cy="584775"/>
+          </a:xfrm>
+          <a:prstGeom prst="rect">
+            <a:avLst/>
+          </a:prstGeom>
+          <a:noFill/>
+        </p:spPr>
+        <p:txBody>
+          <a:bodyPr wrap="square" lIns="91440" tIns="45720" rIns="91440" bIns="45720">
+            <a:spAutoFit/>
+          </a:bodyPr>
+          <a:lstStyle/>
+          <a:p>
+            <a:pPr algn="ctr"/>
+            <a:r>
+              <a:rPr lang="en-US" sz="3200" b="0" cap="none" spc="0" dirty="0">
+                <a:ln w="0"/>
+                <a:solidFill>
+                  <a:schemeClr val="tx1"/>
+                </a:solidFill>
+                <a:effectLst>
+                  <a:outerShdw blurRad="38100" dist="19050" dir="2700000" algn="tl" rotWithShape="0">
+                    <a:schemeClr val="dk1">
+                      <a:alpha val="40000"/>
+                    </a:schemeClr>
+                  </a:outerShdw>
+                </a:effectLst>
+              </a:rPr>
+              <a:t>6</a:t>
+            </a:r>
+          </a:p>
+        </p:txBody>
+      </p:sp>
+      <p:sp>
+        <p:nvSpPr>
+          <p:cNvPr id="16" name="Rectangle 15">
+            <a:extLst>
+              <a:ext uri="{FF2B5EF4-FFF2-40B4-BE49-F238E27FC236}">
+                <a16:creationId xmlns:a16="http://schemas.microsoft.com/office/drawing/2014/main" id="{DC1D7D36-7217-49D1-A066-6735B4A7DA28}"/>
+              </a:ext>
+            </a:extLst>
+          </p:cNvPr>
+          <p:cNvSpPr/>
+          <p:nvPr/>
+        </p:nvSpPr>
+        <p:spPr>
+          <a:xfrm>
+            <a:off x="2774465" y="5785662"/>
+            <a:ext cx="692448" cy="584775"/>
+          </a:xfrm>
+          <a:prstGeom prst="rect">
+            <a:avLst/>
+          </a:prstGeom>
+          <a:noFill/>
+        </p:spPr>
+        <p:txBody>
+          <a:bodyPr wrap="square" lIns="91440" tIns="45720" rIns="91440" bIns="45720">
+            <a:spAutoFit/>
+          </a:bodyPr>
+          <a:lstStyle/>
+          <a:p>
+            <a:pPr algn="ctr"/>
+            <a:r>
+              <a:rPr lang="en-US" sz="3200" b="0" cap="none" spc="0" dirty="0">
+                <a:ln w="0"/>
+                <a:solidFill>
+                  <a:schemeClr val="tx1"/>
+                </a:solidFill>
+                <a:effectLst>
+                  <a:outerShdw blurRad="38100" dist="19050" dir="2700000" algn="tl" rotWithShape="0">
+                    <a:schemeClr val="dk1">
+                      <a:alpha val="40000"/>
+                    </a:schemeClr>
+                  </a:outerShdw>
+                </a:effectLst>
+              </a:rPr>
+              <a:t>7</a:t>
+            </a:r>
+          </a:p>
+        </p:txBody>
+      </p:sp>
+      <p:sp>
+        <p:nvSpPr>
+          <p:cNvPr id="17" name="Rectangle 16">
+            <a:extLst>
+              <a:ext uri="{FF2B5EF4-FFF2-40B4-BE49-F238E27FC236}">
+                <a16:creationId xmlns:a16="http://schemas.microsoft.com/office/drawing/2014/main" id="{6357A6A6-053D-4193-AF89-E8C06792A753}"/>
+              </a:ext>
+            </a:extLst>
+          </p:cNvPr>
+          <p:cNvSpPr/>
+          <p:nvPr/>
+        </p:nvSpPr>
+        <p:spPr>
+          <a:xfrm>
+            <a:off x="4150158" y="5765221"/>
+            <a:ext cx="692448" cy="584775"/>
+          </a:xfrm>
+          <a:prstGeom prst="rect">
+            <a:avLst/>
+          </a:prstGeom>
+          <a:noFill/>
+        </p:spPr>
+        <p:txBody>
+          <a:bodyPr wrap="square" lIns="91440" tIns="45720" rIns="91440" bIns="45720">
+            <a:spAutoFit/>
+          </a:bodyPr>
+          <a:lstStyle/>
+          <a:p>
+            <a:pPr algn="ctr"/>
+            <a:r>
+              <a:rPr lang="en-US" sz="3200" b="0" cap="none" spc="0" dirty="0">
+                <a:ln w="0"/>
+                <a:solidFill>
+                  <a:schemeClr val="tx1"/>
+                </a:solidFill>
+                <a:effectLst>
+                  <a:outerShdw blurRad="38100" dist="19050" dir="2700000" algn="tl" rotWithShape="0">
+                    <a:schemeClr val="dk1">
+                      <a:alpha val="40000"/>
+                    </a:schemeClr>
+                  </a:outerShdw>
+                </a:effectLst>
+              </a:rPr>
+              <a:t>8</a:t>
+            </a:r>
+          </a:p>
+        </p:txBody>
+      </p:sp>
+      <p:sp>
+        <p:nvSpPr>
+          <p:cNvPr id="18" name="Rectangle 17">
+            <a:extLst>
+              <a:ext uri="{FF2B5EF4-FFF2-40B4-BE49-F238E27FC236}">
+                <a16:creationId xmlns:a16="http://schemas.microsoft.com/office/drawing/2014/main" id="{152BB08C-A3E8-426D-B80B-C6A8953AF3CB}"/>
+              </a:ext>
+            </a:extLst>
+          </p:cNvPr>
+          <p:cNvSpPr/>
+          <p:nvPr/>
+        </p:nvSpPr>
+        <p:spPr>
+          <a:xfrm>
+            <a:off x="5535365" y="5751760"/>
+            <a:ext cx="692448" cy="584775"/>
+          </a:xfrm>
+          <a:prstGeom prst="rect">
+            <a:avLst/>
+          </a:prstGeom>
+          <a:noFill/>
+        </p:spPr>
+        <p:txBody>
+          <a:bodyPr wrap="square" lIns="91440" tIns="45720" rIns="91440" bIns="45720">
+            <a:spAutoFit/>
+          </a:bodyPr>
+          <a:lstStyle/>
+          <a:p>
+            <a:pPr algn="ctr"/>
+            <a:r>
+              <a:rPr lang="en-US" sz="3200" dirty="0">
+                <a:ln w="0"/>
+                <a:effectLst>
+                  <a:outerShdw blurRad="38100" dist="19050" dir="2700000" algn="tl" rotWithShape="0">
+                    <a:schemeClr val="dk1">
+                      <a:alpha val="40000"/>
+                    </a:schemeClr>
+                  </a:outerShdw>
+                </a:effectLst>
+              </a:rPr>
+              <a:t>9</a:t>
+            </a:r>
+            <a:endParaRPr lang="en-US" sz="3200" b="0" cap="none" spc="0" dirty="0">
+              <a:ln w="0"/>
+              <a:solidFill>
+                <a:schemeClr val="tx1"/>
+              </a:solidFill>
+              <a:effectLst>
+                <a:outerShdw blurRad="38100" dist="19050" dir="2700000" algn="tl" rotWithShape="0">
+                  <a:schemeClr val="dk1">
+                    <a:alpha val="40000"/>
+                  </a:schemeClr>
+                </a:outerShdw>
+              </a:effectLst>
+            </a:endParaRPr>
+          </a:p>
+        </p:txBody>
+      </p:sp>
     </p:spTree>
     <p:extLst>
       <p:ext uri="{BB962C8B-B14F-4D97-AF65-F5344CB8AC3E}">
@@ -4303,10 +5884,480 @@
   <p:clrMapOvr>
     <a:masterClrMapping/>
   </p:clrMapOvr>
+  <p:timing>
+    <p:tnLst>
+      <p:par>
+        <p:cTn id="1" dur="indefinite" restart="never" nodeType="tmRoot">
+          <p:childTnLst>
+            <p:seq concurrent="1" nextAc="seek">
+              <p:cTn id="2" dur="indefinite" nodeType="mainSeq">
+                <p:childTnLst>
+                  <p:par>
+                    <p:cTn id="3" fill="hold">
+                      <p:stCondLst>
+                        <p:cond delay="indefinite"/>
+                      </p:stCondLst>
+                      <p:childTnLst>
+                        <p:par>
+                          <p:cTn id="4" fill="hold">
+                            <p:stCondLst>
+                              <p:cond delay="0"/>
+                            </p:stCondLst>
+                            <p:childTnLst>
+                              <p:par>
+                                <p:cTn id="5" presetID="1" presetClass="entr" presetSubtype="0" fill="hold" grpId="0" nodeType="clickEffect">
+                                  <p:stCondLst>
+                                    <p:cond delay="0"/>
+                                  </p:stCondLst>
+                                  <p:childTnLst>
+                                    <p:set>
+                                      <p:cBhvr>
+                                        <p:cTn id="6" dur="1" fill="hold">
+                                          <p:stCondLst>
+                                            <p:cond delay="0"/>
+                                          </p:stCondLst>
+                                        </p:cTn>
+                                        <p:tgtEl>
+                                          <p:spTgt spid="10"/>
+                                        </p:tgtEl>
+                                        <p:attrNameLst>
+                                          <p:attrName>style.visibility</p:attrName>
+                                        </p:attrNameLst>
+                                      </p:cBhvr>
+                                      <p:to>
+                                        <p:strVal val="visible"/>
+                                      </p:to>
+                                    </p:set>
+                                  </p:childTnLst>
+                                </p:cTn>
+                              </p:par>
+                            </p:childTnLst>
+                          </p:cTn>
+                        </p:par>
+                      </p:childTnLst>
+                    </p:cTn>
+                  </p:par>
+                  <p:par>
+                    <p:cTn id="7" fill="hold">
+                      <p:stCondLst>
+                        <p:cond delay="indefinite"/>
+                      </p:stCondLst>
+                      <p:childTnLst>
+                        <p:par>
+                          <p:cTn id="8" fill="hold">
+                            <p:stCondLst>
+                              <p:cond delay="0"/>
+                            </p:stCondLst>
+                            <p:childTnLst>
+                              <p:par>
+                                <p:cTn id="9" presetID="1" presetClass="entr" presetSubtype="0" fill="hold" nodeType="clickEffect">
+                                  <p:stCondLst>
+                                    <p:cond delay="0"/>
+                                  </p:stCondLst>
+                                  <p:childTnLst>
+                                    <p:set>
+                                      <p:cBhvr>
+                                        <p:cTn id="10" dur="1" fill="hold">
+                                          <p:stCondLst>
+                                            <p:cond delay="0"/>
+                                          </p:stCondLst>
+                                        </p:cTn>
+                                        <p:tgtEl>
+                                          <p:spTgt spid="11">
+                                            <p:txEl>
+                                              <p:pRg st="0" end="0"/>
+                                            </p:txEl>
+                                          </p:spTgt>
+                                        </p:tgtEl>
+                                        <p:attrNameLst>
+                                          <p:attrName>style.visibility</p:attrName>
+                                        </p:attrNameLst>
+                                      </p:cBhvr>
+                                      <p:to>
+                                        <p:strVal val="visible"/>
+                                      </p:to>
+                                    </p:set>
+                                  </p:childTnLst>
+                                </p:cTn>
+                              </p:par>
+                            </p:childTnLst>
+                          </p:cTn>
+                        </p:par>
+                      </p:childTnLst>
+                    </p:cTn>
+                  </p:par>
+                  <p:par>
+                    <p:cTn id="11" fill="hold">
+                      <p:stCondLst>
+                        <p:cond delay="indefinite"/>
+                      </p:stCondLst>
+                      <p:childTnLst>
+                        <p:par>
+                          <p:cTn id="12" fill="hold">
+                            <p:stCondLst>
+                              <p:cond delay="0"/>
+                            </p:stCondLst>
+                            <p:childTnLst>
+                              <p:par>
+                                <p:cTn id="13" presetID="1" presetClass="entr" presetSubtype="0" fill="hold" nodeType="clickEffect">
+                                  <p:stCondLst>
+                                    <p:cond delay="0"/>
+                                  </p:stCondLst>
+                                  <p:childTnLst>
+                                    <p:set>
+                                      <p:cBhvr>
+                                        <p:cTn id="14" dur="1" fill="hold">
+                                          <p:stCondLst>
+                                            <p:cond delay="0"/>
+                                          </p:stCondLst>
+                                        </p:cTn>
+                                        <p:tgtEl>
+                                          <p:spTgt spid="12">
+                                            <p:txEl>
+                                              <p:pRg st="0" end="0"/>
+                                            </p:txEl>
+                                          </p:spTgt>
+                                        </p:tgtEl>
+                                        <p:attrNameLst>
+                                          <p:attrName>style.visibility</p:attrName>
+                                        </p:attrNameLst>
+                                      </p:cBhvr>
+                                      <p:to>
+                                        <p:strVal val="visible"/>
+                                      </p:to>
+                                    </p:set>
+                                  </p:childTnLst>
+                                </p:cTn>
+                              </p:par>
+                            </p:childTnLst>
+                          </p:cTn>
+                        </p:par>
+                      </p:childTnLst>
+                    </p:cTn>
+                  </p:par>
+                  <p:par>
+                    <p:cTn id="15" fill="hold">
+                      <p:stCondLst>
+                        <p:cond delay="indefinite"/>
+                      </p:stCondLst>
+                      <p:childTnLst>
+                        <p:par>
+                          <p:cTn id="16" fill="hold">
+                            <p:stCondLst>
+                              <p:cond delay="0"/>
+                            </p:stCondLst>
+                            <p:childTnLst>
+                              <p:par>
+                                <p:cTn id="17" presetID="1" presetClass="entr" presetSubtype="0" fill="hold" nodeType="clickEffect">
+                                  <p:stCondLst>
+                                    <p:cond delay="0"/>
+                                  </p:stCondLst>
+                                  <p:childTnLst>
+                                    <p:set>
+                                      <p:cBhvr>
+                                        <p:cTn id="18" dur="1" fill="hold">
+                                          <p:stCondLst>
+                                            <p:cond delay="0"/>
+                                          </p:stCondLst>
+                                        </p:cTn>
+                                        <p:tgtEl>
+                                          <p:spTgt spid="13">
+                                            <p:txEl>
+                                              <p:pRg st="0" end="0"/>
+                                            </p:txEl>
+                                          </p:spTgt>
+                                        </p:tgtEl>
+                                        <p:attrNameLst>
+                                          <p:attrName>style.visibility</p:attrName>
+                                        </p:attrNameLst>
+                                      </p:cBhvr>
+                                      <p:to>
+                                        <p:strVal val="visible"/>
+                                      </p:to>
+                                    </p:set>
+                                  </p:childTnLst>
+                                </p:cTn>
+                              </p:par>
+                            </p:childTnLst>
+                          </p:cTn>
+                        </p:par>
+                      </p:childTnLst>
+                    </p:cTn>
+                  </p:par>
+                  <p:par>
+                    <p:cTn id="19" fill="hold">
+                      <p:stCondLst>
+                        <p:cond delay="indefinite"/>
+                      </p:stCondLst>
+                      <p:childTnLst>
+                        <p:par>
+                          <p:cTn id="20" fill="hold">
+                            <p:stCondLst>
+                              <p:cond delay="0"/>
+                            </p:stCondLst>
+                            <p:childTnLst>
+                              <p:par>
+                                <p:cTn id="21" presetID="1" presetClass="entr" presetSubtype="0" fill="hold" nodeType="clickEffect">
+                                  <p:stCondLst>
+                                    <p:cond delay="0"/>
+                                  </p:stCondLst>
+                                  <p:childTnLst>
+                                    <p:set>
+                                      <p:cBhvr>
+                                        <p:cTn id="22" dur="1" fill="hold">
+                                          <p:stCondLst>
+                                            <p:cond delay="0"/>
+                                          </p:stCondLst>
+                                        </p:cTn>
+                                        <p:tgtEl>
+                                          <p:spTgt spid="14">
+                                            <p:txEl>
+                                              <p:pRg st="0" end="0"/>
+                                            </p:txEl>
+                                          </p:spTgt>
+                                        </p:tgtEl>
+                                        <p:attrNameLst>
+                                          <p:attrName>style.visibility</p:attrName>
+                                        </p:attrNameLst>
+                                      </p:cBhvr>
+                                      <p:to>
+                                        <p:strVal val="visible"/>
+                                      </p:to>
+                                    </p:set>
+                                  </p:childTnLst>
+                                </p:cTn>
+                              </p:par>
+                            </p:childTnLst>
+                          </p:cTn>
+                        </p:par>
+                      </p:childTnLst>
+                    </p:cTn>
+                  </p:par>
+                  <p:par>
+                    <p:cTn id="23" fill="hold">
+                      <p:stCondLst>
+                        <p:cond delay="indefinite"/>
+                      </p:stCondLst>
+                      <p:childTnLst>
+                        <p:par>
+                          <p:cTn id="24" fill="hold">
+                            <p:stCondLst>
+                              <p:cond delay="0"/>
+                            </p:stCondLst>
+                            <p:childTnLst>
+                              <p:par>
+                                <p:cTn id="25" presetID="1" presetClass="entr" presetSubtype="0" fill="hold" nodeType="clickEffect">
+                                  <p:stCondLst>
+                                    <p:cond delay="0"/>
+                                  </p:stCondLst>
+                                  <p:childTnLst>
+                                    <p:set>
+                                      <p:cBhvr>
+                                        <p:cTn id="26" dur="1" fill="hold">
+                                          <p:stCondLst>
+                                            <p:cond delay="0"/>
+                                          </p:stCondLst>
+                                        </p:cTn>
+                                        <p:tgtEl>
+                                          <p:spTgt spid="15">
+                                            <p:txEl>
+                                              <p:pRg st="0" end="0"/>
+                                            </p:txEl>
+                                          </p:spTgt>
+                                        </p:tgtEl>
+                                        <p:attrNameLst>
+                                          <p:attrName>style.visibility</p:attrName>
+                                        </p:attrNameLst>
+                                      </p:cBhvr>
+                                      <p:to>
+                                        <p:strVal val="visible"/>
+                                      </p:to>
+                                    </p:set>
+                                  </p:childTnLst>
+                                </p:cTn>
+                              </p:par>
+                            </p:childTnLst>
+                          </p:cTn>
+                        </p:par>
+                      </p:childTnLst>
+                    </p:cTn>
+                  </p:par>
+                  <p:par>
+                    <p:cTn id="27" fill="hold">
+                      <p:stCondLst>
+                        <p:cond delay="indefinite"/>
+                      </p:stCondLst>
+                      <p:childTnLst>
+                        <p:par>
+                          <p:cTn id="28" fill="hold">
+                            <p:stCondLst>
+                              <p:cond delay="0"/>
+                            </p:stCondLst>
+                            <p:childTnLst>
+                              <p:par>
+                                <p:cTn id="29" presetID="1" presetClass="entr" presetSubtype="0" fill="hold" nodeType="clickEffect">
+                                  <p:stCondLst>
+                                    <p:cond delay="0"/>
+                                  </p:stCondLst>
+                                  <p:childTnLst>
+                                    <p:set>
+                                      <p:cBhvr>
+                                        <p:cTn id="30" dur="1" fill="hold">
+                                          <p:stCondLst>
+                                            <p:cond delay="0"/>
+                                          </p:stCondLst>
+                                        </p:cTn>
+                                        <p:tgtEl>
+                                          <p:spTgt spid="16">
+                                            <p:txEl>
+                                              <p:pRg st="0" end="0"/>
+                                            </p:txEl>
+                                          </p:spTgt>
+                                        </p:tgtEl>
+                                        <p:attrNameLst>
+                                          <p:attrName>style.visibility</p:attrName>
+                                        </p:attrNameLst>
+                                      </p:cBhvr>
+                                      <p:to>
+                                        <p:strVal val="visible"/>
+                                      </p:to>
+                                    </p:set>
+                                  </p:childTnLst>
+                                </p:cTn>
+                              </p:par>
+                            </p:childTnLst>
+                          </p:cTn>
+                        </p:par>
+                      </p:childTnLst>
+                    </p:cTn>
+                  </p:par>
+                  <p:par>
+                    <p:cTn id="31" fill="hold">
+                      <p:stCondLst>
+                        <p:cond delay="indefinite"/>
+                      </p:stCondLst>
+                      <p:childTnLst>
+                        <p:par>
+                          <p:cTn id="32" fill="hold">
+                            <p:stCondLst>
+                              <p:cond delay="0"/>
+                            </p:stCondLst>
+                            <p:childTnLst>
+                              <p:par>
+                                <p:cTn id="33" presetID="1" presetClass="entr" presetSubtype="0" fill="hold" nodeType="clickEffect">
+                                  <p:stCondLst>
+                                    <p:cond delay="0"/>
+                                  </p:stCondLst>
+                                  <p:childTnLst>
+                                    <p:set>
+                                      <p:cBhvr>
+                                        <p:cTn id="34" dur="1" fill="hold">
+                                          <p:stCondLst>
+                                            <p:cond delay="0"/>
+                                          </p:stCondLst>
+                                        </p:cTn>
+                                        <p:tgtEl>
+                                          <p:spTgt spid="17">
+                                            <p:txEl>
+                                              <p:pRg st="0" end="0"/>
+                                            </p:txEl>
+                                          </p:spTgt>
+                                        </p:tgtEl>
+                                        <p:attrNameLst>
+                                          <p:attrName>style.visibility</p:attrName>
+                                        </p:attrNameLst>
+                                      </p:cBhvr>
+                                      <p:to>
+                                        <p:strVal val="visible"/>
+                                      </p:to>
+                                    </p:set>
+                                  </p:childTnLst>
+                                </p:cTn>
+                              </p:par>
+                            </p:childTnLst>
+                          </p:cTn>
+                        </p:par>
+                      </p:childTnLst>
+                    </p:cTn>
+                  </p:par>
+                  <p:par>
+                    <p:cTn id="35" fill="hold">
+                      <p:stCondLst>
+                        <p:cond delay="indefinite"/>
+                      </p:stCondLst>
+                      <p:childTnLst>
+                        <p:par>
+                          <p:cTn id="36" fill="hold">
+                            <p:stCondLst>
+                              <p:cond delay="0"/>
+                            </p:stCondLst>
+                            <p:childTnLst>
+                              <p:par>
+                                <p:cTn id="37" presetID="1" presetClass="entr" presetSubtype="0" fill="hold" nodeType="clickEffect">
+                                  <p:stCondLst>
+                                    <p:cond delay="0"/>
+                                  </p:stCondLst>
+                                  <p:childTnLst>
+                                    <p:set>
+                                      <p:cBhvr>
+                                        <p:cTn id="38" dur="1" fill="hold">
+                                          <p:stCondLst>
+                                            <p:cond delay="0"/>
+                                          </p:stCondLst>
+                                        </p:cTn>
+                                        <p:tgtEl>
+                                          <p:spTgt spid="18">
+                                            <p:txEl>
+                                              <p:pRg st="0" end="0"/>
+                                            </p:txEl>
+                                          </p:spTgt>
+                                        </p:tgtEl>
+                                        <p:attrNameLst>
+                                          <p:attrName>style.visibility</p:attrName>
+                                        </p:attrNameLst>
+                                      </p:cBhvr>
+                                      <p:to>
+                                        <p:strVal val="visible"/>
+                                      </p:to>
+                                    </p:set>
+                                  </p:childTnLst>
+                                </p:cTn>
+                              </p:par>
+                            </p:childTnLst>
+                          </p:cTn>
+                        </p:par>
+                      </p:childTnLst>
+                    </p:cTn>
+                  </p:par>
+                </p:childTnLst>
+              </p:cTn>
+              <p:prevCondLst>
+                <p:cond evt="onPrev" delay="0">
+                  <p:tgtEl>
+                    <p:sldTgt/>
+                  </p:tgtEl>
+                </p:cond>
+              </p:prevCondLst>
+              <p:nextCondLst>
+                <p:cond evt="onNext" delay="0">
+                  <p:tgtEl>
+                    <p:sldTgt/>
+                  </p:tgtEl>
+                </p:cond>
+              </p:nextCondLst>
+            </p:seq>
+          </p:childTnLst>
+        </p:cTn>
+      </p:par>
+    </p:tnLst>
+    <p:bldLst>
+      <p:bldP spid="10" grpId="0"/>
+    </p:bldLst>
+  </p:timing>
 </p:sld>
 </file>
 
-<file path=ppt/slides/slide19.xml><?xml version="1.0" encoding="utf-8"?>
+<file path=ppt/slides/slide18.xml><?xml version="1.0" encoding="utf-8"?>
 <p:sld xmlns:a="http://schemas.openxmlformats.org/drawingml/2006/main" xmlns:r="http://schemas.openxmlformats.org/officeDocument/2006/relationships" xmlns:p="http://schemas.openxmlformats.org/presentationml/2006/main" showMasterSp="0">
   <p:cSld>
     <p:spTree>
@@ -4425,6 +6476,148 @@
 </p:sld>
 </file>
 
+<file path=ppt/slides/slide19.xml><?xml version="1.0" encoding="utf-8"?>
+<p:sld xmlns:a="http://schemas.openxmlformats.org/drawingml/2006/main" xmlns:r="http://schemas.openxmlformats.org/officeDocument/2006/relationships" xmlns:p="http://schemas.openxmlformats.org/presentationml/2006/main" showMasterSp="0">
+  <p:cSld>
+    <p:spTree>
+      <p:nvGrpSpPr>
+        <p:cNvPr id="1" name=""/>
+        <p:cNvGrpSpPr/>
+        <p:nvPr/>
+      </p:nvGrpSpPr>
+      <p:grpSpPr>
+        <a:xfrm>
+          <a:off x="0" y="0"/>
+          <a:ext cx="0" cy="0"/>
+          <a:chOff x="0" y="0"/>
+          <a:chExt cx="0" cy="0"/>
+        </a:xfrm>
+      </p:grpSpPr>
+      <p:sp>
+        <p:nvSpPr>
+          <p:cNvPr id="21506" name="Title 1">
+            <a:extLst>
+              <a:ext uri="{FF2B5EF4-FFF2-40B4-BE49-F238E27FC236}">
+                <a16:creationId xmlns:a16="http://schemas.microsoft.com/office/drawing/2014/main" id="{DC3D8BBC-4CE6-49B5-858D-9DC22B6F1485}"/>
+              </a:ext>
+            </a:extLst>
+          </p:cNvPr>
+          <p:cNvSpPr>
+            <a:spLocks noGrp="1"/>
+          </p:cNvSpPr>
+          <p:nvPr>
+            <p:ph type="title"/>
+          </p:nvPr>
+        </p:nvSpPr>
+        <p:spPr/>
+        <p:txBody>
+          <a:bodyPr/>
+          <a:lstStyle/>
+          <a:p>
+            <a:pPr eaLnBrk="1" hangingPunct="1"/>
+            <a:r>
+              <a:rPr lang="en-US" altLang="en-US"/>
+              <a:t>Representación en Java de Arreglos Multidimensionales</a:t>
+            </a:r>
+          </a:p>
+        </p:txBody>
+      </p:sp>
+      <p:sp>
+        <p:nvSpPr>
+          <p:cNvPr id="21507" name="Content Placeholder 2">
+            <a:extLst>
+              <a:ext uri="{FF2B5EF4-FFF2-40B4-BE49-F238E27FC236}">
+                <a16:creationId xmlns:a16="http://schemas.microsoft.com/office/drawing/2014/main" id="{13EC3567-FEA3-4422-A3F1-DC5ACC96FB7C}"/>
+              </a:ext>
+            </a:extLst>
+          </p:cNvPr>
+          <p:cNvSpPr>
+            <a:spLocks noGrp="1"/>
+          </p:cNvSpPr>
+          <p:nvPr>
+            <p:ph idx="1"/>
+          </p:nvPr>
+        </p:nvSpPr>
+        <p:spPr/>
+        <p:txBody>
+          <a:bodyPr/>
+          <a:lstStyle/>
+          <a:p>
+            <a:pPr eaLnBrk="1" hangingPunct="1"/>
+            <a:r>
+              <a:rPr lang="es-MX" altLang="en-US" sz="2800" dirty="0"/>
+              <a:t>Los arreglos multidimensionales se representan internamente como muchos arreglos de una dimensión.</a:t>
+            </a:r>
+          </a:p>
+          <a:p>
+            <a:pPr eaLnBrk="1" hangingPunct="1"/>
+            <a:r>
+              <a:rPr lang="es-MX" altLang="en-US" sz="2800" dirty="0"/>
+              <a:t>Ejemplo:</a:t>
+            </a:r>
+            <a:br>
+              <a:rPr lang="en-US" altLang="en-US" sz="2800" dirty="0"/>
+            </a:br>
+            <a:r>
+              <a:rPr lang="en-US" altLang="en-US" sz="2800" b="1" dirty="0">
+                <a:solidFill>
+                  <a:srgbClr val="0033CC"/>
+                </a:solidFill>
+                <a:latin typeface="Courier New" panose="02070309020205020404" pitchFamily="49" charset="0"/>
+                <a:cs typeface="Courier New" panose="02070309020205020404" pitchFamily="49" charset="0"/>
+              </a:rPr>
+              <a:t>int [][] table = new int [10][6];</a:t>
+            </a:r>
+            <a:endParaRPr lang="en-US" altLang="en-US" b="1" dirty="0">
+              <a:solidFill>
+                <a:srgbClr val="0033CC"/>
+              </a:solidFill>
+              <a:latin typeface="Courier New" panose="02070309020205020404" pitchFamily="49" charset="0"/>
+              <a:cs typeface="Courier New" panose="02070309020205020404" pitchFamily="49" charset="0"/>
+            </a:endParaRPr>
+          </a:p>
+          <a:p>
+            <a:pPr eaLnBrk="1" hangingPunct="1"/>
+            <a:r>
+              <a:rPr lang="es-MX" altLang="en-US" sz="2800" dirty="0"/>
+              <a:t>En realidad la tabla es un arreglo de tipo </a:t>
+            </a:r>
+            <a:r>
+              <a:rPr lang="en-US" altLang="en-US" sz="2800" b="1" dirty="0">
+                <a:solidFill>
+                  <a:srgbClr val="0033CC"/>
+                </a:solidFill>
+                <a:latin typeface="Courier New" panose="02070309020205020404" pitchFamily="49" charset="0"/>
+                <a:cs typeface="Courier New" panose="02070309020205020404" pitchFamily="49" charset="0"/>
+              </a:rPr>
+              <a:t>int[]</a:t>
+            </a:r>
+            <a:endParaRPr lang="en-US" altLang="en-US" b="1" dirty="0">
+              <a:solidFill>
+                <a:srgbClr val="0033CC"/>
+              </a:solidFill>
+              <a:latin typeface="Courier New" panose="02070309020205020404" pitchFamily="49" charset="0"/>
+              <a:cs typeface="Courier New" panose="02070309020205020404" pitchFamily="49" charset="0"/>
+            </a:endParaRPr>
+          </a:p>
+          <a:p>
+            <a:pPr lvl="1" eaLnBrk="1" hangingPunct="1"/>
+            <a:r>
+              <a:rPr lang="es-MX" altLang="en-US" sz="2400" dirty="0"/>
+              <a:t>Es decir, un arreglo de arreglos.</a:t>
+            </a:r>
+            <a:endParaRPr lang="en-US" altLang="en-US" sz="2400" dirty="0"/>
+          </a:p>
+        </p:txBody>
+      </p:sp>
+    </p:spTree>
+  </p:cSld>
+  <p:clrMapOvr>
+    <a:masterClrMapping/>
+  </p:clrMapOvr>
+</p:sld>
+</file>
+
 <file path=ppt/slides/slide2.xml><?xml version="1.0" encoding="utf-8"?>
 <p:sld xmlns:a="http://schemas.openxmlformats.org/drawingml/2006/main" xmlns:r="http://schemas.openxmlformats.org/officeDocument/2006/relationships" xmlns:p="http://schemas.openxmlformats.org/presentationml/2006/main" showMasterSp="0">
   <p:cSld>
@@ -4571,7 +6764,7 @@
         </p:nvSpPr>
         <p:spPr>
           <a:xfrm>
-            <a:off x="342899" y="2883980"/>
+            <a:off x="342899" y="2793240"/>
             <a:ext cx="6595373" cy="3970318"/>
           </a:xfrm>
           <a:prstGeom prst="rect">
@@ -5810,148 +8003,6 @@
       </p:grpSpPr>
       <p:sp>
         <p:nvSpPr>
-          <p:cNvPr id="21506" name="Title 1">
-            <a:extLst>
-              <a:ext uri="{FF2B5EF4-FFF2-40B4-BE49-F238E27FC236}">
-                <a16:creationId xmlns:a16="http://schemas.microsoft.com/office/drawing/2014/main" id="{DC3D8BBC-4CE6-49B5-858D-9DC22B6F1485}"/>
-              </a:ext>
-            </a:extLst>
-          </p:cNvPr>
-          <p:cNvSpPr>
-            <a:spLocks noGrp="1"/>
-          </p:cNvSpPr>
-          <p:nvPr>
-            <p:ph type="title"/>
-          </p:nvPr>
-        </p:nvSpPr>
-        <p:spPr/>
-        <p:txBody>
-          <a:bodyPr/>
-          <a:lstStyle/>
-          <a:p>
-            <a:pPr eaLnBrk="1" hangingPunct="1"/>
-            <a:r>
-              <a:rPr lang="en-US" altLang="en-US"/>
-              <a:t>Representación en Java de Arreglos Multidimensionales</a:t>
-            </a:r>
-          </a:p>
-        </p:txBody>
-      </p:sp>
-      <p:sp>
-        <p:nvSpPr>
-          <p:cNvPr id="21507" name="Content Placeholder 2">
-            <a:extLst>
-              <a:ext uri="{FF2B5EF4-FFF2-40B4-BE49-F238E27FC236}">
-                <a16:creationId xmlns:a16="http://schemas.microsoft.com/office/drawing/2014/main" id="{13EC3567-FEA3-4422-A3F1-DC5ACC96FB7C}"/>
-              </a:ext>
-            </a:extLst>
-          </p:cNvPr>
-          <p:cNvSpPr>
-            <a:spLocks noGrp="1"/>
-          </p:cNvSpPr>
-          <p:nvPr>
-            <p:ph idx="1"/>
-          </p:nvPr>
-        </p:nvSpPr>
-        <p:spPr/>
-        <p:txBody>
-          <a:bodyPr/>
-          <a:lstStyle/>
-          <a:p>
-            <a:pPr eaLnBrk="1" hangingPunct="1"/>
-            <a:r>
-              <a:rPr lang="es-MX" altLang="en-US" sz="2800" dirty="0"/>
-              <a:t>Los arreglos multidimensionales se representan internamente como muchos arreglos de una dimensión.</a:t>
-            </a:r>
-          </a:p>
-          <a:p>
-            <a:pPr eaLnBrk="1" hangingPunct="1"/>
-            <a:r>
-              <a:rPr lang="es-MX" altLang="en-US" sz="2800" dirty="0"/>
-              <a:t>Ejemplo:</a:t>
-            </a:r>
-            <a:br>
-              <a:rPr lang="en-US" altLang="en-US" sz="2800" dirty="0"/>
-            </a:br>
-            <a:r>
-              <a:rPr lang="en-US" altLang="en-US" sz="2800" b="1" dirty="0">
-                <a:solidFill>
-                  <a:srgbClr val="0033CC"/>
-                </a:solidFill>
-                <a:latin typeface="Courier New" panose="02070309020205020404" pitchFamily="49" charset="0"/>
-                <a:cs typeface="Courier New" panose="02070309020205020404" pitchFamily="49" charset="0"/>
-              </a:rPr>
-              <a:t>int [][] table = new int [10][6];</a:t>
-            </a:r>
-            <a:endParaRPr lang="en-US" altLang="en-US" b="1" dirty="0">
-              <a:solidFill>
-                <a:srgbClr val="0033CC"/>
-              </a:solidFill>
-              <a:latin typeface="Courier New" panose="02070309020205020404" pitchFamily="49" charset="0"/>
-              <a:cs typeface="Courier New" panose="02070309020205020404" pitchFamily="49" charset="0"/>
-            </a:endParaRPr>
-          </a:p>
-          <a:p>
-            <a:pPr eaLnBrk="1" hangingPunct="1"/>
-            <a:r>
-              <a:rPr lang="es-MX" altLang="en-US" sz="2800" dirty="0"/>
-              <a:t>En realidad la tabla es un arreglo de tipo </a:t>
-            </a:r>
-            <a:r>
-              <a:rPr lang="en-US" altLang="en-US" sz="2800" b="1" dirty="0">
-                <a:solidFill>
-                  <a:srgbClr val="0033CC"/>
-                </a:solidFill>
-                <a:latin typeface="Courier New" panose="02070309020205020404" pitchFamily="49" charset="0"/>
-                <a:cs typeface="Courier New" panose="02070309020205020404" pitchFamily="49" charset="0"/>
-              </a:rPr>
-              <a:t>int[]</a:t>
-            </a:r>
-            <a:endParaRPr lang="en-US" altLang="en-US" b="1" dirty="0">
-              <a:solidFill>
-                <a:srgbClr val="0033CC"/>
-              </a:solidFill>
-              <a:latin typeface="Courier New" panose="02070309020205020404" pitchFamily="49" charset="0"/>
-              <a:cs typeface="Courier New" panose="02070309020205020404" pitchFamily="49" charset="0"/>
-            </a:endParaRPr>
-          </a:p>
-          <a:p>
-            <a:pPr lvl="1" eaLnBrk="1" hangingPunct="1"/>
-            <a:r>
-              <a:rPr lang="es-MX" altLang="en-US" sz="2400" dirty="0"/>
-              <a:t>Es decir, un arreglo de arreglos.</a:t>
-            </a:r>
-            <a:endParaRPr lang="en-US" altLang="en-US" sz="2400" dirty="0"/>
-          </a:p>
-        </p:txBody>
-      </p:sp>
-    </p:spTree>
-  </p:cSld>
-  <p:clrMapOvr>
-    <a:masterClrMapping/>
-  </p:clrMapOvr>
-</p:sld>
-</file>
-
-<file path=ppt/slides/slide21.xml><?xml version="1.0" encoding="utf-8"?>
-<p:sld xmlns:a="http://schemas.openxmlformats.org/drawingml/2006/main" xmlns:r="http://schemas.openxmlformats.org/officeDocument/2006/relationships" xmlns:p="http://schemas.openxmlformats.org/presentationml/2006/main" showMasterSp="0">
-  <p:cSld>
-    <p:spTree>
-      <p:nvGrpSpPr>
-        <p:cNvPr id="1" name=""/>
-        <p:cNvGrpSpPr/>
-        <p:nvPr/>
-      </p:nvGrpSpPr>
-      <p:grpSpPr>
-        <a:xfrm>
-          <a:off x="0" y="0"/>
-          <a:ext cx="0" cy="0"/>
-          <a:chOff x="0" y="0"/>
-          <a:chExt cx="0" cy="0"/>
-        </a:xfrm>
-      </p:grpSpPr>
-      <p:sp>
-        <p:nvSpPr>
           <p:cNvPr id="22530" name="Title 1">
             <a:extLst>
               <a:ext uri="{FF2B5EF4-FFF2-40B4-BE49-F238E27FC236}">
@@ -6090,7 +8141,7 @@
 </p:sld>
 </file>
 
-<file path=ppt/slides/slide22.xml><?xml version="1.0" encoding="utf-8"?>
+<file path=ppt/slides/slide21.xml><?xml version="1.0" encoding="utf-8"?>
 <p:sld xmlns:a="http://schemas.openxmlformats.org/drawingml/2006/main" xmlns:r="http://schemas.openxmlformats.org/officeDocument/2006/relationships" xmlns:p="http://schemas.openxmlformats.org/presentationml/2006/main" showMasterSp="0">
   <p:cSld>
     <p:spTree>
@@ -6313,7 +8364,7 @@
 </p:sld>
 </file>
 
-<file path=ppt/slides/slide23.xml><?xml version="1.0" encoding="utf-8"?>
+<file path=ppt/slides/slide22.xml><?xml version="1.0" encoding="utf-8"?>
 <p:sld xmlns:a="http://schemas.openxmlformats.org/drawingml/2006/main" xmlns:r="http://schemas.openxmlformats.org/officeDocument/2006/relationships" xmlns:p="http://schemas.openxmlformats.org/presentationml/2006/main" showMasterSp="0">
   <p:cSld>
     <p:spTree>
@@ -6427,7 +8478,7 @@
 </p:sld>
 </file>
 
-<file path=ppt/slides/slide24.xml><?xml version="1.0" encoding="utf-8"?>
+<file path=ppt/slides/slide23.xml><?xml version="1.0" encoding="utf-8"?>
 <p:sld xmlns:a="http://schemas.openxmlformats.org/drawingml/2006/main" xmlns:r="http://schemas.openxmlformats.org/officeDocument/2006/relationships" xmlns:p="http://schemas.openxmlformats.org/presentationml/2006/main" showMasterSp="0">
   <p:cSld>
     <p:spTree>
@@ -6597,7 +8648,7 @@
 </p:sld>
 </file>
 
-<file path=ppt/slides/slide25.xml><?xml version="1.0" encoding="utf-8"?>
+<file path=ppt/slides/slide24.xml><?xml version="1.0" encoding="utf-8"?>
 <p:sld xmlns:a="http://schemas.openxmlformats.org/drawingml/2006/main" xmlns:r="http://schemas.openxmlformats.org/officeDocument/2006/relationships" xmlns:p="http://schemas.openxmlformats.org/presentationml/2006/main" showMasterSp="0">
   <p:cSld>
     <p:spTree>

--- a/MOD01_Arreglos_multidimensionales/01 Presentacion/INFO2_MOD01-Arreglos_Multidimensionales.pptx
+++ b/MOD01_Arreglos_multidimensionales/01 Presentacion/INFO2_MOD01-Arreglos_Multidimensionales.pptx
@@ -5,7 +5,7 @@
     <p:sldMasterId id="2147483756" r:id="rId1"/>
   </p:sldMasterIdLst>
   <p:handoutMasterIdLst>
-    <p:handoutMasterId r:id="rId26"/>
+    <p:handoutMasterId r:id="rId24"/>
   </p:handoutMasterIdLst>
   <p:sldIdLst>
     <p:sldId id="256" r:id="rId2"/>
@@ -25,13 +25,11 @@
     <p:sldId id="333" r:id="rId16"/>
     <p:sldId id="334" r:id="rId17"/>
     <p:sldId id="335" r:id="rId18"/>
-    <p:sldId id="280" r:id="rId19"/>
-    <p:sldId id="282" r:id="rId20"/>
-    <p:sldId id="283" r:id="rId21"/>
-    <p:sldId id="332" r:id="rId22"/>
-    <p:sldId id="336" r:id="rId23"/>
-    <p:sldId id="337" r:id="rId24"/>
-    <p:sldId id="331" r:id="rId25"/>
+    <p:sldId id="282" r:id="rId19"/>
+    <p:sldId id="283" r:id="rId20"/>
+    <p:sldId id="332" r:id="rId21"/>
+    <p:sldId id="336" r:id="rId22"/>
+    <p:sldId id="348" r:id="rId23"/>
   </p:sldIdLst>
   <p:sldSz cx="9144000" cy="6858000" type="screen4x3"/>
   <p:notesSz cx="6858000" cy="9144000"/>
@@ -354,7 +352,7 @@
           <a:p>
             <a:fld id="{0130A19F-DA6C-488F-8115-A486A94DC5D0}" type="datetimeFigureOut">
               <a:rPr lang="en-US" smtClean="0"/>
-              <a:t>1/12/2020</a:t>
+              <a:t>1/13/20</a:t>
             </a:fld>
             <a:endParaRPr lang="en-US"/>
           </a:p>
@@ -2981,8 +2979,8 @@
         </p:nvSpPr>
         <p:spPr>
           <a:xfrm>
-            <a:off x="718955" y="1224152"/>
-            <a:ext cx="7873614" cy="499946"/>
+            <a:off x="718954" y="1224152"/>
+            <a:ext cx="8229600" cy="499946"/>
           </a:xfrm>
           <a:solidFill>
             <a:schemeClr val="tx1"/>
@@ -4771,7 +4769,7 @@
         </p:nvSpPr>
         <p:spPr>
           <a:xfrm>
-            <a:off x="457200" y="1343559"/>
+            <a:off x="457200" y="1051602"/>
             <a:ext cx="8229600" cy="708498"/>
           </a:xfrm>
         </p:spPr>
@@ -4804,8 +4802,8 @@
         </p:nvSpPr>
         <p:spPr>
           <a:xfrm>
-            <a:off x="586333" y="2052057"/>
-            <a:ext cx="7971334" cy="2308324"/>
+            <a:off x="309094" y="2066894"/>
+            <a:ext cx="8705774" cy="2308324"/>
           </a:xfrm>
           <a:prstGeom prst="rect">
             <a:avLst/>
@@ -6376,10 +6374,10 @@
       </p:grpSpPr>
       <p:sp>
         <p:nvSpPr>
-          <p:cNvPr id="20482" name="Title 2">
+          <p:cNvPr id="21506" name="Title 1">
             <a:extLst>
               <a:ext uri="{FF2B5EF4-FFF2-40B4-BE49-F238E27FC236}">
-                <a16:creationId xmlns:a16="http://schemas.microsoft.com/office/drawing/2014/main" id="{99513E77-C2AB-4F7B-8662-B06F4ACE918C}"/>
+                <a16:creationId xmlns:a16="http://schemas.microsoft.com/office/drawing/2014/main" id="{DC3D8BBC-4CE6-49B5-858D-9DC22B6F1485}"/>
               </a:ext>
             </a:extLst>
           </p:cNvPr>
@@ -6395,20 +6393,243 @@
           <a:bodyPr/>
           <a:lstStyle/>
           <a:p>
-            <a:r>
-              <a:rPr lang="es-MX" altLang="es-MX" dirty="0"/>
-              <a:t>Arreglos multidimensionales en métodos</a:t>
-            </a:r>
-            <a:endParaRPr lang="en-US" altLang="es-MX" dirty="0"/>
+            <a:pPr eaLnBrk="1" hangingPunct="1"/>
+            <a:r>
+              <a:rPr lang="en-US" altLang="en-US" dirty="0" err="1"/>
+              <a:t>Representación</a:t>
+            </a:r>
+            <a:r>
+              <a:rPr lang="en-US" altLang="en-US" dirty="0"/>
+              <a:t> de una </a:t>
+            </a:r>
+            <a:r>
+              <a:rPr lang="en-US" altLang="en-US" dirty="0" err="1"/>
+              <a:t>matriz</a:t>
+            </a:r>
+            <a:endParaRPr lang="en-US" altLang="en-US" dirty="0"/>
+          </a:p>
+        </p:txBody>
+      </p:sp>
+      <p:sp>
+        <p:nvSpPr>
+          <p:cNvPr id="21507" name="Content Placeholder 2">
+            <a:extLst>
+              <a:ext uri="{FF2B5EF4-FFF2-40B4-BE49-F238E27FC236}">
+                <a16:creationId xmlns:a16="http://schemas.microsoft.com/office/drawing/2014/main" id="{13EC3567-FEA3-4422-A3F1-DC5ACC96FB7C}"/>
+              </a:ext>
+            </a:extLst>
+          </p:cNvPr>
+          <p:cNvSpPr>
+            <a:spLocks noGrp="1"/>
+          </p:cNvSpPr>
+          <p:nvPr>
+            <p:ph idx="1"/>
+          </p:nvPr>
+        </p:nvSpPr>
+        <p:spPr>
+          <a:xfrm>
+            <a:off x="444321" y="1245091"/>
+            <a:ext cx="8229600" cy="3066133"/>
+          </a:xfrm>
+        </p:spPr>
+        <p:txBody>
+          <a:bodyPr/>
+          <a:lstStyle/>
+          <a:p>
+            <a:pPr eaLnBrk="1" hangingPunct="1"/>
+            <a:r>
+              <a:rPr lang="es-MX" altLang="en-US" sz="2800" dirty="0"/>
+              <a:t>Los arreglos multidimensionales se representan internamente como muchos arreglos de una dimensión.</a:t>
+            </a:r>
+          </a:p>
+          <a:p>
+            <a:pPr eaLnBrk="1" hangingPunct="1"/>
+            <a:endParaRPr lang="es-MX" altLang="en-US" sz="2800" dirty="0"/>
+          </a:p>
+          <a:p>
+            <a:r>
+              <a:rPr lang="es-MX" altLang="en-US" sz="2800" dirty="0"/>
+              <a:t>Ejemplo:</a:t>
+            </a:r>
+          </a:p>
+          <a:p>
+            <a:r>
+              <a:rPr lang="en-US" sz="2400" dirty="0">
+                <a:solidFill>
+                  <a:srgbClr val="4EC9B0"/>
+                </a:solidFill>
+                <a:highlight>
+                  <a:srgbClr val="000000"/>
+                </a:highlight>
+                <a:latin typeface="Menlo" panose="020B0609030804020204" pitchFamily="49" charset="0"/>
+              </a:rPr>
+              <a:t>int</a:t>
+            </a:r>
+            <a:r>
+              <a:rPr lang="en-US" sz="2400" dirty="0">
+                <a:solidFill>
+                  <a:srgbClr val="D4D4D4"/>
+                </a:solidFill>
+                <a:highlight>
+                  <a:srgbClr val="000000"/>
+                </a:highlight>
+                <a:latin typeface="Menlo" panose="020B0609030804020204" pitchFamily="49" charset="0"/>
+              </a:rPr>
+              <a:t>[][] </a:t>
+            </a:r>
+            <a:r>
+              <a:rPr lang="en-US" sz="2400" dirty="0">
+                <a:solidFill>
+                  <a:srgbClr val="9CDCFE"/>
+                </a:solidFill>
+                <a:highlight>
+                  <a:srgbClr val="000000"/>
+                </a:highlight>
+                <a:latin typeface="Menlo" panose="020B0609030804020204" pitchFamily="49" charset="0"/>
+              </a:rPr>
+              <a:t>table</a:t>
+            </a:r>
+            <a:r>
+              <a:rPr lang="en-US" sz="2400" dirty="0">
+                <a:solidFill>
+                  <a:srgbClr val="D4D4D4"/>
+                </a:solidFill>
+                <a:highlight>
+                  <a:srgbClr val="000000"/>
+                </a:highlight>
+                <a:latin typeface="Menlo" panose="020B0609030804020204" pitchFamily="49" charset="0"/>
+              </a:rPr>
+              <a:t> = </a:t>
+            </a:r>
+            <a:r>
+              <a:rPr lang="en-US" sz="2400" dirty="0">
+                <a:solidFill>
+                  <a:srgbClr val="C586C0"/>
+                </a:solidFill>
+                <a:highlight>
+                  <a:srgbClr val="000000"/>
+                </a:highlight>
+                <a:latin typeface="Menlo" panose="020B0609030804020204" pitchFamily="49" charset="0"/>
+              </a:rPr>
+              <a:t>new</a:t>
+            </a:r>
+            <a:r>
+              <a:rPr lang="en-US" sz="2400" dirty="0">
+                <a:solidFill>
+                  <a:srgbClr val="D4D4D4"/>
+                </a:solidFill>
+                <a:highlight>
+                  <a:srgbClr val="000000"/>
+                </a:highlight>
+                <a:latin typeface="Menlo" panose="020B0609030804020204" pitchFamily="49" charset="0"/>
+              </a:rPr>
+              <a:t> </a:t>
+            </a:r>
+            <a:r>
+              <a:rPr lang="en-US" sz="2400" dirty="0">
+                <a:solidFill>
+                  <a:srgbClr val="4EC9B0"/>
+                </a:solidFill>
+                <a:highlight>
+                  <a:srgbClr val="000000"/>
+                </a:highlight>
+                <a:latin typeface="Menlo" panose="020B0609030804020204" pitchFamily="49" charset="0"/>
+              </a:rPr>
+              <a:t>int</a:t>
+            </a:r>
+            <a:r>
+              <a:rPr lang="en-US" sz="2400" dirty="0">
+                <a:solidFill>
+                  <a:srgbClr val="D4D4D4"/>
+                </a:solidFill>
+                <a:highlight>
+                  <a:srgbClr val="000000"/>
+                </a:highlight>
+                <a:latin typeface="Menlo" panose="020B0609030804020204" pitchFamily="49" charset="0"/>
+              </a:rPr>
+              <a:t>[</a:t>
+            </a:r>
+            <a:r>
+              <a:rPr lang="en-US" sz="2400" dirty="0">
+                <a:solidFill>
+                  <a:srgbClr val="B5CEA8"/>
+                </a:solidFill>
+                <a:highlight>
+                  <a:srgbClr val="000000"/>
+                </a:highlight>
+                <a:latin typeface="Menlo" panose="020B0609030804020204" pitchFamily="49" charset="0"/>
+              </a:rPr>
+              <a:t>3</a:t>
+            </a:r>
+            <a:r>
+              <a:rPr lang="en-US" sz="2400" dirty="0">
+                <a:solidFill>
+                  <a:srgbClr val="D4D4D4"/>
+                </a:solidFill>
+                <a:highlight>
+                  <a:srgbClr val="000000"/>
+                </a:highlight>
+                <a:latin typeface="Menlo" panose="020B0609030804020204" pitchFamily="49" charset="0"/>
+              </a:rPr>
+              <a:t>][</a:t>
+            </a:r>
+            <a:r>
+              <a:rPr lang="en-US" sz="2400" dirty="0">
+                <a:solidFill>
+                  <a:srgbClr val="B5CEA8"/>
+                </a:solidFill>
+                <a:highlight>
+                  <a:srgbClr val="000000"/>
+                </a:highlight>
+                <a:latin typeface="Menlo" panose="020B0609030804020204" pitchFamily="49" charset="0"/>
+              </a:rPr>
+              <a:t>5</a:t>
+            </a:r>
+            <a:r>
+              <a:rPr lang="en-US" sz="2400" dirty="0">
+                <a:solidFill>
+                  <a:srgbClr val="D4D4D4"/>
+                </a:solidFill>
+                <a:highlight>
+                  <a:srgbClr val="000000"/>
+                </a:highlight>
+                <a:latin typeface="Menlo" panose="020B0609030804020204" pitchFamily="49" charset="0"/>
+              </a:rPr>
+              <a:t>];</a:t>
+            </a:r>
+          </a:p>
+          <a:p>
+            <a:endParaRPr lang="en-US" altLang="en-US" sz="2400" b="1" dirty="0">
+              <a:solidFill>
+                <a:srgbClr val="D4D4D4"/>
+              </a:solidFill>
+              <a:highlight>
+                <a:srgbClr val="000000"/>
+              </a:highlight>
+              <a:latin typeface="Menlo" panose="020B0609030804020204" pitchFamily="49" charset="0"/>
+              <a:cs typeface="Courier New" panose="02070309020205020404" pitchFamily="49" charset="0"/>
+            </a:endParaRPr>
+          </a:p>
+          <a:p>
+            <a:endParaRPr lang="en-US" altLang="en-US" sz="2400" b="1" dirty="0">
+              <a:solidFill>
+                <a:srgbClr val="0033CC"/>
+              </a:solidFill>
+              <a:highlight>
+                <a:srgbClr val="000000"/>
+              </a:highlight>
+              <a:latin typeface="Cascadia Code" panose="020B0609020000020004" pitchFamily="49" charset="77"/>
+              <a:cs typeface="Courier New" panose="02070309020205020404" pitchFamily="49" charset="0"/>
+            </a:endParaRPr>
           </a:p>
         </p:txBody>
       </p:sp>
       <p:pic>
         <p:nvPicPr>
-          <p:cNvPr id="2" name="Picture 1">
+          <p:cNvPr id="4" name="Picture 3">
             <a:extLst>
               <a:ext uri="{FF2B5EF4-FFF2-40B4-BE49-F238E27FC236}">
-                <a16:creationId xmlns:a16="http://schemas.microsoft.com/office/drawing/2014/main" id="{2580CD99-3FB9-4469-9A54-04A75168CAE0}"/>
+                <a16:creationId xmlns:a16="http://schemas.microsoft.com/office/drawing/2014/main" id="{FCD88FF4-0345-494A-A6B0-E78FBB57561E}"/>
               </a:ext>
             </a:extLst>
           </p:cNvPr>
@@ -6425,49 +6646,14 @@
         </p:blipFill>
         <p:spPr>
           <a:xfrm>
-            <a:off x="372894" y="2557434"/>
-            <a:ext cx="8044774" cy="2453191"/>
+            <a:off x="286270" y="4821842"/>
+            <a:ext cx="8571460" cy="1301683"/>
           </a:xfrm>
           <a:prstGeom prst="rect">
             <a:avLst/>
           </a:prstGeom>
         </p:spPr>
       </p:pic>
-      <p:sp>
-        <p:nvSpPr>
-          <p:cNvPr id="3" name="Rectangle 2">
-            <a:extLst>
-              <a:ext uri="{FF2B5EF4-FFF2-40B4-BE49-F238E27FC236}">
-                <a16:creationId xmlns:a16="http://schemas.microsoft.com/office/drawing/2014/main" id="{E0904344-CFB3-43C6-8E96-D576FA063EA4}"/>
-              </a:ext>
-            </a:extLst>
-          </p:cNvPr>
-          <p:cNvSpPr/>
-          <p:nvPr/>
-        </p:nvSpPr>
-        <p:spPr>
-          <a:xfrm>
-            <a:off x="372894" y="1802870"/>
-            <a:ext cx="8407940" cy="369332"/>
-          </a:xfrm>
-          <a:prstGeom prst="rect">
-            <a:avLst/>
-          </a:prstGeom>
-        </p:spPr>
-        <p:txBody>
-          <a:bodyPr wrap="square">
-            <a:spAutoFit/>
-          </a:bodyPr>
-          <a:lstStyle/>
-          <a:p>
-            <a:pPr eaLnBrk="1" hangingPunct="1"/>
-            <a:r>
-              <a:rPr lang="es-MX" altLang="en-US" dirty="0"/>
-              <a:t>Método que imprima todos los elementos de un arreglo multidimensional.</a:t>
-            </a:r>
-          </a:p>
-        </p:txBody>
-      </p:sp>
     </p:spTree>
   </p:cSld>
   <p:clrMapOvr>
@@ -6495,10 +6681,10 @@
       </p:grpSpPr>
       <p:sp>
         <p:nvSpPr>
-          <p:cNvPr id="21506" name="Title 1">
+          <p:cNvPr id="22530" name="Title 1">
             <a:extLst>
               <a:ext uri="{FF2B5EF4-FFF2-40B4-BE49-F238E27FC236}">
-                <a16:creationId xmlns:a16="http://schemas.microsoft.com/office/drawing/2014/main" id="{DC3D8BBC-4CE6-49B5-858D-9DC22B6F1485}"/>
+                <a16:creationId xmlns:a16="http://schemas.microsoft.com/office/drawing/2014/main" id="{00A33F5A-159D-4677-A8D0-1937142946B4}"/>
               </a:ext>
             </a:extLst>
           </p:cNvPr>
@@ -6516,18 +6702,18 @@
           <a:p>
             <a:pPr eaLnBrk="1" hangingPunct="1"/>
             <a:r>
-              <a:rPr lang="en-US" altLang="en-US"/>
-              <a:t>Representación en Java de Arreglos Multidimensionales</a:t>
+              <a:rPr lang="en-US" altLang="en-US" dirty="0"/>
+              <a:t>Ragged Arrays</a:t>
             </a:r>
           </a:p>
         </p:txBody>
       </p:sp>
       <p:sp>
         <p:nvSpPr>
-          <p:cNvPr id="21507" name="Content Placeholder 2">
+          <p:cNvPr id="22531" name="Content Placeholder 2">
             <a:extLst>
               <a:ext uri="{FF2B5EF4-FFF2-40B4-BE49-F238E27FC236}">
-                <a16:creationId xmlns:a16="http://schemas.microsoft.com/office/drawing/2014/main" id="{13EC3567-FEA3-4422-A3F1-DC5ACC96FB7C}"/>
+                <a16:creationId xmlns:a16="http://schemas.microsoft.com/office/drawing/2014/main" id="{2D1A6E3B-DC26-42FA-8C4B-6F84B482E53D}"/>
               </a:ext>
             </a:extLst>
           </p:cNvPr>
@@ -6545,68 +6731,458 @@
           <a:p>
             <a:pPr eaLnBrk="1" hangingPunct="1"/>
             <a:r>
-              <a:rPr lang="es-MX" altLang="en-US" sz="2800" dirty="0"/>
-              <a:t>Los arreglos multidimensionales se representan internamente como muchos arreglos de una dimensión.</a:t>
-            </a:r>
+              <a:rPr lang="es-MX" altLang="en-US" dirty="0"/>
+              <a:t>No todos los elementos del arreglo tienen que ser del mismo tamaño.</a:t>
+            </a:r>
+            <a:endParaRPr lang="en-US" altLang="en-US" dirty="0"/>
           </a:p>
           <a:p>
             <a:pPr eaLnBrk="1" hangingPunct="1"/>
             <a:r>
-              <a:rPr lang="es-MX" altLang="en-US" sz="2800" dirty="0"/>
-              <a:t>Ejemplo:</a:t>
+              <a:rPr lang="en-US" altLang="en-US" dirty="0" err="1"/>
+              <a:t>Ejemplo</a:t>
+            </a:r>
+            <a:r>
+              <a:rPr lang="en-US" altLang="en-US" dirty="0"/>
+              <a:t>:</a:t>
+            </a:r>
+          </a:p>
+        </p:txBody>
+      </p:sp>
+      <p:sp>
+        <p:nvSpPr>
+          <p:cNvPr id="5" name="Rectangle 4">
+            <a:extLst>
+              <a:ext uri="{FF2B5EF4-FFF2-40B4-BE49-F238E27FC236}">
+                <a16:creationId xmlns:a16="http://schemas.microsoft.com/office/drawing/2014/main" id="{60A0E600-9A6D-C44E-B68A-C4CC29A5A502}"/>
+              </a:ext>
+            </a:extLst>
+          </p:cNvPr>
+          <p:cNvSpPr/>
+          <p:nvPr/>
+        </p:nvSpPr>
+        <p:spPr>
+          <a:xfrm>
+            <a:off x="457200" y="3140478"/>
+            <a:ext cx="8436646" cy="1754326"/>
+          </a:xfrm>
+          <a:prstGeom prst="rect">
+            <a:avLst/>
+          </a:prstGeom>
+          <a:solidFill>
+            <a:schemeClr val="tx1"/>
+          </a:solidFill>
+        </p:spPr>
+        <p:txBody>
+          <a:bodyPr wrap="square">
+            <a:spAutoFit/>
+          </a:bodyPr>
+          <a:lstStyle/>
+          <a:p>
+            <a:r>
+              <a:rPr lang="en-US" dirty="0">
+                <a:solidFill>
+                  <a:srgbClr val="4EC9B0"/>
+                </a:solidFill>
+                <a:latin typeface="Menlo" panose="020B0609030804020204" pitchFamily="49" charset="0"/>
+              </a:rPr>
+              <a:t>int</a:t>
+            </a:r>
+            <a:r>
+              <a:rPr lang="en-US" dirty="0">
+                <a:solidFill>
+                  <a:srgbClr val="D4D4D4"/>
+                </a:solidFill>
+                <a:latin typeface="Menlo" panose="020B0609030804020204" pitchFamily="49" charset="0"/>
+              </a:rPr>
+              <a:t>[][] </a:t>
+            </a:r>
+            <a:r>
+              <a:rPr lang="en-US" dirty="0">
+                <a:solidFill>
+                  <a:srgbClr val="9CDCFE"/>
+                </a:solidFill>
+                <a:latin typeface="Menlo" panose="020B0609030804020204" pitchFamily="49" charset="0"/>
+              </a:rPr>
+              <a:t>b</a:t>
+            </a:r>
+            <a:r>
+              <a:rPr lang="en-US" dirty="0">
+                <a:solidFill>
+                  <a:srgbClr val="D4D4D4"/>
+                </a:solidFill>
+                <a:latin typeface="Menlo" panose="020B0609030804020204" pitchFamily="49" charset="0"/>
+              </a:rPr>
+              <a:t>;</a:t>
+            </a:r>
+          </a:p>
+          <a:p>
+            <a:r>
+              <a:rPr lang="en-US" dirty="0">
+                <a:solidFill>
+                  <a:srgbClr val="D4D4D4"/>
+                </a:solidFill>
+                <a:latin typeface="Menlo" panose="020B0609030804020204" pitchFamily="49" charset="0"/>
+              </a:rPr>
+              <a:t>b = </a:t>
+            </a:r>
+            <a:r>
+              <a:rPr lang="en-US" dirty="0">
+                <a:solidFill>
+                  <a:srgbClr val="C586C0"/>
+                </a:solidFill>
+                <a:latin typeface="Menlo" panose="020B0609030804020204" pitchFamily="49" charset="0"/>
+              </a:rPr>
+              <a:t>new</a:t>
+            </a:r>
+            <a:r>
+              <a:rPr lang="en-US" dirty="0">
+                <a:solidFill>
+                  <a:srgbClr val="D4D4D4"/>
+                </a:solidFill>
+                <a:latin typeface="Menlo" panose="020B0609030804020204" pitchFamily="49" charset="0"/>
+              </a:rPr>
+              <a:t> </a:t>
+            </a:r>
+            <a:r>
+              <a:rPr lang="en-US" dirty="0">
+                <a:solidFill>
+                  <a:srgbClr val="4EC9B0"/>
+                </a:solidFill>
+                <a:latin typeface="Menlo" panose="020B0609030804020204" pitchFamily="49" charset="0"/>
+              </a:rPr>
+              <a:t>int</a:t>
+            </a:r>
+            <a:r>
+              <a:rPr lang="en-US" dirty="0">
+                <a:solidFill>
+                  <a:srgbClr val="D4D4D4"/>
+                </a:solidFill>
+                <a:latin typeface="Menlo" panose="020B0609030804020204" pitchFamily="49" charset="0"/>
+              </a:rPr>
+              <a:t>[</a:t>
+            </a:r>
+            <a:r>
+              <a:rPr lang="en-US" dirty="0">
+                <a:solidFill>
+                  <a:srgbClr val="B5CEA8"/>
+                </a:solidFill>
+                <a:latin typeface="Menlo" panose="020B0609030804020204" pitchFamily="49" charset="0"/>
+              </a:rPr>
+              <a:t>3</a:t>
+            </a:r>
+            <a:r>
+              <a:rPr lang="en-US" dirty="0">
+                <a:solidFill>
+                  <a:srgbClr val="D4D4D4"/>
+                </a:solidFill>
+                <a:latin typeface="Menlo" panose="020B0609030804020204" pitchFamily="49" charset="0"/>
+              </a:rPr>
+              <a:t>][];</a:t>
+            </a:r>
+          </a:p>
+          <a:p>
+            <a:r>
+              <a:rPr lang="en-US" dirty="0">
+                <a:solidFill>
+                  <a:srgbClr val="D4D4D4"/>
+                </a:solidFill>
+                <a:latin typeface="Menlo" panose="020B0609030804020204" pitchFamily="49" charset="0"/>
+              </a:rPr>
+              <a:t>b[</a:t>
+            </a:r>
+            <a:r>
+              <a:rPr lang="en-US" dirty="0">
+                <a:solidFill>
+                  <a:srgbClr val="B5CEA8"/>
+                </a:solidFill>
+                <a:latin typeface="Menlo" panose="020B0609030804020204" pitchFamily="49" charset="0"/>
+              </a:rPr>
+              <a:t>0</a:t>
+            </a:r>
+            <a:r>
+              <a:rPr lang="en-US" dirty="0">
+                <a:solidFill>
+                  <a:srgbClr val="D4D4D4"/>
+                </a:solidFill>
+                <a:latin typeface="Menlo" panose="020B0609030804020204" pitchFamily="49" charset="0"/>
+              </a:rPr>
+              <a:t>] = </a:t>
+            </a:r>
+            <a:r>
+              <a:rPr lang="en-US" dirty="0">
+                <a:solidFill>
+                  <a:srgbClr val="C586C0"/>
+                </a:solidFill>
+                <a:latin typeface="Menlo" panose="020B0609030804020204" pitchFamily="49" charset="0"/>
+              </a:rPr>
+              <a:t>new</a:t>
+            </a:r>
+            <a:r>
+              <a:rPr lang="en-US" dirty="0">
+                <a:solidFill>
+                  <a:srgbClr val="D4D4D4"/>
+                </a:solidFill>
+                <a:latin typeface="Menlo" panose="020B0609030804020204" pitchFamily="49" charset="0"/>
+              </a:rPr>
+              <a:t> </a:t>
+            </a:r>
+            <a:r>
+              <a:rPr lang="en-US" dirty="0">
+                <a:solidFill>
+                  <a:srgbClr val="4EC9B0"/>
+                </a:solidFill>
+                <a:latin typeface="Menlo" panose="020B0609030804020204" pitchFamily="49" charset="0"/>
+              </a:rPr>
+              <a:t>int</a:t>
+            </a:r>
+            <a:r>
+              <a:rPr lang="en-US" dirty="0">
+                <a:solidFill>
+                  <a:srgbClr val="D4D4D4"/>
+                </a:solidFill>
+                <a:latin typeface="Menlo" panose="020B0609030804020204" pitchFamily="49" charset="0"/>
+              </a:rPr>
+              <a:t>[</a:t>
+            </a:r>
+            <a:r>
+              <a:rPr lang="en-US" dirty="0">
+                <a:solidFill>
+                  <a:srgbClr val="B5CEA8"/>
+                </a:solidFill>
+                <a:latin typeface="Menlo" panose="020B0609030804020204" pitchFamily="49" charset="0"/>
+              </a:rPr>
+              <a:t>5</a:t>
+            </a:r>
+            <a:r>
+              <a:rPr lang="en-US" dirty="0">
+                <a:solidFill>
+                  <a:srgbClr val="D4D4D4"/>
+                </a:solidFill>
+                <a:latin typeface="Menlo" panose="020B0609030804020204" pitchFamily="49" charset="0"/>
+              </a:rPr>
+              <a:t>]; </a:t>
+            </a:r>
+            <a:r>
+              <a:rPr lang="en-US" dirty="0">
+                <a:solidFill>
+                  <a:srgbClr val="6A9955"/>
+                </a:solidFill>
+                <a:latin typeface="Menlo" panose="020B0609030804020204" pitchFamily="49" charset="0"/>
+              </a:rPr>
+              <a:t>//First row, 5 elements</a:t>
+            </a:r>
+            <a:endParaRPr lang="en-US" dirty="0">
+              <a:solidFill>
+                <a:srgbClr val="D4D4D4"/>
+              </a:solidFill>
+              <a:latin typeface="Menlo" panose="020B0609030804020204" pitchFamily="49" charset="0"/>
+            </a:endParaRPr>
+          </a:p>
+          <a:p>
+            <a:r>
+              <a:rPr lang="en-US" dirty="0">
+                <a:solidFill>
+                  <a:srgbClr val="D4D4D4"/>
+                </a:solidFill>
+                <a:latin typeface="Menlo" panose="020B0609030804020204" pitchFamily="49" charset="0"/>
+              </a:rPr>
+              <a:t>b[</a:t>
+            </a:r>
+            <a:r>
+              <a:rPr lang="en-US" dirty="0">
+                <a:solidFill>
+                  <a:srgbClr val="B5CEA8"/>
+                </a:solidFill>
+                <a:latin typeface="Menlo" panose="020B0609030804020204" pitchFamily="49" charset="0"/>
+              </a:rPr>
+              <a:t>1</a:t>
+            </a:r>
+            <a:r>
+              <a:rPr lang="en-US" dirty="0">
+                <a:solidFill>
+                  <a:srgbClr val="D4D4D4"/>
+                </a:solidFill>
+                <a:latin typeface="Menlo" panose="020B0609030804020204" pitchFamily="49" charset="0"/>
+              </a:rPr>
+              <a:t>] = </a:t>
+            </a:r>
+            <a:r>
+              <a:rPr lang="en-US" dirty="0">
+                <a:solidFill>
+                  <a:srgbClr val="C586C0"/>
+                </a:solidFill>
+                <a:latin typeface="Menlo" panose="020B0609030804020204" pitchFamily="49" charset="0"/>
+              </a:rPr>
+              <a:t>new</a:t>
+            </a:r>
+            <a:r>
+              <a:rPr lang="en-US" dirty="0">
+                <a:solidFill>
+                  <a:srgbClr val="D4D4D4"/>
+                </a:solidFill>
+                <a:latin typeface="Menlo" panose="020B0609030804020204" pitchFamily="49" charset="0"/>
+              </a:rPr>
+              <a:t> </a:t>
+            </a:r>
+            <a:r>
+              <a:rPr lang="en-US" dirty="0">
+                <a:solidFill>
+                  <a:srgbClr val="4EC9B0"/>
+                </a:solidFill>
+                <a:latin typeface="Menlo" panose="020B0609030804020204" pitchFamily="49" charset="0"/>
+              </a:rPr>
+              <a:t>int</a:t>
+            </a:r>
+            <a:r>
+              <a:rPr lang="en-US" dirty="0">
+                <a:solidFill>
+                  <a:srgbClr val="D4D4D4"/>
+                </a:solidFill>
+                <a:latin typeface="Menlo" panose="020B0609030804020204" pitchFamily="49" charset="0"/>
+              </a:rPr>
+              <a:t>[</a:t>
+            </a:r>
+            <a:r>
+              <a:rPr lang="en-US" dirty="0">
+                <a:solidFill>
+                  <a:srgbClr val="B5CEA8"/>
+                </a:solidFill>
+                <a:latin typeface="Menlo" panose="020B0609030804020204" pitchFamily="49" charset="0"/>
+              </a:rPr>
+              <a:t>7</a:t>
+            </a:r>
+            <a:r>
+              <a:rPr lang="en-US" dirty="0">
+                <a:solidFill>
+                  <a:srgbClr val="D4D4D4"/>
+                </a:solidFill>
+                <a:latin typeface="Menlo" panose="020B0609030804020204" pitchFamily="49" charset="0"/>
+              </a:rPr>
+              <a:t>]; </a:t>
+            </a:r>
+            <a:r>
+              <a:rPr lang="en-US" dirty="0">
+                <a:solidFill>
+                  <a:srgbClr val="6A9955"/>
+                </a:solidFill>
+                <a:latin typeface="Menlo" panose="020B0609030804020204" pitchFamily="49" charset="0"/>
+              </a:rPr>
+              <a:t>//Second row, 7 elements</a:t>
+            </a:r>
+            <a:endParaRPr lang="en-US" dirty="0">
+              <a:solidFill>
+                <a:srgbClr val="D4D4D4"/>
+              </a:solidFill>
+              <a:latin typeface="Menlo" panose="020B0609030804020204" pitchFamily="49" charset="0"/>
+            </a:endParaRPr>
+          </a:p>
+          <a:p>
+            <a:r>
+              <a:rPr lang="en-US" dirty="0">
+                <a:solidFill>
+                  <a:srgbClr val="D4D4D4"/>
+                </a:solidFill>
+                <a:latin typeface="Menlo" panose="020B0609030804020204" pitchFamily="49" charset="0"/>
+              </a:rPr>
+              <a:t>b[</a:t>
+            </a:r>
+            <a:r>
+              <a:rPr lang="en-US" dirty="0">
+                <a:solidFill>
+                  <a:srgbClr val="B5CEA8"/>
+                </a:solidFill>
+                <a:latin typeface="Menlo" panose="020B0609030804020204" pitchFamily="49" charset="0"/>
+              </a:rPr>
+              <a:t>2</a:t>
+            </a:r>
+            <a:r>
+              <a:rPr lang="en-US" dirty="0">
+                <a:solidFill>
+                  <a:srgbClr val="D4D4D4"/>
+                </a:solidFill>
+                <a:latin typeface="Menlo" panose="020B0609030804020204" pitchFamily="49" charset="0"/>
+              </a:rPr>
+              <a:t>] = </a:t>
+            </a:r>
+            <a:r>
+              <a:rPr lang="en-US" dirty="0">
+                <a:solidFill>
+                  <a:srgbClr val="C586C0"/>
+                </a:solidFill>
+                <a:latin typeface="Menlo" panose="020B0609030804020204" pitchFamily="49" charset="0"/>
+              </a:rPr>
+              <a:t>new</a:t>
+            </a:r>
+            <a:r>
+              <a:rPr lang="en-US" dirty="0">
+                <a:solidFill>
+                  <a:srgbClr val="D4D4D4"/>
+                </a:solidFill>
+                <a:latin typeface="Menlo" panose="020B0609030804020204" pitchFamily="49" charset="0"/>
+              </a:rPr>
+              <a:t> </a:t>
+            </a:r>
+            <a:r>
+              <a:rPr lang="en-US" dirty="0">
+                <a:solidFill>
+                  <a:srgbClr val="4EC9B0"/>
+                </a:solidFill>
+                <a:latin typeface="Menlo" panose="020B0609030804020204" pitchFamily="49" charset="0"/>
+              </a:rPr>
+              <a:t>int</a:t>
+            </a:r>
+            <a:r>
+              <a:rPr lang="en-US" dirty="0">
+                <a:solidFill>
+                  <a:srgbClr val="D4D4D4"/>
+                </a:solidFill>
+                <a:latin typeface="Menlo" panose="020B0609030804020204" pitchFamily="49" charset="0"/>
+              </a:rPr>
+              <a:t>[</a:t>
+            </a:r>
+            <a:r>
+              <a:rPr lang="en-US" dirty="0">
+                <a:solidFill>
+                  <a:srgbClr val="B5CEA8"/>
+                </a:solidFill>
+                <a:latin typeface="Menlo" panose="020B0609030804020204" pitchFamily="49" charset="0"/>
+              </a:rPr>
+              <a:t>4</a:t>
+            </a:r>
+            <a:r>
+              <a:rPr lang="en-US" dirty="0">
+                <a:solidFill>
+                  <a:srgbClr val="D4D4D4"/>
+                </a:solidFill>
+                <a:latin typeface="Menlo" panose="020B0609030804020204" pitchFamily="49" charset="0"/>
+              </a:rPr>
+              <a:t>]; </a:t>
+            </a:r>
+            <a:r>
+              <a:rPr lang="en-US" dirty="0">
+                <a:solidFill>
+                  <a:srgbClr val="6A9955"/>
+                </a:solidFill>
+                <a:latin typeface="Menlo" panose="020B0609030804020204" pitchFamily="49" charset="0"/>
+              </a:rPr>
+              <a:t>//Third row, 4 elements</a:t>
             </a:r>
             <a:br>
-              <a:rPr lang="en-US" altLang="en-US" sz="2800" dirty="0"/>
+              <a:rPr lang="en-US" dirty="0">
+                <a:solidFill>
+                  <a:srgbClr val="D4D4D4"/>
+                </a:solidFill>
+                <a:latin typeface="Menlo" panose="020B0609030804020204" pitchFamily="49" charset="0"/>
+              </a:rPr>
             </a:br>
-            <a:r>
-              <a:rPr lang="en-US" altLang="en-US" sz="2800" b="1" dirty="0">
-                <a:solidFill>
-                  <a:srgbClr val="0033CC"/>
-                </a:solidFill>
-                <a:latin typeface="Courier New" panose="02070309020205020404" pitchFamily="49" charset="0"/>
-                <a:cs typeface="Courier New" panose="02070309020205020404" pitchFamily="49" charset="0"/>
-              </a:rPr>
-              <a:t>int [][] table = new int [10][6];</a:t>
-            </a:r>
-            <a:endParaRPr lang="en-US" altLang="en-US" b="1" dirty="0">
+            <a:endParaRPr lang="en-US" b="0" dirty="0">
               <a:solidFill>
-                <a:srgbClr val="0033CC"/>
+                <a:srgbClr val="D4D4D4"/>
               </a:solidFill>
-              <a:latin typeface="Courier New" panose="02070309020205020404" pitchFamily="49" charset="0"/>
-              <a:cs typeface="Courier New" panose="02070309020205020404" pitchFamily="49" charset="0"/>
+              <a:effectLst/>
+              <a:latin typeface="Menlo" panose="020B0609030804020204" pitchFamily="49" charset="0"/>
             </a:endParaRPr>
-          </a:p>
-          <a:p>
-            <a:pPr eaLnBrk="1" hangingPunct="1"/>
-            <a:r>
-              <a:rPr lang="es-MX" altLang="en-US" sz="2800" dirty="0"/>
-              <a:t>En realidad la tabla es un arreglo de tipo </a:t>
-            </a:r>
-            <a:r>
-              <a:rPr lang="en-US" altLang="en-US" sz="2800" b="1" dirty="0">
-                <a:solidFill>
-                  <a:srgbClr val="0033CC"/>
-                </a:solidFill>
-                <a:latin typeface="Courier New" panose="02070309020205020404" pitchFamily="49" charset="0"/>
-                <a:cs typeface="Courier New" panose="02070309020205020404" pitchFamily="49" charset="0"/>
-              </a:rPr>
-              <a:t>int[]</a:t>
-            </a:r>
-            <a:endParaRPr lang="en-US" altLang="en-US" b="1" dirty="0">
-              <a:solidFill>
-                <a:srgbClr val="0033CC"/>
-              </a:solidFill>
-              <a:latin typeface="Courier New" panose="02070309020205020404" pitchFamily="49" charset="0"/>
-              <a:cs typeface="Courier New" panose="02070309020205020404" pitchFamily="49" charset="0"/>
-            </a:endParaRPr>
-          </a:p>
-          <a:p>
-            <a:pPr lvl="1" eaLnBrk="1" hangingPunct="1"/>
-            <a:r>
-              <a:rPr lang="es-MX" altLang="en-US" sz="2400" dirty="0"/>
-              <a:t>Es decir, un arreglo de arreglos.</a:t>
-            </a:r>
-            <a:endParaRPr lang="en-US" altLang="en-US" sz="2400" dirty="0"/>
           </a:p>
         </p:txBody>
       </p:sp>
@@ -6657,9 +7233,26 @@
           <a:p>
             <a:pPr eaLnBrk="1" hangingPunct="1"/>
             <a:r>
-              <a:rPr lang="en-US" altLang="en-US"/>
-              <a:t>Definiendo y Leyendo Arreglos</a:t>
-            </a:r>
+              <a:rPr lang="en-US" altLang="en-US" dirty="0" err="1"/>
+              <a:t>Definiendo</a:t>
+            </a:r>
+            <a:r>
+              <a:rPr lang="en-US" altLang="en-US" dirty="0"/>
+              <a:t> y </a:t>
+            </a:r>
+            <a:r>
+              <a:rPr lang="en-US" altLang="en-US" dirty="0" err="1"/>
+              <a:t>Leyendo</a:t>
+            </a:r>
+            <a:r>
+              <a:rPr lang="en-US" altLang="en-US" dirty="0"/>
+              <a:t> </a:t>
+            </a:r>
+            <a:r>
+              <a:rPr lang="en-US" altLang="en-US" dirty="0" err="1"/>
+              <a:t>Arreglos</a:t>
+            </a:r>
+            <a:endParaRPr lang="en-US" altLang="en-US" dirty="0"/>
           </a:p>
         </p:txBody>
       </p:sp>
@@ -8003,255 +8596,6 @@
       </p:grpSpPr>
       <p:sp>
         <p:nvSpPr>
-          <p:cNvPr id="22530" name="Title 1">
-            <a:extLst>
-              <a:ext uri="{FF2B5EF4-FFF2-40B4-BE49-F238E27FC236}">
-                <a16:creationId xmlns:a16="http://schemas.microsoft.com/office/drawing/2014/main" id="{00A33F5A-159D-4677-A8D0-1937142946B4}"/>
-              </a:ext>
-            </a:extLst>
-          </p:cNvPr>
-          <p:cNvSpPr>
-            <a:spLocks noGrp="1"/>
-          </p:cNvSpPr>
-          <p:nvPr>
-            <p:ph type="title"/>
-          </p:nvPr>
-        </p:nvSpPr>
-        <p:spPr/>
-        <p:txBody>
-          <a:bodyPr/>
-          <a:lstStyle/>
-          <a:p>
-            <a:pPr eaLnBrk="1" hangingPunct="1"/>
-            <a:r>
-              <a:rPr lang="en-US" altLang="en-US" dirty="0"/>
-              <a:t>Ragged Arrays</a:t>
-            </a:r>
-          </a:p>
-        </p:txBody>
-      </p:sp>
-      <p:sp>
-        <p:nvSpPr>
-          <p:cNvPr id="22531" name="Content Placeholder 2">
-            <a:extLst>
-              <a:ext uri="{FF2B5EF4-FFF2-40B4-BE49-F238E27FC236}">
-                <a16:creationId xmlns:a16="http://schemas.microsoft.com/office/drawing/2014/main" id="{2D1A6E3B-DC26-42FA-8C4B-6F84B482E53D}"/>
-              </a:ext>
-            </a:extLst>
-          </p:cNvPr>
-          <p:cNvSpPr>
-            <a:spLocks noGrp="1"/>
-          </p:cNvSpPr>
-          <p:nvPr>
-            <p:ph idx="1"/>
-          </p:nvPr>
-        </p:nvSpPr>
-        <p:spPr/>
-        <p:txBody>
-          <a:bodyPr/>
-          <a:lstStyle/>
-          <a:p>
-            <a:pPr eaLnBrk="1" hangingPunct="1"/>
-            <a:r>
-              <a:rPr lang="es-MX" altLang="en-US" dirty="0"/>
-              <a:t>No todos los elementos del arreglo tienen que ser del mismo tamaño</a:t>
-            </a:r>
-            <a:endParaRPr lang="en-US" altLang="en-US" dirty="0"/>
-          </a:p>
-          <a:p>
-            <a:pPr eaLnBrk="1" hangingPunct="1"/>
-            <a:r>
-              <a:rPr lang="en-US" altLang="en-US" dirty="0" err="1"/>
-              <a:t>Ejemplo</a:t>
-            </a:r>
-            <a:r>
-              <a:rPr lang="en-US" altLang="en-US" dirty="0"/>
-              <a:t>:</a:t>
-            </a:r>
-          </a:p>
-        </p:txBody>
-      </p:sp>
-      <p:pic>
-        <p:nvPicPr>
-          <p:cNvPr id="22532" name="Picture 4">
-            <a:extLst>
-              <a:ext uri="{FF2B5EF4-FFF2-40B4-BE49-F238E27FC236}">
-                <a16:creationId xmlns:a16="http://schemas.microsoft.com/office/drawing/2014/main" id="{B168968C-8B28-492D-A6F1-C2E7B2976800}"/>
-              </a:ext>
-            </a:extLst>
-          </p:cNvPr>
-          <p:cNvPicPr>
-            <a:picLocks noChangeAspect="1" noChangeArrowheads="1"/>
-          </p:cNvPicPr>
-          <p:nvPr/>
-        </p:nvPicPr>
-        <p:blipFill>
-          <a:blip r:embed="rId2">
-            <a:extLst>
-              <a:ext uri="{28A0092B-C50C-407E-A947-70E740481C1C}">
-                <a14:useLocalDpi xmlns:a14="http://schemas.microsoft.com/office/drawing/2010/main" val="0"/>
-              </a:ext>
-            </a:extLst>
-          </a:blip>
-          <a:srcRect/>
-          <a:stretch>
-            <a:fillRect/>
-          </a:stretch>
-        </p:blipFill>
-        <p:spPr bwMode="auto">
-          <a:xfrm>
-            <a:off x="1630363" y="3486150"/>
-            <a:ext cx="5953125" cy="1638300"/>
-          </a:xfrm>
-          <a:prstGeom prst="rect">
-            <a:avLst/>
-          </a:prstGeom>
-          <a:solidFill>
-            <a:schemeClr val="accent1"/>
-          </a:solidFill>
-          <a:ln>
-            <a:noFill/>
-          </a:ln>
-          <a:effectLst>
-            <a:outerShdw dist="107763" dir="2700000" algn="ctr" rotWithShape="0">
-              <a:schemeClr val="bg2">
-                <a:alpha val="50000"/>
-              </a:schemeClr>
-            </a:outerShdw>
-          </a:effectLst>
-          <a:extLst>
-            <a:ext uri="{91240B29-F687-4F45-9708-019B960494DF}">
-              <a14:hiddenLine xmlns:a14="http://schemas.microsoft.com/office/drawing/2010/main" w="12700" algn="ctr">
-                <a:solidFill>
-                  <a:srgbClr val="000000"/>
-                </a:solidFill>
-                <a:miter lim="800000"/>
-                <a:headEnd/>
-                <a:tailEnd/>
-              </a14:hiddenLine>
-            </a:ext>
-          </a:extLst>
-        </p:spPr>
-      </p:pic>
-    </p:spTree>
-  </p:cSld>
-  <p:clrMapOvr>
-    <a:masterClrMapping/>
-  </p:clrMapOvr>
-</p:sld>
-</file>
-
-<file path=ppt/slides/slide21.xml><?xml version="1.0" encoding="utf-8"?>
-<p:sld xmlns:a="http://schemas.openxmlformats.org/drawingml/2006/main" xmlns:r="http://schemas.openxmlformats.org/officeDocument/2006/relationships" xmlns:p="http://schemas.openxmlformats.org/presentationml/2006/main" showMasterSp="0">
-  <p:cSld>
-    <p:spTree>
-      <p:nvGrpSpPr>
-        <p:cNvPr id="1" name=""/>
-        <p:cNvGrpSpPr/>
-        <p:nvPr/>
-      </p:nvGrpSpPr>
-      <p:grpSpPr>
-        <a:xfrm>
-          <a:off x="0" y="0"/>
-          <a:ext cx="0" cy="0"/>
-          <a:chOff x="0" y="0"/>
-          <a:chExt cx="0" cy="0"/>
-        </a:xfrm>
-      </p:grpSpPr>
-      <p:pic>
-        <p:nvPicPr>
-          <p:cNvPr id="4" name="Picture 4">
-            <a:extLst>
-              <a:ext uri="{FF2B5EF4-FFF2-40B4-BE49-F238E27FC236}">
-                <a16:creationId xmlns:a16="http://schemas.microsoft.com/office/drawing/2014/main" id="{CD291F0F-776E-48F7-A5B3-D4B96136D6DD}"/>
-              </a:ext>
-            </a:extLst>
-          </p:cNvPr>
-          <p:cNvPicPr>
-            <a:picLocks noChangeAspect="1" noChangeArrowheads="1"/>
-          </p:cNvPicPr>
-          <p:nvPr/>
-        </p:nvPicPr>
-        <p:blipFill>
-          <a:blip r:embed="rId2">
-            <a:extLst>
-              <a:ext uri="{28A0092B-C50C-407E-A947-70E740481C1C}">
-                <a14:useLocalDpi xmlns:a14="http://schemas.microsoft.com/office/drawing/2010/main" val="0"/>
-              </a:ext>
-            </a:extLst>
-          </a:blip>
-          <a:srcRect/>
-          <a:stretch>
-            <a:fillRect/>
-          </a:stretch>
-        </p:blipFill>
-        <p:spPr bwMode="auto">
-          <a:xfrm>
-            <a:off x="536238" y="2101782"/>
-            <a:ext cx="5953125" cy="1638300"/>
-          </a:xfrm>
-          <a:prstGeom prst="rect">
-            <a:avLst/>
-          </a:prstGeom>
-          <a:solidFill>
-            <a:schemeClr val="accent1"/>
-          </a:solidFill>
-          <a:ln>
-            <a:noFill/>
-          </a:ln>
-          <a:effectLst>
-            <a:outerShdw dist="107763" dir="2700000" algn="ctr" rotWithShape="0">
-              <a:schemeClr val="bg2">
-                <a:alpha val="50000"/>
-              </a:schemeClr>
-            </a:outerShdw>
-          </a:effectLst>
-          <a:extLst>
-            <a:ext uri="{91240B29-F687-4F45-9708-019B960494DF}">
-              <a14:hiddenLine xmlns:a14="http://schemas.microsoft.com/office/drawing/2010/main" w="12700" algn="ctr">
-                <a:solidFill>
-                  <a:srgbClr val="000000"/>
-                </a:solidFill>
-                <a:miter lim="800000"/>
-                <a:headEnd/>
-                <a:tailEnd/>
-              </a14:hiddenLine>
-            </a:ext>
-          </a:extLst>
-        </p:spPr>
-      </p:pic>
-      <p:pic>
-        <p:nvPicPr>
-          <p:cNvPr id="6" name="Picture 5">
-            <a:extLst>
-              <a:ext uri="{FF2B5EF4-FFF2-40B4-BE49-F238E27FC236}">
-                <a16:creationId xmlns:a16="http://schemas.microsoft.com/office/drawing/2014/main" id="{821204B8-AEB8-4E4E-BC36-CC4CF774F903}"/>
-              </a:ext>
-            </a:extLst>
-          </p:cNvPr>
-          <p:cNvPicPr>
-            <a:picLocks noChangeAspect="1"/>
-          </p:cNvPicPr>
-          <p:nvPr/>
-        </p:nvPicPr>
-        <p:blipFill>
-          <a:blip r:embed="rId3"/>
-          <a:stretch>
-            <a:fillRect/>
-          </a:stretch>
-        </p:blipFill>
-        <p:spPr>
-          <a:xfrm>
-            <a:off x="536238" y="4540183"/>
-            <a:ext cx="8259048" cy="1302898"/>
-          </a:xfrm>
-          <a:prstGeom prst="rect">
-            <a:avLst/>
-          </a:prstGeom>
-        </p:spPr>
-      </p:pic>
-      <p:sp>
-        <p:nvSpPr>
           <p:cNvPr id="7" name="Content Placeholder 2">
             <a:extLst>
               <a:ext uri="{FF2B5EF4-FFF2-40B4-BE49-F238E27FC236}">
@@ -8269,7 +8613,7 @@
         <p:spPr>
           <a:xfrm>
             <a:off x="348714" y="98222"/>
-            <a:ext cx="8229600" cy="4525963"/>
+            <a:ext cx="8229600" cy="2310127"/>
           </a:xfrm>
         </p:spPr>
         <p:txBody>
@@ -8348,6 +8692,852 @@
               <a:rPr lang="en-US" altLang="en-US" dirty="0"/>
               <a:t>:</a:t>
             </a:r>
+          </a:p>
+        </p:txBody>
+      </p:sp>
+      <p:sp>
+        <p:nvSpPr>
+          <p:cNvPr id="2" name="Rectangle 1">
+            <a:extLst>
+              <a:ext uri="{FF2B5EF4-FFF2-40B4-BE49-F238E27FC236}">
+                <a16:creationId xmlns:a16="http://schemas.microsoft.com/office/drawing/2014/main" id="{7BBC46F7-35AE-F946-A049-68723BB8D15A}"/>
+              </a:ext>
+            </a:extLst>
+          </p:cNvPr>
+          <p:cNvSpPr/>
+          <p:nvPr/>
+        </p:nvSpPr>
+        <p:spPr>
+          <a:xfrm>
+            <a:off x="565686" y="2573808"/>
+            <a:ext cx="8436646" cy="3139321"/>
+          </a:xfrm>
+          <a:prstGeom prst="rect">
+            <a:avLst/>
+          </a:prstGeom>
+          <a:solidFill>
+            <a:schemeClr val="tx1"/>
+          </a:solidFill>
+        </p:spPr>
+        <p:txBody>
+          <a:bodyPr wrap="square">
+            <a:spAutoFit/>
+          </a:bodyPr>
+          <a:lstStyle/>
+          <a:p>
+            <a:r>
+              <a:rPr lang="en-US" dirty="0">
+                <a:solidFill>
+                  <a:srgbClr val="4EC9B0"/>
+                </a:solidFill>
+                <a:latin typeface="Menlo" panose="020B0609030804020204" pitchFamily="49" charset="0"/>
+              </a:rPr>
+              <a:t>int</a:t>
+            </a:r>
+            <a:r>
+              <a:rPr lang="en-US" dirty="0">
+                <a:solidFill>
+                  <a:srgbClr val="D4D4D4"/>
+                </a:solidFill>
+                <a:latin typeface="Menlo" panose="020B0609030804020204" pitchFamily="49" charset="0"/>
+              </a:rPr>
+              <a:t>[][] </a:t>
+            </a:r>
+            <a:r>
+              <a:rPr lang="en-US" dirty="0">
+                <a:solidFill>
+                  <a:srgbClr val="9CDCFE"/>
+                </a:solidFill>
+                <a:latin typeface="Menlo" panose="020B0609030804020204" pitchFamily="49" charset="0"/>
+              </a:rPr>
+              <a:t>b</a:t>
+            </a:r>
+            <a:r>
+              <a:rPr lang="en-US" dirty="0">
+                <a:solidFill>
+                  <a:srgbClr val="D4D4D4"/>
+                </a:solidFill>
+                <a:latin typeface="Menlo" panose="020B0609030804020204" pitchFamily="49" charset="0"/>
+              </a:rPr>
+              <a:t>;</a:t>
+            </a:r>
+          </a:p>
+          <a:p>
+            <a:r>
+              <a:rPr lang="en-US" dirty="0">
+                <a:solidFill>
+                  <a:srgbClr val="D4D4D4"/>
+                </a:solidFill>
+                <a:latin typeface="Menlo" panose="020B0609030804020204" pitchFamily="49" charset="0"/>
+              </a:rPr>
+              <a:t>b = </a:t>
+            </a:r>
+            <a:r>
+              <a:rPr lang="en-US" dirty="0">
+                <a:solidFill>
+                  <a:srgbClr val="C586C0"/>
+                </a:solidFill>
+                <a:latin typeface="Menlo" panose="020B0609030804020204" pitchFamily="49" charset="0"/>
+              </a:rPr>
+              <a:t>new</a:t>
+            </a:r>
+            <a:r>
+              <a:rPr lang="en-US" dirty="0">
+                <a:solidFill>
+                  <a:srgbClr val="D4D4D4"/>
+                </a:solidFill>
+                <a:latin typeface="Menlo" panose="020B0609030804020204" pitchFamily="49" charset="0"/>
+              </a:rPr>
+              <a:t> </a:t>
+            </a:r>
+            <a:r>
+              <a:rPr lang="en-US" dirty="0">
+                <a:solidFill>
+                  <a:srgbClr val="4EC9B0"/>
+                </a:solidFill>
+                <a:latin typeface="Menlo" panose="020B0609030804020204" pitchFamily="49" charset="0"/>
+              </a:rPr>
+              <a:t>int</a:t>
+            </a:r>
+            <a:r>
+              <a:rPr lang="en-US" dirty="0">
+                <a:solidFill>
+                  <a:srgbClr val="D4D4D4"/>
+                </a:solidFill>
+                <a:latin typeface="Menlo" panose="020B0609030804020204" pitchFamily="49" charset="0"/>
+              </a:rPr>
+              <a:t>[</a:t>
+            </a:r>
+            <a:r>
+              <a:rPr lang="en-US" dirty="0">
+                <a:solidFill>
+                  <a:srgbClr val="B5CEA8"/>
+                </a:solidFill>
+                <a:latin typeface="Menlo" panose="020B0609030804020204" pitchFamily="49" charset="0"/>
+              </a:rPr>
+              <a:t>3</a:t>
+            </a:r>
+            <a:r>
+              <a:rPr lang="en-US" dirty="0">
+                <a:solidFill>
+                  <a:srgbClr val="D4D4D4"/>
+                </a:solidFill>
+                <a:latin typeface="Menlo" panose="020B0609030804020204" pitchFamily="49" charset="0"/>
+              </a:rPr>
+              <a:t>][];</a:t>
+            </a:r>
+          </a:p>
+          <a:p>
+            <a:r>
+              <a:rPr lang="en-US" dirty="0">
+                <a:solidFill>
+                  <a:srgbClr val="D4D4D4"/>
+                </a:solidFill>
+                <a:latin typeface="Menlo" panose="020B0609030804020204" pitchFamily="49" charset="0"/>
+              </a:rPr>
+              <a:t>b[</a:t>
+            </a:r>
+            <a:r>
+              <a:rPr lang="en-US" dirty="0">
+                <a:solidFill>
+                  <a:srgbClr val="B5CEA8"/>
+                </a:solidFill>
+                <a:latin typeface="Menlo" panose="020B0609030804020204" pitchFamily="49" charset="0"/>
+              </a:rPr>
+              <a:t>0</a:t>
+            </a:r>
+            <a:r>
+              <a:rPr lang="en-US" dirty="0">
+                <a:solidFill>
+                  <a:srgbClr val="D4D4D4"/>
+                </a:solidFill>
+                <a:latin typeface="Menlo" panose="020B0609030804020204" pitchFamily="49" charset="0"/>
+              </a:rPr>
+              <a:t>] = </a:t>
+            </a:r>
+            <a:r>
+              <a:rPr lang="en-US" dirty="0">
+                <a:solidFill>
+                  <a:srgbClr val="C586C0"/>
+                </a:solidFill>
+                <a:latin typeface="Menlo" panose="020B0609030804020204" pitchFamily="49" charset="0"/>
+              </a:rPr>
+              <a:t>new</a:t>
+            </a:r>
+            <a:r>
+              <a:rPr lang="en-US" dirty="0">
+                <a:solidFill>
+                  <a:srgbClr val="D4D4D4"/>
+                </a:solidFill>
+                <a:latin typeface="Menlo" panose="020B0609030804020204" pitchFamily="49" charset="0"/>
+              </a:rPr>
+              <a:t> </a:t>
+            </a:r>
+            <a:r>
+              <a:rPr lang="en-US" dirty="0">
+                <a:solidFill>
+                  <a:srgbClr val="4EC9B0"/>
+                </a:solidFill>
+                <a:latin typeface="Menlo" panose="020B0609030804020204" pitchFamily="49" charset="0"/>
+              </a:rPr>
+              <a:t>int</a:t>
+            </a:r>
+            <a:r>
+              <a:rPr lang="en-US" dirty="0">
+                <a:solidFill>
+                  <a:srgbClr val="D4D4D4"/>
+                </a:solidFill>
+                <a:latin typeface="Menlo" panose="020B0609030804020204" pitchFamily="49" charset="0"/>
+              </a:rPr>
+              <a:t>[</a:t>
+            </a:r>
+            <a:r>
+              <a:rPr lang="en-US" dirty="0">
+                <a:solidFill>
+                  <a:srgbClr val="B5CEA8"/>
+                </a:solidFill>
+                <a:latin typeface="Menlo" panose="020B0609030804020204" pitchFamily="49" charset="0"/>
+              </a:rPr>
+              <a:t>5</a:t>
+            </a:r>
+            <a:r>
+              <a:rPr lang="en-US" dirty="0">
+                <a:solidFill>
+                  <a:srgbClr val="D4D4D4"/>
+                </a:solidFill>
+                <a:latin typeface="Menlo" panose="020B0609030804020204" pitchFamily="49" charset="0"/>
+              </a:rPr>
+              <a:t>]; </a:t>
+            </a:r>
+            <a:r>
+              <a:rPr lang="en-US" dirty="0">
+                <a:solidFill>
+                  <a:srgbClr val="6A9955"/>
+                </a:solidFill>
+                <a:latin typeface="Menlo" panose="020B0609030804020204" pitchFamily="49" charset="0"/>
+              </a:rPr>
+              <a:t>//First row, 5 elements</a:t>
+            </a:r>
+            <a:endParaRPr lang="en-US" dirty="0">
+              <a:solidFill>
+                <a:srgbClr val="D4D4D4"/>
+              </a:solidFill>
+              <a:latin typeface="Menlo" panose="020B0609030804020204" pitchFamily="49" charset="0"/>
+            </a:endParaRPr>
+          </a:p>
+          <a:p>
+            <a:r>
+              <a:rPr lang="en-US" dirty="0">
+                <a:solidFill>
+                  <a:srgbClr val="D4D4D4"/>
+                </a:solidFill>
+                <a:latin typeface="Menlo" panose="020B0609030804020204" pitchFamily="49" charset="0"/>
+              </a:rPr>
+              <a:t>b[</a:t>
+            </a:r>
+            <a:r>
+              <a:rPr lang="en-US" dirty="0">
+                <a:solidFill>
+                  <a:srgbClr val="B5CEA8"/>
+                </a:solidFill>
+                <a:latin typeface="Menlo" panose="020B0609030804020204" pitchFamily="49" charset="0"/>
+              </a:rPr>
+              <a:t>1</a:t>
+            </a:r>
+            <a:r>
+              <a:rPr lang="en-US" dirty="0">
+                <a:solidFill>
+                  <a:srgbClr val="D4D4D4"/>
+                </a:solidFill>
+                <a:latin typeface="Menlo" panose="020B0609030804020204" pitchFamily="49" charset="0"/>
+              </a:rPr>
+              <a:t>] = </a:t>
+            </a:r>
+            <a:r>
+              <a:rPr lang="en-US" dirty="0">
+                <a:solidFill>
+                  <a:srgbClr val="C586C0"/>
+                </a:solidFill>
+                <a:latin typeface="Menlo" panose="020B0609030804020204" pitchFamily="49" charset="0"/>
+              </a:rPr>
+              <a:t>new</a:t>
+            </a:r>
+            <a:r>
+              <a:rPr lang="en-US" dirty="0">
+                <a:solidFill>
+                  <a:srgbClr val="D4D4D4"/>
+                </a:solidFill>
+                <a:latin typeface="Menlo" panose="020B0609030804020204" pitchFamily="49" charset="0"/>
+              </a:rPr>
+              <a:t> </a:t>
+            </a:r>
+            <a:r>
+              <a:rPr lang="en-US" dirty="0">
+                <a:solidFill>
+                  <a:srgbClr val="4EC9B0"/>
+                </a:solidFill>
+                <a:latin typeface="Menlo" panose="020B0609030804020204" pitchFamily="49" charset="0"/>
+              </a:rPr>
+              <a:t>int</a:t>
+            </a:r>
+            <a:r>
+              <a:rPr lang="en-US" dirty="0">
+                <a:solidFill>
+                  <a:srgbClr val="D4D4D4"/>
+                </a:solidFill>
+                <a:latin typeface="Menlo" panose="020B0609030804020204" pitchFamily="49" charset="0"/>
+              </a:rPr>
+              <a:t>[</a:t>
+            </a:r>
+            <a:r>
+              <a:rPr lang="en-US" dirty="0">
+                <a:solidFill>
+                  <a:srgbClr val="B5CEA8"/>
+                </a:solidFill>
+                <a:latin typeface="Menlo" panose="020B0609030804020204" pitchFamily="49" charset="0"/>
+              </a:rPr>
+              <a:t>7</a:t>
+            </a:r>
+            <a:r>
+              <a:rPr lang="en-US" dirty="0">
+                <a:solidFill>
+                  <a:srgbClr val="D4D4D4"/>
+                </a:solidFill>
+                <a:latin typeface="Menlo" panose="020B0609030804020204" pitchFamily="49" charset="0"/>
+              </a:rPr>
+              <a:t>]; </a:t>
+            </a:r>
+            <a:r>
+              <a:rPr lang="en-US" dirty="0">
+                <a:solidFill>
+                  <a:srgbClr val="6A9955"/>
+                </a:solidFill>
+                <a:latin typeface="Menlo" panose="020B0609030804020204" pitchFamily="49" charset="0"/>
+              </a:rPr>
+              <a:t>//Second row, 7 elements</a:t>
+            </a:r>
+            <a:endParaRPr lang="en-US" dirty="0">
+              <a:solidFill>
+                <a:srgbClr val="D4D4D4"/>
+              </a:solidFill>
+              <a:latin typeface="Menlo" panose="020B0609030804020204" pitchFamily="49" charset="0"/>
+            </a:endParaRPr>
+          </a:p>
+          <a:p>
+            <a:r>
+              <a:rPr lang="en-US" dirty="0">
+                <a:solidFill>
+                  <a:srgbClr val="D4D4D4"/>
+                </a:solidFill>
+                <a:latin typeface="Menlo" panose="020B0609030804020204" pitchFamily="49" charset="0"/>
+              </a:rPr>
+              <a:t>b[</a:t>
+            </a:r>
+            <a:r>
+              <a:rPr lang="en-US" dirty="0">
+                <a:solidFill>
+                  <a:srgbClr val="B5CEA8"/>
+                </a:solidFill>
+                <a:latin typeface="Menlo" panose="020B0609030804020204" pitchFamily="49" charset="0"/>
+              </a:rPr>
+              <a:t>2</a:t>
+            </a:r>
+            <a:r>
+              <a:rPr lang="en-US" dirty="0">
+                <a:solidFill>
+                  <a:srgbClr val="D4D4D4"/>
+                </a:solidFill>
+                <a:latin typeface="Menlo" panose="020B0609030804020204" pitchFamily="49" charset="0"/>
+              </a:rPr>
+              <a:t>] = </a:t>
+            </a:r>
+            <a:r>
+              <a:rPr lang="en-US" dirty="0">
+                <a:solidFill>
+                  <a:srgbClr val="C586C0"/>
+                </a:solidFill>
+                <a:latin typeface="Menlo" panose="020B0609030804020204" pitchFamily="49" charset="0"/>
+              </a:rPr>
+              <a:t>new</a:t>
+            </a:r>
+            <a:r>
+              <a:rPr lang="en-US" dirty="0">
+                <a:solidFill>
+                  <a:srgbClr val="D4D4D4"/>
+                </a:solidFill>
+                <a:latin typeface="Menlo" panose="020B0609030804020204" pitchFamily="49" charset="0"/>
+              </a:rPr>
+              <a:t> </a:t>
+            </a:r>
+            <a:r>
+              <a:rPr lang="en-US" dirty="0">
+                <a:solidFill>
+                  <a:srgbClr val="4EC9B0"/>
+                </a:solidFill>
+                <a:latin typeface="Menlo" panose="020B0609030804020204" pitchFamily="49" charset="0"/>
+              </a:rPr>
+              <a:t>int</a:t>
+            </a:r>
+            <a:r>
+              <a:rPr lang="en-US" dirty="0">
+                <a:solidFill>
+                  <a:srgbClr val="D4D4D4"/>
+                </a:solidFill>
+                <a:latin typeface="Menlo" panose="020B0609030804020204" pitchFamily="49" charset="0"/>
+              </a:rPr>
+              <a:t>[</a:t>
+            </a:r>
+            <a:r>
+              <a:rPr lang="en-US" dirty="0">
+                <a:solidFill>
+                  <a:srgbClr val="B5CEA8"/>
+                </a:solidFill>
+                <a:latin typeface="Menlo" panose="020B0609030804020204" pitchFamily="49" charset="0"/>
+              </a:rPr>
+              <a:t>4</a:t>
+            </a:r>
+            <a:r>
+              <a:rPr lang="en-US" dirty="0">
+                <a:solidFill>
+                  <a:srgbClr val="D4D4D4"/>
+                </a:solidFill>
+                <a:latin typeface="Menlo" panose="020B0609030804020204" pitchFamily="49" charset="0"/>
+              </a:rPr>
+              <a:t>]; </a:t>
+            </a:r>
+            <a:r>
+              <a:rPr lang="en-US" dirty="0">
+                <a:solidFill>
+                  <a:srgbClr val="6A9955"/>
+                </a:solidFill>
+                <a:latin typeface="Menlo" panose="020B0609030804020204" pitchFamily="49" charset="0"/>
+              </a:rPr>
+              <a:t>//Third row, 4 elements</a:t>
+            </a:r>
+            <a:endParaRPr lang="en-US" dirty="0">
+              <a:solidFill>
+                <a:srgbClr val="D4D4D4"/>
+              </a:solidFill>
+              <a:latin typeface="Menlo" panose="020B0609030804020204" pitchFamily="49" charset="0"/>
+            </a:endParaRPr>
+          </a:p>
+          <a:p>
+            <a:br>
+              <a:rPr lang="en-US" dirty="0">
+                <a:solidFill>
+                  <a:srgbClr val="D4D4D4"/>
+                </a:solidFill>
+                <a:latin typeface="Menlo" panose="020B0609030804020204" pitchFamily="49" charset="0"/>
+              </a:rPr>
+            </a:br>
+            <a:r>
+              <a:rPr lang="en-US" dirty="0">
+                <a:solidFill>
+                  <a:srgbClr val="4EC9B0"/>
+                </a:solidFill>
+                <a:latin typeface="Menlo" panose="020B0609030804020204" pitchFamily="49" charset="0"/>
+              </a:rPr>
+              <a:t>int</a:t>
+            </a:r>
+            <a:r>
+              <a:rPr lang="en-US" dirty="0">
+                <a:solidFill>
+                  <a:srgbClr val="D4D4D4"/>
+                </a:solidFill>
+                <a:latin typeface="Menlo" panose="020B0609030804020204" pitchFamily="49" charset="0"/>
+              </a:rPr>
+              <a:t>[][] </a:t>
+            </a:r>
+            <a:r>
+              <a:rPr lang="en-US" dirty="0">
+                <a:solidFill>
+                  <a:srgbClr val="9CDCFE"/>
+                </a:solidFill>
+                <a:latin typeface="Menlo" panose="020B0609030804020204" pitchFamily="49" charset="0"/>
+              </a:rPr>
+              <a:t>c</a:t>
+            </a:r>
+            <a:r>
+              <a:rPr lang="en-US" dirty="0">
+                <a:solidFill>
+                  <a:srgbClr val="D4D4D4"/>
+                </a:solidFill>
+                <a:latin typeface="Menlo" panose="020B0609030804020204" pitchFamily="49" charset="0"/>
+              </a:rPr>
+              <a:t> = {{</a:t>
+            </a:r>
+            <a:r>
+              <a:rPr lang="en-US" dirty="0">
+                <a:solidFill>
+                  <a:srgbClr val="B5CEA8"/>
+                </a:solidFill>
+                <a:latin typeface="Menlo" panose="020B0609030804020204" pitchFamily="49" charset="0"/>
+              </a:rPr>
+              <a:t>0</a:t>
+            </a:r>
+            <a:r>
+              <a:rPr lang="en-US" dirty="0">
+                <a:solidFill>
+                  <a:srgbClr val="D4D4D4"/>
+                </a:solidFill>
+                <a:latin typeface="Menlo" panose="020B0609030804020204" pitchFamily="49" charset="0"/>
+              </a:rPr>
+              <a:t>,</a:t>
+            </a:r>
+            <a:r>
+              <a:rPr lang="en-US" dirty="0">
+                <a:solidFill>
+                  <a:srgbClr val="B5CEA8"/>
+                </a:solidFill>
+                <a:latin typeface="Menlo" panose="020B0609030804020204" pitchFamily="49" charset="0"/>
+              </a:rPr>
+              <a:t>0</a:t>
+            </a:r>
+            <a:r>
+              <a:rPr lang="en-US" dirty="0">
+                <a:solidFill>
+                  <a:srgbClr val="D4D4D4"/>
+                </a:solidFill>
+                <a:latin typeface="Menlo" panose="020B0609030804020204" pitchFamily="49" charset="0"/>
+              </a:rPr>
+              <a:t>,</a:t>
+            </a:r>
+            <a:r>
+              <a:rPr lang="en-US" dirty="0">
+                <a:solidFill>
+                  <a:srgbClr val="B5CEA8"/>
+                </a:solidFill>
+                <a:latin typeface="Menlo" panose="020B0609030804020204" pitchFamily="49" charset="0"/>
+              </a:rPr>
+              <a:t>0</a:t>
+            </a:r>
+            <a:r>
+              <a:rPr lang="en-US" dirty="0">
+                <a:solidFill>
+                  <a:srgbClr val="D4D4D4"/>
+                </a:solidFill>
+                <a:latin typeface="Menlo" panose="020B0609030804020204" pitchFamily="49" charset="0"/>
+              </a:rPr>
+              <a:t>,</a:t>
+            </a:r>
+            <a:r>
+              <a:rPr lang="en-US" dirty="0">
+                <a:solidFill>
+                  <a:srgbClr val="B5CEA8"/>
+                </a:solidFill>
+                <a:latin typeface="Menlo" panose="020B0609030804020204" pitchFamily="49" charset="0"/>
+              </a:rPr>
+              <a:t>0</a:t>
+            </a:r>
+            <a:r>
+              <a:rPr lang="en-US" dirty="0">
+                <a:solidFill>
+                  <a:srgbClr val="D4D4D4"/>
+                </a:solidFill>
+                <a:latin typeface="Menlo" panose="020B0609030804020204" pitchFamily="49" charset="0"/>
+              </a:rPr>
+              <a:t>,</a:t>
+            </a:r>
+            <a:r>
+              <a:rPr lang="en-US" dirty="0">
+                <a:solidFill>
+                  <a:srgbClr val="B5CEA8"/>
+                </a:solidFill>
+                <a:latin typeface="Menlo" panose="020B0609030804020204" pitchFamily="49" charset="0"/>
+              </a:rPr>
+              <a:t>0</a:t>
+            </a:r>
+            <a:r>
+              <a:rPr lang="en-US" dirty="0">
+                <a:solidFill>
+                  <a:srgbClr val="D4D4D4"/>
+                </a:solidFill>
+                <a:latin typeface="Menlo" panose="020B0609030804020204" pitchFamily="49" charset="0"/>
+              </a:rPr>
+              <a:t>}, 	    </a:t>
+            </a:r>
+            <a:r>
+              <a:rPr lang="en-US" dirty="0">
+                <a:solidFill>
+                  <a:srgbClr val="6A9955"/>
+                </a:solidFill>
+                <a:latin typeface="Menlo" panose="020B0609030804020204" pitchFamily="49" charset="0"/>
+              </a:rPr>
+              <a:t>//First row, 5 elements</a:t>
+            </a:r>
+            <a:endParaRPr lang="en-US" dirty="0">
+              <a:solidFill>
+                <a:srgbClr val="D4D4D4"/>
+              </a:solidFill>
+              <a:latin typeface="Menlo" panose="020B0609030804020204" pitchFamily="49" charset="0"/>
+            </a:endParaRPr>
+          </a:p>
+          <a:p>
+            <a:r>
+              <a:rPr lang="en-US" dirty="0">
+                <a:solidFill>
+                  <a:srgbClr val="D4D4D4"/>
+                </a:solidFill>
+                <a:latin typeface="Menlo" panose="020B0609030804020204" pitchFamily="49" charset="0"/>
+              </a:rPr>
+              <a:t>		{</a:t>
+            </a:r>
+            <a:r>
+              <a:rPr lang="en-US" dirty="0">
+                <a:solidFill>
+                  <a:srgbClr val="B5CEA8"/>
+                </a:solidFill>
+                <a:latin typeface="Menlo" panose="020B0609030804020204" pitchFamily="49" charset="0"/>
+              </a:rPr>
+              <a:t>0</a:t>
+            </a:r>
+            <a:r>
+              <a:rPr lang="en-US" dirty="0">
+                <a:solidFill>
+                  <a:srgbClr val="D4D4D4"/>
+                </a:solidFill>
+                <a:latin typeface="Menlo" panose="020B0609030804020204" pitchFamily="49" charset="0"/>
+              </a:rPr>
+              <a:t>,</a:t>
+            </a:r>
+            <a:r>
+              <a:rPr lang="en-US" dirty="0">
+                <a:solidFill>
+                  <a:srgbClr val="B5CEA8"/>
+                </a:solidFill>
+                <a:latin typeface="Menlo" panose="020B0609030804020204" pitchFamily="49" charset="0"/>
+              </a:rPr>
+              <a:t>0</a:t>
+            </a:r>
+            <a:r>
+              <a:rPr lang="en-US" dirty="0">
+                <a:solidFill>
+                  <a:srgbClr val="D4D4D4"/>
+                </a:solidFill>
+                <a:latin typeface="Menlo" panose="020B0609030804020204" pitchFamily="49" charset="0"/>
+              </a:rPr>
+              <a:t>,</a:t>
+            </a:r>
+            <a:r>
+              <a:rPr lang="en-US" dirty="0">
+                <a:solidFill>
+                  <a:srgbClr val="B5CEA8"/>
+                </a:solidFill>
+                <a:latin typeface="Menlo" panose="020B0609030804020204" pitchFamily="49" charset="0"/>
+              </a:rPr>
+              <a:t>0</a:t>
+            </a:r>
+            <a:r>
+              <a:rPr lang="en-US" dirty="0">
+                <a:solidFill>
+                  <a:srgbClr val="D4D4D4"/>
+                </a:solidFill>
+                <a:latin typeface="Menlo" panose="020B0609030804020204" pitchFamily="49" charset="0"/>
+              </a:rPr>
+              <a:t>,</a:t>
+            </a:r>
+            <a:r>
+              <a:rPr lang="en-US" dirty="0">
+                <a:solidFill>
+                  <a:srgbClr val="B5CEA8"/>
+                </a:solidFill>
+                <a:latin typeface="Menlo" panose="020B0609030804020204" pitchFamily="49" charset="0"/>
+              </a:rPr>
+              <a:t>0</a:t>
+            </a:r>
+            <a:r>
+              <a:rPr lang="en-US" dirty="0">
+                <a:solidFill>
+                  <a:srgbClr val="D4D4D4"/>
+                </a:solidFill>
+                <a:latin typeface="Menlo" panose="020B0609030804020204" pitchFamily="49" charset="0"/>
+              </a:rPr>
+              <a:t>,</a:t>
+            </a:r>
+            <a:r>
+              <a:rPr lang="en-US" dirty="0">
+                <a:solidFill>
+                  <a:srgbClr val="B5CEA8"/>
+                </a:solidFill>
+                <a:latin typeface="Menlo" panose="020B0609030804020204" pitchFamily="49" charset="0"/>
+              </a:rPr>
+              <a:t>0</a:t>
+            </a:r>
+            <a:r>
+              <a:rPr lang="en-US" dirty="0">
+                <a:solidFill>
+                  <a:srgbClr val="D4D4D4"/>
+                </a:solidFill>
+                <a:latin typeface="Menlo" panose="020B0609030804020204" pitchFamily="49" charset="0"/>
+              </a:rPr>
+              <a:t>,</a:t>
+            </a:r>
+            <a:r>
+              <a:rPr lang="en-US" dirty="0">
+                <a:solidFill>
+                  <a:srgbClr val="B5CEA8"/>
+                </a:solidFill>
+                <a:latin typeface="Menlo" panose="020B0609030804020204" pitchFamily="49" charset="0"/>
+              </a:rPr>
+              <a:t>0</a:t>
+            </a:r>
+            <a:r>
+              <a:rPr lang="en-US" dirty="0">
+                <a:solidFill>
+                  <a:srgbClr val="D4D4D4"/>
+                </a:solidFill>
+                <a:latin typeface="Menlo" panose="020B0609030804020204" pitchFamily="49" charset="0"/>
+              </a:rPr>
+              <a:t>,</a:t>
+            </a:r>
+            <a:r>
+              <a:rPr lang="en-US" dirty="0">
+                <a:solidFill>
+                  <a:srgbClr val="B5CEA8"/>
+                </a:solidFill>
+                <a:latin typeface="Menlo" panose="020B0609030804020204" pitchFamily="49" charset="0"/>
+              </a:rPr>
+              <a:t>0</a:t>
+            </a:r>
+            <a:r>
+              <a:rPr lang="en-US" dirty="0">
+                <a:solidFill>
+                  <a:srgbClr val="D4D4D4"/>
+                </a:solidFill>
+                <a:latin typeface="Menlo" panose="020B0609030804020204" pitchFamily="49" charset="0"/>
+              </a:rPr>
+              <a:t>}, </a:t>
+            </a:r>
+            <a:r>
+              <a:rPr lang="en-US" dirty="0">
+                <a:solidFill>
+                  <a:srgbClr val="6A9955"/>
+                </a:solidFill>
+                <a:latin typeface="Menlo" panose="020B0609030804020204" pitchFamily="49" charset="0"/>
+              </a:rPr>
+              <a:t>//Second row, 7 elements</a:t>
+            </a:r>
+            <a:endParaRPr lang="en-US" dirty="0">
+              <a:solidFill>
+                <a:srgbClr val="D4D4D4"/>
+              </a:solidFill>
+              <a:latin typeface="Menlo" panose="020B0609030804020204" pitchFamily="49" charset="0"/>
+            </a:endParaRPr>
+          </a:p>
+          <a:p>
+            <a:r>
+              <a:rPr lang="en-US" dirty="0">
+                <a:solidFill>
+                  <a:srgbClr val="D4D4D4"/>
+                </a:solidFill>
+                <a:latin typeface="Menlo" panose="020B0609030804020204" pitchFamily="49" charset="0"/>
+              </a:rPr>
+              <a:t>		{</a:t>
+            </a:r>
+            <a:r>
+              <a:rPr lang="en-US" dirty="0">
+                <a:solidFill>
+                  <a:srgbClr val="B5CEA8"/>
+                </a:solidFill>
+                <a:latin typeface="Menlo" panose="020B0609030804020204" pitchFamily="49" charset="0"/>
+              </a:rPr>
+              <a:t>0</a:t>
+            </a:r>
+            <a:r>
+              <a:rPr lang="en-US" dirty="0">
+                <a:solidFill>
+                  <a:srgbClr val="D4D4D4"/>
+                </a:solidFill>
+                <a:latin typeface="Menlo" panose="020B0609030804020204" pitchFamily="49" charset="0"/>
+              </a:rPr>
+              <a:t>,</a:t>
+            </a:r>
+            <a:r>
+              <a:rPr lang="en-US" dirty="0">
+                <a:solidFill>
+                  <a:srgbClr val="B5CEA8"/>
+                </a:solidFill>
+                <a:latin typeface="Menlo" panose="020B0609030804020204" pitchFamily="49" charset="0"/>
+              </a:rPr>
+              <a:t>0</a:t>
+            </a:r>
+            <a:r>
+              <a:rPr lang="en-US" dirty="0">
+                <a:solidFill>
+                  <a:srgbClr val="D4D4D4"/>
+                </a:solidFill>
+                <a:latin typeface="Menlo" panose="020B0609030804020204" pitchFamily="49" charset="0"/>
+              </a:rPr>
+              <a:t>,</a:t>
+            </a:r>
+            <a:r>
+              <a:rPr lang="en-US" dirty="0">
+                <a:solidFill>
+                  <a:srgbClr val="B5CEA8"/>
+                </a:solidFill>
+                <a:latin typeface="Menlo" panose="020B0609030804020204" pitchFamily="49" charset="0"/>
+              </a:rPr>
+              <a:t>0</a:t>
+            </a:r>
+            <a:r>
+              <a:rPr lang="en-US" dirty="0">
+                <a:solidFill>
+                  <a:srgbClr val="D4D4D4"/>
+                </a:solidFill>
+                <a:latin typeface="Menlo" panose="020B0609030804020204" pitchFamily="49" charset="0"/>
+              </a:rPr>
+              <a:t>,</a:t>
+            </a:r>
+            <a:r>
+              <a:rPr lang="en-US" dirty="0">
+                <a:solidFill>
+                  <a:srgbClr val="B5CEA8"/>
+                </a:solidFill>
+                <a:latin typeface="Menlo" panose="020B0609030804020204" pitchFamily="49" charset="0"/>
+              </a:rPr>
+              <a:t>0</a:t>
+            </a:r>
+            <a:r>
+              <a:rPr lang="en-US" dirty="0">
+                <a:solidFill>
+                  <a:srgbClr val="D4D4D4"/>
+                </a:solidFill>
+                <a:latin typeface="Menlo" panose="020B0609030804020204" pitchFamily="49" charset="0"/>
+              </a:rPr>
+              <a:t>}}; 	    </a:t>
+            </a:r>
+            <a:r>
+              <a:rPr lang="en-US" dirty="0">
+                <a:solidFill>
+                  <a:srgbClr val="6A9955"/>
+                </a:solidFill>
+                <a:latin typeface="Menlo" panose="020B0609030804020204" pitchFamily="49" charset="0"/>
+              </a:rPr>
+              <a:t>//Third row, 4 elements</a:t>
+            </a:r>
+            <a:endParaRPr lang="en-US" dirty="0">
+              <a:solidFill>
+                <a:srgbClr val="D4D4D4"/>
+              </a:solidFill>
+              <a:latin typeface="Menlo" panose="020B0609030804020204" pitchFamily="49" charset="0"/>
+            </a:endParaRPr>
+          </a:p>
+          <a:p>
+            <a:br>
+              <a:rPr lang="en-US" dirty="0">
+                <a:solidFill>
+                  <a:srgbClr val="D4D4D4"/>
+                </a:solidFill>
+                <a:latin typeface="Menlo" panose="020B0609030804020204" pitchFamily="49" charset="0"/>
+              </a:rPr>
+            </a:br>
+            <a:endParaRPr lang="en-US" b="0" dirty="0">
+              <a:solidFill>
+                <a:srgbClr val="D4D4D4"/>
+              </a:solidFill>
+              <a:effectLst/>
+              <a:latin typeface="Menlo" panose="020B0609030804020204" pitchFamily="49" charset="0"/>
+            </a:endParaRPr>
           </a:p>
         </p:txBody>
       </p:sp>
@@ -8364,7 +9554,7 @@
 </p:sld>
 </file>
 
-<file path=ppt/slides/slide22.xml><?xml version="1.0" encoding="utf-8"?>
+<file path=ppt/slides/slide21.xml><?xml version="1.0" encoding="utf-8"?>
 <p:sld xmlns:a="http://schemas.openxmlformats.org/drawingml/2006/main" xmlns:r="http://schemas.openxmlformats.org/officeDocument/2006/relationships" xmlns:p="http://schemas.openxmlformats.org/presentationml/2006/main" showMasterSp="0">
   <p:cSld>
     <p:spTree>
@@ -8478,8 +9668,8 @@
 </p:sld>
 </file>
 
-<file path=ppt/slides/slide23.xml><?xml version="1.0" encoding="utf-8"?>
-<p:sld xmlns:a="http://schemas.openxmlformats.org/drawingml/2006/main" xmlns:r="http://schemas.openxmlformats.org/officeDocument/2006/relationships" xmlns:p="http://schemas.openxmlformats.org/presentationml/2006/main" showMasterSp="0">
+<file path=ppt/slides/slide22.xml><?xml version="1.0" encoding="utf-8"?>
+<p:sld xmlns:a="http://schemas.openxmlformats.org/drawingml/2006/main" xmlns:r="http://schemas.openxmlformats.org/officeDocument/2006/relationships" xmlns:p="http://schemas.openxmlformats.org/presentationml/2006/main">
   <p:cSld>
     <p:spTree>
       <p:nvGrpSpPr>
@@ -8500,7 +9690,7 @@
           <p:cNvPr id="2" name="Title 1">
             <a:extLst>
               <a:ext uri="{FF2B5EF4-FFF2-40B4-BE49-F238E27FC236}">
-                <a16:creationId xmlns:a16="http://schemas.microsoft.com/office/drawing/2014/main" id="{8647E460-803F-4D0D-9C08-C7D7291186D9}"/>
+                <a16:creationId xmlns:a16="http://schemas.microsoft.com/office/drawing/2014/main" id="{1F265D38-F47E-3E40-BB59-6736006719C0}"/>
               </a:ext>
             </a:extLst>
           </p:cNvPr>
@@ -8517,31 +9707,18 @@
           <a:lstStyle/>
           <a:p>
             <a:r>
-              <a:rPr lang="es-MX" dirty="0"/>
-              <a:t>Inicialización de </a:t>
-            </a:r>
-            <a:r>
-              <a:rPr lang="es-MX" dirty="0" err="1"/>
-              <a:t>ragged</a:t>
-            </a:r>
-            <a:r>
-              <a:rPr lang="es-MX" dirty="0"/>
-              <a:t> </a:t>
-            </a:r>
-            <a:r>
-              <a:rPr lang="es-MX" dirty="0" err="1"/>
-              <a:t>arrays</a:t>
-            </a:r>
-            <a:endParaRPr lang="en-US" dirty="0"/>
+              <a:rPr lang="es-ES_tradnl" dirty="0"/>
+              <a:t>Ejemplo</a:t>
+            </a:r>
           </a:p>
         </p:txBody>
       </p:sp>
       <p:sp>
         <p:nvSpPr>
-          <p:cNvPr id="8" name="Content Placeholder 2">
+          <p:cNvPr id="3" name="Content Placeholder 2">
             <a:extLst>
               <a:ext uri="{FF2B5EF4-FFF2-40B4-BE49-F238E27FC236}">
-                <a16:creationId xmlns:a16="http://schemas.microsoft.com/office/drawing/2014/main" id="{0A3E0C84-70F5-4FA7-8089-0870DB88555D}"/>
+                <a16:creationId xmlns:a16="http://schemas.microsoft.com/office/drawing/2014/main" id="{7004CBD3-580F-414B-A9CE-3B561C9E3B06}"/>
               </a:ext>
             </a:extLst>
           </p:cNvPr>
@@ -8554,63 +9731,32 @@
         </p:nvSpPr>
         <p:spPr>
           <a:xfrm>
-            <a:off x="457200" y="1343558"/>
-            <a:ext cx="8229600" cy="1142999"/>
+            <a:off x="457200" y="1245091"/>
+            <a:ext cx="8229600" cy="1858623"/>
           </a:xfrm>
         </p:spPr>
         <p:txBody>
           <a:bodyPr/>
           <a:lstStyle/>
           <a:p>
-            <a:pPr marL="0" indent="0">
-              <a:buNone/>
-            </a:pPr>
-            <a:r>
-              <a:rPr lang="es-MX" sz="2400" dirty="0"/>
-              <a:t>Ojo! Para recorrer un </a:t>
-            </a:r>
-            <a:r>
-              <a:rPr lang="es-MX" sz="2400" dirty="0" err="1"/>
-              <a:t>ragged</a:t>
-            </a:r>
-            <a:r>
-              <a:rPr lang="es-MX" sz="2400" dirty="0"/>
-              <a:t> array debemos asegurarnos que nuestro ciclo interior sea hasta </a:t>
-            </a:r>
-            <a:r>
-              <a:rPr lang="es-MX" sz="2400" dirty="0" err="1"/>
-              <a:t>matrix</a:t>
-            </a:r>
-            <a:r>
-              <a:rPr lang="es-MX" sz="2400" dirty="0"/>
-              <a:t>[</a:t>
-            </a:r>
-            <a:r>
-              <a:rPr lang="es-MX" sz="2400" dirty="0" err="1"/>
-              <a:t>row</a:t>
-            </a:r>
-            <a:r>
-              <a:rPr lang="es-MX" sz="2400" dirty="0"/>
-              <a:t>].</a:t>
-            </a:r>
-            <a:r>
-              <a:rPr lang="es-MX" sz="2400" dirty="0" err="1"/>
-              <a:t>length</a:t>
-            </a:r>
-            <a:r>
-              <a:rPr lang="es-MX" sz="2400" dirty="0"/>
-              <a:t>.</a:t>
-            </a:r>
-            <a:endParaRPr lang="en-US" sz="2400" dirty="0"/>
+            <a:r>
+              <a:rPr lang="es-ES_tradnl" dirty="0"/>
+              <a:t>Declara e inicializa una matriz de enteros para representar los días del mes de Junio 2020. Asígnale el número de día a </a:t>
+            </a:r>
+            <a:r>
+              <a:rPr lang="es-ES_tradnl"/>
+              <a:t>cada elemento.</a:t>
+            </a:r>
+            <a:endParaRPr lang="es-ES_tradnl" dirty="0"/>
           </a:p>
         </p:txBody>
       </p:sp>
       <p:pic>
         <p:nvPicPr>
-          <p:cNvPr id="3" name="Picture 2">
+          <p:cNvPr id="6" name="Picture 5">
             <a:extLst>
               <a:ext uri="{FF2B5EF4-FFF2-40B4-BE49-F238E27FC236}">
-                <a16:creationId xmlns:a16="http://schemas.microsoft.com/office/drawing/2014/main" id="{C794F5E6-8B88-40CB-800B-C80A5BE661AA}"/>
+                <a16:creationId xmlns:a16="http://schemas.microsoft.com/office/drawing/2014/main" id="{804ED43D-AE53-F34B-A0B0-FFF94E2E2ACB}"/>
               </a:ext>
             </a:extLst>
           </p:cNvPr>
@@ -8627,8 +9773,8 @@
         </p:blipFill>
         <p:spPr>
           <a:xfrm>
-            <a:off x="419100" y="2241618"/>
-            <a:ext cx="8305800" cy="3905250"/>
+            <a:off x="2545195" y="3103715"/>
+            <a:ext cx="4053609" cy="3479647"/>
           </a:xfrm>
           <a:prstGeom prst="rect">
             <a:avLst/>
@@ -8638,67 +9784,7 @@
     </p:spTree>
     <p:extLst>
       <p:ext uri="{BB962C8B-B14F-4D97-AF65-F5344CB8AC3E}">
-        <p14:creationId xmlns:p14="http://schemas.microsoft.com/office/powerpoint/2010/main" val="1607701474"/>
-      </p:ext>
-    </p:extLst>
-  </p:cSld>
-  <p:clrMapOvr>
-    <a:masterClrMapping/>
-  </p:clrMapOvr>
-</p:sld>
-</file>
-
-<file path=ppt/slides/slide24.xml><?xml version="1.0" encoding="utf-8"?>
-<p:sld xmlns:a="http://schemas.openxmlformats.org/drawingml/2006/main" xmlns:r="http://schemas.openxmlformats.org/officeDocument/2006/relationships" xmlns:p="http://schemas.openxmlformats.org/presentationml/2006/main" showMasterSp="0">
-  <p:cSld>
-    <p:spTree>
-      <p:nvGrpSpPr>
-        <p:cNvPr id="1" name=""/>
-        <p:cNvGrpSpPr/>
-        <p:nvPr/>
-      </p:nvGrpSpPr>
-      <p:grpSpPr>
-        <a:xfrm>
-          <a:off x="0" y="0"/>
-          <a:ext cx="0" cy="0"/>
-          <a:chOff x="0" y="0"/>
-          <a:chExt cx="0" cy="0"/>
-        </a:xfrm>
-      </p:grpSpPr>
-      <p:pic>
-        <p:nvPicPr>
-          <p:cNvPr id="5" name="Picture 4">
-            <a:extLst>
-              <a:ext uri="{FF2B5EF4-FFF2-40B4-BE49-F238E27FC236}">
-                <a16:creationId xmlns:a16="http://schemas.microsoft.com/office/drawing/2014/main" id="{F5449785-F39C-4D34-9CD3-8137CD24E826}"/>
-              </a:ext>
-            </a:extLst>
-          </p:cNvPr>
-          <p:cNvPicPr>
-            <a:picLocks noChangeAspect="1"/>
-          </p:cNvPicPr>
-          <p:nvPr/>
-        </p:nvPicPr>
-        <p:blipFill>
-          <a:blip r:embed="rId2"/>
-          <a:stretch>
-            <a:fillRect/>
-          </a:stretch>
-        </p:blipFill>
-        <p:spPr>
-          <a:xfrm>
-            <a:off x="1303100" y="1782796"/>
-            <a:ext cx="7050058" cy="2095297"/>
-          </a:xfrm>
-          <a:prstGeom prst="rect">
-            <a:avLst/>
-          </a:prstGeom>
-        </p:spPr>
-      </p:pic>
-    </p:spTree>
-    <p:extLst>
-      <p:ext uri="{BB962C8B-B14F-4D97-AF65-F5344CB8AC3E}">
-        <p14:creationId xmlns:p14="http://schemas.microsoft.com/office/powerpoint/2010/main" val="4202121879"/>
+        <p14:creationId xmlns:p14="http://schemas.microsoft.com/office/powerpoint/2010/main" val="339572209"/>
       </p:ext>
     </p:extLst>
   </p:cSld>

--- a/MOD01_Arreglos_multidimensionales/01 Presentacion/INFO2_MOD01-Arreglos_Multidimensionales.pptx
+++ b/MOD01_Arreglos_multidimensionales/01 Presentacion/INFO2_MOD01-Arreglos_Multidimensionales.pptx
@@ -5,7 +5,7 @@
     <p:sldMasterId id="2147483756" r:id="rId1"/>
   </p:sldMasterIdLst>
   <p:handoutMasterIdLst>
-    <p:handoutMasterId r:id="rId24"/>
+    <p:handoutMasterId r:id="rId25"/>
   </p:handoutMasterIdLst>
   <p:sldIdLst>
     <p:sldId id="256" r:id="rId2"/>
@@ -15,21 +15,22 @@
     <p:sldId id="346" r:id="rId6"/>
     <p:sldId id="268" r:id="rId7"/>
     <p:sldId id="326" r:id="rId8"/>
-    <p:sldId id="281" r:id="rId9"/>
-    <p:sldId id="311" r:id="rId10"/>
-    <p:sldId id="327" r:id="rId11"/>
-    <p:sldId id="328" r:id="rId12"/>
-    <p:sldId id="312" r:id="rId13"/>
+    <p:sldId id="311" r:id="rId9"/>
+    <p:sldId id="327" r:id="rId10"/>
+    <p:sldId id="328" r:id="rId11"/>
+    <p:sldId id="312" r:id="rId12"/>
+    <p:sldId id="329" r:id="rId13"/>
     <p:sldId id="324" r:id="rId14"/>
-    <p:sldId id="329" r:id="rId15"/>
-    <p:sldId id="333" r:id="rId16"/>
-    <p:sldId id="334" r:id="rId17"/>
-    <p:sldId id="335" r:id="rId18"/>
-    <p:sldId id="282" r:id="rId19"/>
-    <p:sldId id="283" r:id="rId20"/>
-    <p:sldId id="332" r:id="rId21"/>
-    <p:sldId id="336" r:id="rId22"/>
-    <p:sldId id="348" r:id="rId23"/>
+    <p:sldId id="333" r:id="rId15"/>
+    <p:sldId id="334" r:id="rId16"/>
+    <p:sldId id="335" r:id="rId17"/>
+    <p:sldId id="349" r:id="rId18"/>
+    <p:sldId id="350" r:id="rId19"/>
+    <p:sldId id="282" r:id="rId20"/>
+    <p:sldId id="283" r:id="rId21"/>
+    <p:sldId id="332" r:id="rId22"/>
+    <p:sldId id="336" r:id="rId23"/>
+    <p:sldId id="348" r:id="rId24"/>
   </p:sldIdLst>
   <p:sldSz cx="9144000" cy="6858000" type="screen4x3"/>
   <p:notesSz cx="6858000" cy="9144000"/>
@@ -352,7 +353,7 @@
           <a:p>
             <a:fld id="{0130A19F-DA6C-488F-8115-A486A94DC5D0}" type="datetimeFigureOut">
               <a:rPr lang="en-US" smtClean="0"/>
-              <a:t>1/13/20</a:t>
+              <a:t>1/15/2020</a:t>
             </a:fld>
             <a:endParaRPr lang="en-US"/>
           </a:p>
@@ -1545,1395 +1546,6 @@
           <p:cNvPr id="2" name="Title 1">
             <a:extLst>
               <a:ext uri="{FF2B5EF4-FFF2-40B4-BE49-F238E27FC236}">
-                <a16:creationId xmlns:a16="http://schemas.microsoft.com/office/drawing/2014/main" id="{BEFD78A1-DA76-4206-A791-6ABE6434C7CA}"/>
-              </a:ext>
-            </a:extLst>
-          </p:cNvPr>
-          <p:cNvSpPr>
-            <a:spLocks noGrp="1"/>
-          </p:cNvSpPr>
-          <p:nvPr>
-            <p:ph type="title"/>
-          </p:nvPr>
-        </p:nvSpPr>
-        <p:spPr/>
-        <p:txBody>
-          <a:bodyPr>
-            <a:normAutofit fontScale="90000"/>
-          </a:bodyPr>
-          <a:lstStyle/>
-          <a:p>
-            <a:r>
-              <a:rPr lang="en-US" dirty="0" err="1"/>
-              <a:t>Declaración</a:t>
-            </a:r>
-            <a:r>
-              <a:rPr lang="en-US" dirty="0"/>
-              <a:t> de </a:t>
-            </a:r>
-            <a:r>
-              <a:rPr lang="en-US" dirty="0" err="1"/>
-              <a:t>arreglos</a:t>
-            </a:r>
-            <a:r>
-              <a:rPr lang="en-US" dirty="0"/>
-              <a:t> </a:t>
-            </a:r>
-            <a:r>
-              <a:rPr lang="en-US" dirty="0" err="1"/>
-              <a:t>multidimensionales</a:t>
-            </a:r>
-            <a:endParaRPr lang="en-US" dirty="0"/>
-          </a:p>
-        </p:txBody>
-      </p:sp>
-      <p:sp>
-        <p:nvSpPr>
-          <p:cNvPr id="3" name="Content Placeholder 2">
-            <a:extLst>
-              <a:ext uri="{FF2B5EF4-FFF2-40B4-BE49-F238E27FC236}">
-                <a16:creationId xmlns:a16="http://schemas.microsoft.com/office/drawing/2014/main" id="{F63D7DCD-9BF6-434A-B214-E8425555EE25}"/>
-              </a:ext>
-            </a:extLst>
-          </p:cNvPr>
-          <p:cNvSpPr>
-            <a:spLocks noGrp="1"/>
-          </p:cNvSpPr>
-          <p:nvPr>
-            <p:ph idx="1"/>
-          </p:nvPr>
-        </p:nvSpPr>
-        <p:spPr>
-          <a:xfrm>
-            <a:off x="457200" y="1245092"/>
-            <a:ext cx="8229600" cy="1295684"/>
-          </a:xfrm>
-        </p:spPr>
-        <p:txBody>
-          <a:bodyPr/>
-          <a:lstStyle/>
-          <a:p>
-            <a:pPr marL="0" indent="0" fontAlgn="auto">
-              <a:spcAft>
-                <a:spcPts val="0"/>
-              </a:spcAft>
-              <a:buNone/>
-              <a:defRPr/>
-            </a:pPr>
-            <a:r>
-              <a:rPr lang="es-ES" dirty="0"/>
-              <a:t>La forma general de declarar una matriz es la siguiente:</a:t>
-            </a:r>
-          </a:p>
-          <a:p>
-            <a:pPr marL="320040" indent="-320040" fontAlgn="auto">
-              <a:spcAft>
-                <a:spcPts val="0"/>
-              </a:spcAft>
-              <a:buFont typeface="Wingdings"/>
-              <a:buNone/>
-              <a:defRPr/>
-            </a:pPr>
-            <a:endParaRPr lang="es-ES" dirty="0"/>
-          </a:p>
-        </p:txBody>
-      </p:sp>
-      <p:sp>
-        <p:nvSpPr>
-          <p:cNvPr id="5" name="Rectangle 4">
-            <a:extLst>
-              <a:ext uri="{FF2B5EF4-FFF2-40B4-BE49-F238E27FC236}">
-                <a16:creationId xmlns:a16="http://schemas.microsoft.com/office/drawing/2014/main" id="{909892FB-C854-4639-889C-E65B798B2850}"/>
-              </a:ext>
-            </a:extLst>
-          </p:cNvPr>
-          <p:cNvSpPr/>
-          <p:nvPr/>
-        </p:nvSpPr>
-        <p:spPr>
-          <a:xfrm>
-            <a:off x="520020" y="2540775"/>
-            <a:ext cx="6564835" cy="3693319"/>
-          </a:xfrm>
-          <a:prstGeom prst="rect">
-            <a:avLst/>
-          </a:prstGeom>
-          <a:solidFill>
-            <a:schemeClr val="tx1"/>
-          </a:solidFill>
-        </p:spPr>
-        <p:txBody>
-          <a:bodyPr wrap="square">
-            <a:spAutoFit/>
-          </a:bodyPr>
-          <a:lstStyle/>
-          <a:p>
-            <a:r>
-              <a:rPr lang="en-US" dirty="0">
-                <a:solidFill>
-                  <a:srgbClr val="6A9955"/>
-                </a:solidFill>
-                <a:latin typeface="Cascadia Code,  Courier New"/>
-              </a:rPr>
-              <a:t>//Method 1: Declaration and instantiation</a:t>
-            </a:r>
-            <a:endParaRPr lang="en-US" dirty="0">
-              <a:solidFill>
-                <a:srgbClr val="4EC9B0"/>
-              </a:solidFill>
-              <a:latin typeface="Cascadia Code,  Courier New"/>
-            </a:endParaRPr>
-          </a:p>
-          <a:p>
-            <a:r>
-              <a:rPr lang="en-US" dirty="0">
-                <a:solidFill>
-                  <a:srgbClr val="4EC9B0"/>
-                </a:solidFill>
-                <a:latin typeface="Cascadia Code,  Courier New"/>
-              </a:rPr>
-              <a:t>int</a:t>
-            </a:r>
-            <a:r>
-              <a:rPr lang="en-US" dirty="0">
-                <a:solidFill>
-                  <a:srgbClr val="D4D4D4"/>
-                </a:solidFill>
-                <a:latin typeface="Cascadia Code,  Courier New"/>
-              </a:rPr>
-              <a:t>[][] </a:t>
-            </a:r>
-            <a:r>
-              <a:rPr lang="en-US" dirty="0">
-                <a:solidFill>
-                  <a:srgbClr val="9CDCFE"/>
-                </a:solidFill>
-                <a:latin typeface="Cascadia Code,  Courier New"/>
-              </a:rPr>
-              <a:t>x1</a:t>
-            </a:r>
-            <a:r>
-              <a:rPr lang="en-US" dirty="0">
-                <a:solidFill>
-                  <a:srgbClr val="D4D4D4"/>
-                </a:solidFill>
-                <a:latin typeface="Cascadia Code,  Courier New"/>
-              </a:rPr>
-              <a:t> = </a:t>
-            </a:r>
-            <a:r>
-              <a:rPr lang="en-US" dirty="0">
-                <a:solidFill>
-                  <a:srgbClr val="C586C0"/>
-                </a:solidFill>
-                <a:latin typeface="Cascadia Code,  Courier New"/>
-              </a:rPr>
-              <a:t>new</a:t>
-            </a:r>
-            <a:r>
-              <a:rPr lang="en-US" dirty="0">
-                <a:solidFill>
-                  <a:srgbClr val="D4D4D4"/>
-                </a:solidFill>
-                <a:latin typeface="Cascadia Code,  Courier New"/>
-              </a:rPr>
-              <a:t> </a:t>
-            </a:r>
-            <a:r>
-              <a:rPr lang="en-US" dirty="0">
-                <a:solidFill>
-                  <a:srgbClr val="4EC9B0"/>
-                </a:solidFill>
-                <a:latin typeface="Cascadia Code,  Courier New"/>
-              </a:rPr>
-              <a:t>int</a:t>
-            </a:r>
-            <a:r>
-              <a:rPr lang="en-US" dirty="0">
-                <a:solidFill>
-                  <a:srgbClr val="D4D4D4"/>
-                </a:solidFill>
-                <a:latin typeface="Cascadia Code,  Courier New"/>
-              </a:rPr>
-              <a:t>[</a:t>
-            </a:r>
-            <a:r>
-              <a:rPr lang="en-US" dirty="0">
-                <a:solidFill>
-                  <a:srgbClr val="B5CEA8"/>
-                </a:solidFill>
-                <a:latin typeface="Cascadia Code,  Courier New"/>
-              </a:rPr>
-              <a:t>3</a:t>
-            </a:r>
-            <a:r>
-              <a:rPr lang="en-US" dirty="0">
-                <a:solidFill>
-                  <a:srgbClr val="D4D4D4"/>
-                </a:solidFill>
-                <a:latin typeface="Cascadia Code,  Courier New"/>
-              </a:rPr>
-              <a:t>][</a:t>
-            </a:r>
-            <a:r>
-              <a:rPr lang="en-US" dirty="0">
-                <a:solidFill>
-                  <a:srgbClr val="B5CEA8"/>
-                </a:solidFill>
-                <a:latin typeface="Cascadia Code,  Courier New"/>
-              </a:rPr>
-              <a:t>3</a:t>
-            </a:r>
-            <a:r>
-              <a:rPr lang="en-US" dirty="0">
-                <a:solidFill>
-                  <a:srgbClr val="D4D4D4"/>
-                </a:solidFill>
-                <a:latin typeface="Cascadia Code,  Courier New"/>
-              </a:rPr>
-              <a:t>];</a:t>
-            </a:r>
-          </a:p>
-          <a:p>
-            <a:r>
-              <a:rPr lang="en-US" dirty="0">
-                <a:solidFill>
-                  <a:srgbClr val="4EC9B0"/>
-                </a:solidFill>
-                <a:latin typeface="Cascadia Code,  Courier New"/>
-              </a:rPr>
-              <a:t>int</a:t>
-            </a:r>
-            <a:r>
-              <a:rPr lang="en-US" dirty="0">
-                <a:solidFill>
-                  <a:srgbClr val="D4D4D4"/>
-                </a:solidFill>
-                <a:latin typeface="Cascadia Code,  Courier New"/>
-              </a:rPr>
-              <a:t> </a:t>
-            </a:r>
-            <a:r>
-              <a:rPr lang="en-US" dirty="0">
-                <a:solidFill>
-                  <a:srgbClr val="9CDCFE"/>
-                </a:solidFill>
-                <a:latin typeface="Cascadia Code,  Courier New"/>
-              </a:rPr>
-              <a:t>x2</a:t>
-            </a:r>
-            <a:r>
-              <a:rPr lang="en-US" dirty="0">
-                <a:solidFill>
-                  <a:srgbClr val="D4D4D4"/>
-                </a:solidFill>
-                <a:latin typeface="Cascadia Code,  Courier New"/>
-              </a:rPr>
-              <a:t>[][] = </a:t>
-            </a:r>
-            <a:r>
-              <a:rPr lang="en-US" dirty="0">
-                <a:solidFill>
-                  <a:srgbClr val="C586C0"/>
-                </a:solidFill>
-                <a:latin typeface="Cascadia Code,  Courier New"/>
-              </a:rPr>
-              <a:t>new</a:t>
-            </a:r>
-            <a:r>
-              <a:rPr lang="en-US" dirty="0">
-                <a:solidFill>
-                  <a:srgbClr val="D4D4D4"/>
-                </a:solidFill>
-                <a:latin typeface="Cascadia Code,  Courier New"/>
-              </a:rPr>
-              <a:t> </a:t>
-            </a:r>
-            <a:r>
-              <a:rPr lang="en-US" dirty="0">
-                <a:solidFill>
-                  <a:srgbClr val="4EC9B0"/>
-                </a:solidFill>
-                <a:latin typeface="Cascadia Code,  Courier New"/>
-              </a:rPr>
-              <a:t>int</a:t>
-            </a:r>
-            <a:r>
-              <a:rPr lang="en-US" dirty="0">
-                <a:solidFill>
-                  <a:srgbClr val="D4D4D4"/>
-                </a:solidFill>
-                <a:latin typeface="Cascadia Code,  Courier New"/>
-              </a:rPr>
-              <a:t>[</a:t>
-            </a:r>
-            <a:r>
-              <a:rPr lang="en-US" dirty="0">
-                <a:solidFill>
-                  <a:srgbClr val="B5CEA8"/>
-                </a:solidFill>
-                <a:latin typeface="Cascadia Code,  Courier New"/>
-              </a:rPr>
-              <a:t>3</a:t>
-            </a:r>
-            <a:r>
-              <a:rPr lang="en-US" dirty="0">
-                <a:solidFill>
-                  <a:srgbClr val="D4D4D4"/>
-                </a:solidFill>
-                <a:latin typeface="Cascadia Code,  Courier New"/>
-              </a:rPr>
-              <a:t>][</a:t>
-            </a:r>
-            <a:r>
-              <a:rPr lang="en-US" dirty="0">
-                <a:solidFill>
-                  <a:srgbClr val="B5CEA8"/>
-                </a:solidFill>
-                <a:latin typeface="Cascadia Code,  Courier New"/>
-              </a:rPr>
-              <a:t>3</a:t>
-            </a:r>
-            <a:r>
-              <a:rPr lang="en-US" dirty="0">
-                <a:solidFill>
-                  <a:srgbClr val="D4D4D4"/>
-                </a:solidFill>
-                <a:latin typeface="Cascadia Code,  Courier New"/>
-              </a:rPr>
-              <a:t>];</a:t>
-            </a:r>
-          </a:p>
-          <a:p>
-            <a:br>
-              <a:rPr lang="en-US" dirty="0">
-                <a:solidFill>
-                  <a:srgbClr val="D4D4D4"/>
-                </a:solidFill>
-                <a:latin typeface="Cascadia Code,  Courier New"/>
-              </a:rPr>
-            </a:br>
-            <a:r>
-              <a:rPr lang="en-US" dirty="0">
-                <a:solidFill>
-                  <a:srgbClr val="6A9955"/>
-                </a:solidFill>
-                <a:latin typeface="Cascadia Code,  Courier New"/>
-              </a:rPr>
-              <a:t>// Method 2: Implicit initialization</a:t>
-            </a:r>
-            <a:endParaRPr lang="en-US" dirty="0">
-              <a:solidFill>
-                <a:srgbClr val="D4D4D4"/>
-              </a:solidFill>
-              <a:latin typeface="Cascadia Code,  Courier New"/>
-            </a:endParaRPr>
-          </a:p>
-          <a:p>
-            <a:r>
-              <a:rPr lang="en-US" dirty="0">
-                <a:solidFill>
-                  <a:srgbClr val="4EC9B0"/>
-                </a:solidFill>
-                <a:latin typeface="Cascadia Code,  Courier New"/>
-              </a:rPr>
-              <a:t>int</a:t>
-            </a:r>
-            <a:r>
-              <a:rPr lang="en-US" dirty="0">
-                <a:solidFill>
-                  <a:srgbClr val="D4D4D4"/>
-                </a:solidFill>
-                <a:latin typeface="Cascadia Code,  Courier New"/>
-              </a:rPr>
-              <a:t>[][] </a:t>
-            </a:r>
-            <a:r>
-              <a:rPr lang="en-US" dirty="0">
-                <a:solidFill>
-                  <a:srgbClr val="9CDCFE"/>
-                </a:solidFill>
-                <a:latin typeface="Cascadia Code,  Courier New"/>
-              </a:rPr>
-              <a:t>x3</a:t>
-            </a:r>
-            <a:r>
-              <a:rPr lang="en-US" dirty="0">
-                <a:solidFill>
-                  <a:srgbClr val="D4D4D4"/>
-                </a:solidFill>
-                <a:latin typeface="Cascadia Code,  Courier New"/>
-              </a:rPr>
-              <a:t> = {{</a:t>
-            </a:r>
-            <a:r>
-              <a:rPr lang="en-US" dirty="0">
-                <a:solidFill>
-                  <a:srgbClr val="B5CEA8"/>
-                </a:solidFill>
-                <a:latin typeface="Cascadia Code,  Courier New"/>
-              </a:rPr>
-              <a:t>1</a:t>
-            </a:r>
-            <a:r>
-              <a:rPr lang="en-US" dirty="0">
-                <a:solidFill>
-                  <a:srgbClr val="D4D4D4"/>
-                </a:solidFill>
-                <a:latin typeface="Cascadia Code,  Courier New"/>
-              </a:rPr>
-              <a:t>,</a:t>
-            </a:r>
-            <a:r>
-              <a:rPr lang="en-US" dirty="0">
-                <a:solidFill>
-                  <a:srgbClr val="B5CEA8"/>
-                </a:solidFill>
-                <a:latin typeface="Cascadia Code,  Courier New"/>
-              </a:rPr>
-              <a:t>2</a:t>
-            </a:r>
-            <a:r>
-              <a:rPr lang="en-US" dirty="0">
-                <a:solidFill>
-                  <a:srgbClr val="D4D4D4"/>
-                </a:solidFill>
-                <a:latin typeface="Cascadia Code,  Courier New"/>
-              </a:rPr>
-              <a:t>,</a:t>
-            </a:r>
-            <a:r>
-              <a:rPr lang="en-US" dirty="0">
-                <a:solidFill>
-                  <a:srgbClr val="B5CEA8"/>
-                </a:solidFill>
-                <a:latin typeface="Cascadia Code,  Courier New"/>
-              </a:rPr>
-              <a:t>3</a:t>
-            </a:r>
-            <a:r>
-              <a:rPr lang="en-US" dirty="0">
-                <a:solidFill>
-                  <a:srgbClr val="D4D4D4"/>
-                </a:solidFill>
-                <a:latin typeface="Cascadia Code,  Courier New"/>
-              </a:rPr>
-              <a:t>},{</a:t>
-            </a:r>
-            <a:r>
-              <a:rPr lang="en-US" dirty="0">
-                <a:solidFill>
-                  <a:srgbClr val="B5CEA8"/>
-                </a:solidFill>
-                <a:latin typeface="Cascadia Code,  Courier New"/>
-              </a:rPr>
-              <a:t>4</a:t>
-            </a:r>
-            <a:r>
-              <a:rPr lang="en-US" dirty="0">
-                <a:solidFill>
-                  <a:srgbClr val="D4D4D4"/>
-                </a:solidFill>
-                <a:latin typeface="Cascadia Code,  Courier New"/>
-              </a:rPr>
-              <a:t>,</a:t>
-            </a:r>
-            <a:r>
-              <a:rPr lang="en-US" dirty="0">
-                <a:solidFill>
-                  <a:srgbClr val="B5CEA8"/>
-                </a:solidFill>
-                <a:latin typeface="Cascadia Code,  Courier New"/>
-              </a:rPr>
-              <a:t>5</a:t>
-            </a:r>
-            <a:r>
-              <a:rPr lang="en-US" dirty="0">
-                <a:solidFill>
-                  <a:srgbClr val="D4D4D4"/>
-                </a:solidFill>
-                <a:latin typeface="Cascadia Code,  Courier New"/>
-              </a:rPr>
-              <a:t>,</a:t>
-            </a:r>
-            <a:r>
-              <a:rPr lang="en-US" dirty="0">
-                <a:solidFill>
-                  <a:srgbClr val="B5CEA8"/>
-                </a:solidFill>
-                <a:latin typeface="Cascadia Code,  Courier New"/>
-              </a:rPr>
-              <a:t>6</a:t>
-            </a:r>
-            <a:r>
-              <a:rPr lang="en-US" dirty="0">
-                <a:solidFill>
-                  <a:srgbClr val="D4D4D4"/>
-                </a:solidFill>
-                <a:latin typeface="Cascadia Code,  Courier New"/>
-              </a:rPr>
-              <a:t>},{</a:t>
-            </a:r>
-            <a:r>
-              <a:rPr lang="en-US" dirty="0">
-                <a:solidFill>
-                  <a:srgbClr val="B5CEA8"/>
-                </a:solidFill>
-                <a:latin typeface="Cascadia Code,  Courier New"/>
-              </a:rPr>
-              <a:t>7</a:t>
-            </a:r>
-            <a:r>
-              <a:rPr lang="en-US" dirty="0">
-                <a:solidFill>
-                  <a:srgbClr val="D4D4D4"/>
-                </a:solidFill>
-                <a:latin typeface="Cascadia Code,  Courier New"/>
-              </a:rPr>
-              <a:t>,</a:t>
-            </a:r>
-            <a:r>
-              <a:rPr lang="en-US" dirty="0">
-                <a:solidFill>
-                  <a:srgbClr val="B5CEA8"/>
-                </a:solidFill>
-                <a:latin typeface="Cascadia Code,  Courier New"/>
-              </a:rPr>
-              <a:t>8</a:t>
-            </a:r>
-            <a:r>
-              <a:rPr lang="en-US" dirty="0">
-                <a:solidFill>
-                  <a:srgbClr val="D4D4D4"/>
-                </a:solidFill>
-                <a:latin typeface="Cascadia Code,  Courier New"/>
-              </a:rPr>
-              <a:t>,</a:t>
-            </a:r>
-            <a:r>
-              <a:rPr lang="en-US" dirty="0">
-                <a:solidFill>
-                  <a:srgbClr val="B5CEA8"/>
-                </a:solidFill>
-                <a:latin typeface="Cascadia Code,  Courier New"/>
-              </a:rPr>
-              <a:t>9</a:t>
-            </a:r>
-            <a:r>
-              <a:rPr lang="en-US" dirty="0">
-                <a:solidFill>
-                  <a:srgbClr val="D4D4D4"/>
-                </a:solidFill>
-                <a:latin typeface="Cascadia Code,  Courier New"/>
-              </a:rPr>
-              <a:t>}};</a:t>
-            </a:r>
-          </a:p>
-          <a:p>
-            <a:endParaRPr lang="en-US" dirty="0">
-              <a:solidFill>
-                <a:srgbClr val="D4D4D4"/>
-              </a:solidFill>
-              <a:latin typeface="Cascadia Code,  Courier New"/>
-            </a:endParaRPr>
-          </a:p>
-          <a:p>
-            <a:r>
-              <a:rPr lang="en-US" dirty="0">
-                <a:solidFill>
-                  <a:srgbClr val="6A9955"/>
-                </a:solidFill>
-                <a:latin typeface="Cascadia Code,  Courier New"/>
-              </a:rPr>
-              <a:t>//Method 3: Declaration and instantiation</a:t>
-            </a:r>
-            <a:endParaRPr lang="en-US" dirty="0">
-              <a:solidFill>
-                <a:srgbClr val="D4D4D4"/>
-              </a:solidFill>
-              <a:latin typeface="Cascadia Code,  Courier New"/>
-            </a:endParaRPr>
-          </a:p>
-          <a:p>
-            <a:r>
-              <a:rPr lang="en-US" dirty="0">
-                <a:solidFill>
-                  <a:srgbClr val="4EC9B0"/>
-                </a:solidFill>
-                <a:latin typeface="Cascadia Code,  Courier New"/>
-              </a:rPr>
-              <a:t>int</a:t>
-            </a:r>
-            <a:r>
-              <a:rPr lang="en-US" dirty="0">
-                <a:solidFill>
-                  <a:srgbClr val="D4D4D4"/>
-                </a:solidFill>
-                <a:latin typeface="Cascadia Code,  Courier New"/>
-              </a:rPr>
-              <a:t>[][] </a:t>
-            </a:r>
-            <a:r>
-              <a:rPr lang="en-US" dirty="0">
-                <a:solidFill>
-                  <a:srgbClr val="9CDCFE"/>
-                </a:solidFill>
-                <a:latin typeface="Cascadia Code,  Courier New"/>
-              </a:rPr>
-              <a:t>x4</a:t>
-            </a:r>
-            <a:r>
-              <a:rPr lang="en-US" dirty="0">
-                <a:solidFill>
-                  <a:srgbClr val="D4D4D4"/>
-                </a:solidFill>
-                <a:latin typeface="Cascadia Code,  Courier New"/>
-              </a:rPr>
-              <a:t> = </a:t>
-            </a:r>
-            <a:r>
-              <a:rPr lang="en-US" dirty="0">
-                <a:solidFill>
-                  <a:srgbClr val="C586C0"/>
-                </a:solidFill>
-                <a:latin typeface="Cascadia Code,  Courier New"/>
-              </a:rPr>
-              <a:t>new</a:t>
-            </a:r>
-            <a:r>
-              <a:rPr lang="en-US" dirty="0">
-                <a:solidFill>
-                  <a:srgbClr val="D4D4D4"/>
-                </a:solidFill>
-                <a:latin typeface="Cascadia Code,  Courier New"/>
-              </a:rPr>
-              <a:t> </a:t>
-            </a:r>
-            <a:r>
-              <a:rPr lang="en-US" dirty="0">
-                <a:solidFill>
-                  <a:srgbClr val="4EC9B0"/>
-                </a:solidFill>
-                <a:latin typeface="Cascadia Code,  Courier New"/>
-              </a:rPr>
-              <a:t>int</a:t>
-            </a:r>
-            <a:r>
-              <a:rPr lang="en-US" dirty="0">
-                <a:solidFill>
-                  <a:srgbClr val="D4D4D4"/>
-                </a:solidFill>
-                <a:latin typeface="Cascadia Code,  Courier New"/>
-              </a:rPr>
-              <a:t>[</a:t>
-            </a:r>
-            <a:r>
-              <a:rPr lang="en-US" dirty="0">
-                <a:solidFill>
-                  <a:srgbClr val="B5CEA8"/>
-                </a:solidFill>
-                <a:latin typeface="Cascadia Code,  Courier New"/>
-              </a:rPr>
-              <a:t>3</a:t>
-            </a:r>
-            <a:r>
-              <a:rPr lang="en-US" dirty="0">
-                <a:solidFill>
-                  <a:srgbClr val="D4D4D4"/>
-                </a:solidFill>
-                <a:latin typeface="Cascadia Code,  Courier New"/>
-              </a:rPr>
-              <a:t>][];</a:t>
-            </a:r>
-          </a:p>
-          <a:p>
-            <a:r>
-              <a:rPr lang="en-US" dirty="0">
-                <a:solidFill>
-                  <a:srgbClr val="D4D4D4"/>
-                </a:solidFill>
-                <a:latin typeface="Cascadia Code,  Courier New"/>
-              </a:rPr>
-              <a:t>x4[</a:t>
-            </a:r>
-            <a:r>
-              <a:rPr lang="en-US" dirty="0">
-                <a:solidFill>
-                  <a:srgbClr val="B5CEA8"/>
-                </a:solidFill>
-                <a:latin typeface="Cascadia Code,  Courier New"/>
-              </a:rPr>
-              <a:t>0</a:t>
-            </a:r>
-            <a:r>
-              <a:rPr lang="en-US" dirty="0">
-                <a:solidFill>
-                  <a:srgbClr val="D4D4D4"/>
-                </a:solidFill>
-                <a:latin typeface="Cascadia Code,  Courier New"/>
-              </a:rPr>
-              <a:t>] = </a:t>
-            </a:r>
-            <a:r>
-              <a:rPr lang="en-US" dirty="0">
-                <a:solidFill>
-                  <a:srgbClr val="C586C0"/>
-                </a:solidFill>
-                <a:latin typeface="Cascadia Code,  Courier New"/>
-              </a:rPr>
-              <a:t>new</a:t>
-            </a:r>
-            <a:r>
-              <a:rPr lang="en-US" dirty="0">
-                <a:solidFill>
-                  <a:srgbClr val="D4D4D4"/>
-                </a:solidFill>
-                <a:latin typeface="Cascadia Code,  Courier New"/>
-              </a:rPr>
-              <a:t> </a:t>
-            </a:r>
-            <a:r>
-              <a:rPr lang="en-US" dirty="0">
-                <a:solidFill>
-                  <a:srgbClr val="4EC9B0"/>
-                </a:solidFill>
-                <a:latin typeface="Cascadia Code,  Courier New"/>
-              </a:rPr>
-              <a:t>int</a:t>
-            </a:r>
-            <a:r>
-              <a:rPr lang="en-US" dirty="0">
-                <a:solidFill>
-                  <a:srgbClr val="D4D4D4"/>
-                </a:solidFill>
-                <a:latin typeface="Cascadia Code,  Courier New"/>
-              </a:rPr>
-              <a:t>[</a:t>
-            </a:r>
-            <a:r>
-              <a:rPr lang="en-US" dirty="0">
-                <a:solidFill>
-                  <a:srgbClr val="B5CEA8"/>
-                </a:solidFill>
-                <a:latin typeface="Cascadia Code,  Courier New"/>
-              </a:rPr>
-              <a:t>3</a:t>
-            </a:r>
-            <a:r>
-              <a:rPr lang="en-US" dirty="0">
-                <a:solidFill>
-                  <a:srgbClr val="D4D4D4"/>
-                </a:solidFill>
-                <a:latin typeface="Cascadia Code,  Courier New"/>
-              </a:rPr>
-              <a:t>];</a:t>
-            </a:r>
-          </a:p>
-          <a:p>
-            <a:r>
-              <a:rPr lang="en-US" dirty="0">
-                <a:solidFill>
-                  <a:srgbClr val="D4D4D4"/>
-                </a:solidFill>
-                <a:latin typeface="Cascadia Code,  Courier New"/>
-              </a:rPr>
-              <a:t>x4[</a:t>
-            </a:r>
-            <a:r>
-              <a:rPr lang="en-US" dirty="0">
-                <a:solidFill>
-                  <a:srgbClr val="B5CEA8"/>
-                </a:solidFill>
-                <a:latin typeface="Cascadia Code,  Courier New"/>
-              </a:rPr>
-              <a:t>1</a:t>
-            </a:r>
-            <a:r>
-              <a:rPr lang="en-US" dirty="0">
-                <a:solidFill>
-                  <a:srgbClr val="D4D4D4"/>
-                </a:solidFill>
-                <a:latin typeface="Cascadia Code,  Courier New"/>
-              </a:rPr>
-              <a:t>] = </a:t>
-            </a:r>
-            <a:r>
-              <a:rPr lang="en-US" dirty="0">
-                <a:solidFill>
-                  <a:srgbClr val="C586C0"/>
-                </a:solidFill>
-                <a:latin typeface="Cascadia Code,  Courier New"/>
-              </a:rPr>
-              <a:t>new</a:t>
-            </a:r>
-            <a:r>
-              <a:rPr lang="en-US" dirty="0">
-                <a:solidFill>
-                  <a:srgbClr val="D4D4D4"/>
-                </a:solidFill>
-                <a:latin typeface="Cascadia Code,  Courier New"/>
-              </a:rPr>
-              <a:t> </a:t>
-            </a:r>
-            <a:r>
-              <a:rPr lang="en-US" dirty="0">
-                <a:solidFill>
-                  <a:srgbClr val="4EC9B0"/>
-                </a:solidFill>
-                <a:latin typeface="Cascadia Code,  Courier New"/>
-              </a:rPr>
-              <a:t>int</a:t>
-            </a:r>
-            <a:r>
-              <a:rPr lang="en-US" dirty="0">
-                <a:solidFill>
-                  <a:srgbClr val="D4D4D4"/>
-                </a:solidFill>
-                <a:latin typeface="Cascadia Code,  Courier New"/>
-              </a:rPr>
-              <a:t>[</a:t>
-            </a:r>
-            <a:r>
-              <a:rPr lang="en-US" dirty="0">
-                <a:solidFill>
-                  <a:srgbClr val="B5CEA8"/>
-                </a:solidFill>
-                <a:latin typeface="Cascadia Code,  Courier New"/>
-              </a:rPr>
-              <a:t>3</a:t>
-            </a:r>
-            <a:r>
-              <a:rPr lang="en-US" dirty="0">
-                <a:solidFill>
-                  <a:srgbClr val="D4D4D4"/>
-                </a:solidFill>
-                <a:latin typeface="Cascadia Code,  Courier New"/>
-              </a:rPr>
-              <a:t>];</a:t>
-            </a:r>
-          </a:p>
-          <a:p>
-            <a:r>
-              <a:rPr lang="en-US" dirty="0">
-                <a:solidFill>
-                  <a:srgbClr val="D4D4D4"/>
-                </a:solidFill>
-                <a:latin typeface="Cascadia Code,  Courier New"/>
-              </a:rPr>
-              <a:t>x4[</a:t>
-            </a:r>
-            <a:r>
-              <a:rPr lang="en-US" dirty="0">
-                <a:solidFill>
-                  <a:srgbClr val="B5CEA8"/>
-                </a:solidFill>
-                <a:latin typeface="Cascadia Code,  Courier New"/>
-              </a:rPr>
-              <a:t>2</a:t>
-            </a:r>
-            <a:r>
-              <a:rPr lang="en-US" dirty="0">
-                <a:solidFill>
-                  <a:srgbClr val="D4D4D4"/>
-                </a:solidFill>
-                <a:latin typeface="Cascadia Code,  Courier New"/>
-              </a:rPr>
-              <a:t>] = </a:t>
-            </a:r>
-            <a:r>
-              <a:rPr lang="en-US" dirty="0">
-                <a:solidFill>
-                  <a:srgbClr val="C586C0"/>
-                </a:solidFill>
-                <a:latin typeface="Cascadia Code,  Courier New"/>
-              </a:rPr>
-              <a:t>new</a:t>
-            </a:r>
-            <a:r>
-              <a:rPr lang="en-US" dirty="0">
-                <a:solidFill>
-                  <a:srgbClr val="D4D4D4"/>
-                </a:solidFill>
-                <a:latin typeface="Cascadia Code,  Courier New"/>
-              </a:rPr>
-              <a:t> </a:t>
-            </a:r>
-            <a:r>
-              <a:rPr lang="en-US" dirty="0">
-                <a:solidFill>
-                  <a:srgbClr val="4EC9B0"/>
-                </a:solidFill>
-                <a:latin typeface="Cascadia Code,  Courier New"/>
-              </a:rPr>
-              <a:t>int</a:t>
-            </a:r>
-            <a:r>
-              <a:rPr lang="en-US" dirty="0">
-                <a:solidFill>
-                  <a:srgbClr val="D4D4D4"/>
-                </a:solidFill>
-                <a:latin typeface="Cascadia Code,  Courier New"/>
-              </a:rPr>
-              <a:t>[</a:t>
-            </a:r>
-            <a:r>
-              <a:rPr lang="en-US" dirty="0">
-                <a:solidFill>
-                  <a:srgbClr val="B5CEA8"/>
-                </a:solidFill>
-                <a:latin typeface="Cascadia Code,  Courier New"/>
-              </a:rPr>
-              <a:t>3</a:t>
-            </a:r>
-            <a:r>
-              <a:rPr lang="en-US" dirty="0">
-                <a:solidFill>
-                  <a:srgbClr val="D4D4D4"/>
-                </a:solidFill>
-                <a:latin typeface="Cascadia Code,  Courier New"/>
-              </a:rPr>
-              <a:t>];</a:t>
-            </a:r>
-          </a:p>
-          <a:p>
-            <a:endParaRPr lang="en-US" dirty="0">
-              <a:solidFill>
-                <a:srgbClr val="D4D4D4"/>
-              </a:solidFill>
-              <a:latin typeface="Cascadia Code,  Courier New"/>
-            </a:endParaRPr>
-          </a:p>
-        </p:txBody>
-      </p:sp>
-    </p:spTree>
-    <p:extLst>
-      <p:ext uri="{BB962C8B-B14F-4D97-AF65-F5344CB8AC3E}">
-        <p14:creationId xmlns:p14="http://schemas.microsoft.com/office/powerpoint/2010/main" val="1266400681"/>
-      </p:ext>
-    </p:extLst>
-  </p:cSld>
-  <p:clrMapOvr>
-    <a:masterClrMapping/>
-  </p:clrMapOvr>
-  <p:timing>
-    <p:tnLst>
-      <p:par>
-        <p:cTn id="1" dur="indefinite" restart="never" nodeType="tmRoot">
-          <p:childTnLst>
-            <p:seq concurrent="1" nextAc="seek">
-              <p:cTn id="2" dur="indefinite" nodeType="mainSeq">
-                <p:childTnLst>
-                  <p:par>
-                    <p:cTn id="3" fill="hold">
-                      <p:stCondLst>
-                        <p:cond delay="indefinite"/>
-                      </p:stCondLst>
-                      <p:childTnLst>
-                        <p:par>
-                          <p:cTn id="4" fill="hold">
-                            <p:stCondLst>
-                              <p:cond delay="0"/>
-                            </p:stCondLst>
-                            <p:childTnLst>
-                              <p:par>
-                                <p:cTn id="5" presetID="1" presetClass="entr" presetSubtype="0" fill="hold" nodeType="clickEffect">
-                                  <p:stCondLst>
-                                    <p:cond delay="0"/>
-                                  </p:stCondLst>
-                                  <p:childTnLst>
-                                    <p:set>
-                                      <p:cBhvr>
-                                        <p:cTn id="6" dur="1" fill="hold">
-                                          <p:stCondLst>
-                                            <p:cond delay="0"/>
-                                          </p:stCondLst>
-                                        </p:cTn>
-                                        <p:tgtEl>
-                                          <p:spTgt spid="5">
-                                            <p:txEl>
-                                              <p:pRg st="0" end="0"/>
-                                            </p:txEl>
-                                          </p:spTgt>
-                                        </p:tgtEl>
-                                        <p:attrNameLst>
-                                          <p:attrName>style.visibility</p:attrName>
-                                        </p:attrNameLst>
-                                      </p:cBhvr>
-                                      <p:to>
-                                        <p:strVal val="visible"/>
-                                      </p:to>
-                                    </p:set>
-                                  </p:childTnLst>
-                                </p:cTn>
-                              </p:par>
-                              <p:par>
-                                <p:cTn id="7" presetID="1" presetClass="entr" presetSubtype="0" fill="hold" nodeType="withEffect">
-                                  <p:stCondLst>
-                                    <p:cond delay="0"/>
-                                  </p:stCondLst>
-                                  <p:childTnLst>
-                                    <p:set>
-                                      <p:cBhvr>
-                                        <p:cTn id="8" dur="1" fill="hold">
-                                          <p:stCondLst>
-                                            <p:cond delay="0"/>
-                                          </p:stCondLst>
-                                        </p:cTn>
-                                        <p:tgtEl>
-                                          <p:spTgt spid="5">
-                                            <p:txEl>
-                                              <p:pRg st="1" end="1"/>
-                                            </p:txEl>
-                                          </p:spTgt>
-                                        </p:tgtEl>
-                                        <p:attrNameLst>
-                                          <p:attrName>style.visibility</p:attrName>
-                                        </p:attrNameLst>
-                                      </p:cBhvr>
-                                      <p:to>
-                                        <p:strVal val="visible"/>
-                                      </p:to>
-                                    </p:set>
-                                  </p:childTnLst>
-                                </p:cTn>
-                              </p:par>
-                              <p:par>
-                                <p:cTn id="9" presetID="1" presetClass="entr" presetSubtype="0" fill="hold" nodeType="withEffect">
-                                  <p:stCondLst>
-                                    <p:cond delay="0"/>
-                                  </p:stCondLst>
-                                  <p:childTnLst>
-                                    <p:set>
-                                      <p:cBhvr>
-                                        <p:cTn id="10" dur="1" fill="hold">
-                                          <p:stCondLst>
-                                            <p:cond delay="0"/>
-                                          </p:stCondLst>
-                                        </p:cTn>
-                                        <p:tgtEl>
-                                          <p:spTgt spid="5">
-                                            <p:txEl>
-                                              <p:pRg st="2" end="2"/>
-                                            </p:txEl>
-                                          </p:spTgt>
-                                        </p:tgtEl>
-                                        <p:attrNameLst>
-                                          <p:attrName>style.visibility</p:attrName>
-                                        </p:attrNameLst>
-                                      </p:cBhvr>
-                                      <p:to>
-                                        <p:strVal val="visible"/>
-                                      </p:to>
-                                    </p:set>
-                                  </p:childTnLst>
-                                </p:cTn>
-                              </p:par>
-                            </p:childTnLst>
-                          </p:cTn>
-                        </p:par>
-                      </p:childTnLst>
-                    </p:cTn>
-                  </p:par>
-                  <p:par>
-                    <p:cTn id="11" fill="hold">
-                      <p:stCondLst>
-                        <p:cond delay="indefinite"/>
-                      </p:stCondLst>
-                      <p:childTnLst>
-                        <p:par>
-                          <p:cTn id="12" fill="hold">
-                            <p:stCondLst>
-                              <p:cond delay="0"/>
-                            </p:stCondLst>
-                            <p:childTnLst>
-                              <p:par>
-                                <p:cTn id="13" presetID="1" presetClass="entr" presetSubtype="0" fill="hold" nodeType="clickEffect">
-                                  <p:stCondLst>
-                                    <p:cond delay="0"/>
-                                  </p:stCondLst>
-                                  <p:childTnLst>
-                                    <p:set>
-                                      <p:cBhvr>
-                                        <p:cTn id="14" dur="1" fill="hold">
-                                          <p:stCondLst>
-                                            <p:cond delay="0"/>
-                                          </p:stCondLst>
-                                        </p:cTn>
-                                        <p:tgtEl>
-                                          <p:spTgt spid="5">
-                                            <p:txEl>
-                                              <p:pRg st="3" end="3"/>
-                                            </p:txEl>
-                                          </p:spTgt>
-                                        </p:tgtEl>
-                                        <p:attrNameLst>
-                                          <p:attrName>style.visibility</p:attrName>
-                                        </p:attrNameLst>
-                                      </p:cBhvr>
-                                      <p:to>
-                                        <p:strVal val="visible"/>
-                                      </p:to>
-                                    </p:set>
-                                  </p:childTnLst>
-                                </p:cTn>
-                              </p:par>
-                              <p:par>
-                                <p:cTn id="15" presetID="1" presetClass="entr" presetSubtype="0" fill="hold" nodeType="withEffect">
-                                  <p:stCondLst>
-                                    <p:cond delay="0"/>
-                                  </p:stCondLst>
-                                  <p:childTnLst>
-                                    <p:set>
-                                      <p:cBhvr>
-                                        <p:cTn id="16" dur="1" fill="hold">
-                                          <p:stCondLst>
-                                            <p:cond delay="0"/>
-                                          </p:stCondLst>
-                                        </p:cTn>
-                                        <p:tgtEl>
-                                          <p:spTgt spid="5">
-                                            <p:txEl>
-                                              <p:pRg st="4" end="4"/>
-                                            </p:txEl>
-                                          </p:spTgt>
-                                        </p:tgtEl>
-                                        <p:attrNameLst>
-                                          <p:attrName>style.visibility</p:attrName>
-                                        </p:attrNameLst>
-                                      </p:cBhvr>
-                                      <p:to>
-                                        <p:strVal val="visible"/>
-                                      </p:to>
-                                    </p:set>
-                                  </p:childTnLst>
-                                </p:cTn>
-                              </p:par>
-                            </p:childTnLst>
-                          </p:cTn>
-                        </p:par>
-                      </p:childTnLst>
-                    </p:cTn>
-                  </p:par>
-                  <p:par>
-                    <p:cTn id="17" fill="hold">
-                      <p:stCondLst>
-                        <p:cond delay="indefinite"/>
-                      </p:stCondLst>
-                      <p:childTnLst>
-                        <p:par>
-                          <p:cTn id="18" fill="hold">
-                            <p:stCondLst>
-                              <p:cond delay="0"/>
-                            </p:stCondLst>
-                            <p:childTnLst>
-                              <p:par>
-                                <p:cTn id="19" presetID="1" presetClass="entr" presetSubtype="0" fill="hold" nodeType="clickEffect">
-                                  <p:stCondLst>
-                                    <p:cond delay="0"/>
-                                  </p:stCondLst>
-                                  <p:childTnLst>
-                                    <p:set>
-                                      <p:cBhvr>
-                                        <p:cTn id="20" dur="1" fill="hold">
-                                          <p:stCondLst>
-                                            <p:cond delay="0"/>
-                                          </p:stCondLst>
-                                        </p:cTn>
-                                        <p:tgtEl>
-                                          <p:spTgt spid="5">
-                                            <p:txEl>
-                                              <p:pRg st="6" end="6"/>
-                                            </p:txEl>
-                                          </p:spTgt>
-                                        </p:tgtEl>
-                                        <p:attrNameLst>
-                                          <p:attrName>style.visibility</p:attrName>
-                                        </p:attrNameLst>
-                                      </p:cBhvr>
-                                      <p:to>
-                                        <p:strVal val="visible"/>
-                                      </p:to>
-                                    </p:set>
-                                  </p:childTnLst>
-                                </p:cTn>
-                              </p:par>
-                              <p:par>
-                                <p:cTn id="21" presetID="1" presetClass="entr" presetSubtype="0" fill="hold" nodeType="withEffect">
-                                  <p:stCondLst>
-                                    <p:cond delay="0"/>
-                                  </p:stCondLst>
-                                  <p:childTnLst>
-                                    <p:set>
-                                      <p:cBhvr>
-                                        <p:cTn id="22" dur="1" fill="hold">
-                                          <p:stCondLst>
-                                            <p:cond delay="0"/>
-                                          </p:stCondLst>
-                                        </p:cTn>
-                                        <p:tgtEl>
-                                          <p:spTgt spid="5">
-                                            <p:txEl>
-                                              <p:pRg st="7" end="7"/>
-                                            </p:txEl>
-                                          </p:spTgt>
-                                        </p:tgtEl>
-                                        <p:attrNameLst>
-                                          <p:attrName>style.visibility</p:attrName>
-                                        </p:attrNameLst>
-                                      </p:cBhvr>
-                                      <p:to>
-                                        <p:strVal val="visible"/>
-                                      </p:to>
-                                    </p:set>
-                                  </p:childTnLst>
-                                </p:cTn>
-                              </p:par>
-                              <p:par>
-                                <p:cTn id="23" presetID="1" presetClass="entr" presetSubtype="0" fill="hold" nodeType="withEffect">
-                                  <p:stCondLst>
-                                    <p:cond delay="0"/>
-                                  </p:stCondLst>
-                                  <p:childTnLst>
-                                    <p:set>
-                                      <p:cBhvr>
-                                        <p:cTn id="24" dur="1" fill="hold">
-                                          <p:stCondLst>
-                                            <p:cond delay="0"/>
-                                          </p:stCondLst>
-                                        </p:cTn>
-                                        <p:tgtEl>
-                                          <p:spTgt spid="5">
-                                            <p:txEl>
-                                              <p:pRg st="8" end="8"/>
-                                            </p:txEl>
-                                          </p:spTgt>
-                                        </p:tgtEl>
-                                        <p:attrNameLst>
-                                          <p:attrName>style.visibility</p:attrName>
-                                        </p:attrNameLst>
-                                      </p:cBhvr>
-                                      <p:to>
-                                        <p:strVal val="visible"/>
-                                      </p:to>
-                                    </p:set>
-                                  </p:childTnLst>
-                                </p:cTn>
-                              </p:par>
-                              <p:par>
-                                <p:cTn id="25" presetID="1" presetClass="entr" presetSubtype="0" fill="hold" nodeType="withEffect">
-                                  <p:stCondLst>
-                                    <p:cond delay="0"/>
-                                  </p:stCondLst>
-                                  <p:childTnLst>
-                                    <p:set>
-                                      <p:cBhvr>
-                                        <p:cTn id="26" dur="1" fill="hold">
-                                          <p:stCondLst>
-                                            <p:cond delay="0"/>
-                                          </p:stCondLst>
-                                        </p:cTn>
-                                        <p:tgtEl>
-                                          <p:spTgt spid="5">
-                                            <p:txEl>
-                                              <p:pRg st="9" end="9"/>
-                                            </p:txEl>
-                                          </p:spTgt>
-                                        </p:tgtEl>
-                                        <p:attrNameLst>
-                                          <p:attrName>style.visibility</p:attrName>
-                                        </p:attrNameLst>
-                                      </p:cBhvr>
-                                      <p:to>
-                                        <p:strVal val="visible"/>
-                                      </p:to>
-                                    </p:set>
-                                  </p:childTnLst>
-                                </p:cTn>
-                              </p:par>
-                              <p:par>
-                                <p:cTn id="27" presetID="1" presetClass="entr" presetSubtype="0" fill="hold" nodeType="withEffect">
-                                  <p:stCondLst>
-                                    <p:cond delay="0"/>
-                                  </p:stCondLst>
-                                  <p:childTnLst>
-                                    <p:set>
-                                      <p:cBhvr>
-                                        <p:cTn id="28" dur="1" fill="hold">
-                                          <p:stCondLst>
-                                            <p:cond delay="0"/>
-                                          </p:stCondLst>
-                                        </p:cTn>
-                                        <p:tgtEl>
-                                          <p:spTgt spid="5">
-                                            <p:txEl>
-                                              <p:pRg st="10" end="10"/>
-                                            </p:txEl>
-                                          </p:spTgt>
-                                        </p:tgtEl>
-                                        <p:attrNameLst>
-                                          <p:attrName>style.visibility</p:attrName>
-                                        </p:attrNameLst>
-                                      </p:cBhvr>
-                                      <p:to>
-                                        <p:strVal val="visible"/>
-                                      </p:to>
-                                    </p:set>
-                                  </p:childTnLst>
-                                </p:cTn>
-                              </p:par>
-                            </p:childTnLst>
-                          </p:cTn>
-                        </p:par>
-                      </p:childTnLst>
-                    </p:cTn>
-                  </p:par>
-                </p:childTnLst>
-              </p:cTn>
-              <p:prevCondLst>
-                <p:cond evt="onPrev" delay="0">
-                  <p:tgtEl>
-                    <p:sldTgt/>
-                  </p:tgtEl>
-                </p:cond>
-              </p:prevCondLst>
-              <p:nextCondLst>
-                <p:cond evt="onNext" delay="0">
-                  <p:tgtEl>
-                    <p:sldTgt/>
-                  </p:tgtEl>
-                </p:cond>
-              </p:nextCondLst>
-            </p:seq>
-          </p:childTnLst>
-        </p:cTn>
-      </p:par>
-    </p:tnLst>
-  </p:timing>
-</p:sld>
-</file>
-
-<file path=ppt/slides/slide11.xml><?xml version="1.0" encoding="utf-8"?>
-<p:sld xmlns:a="http://schemas.openxmlformats.org/drawingml/2006/main" xmlns:r="http://schemas.openxmlformats.org/officeDocument/2006/relationships" xmlns:p="http://schemas.openxmlformats.org/presentationml/2006/main" showMasterSp="0">
-  <p:cSld>
-    <p:spTree>
-      <p:nvGrpSpPr>
-        <p:cNvPr id="1" name=""/>
-        <p:cNvGrpSpPr/>
-        <p:nvPr/>
-      </p:nvGrpSpPr>
-      <p:grpSpPr>
-        <a:xfrm>
-          <a:off x="0" y="0"/>
-          <a:ext cx="0" cy="0"/>
-          <a:chOff x="0" y="0"/>
-          <a:chExt cx="0" cy="0"/>
-        </a:xfrm>
-      </p:grpSpPr>
-      <p:sp>
-        <p:nvSpPr>
-          <p:cNvPr id="2" name="Title 1">
-            <a:extLst>
-              <a:ext uri="{FF2B5EF4-FFF2-40B4-BE49-F238E27FC236}">
                 <a16:creationId xmlns:a16="http://schemas.microsoft.com/office/drawing/2014/main" id="{A0763960-1A79-4DFA-AD36-E7ED7CD5045F}"/>
               </a:ext>
             </a:extLst>
@@ -3566,7 +2178,7 @@
 </p:sld>
 </file>
 
-<file path=ppt/slides/slide12.xml><?xml version="1.0" encoding="utf-8"?>
+<file path=ppt/slides/slide11.xml><?xml version="1.0" encoding="utf-8"?>
 <p:sld xmlns:a="http://schemas.openxmlformats.org/drawingml/2006/main" xmlns:r="http://schemas.openxmlformats.org/officeDocument/2006/relationships" xmlns:p="http://schemas.openxmlformats.org/presentationml/2006/main">
   <p:cSld>
     <p:spTree>
@@ -3725,216 +2337,7 @@
 </p:sld>
 </file>
 
-<file path=ppt/slides/slide13.xml><?xml version="1.0" encoding="utf-8"?>
-<p:sld xmlns:a="http://schemas.openxmlformats.org/drawingml/2006/main" xmlns:r="http://schemas.openxmlformats.org/officeDocument/2006/relationships" xmlns:p="http://schemas.openxmlformats.org/presentationml/2006/main" showMasterSp="0">
-  <p:cSld>
-    <p:spTree>
-      <p:nvGrpSpPr>
-        <p:cNvPr id="1" name=""/>
-        <p:cNvGrpSpPr/>
-        <p:nvPr/>
-      </p:nvGrpSpPr>
-      <p:grpSpPr>
-        <a:xfrm>
-          <a:off x="0" y="0"/>
-          <a:ext cx="0" cy="0"/>
-          <a:chOff x="0" y="0"/>
-          <a:chExt cx="0" cy="0"/>
-        </a:xfrm>
-      </p:grpSpPr>
-      <p:sp>
-        <p:nvSpPr>
-          <p:cNvPr id="2" name="Title 1">
-            <a:extLst>
-              <a:ext uri="{FF2B5EF4-FFF2-40B4-BE49-F238E27FC236}">
-                <a16:creationId xmlns:a16="http://schemas.microsoft.com/office/drawing/2014/main" id="{606B4A49-1DEF-4D3F-93CD-79FB0BC49EBA}"/>
-              </a:ext>
-            </a:extLst>
-          </p:cNvPr>
-          <p:cNvSpPr>
-            <a:spLocks noGrp="1"/>
-          </p:cNvSpPr>
-          <p:nvPr>
-            <p:ph type="title"/>
-          </p:nvPr>
-        </p:nvSpPr>
-        <p:spPr/>
-        <p:txBody>
-          <a:bodyPr/>
-          <a:lstStyle/>
-          <a:p>
-            <a:r>
-              <a:rPr lang="en-US" dirty="0" err="1"/>
-              <a:t>Ejemplo</a:t>
-            </a:r>
-            <a:r>
-              <a:rPr lang="en-US" dirty="0"/>
-              <a:t>: </a:t>
-            </a:r>
-            <a:r>
-              <a:rPr lang="en-US" dirty="0" err="1"/>
-              <a:t>Calendario</a:t>
-            </a:r>
-            <a:endParaRPr lang="en-US" dirty="0"/>
-          </a:p>
-        </p:txBody>
-      </p:sp>
-      <p:sp>
-        <p:nvSpPr>
-          <p:cNvPr id="3" name="Content Placeholder 2">
-            <a:extLst>
-              <a:ext uri="{FF2B5EF4-FFF2-40B4-BE49-F238E27FC236}">
-                <a16:creationId xmlns:a16="http://schemas.microsoft.com/office/drawing/2014/main" id="{2603337A-BCA9-44D9-BEB0-3CBA4D3C3043}"/>
-              </a:ext>
-            </a:extLst>
-          </p:cNvPr>
-          <p:cNvSpPr>
-            <a:spLocks noGrp="1"/>
-          </p:cNvSpPr>
-          <p:nvPr>
-            <p:ph idx="1"/>
-          </p:nvPr>
-        </p:nvSpPr>
-        <p:spPr>
-          <a:xfrm>
-            <a:off x="457200" y="1130031"/>
-            <a:ext cx="8229600" cy="1901757"/>
-          </a:xfrm>
-        </p:spPr>
-        <p:txBody>
-          <a:bodyPr/>
-          <a:lstStyle/>
-          <a:p>
-            <a:pPr marL="0" indent="0">
-              <a:buNone/>
-            </a:pPr>
-            <a:r>
-              <a:rPr lang="en-US" sz="2400" dirty="0" err="1"/>
-              <a:t>Diseña</a:t>
-            </a:r>
-            <a:r>
-              <a:rPr lang="en-US" sz="2400" dirty="0"/>
-              <a:t> un </a:t>
-            </a:r>
-            <a:r>
-              <a:rPr lang="en-US" sz="2400" dirty="0" err="1"/>
-              <a:t>método</a:t>
-            </a:r>
-            <a:r>
-              <a:rPr lang="en-US" sz="2400" dirty="0"/>
-              <a:t> </a:t>
-            </a:r>
-            <a:r>
-              <a:rPr lang="en-US" sz="2400" dirty="0" err="1">
-                <a:solidFill>
-                  <a:schemeClr val="accent1">
-                    <a:lumMod val="75000"/>
-                  </a:schemeClr>
-                </a:solidFill>
-                <a:latin typeface="Cascadia Code" panose="00000509000000000000" pitchFamily="49" charset="0"/>
-              </a:rPr>
-              <a:t>createCalendar</a:t>
-            </a:r>
-            <a:r>
-              <a:rPr lang="en-US" sz="2400" dirty="0">
-                <a:solidFill>
-                  <a:schemeClr val="accent1">
-                    <a:lumMod val="75000"/>
-                  </a:schemeClr>
-                </a:solidFill>
-                <a:latin typeface="Cascadia Code" panose="00000509000000000000" pitchFamily="49" charset="0"/>
-              </a:rPr>
-              <a:t>()</a:t>
-            </a:r>
-            <a:r>
-              <a:rPr lang="en-US" sz="2400" dirty="0">
-                <a:solidFill>
-                  <a:schemeClr val="accent1">
-                    <a:lumMod val="75000"/>
-                  </a:schemeClr>
-                </a:solidFill>
-              </a:rPr>
-              <a:t> </a:t>
-            </a:r>
-            <a:r>
-              <a:rPr lang="en-US" sz="2400" dirty="0"/>
-              <a:t>que </a:t>
-            </a:r>
-            <a:r>
-              <a:rPr lang="en-US" sz="2400" dirty="0" err="1"/>
-              <a:t>instancíe</a:t>
-            </a:r>
-            <a:r>
-              <a:rPr lang="en-US" sz="2400" dirty="0"/>
-              <a:t> una </a:t>
-            </a:r>
-            <a:r>
-              <a:rPr lang="en-US" sz="2400" dirty="0" err="1"/>
-              <a:t>matriz</a:t>
-            </a:r>
-            <a:r>
-              <a:rPr lang="en-US" sz="2400" dirty="0"/>
-              <a:t> </a:t>
-            </a:r>
-            <a:r>
-              <a:rPr lang="en-US" sz="2400" dirty="0" err="1"/>
-              <a:t>en</a:t>
-            </a:r>
-            <a:r>
-              <a:rPr lang="en-US" sz="2400" dirty="0"/>
-              <a:t> forma de </a:t>
-            </a:r>
-            <a:r>
-              <a:rPr lang="en-US" sz="2400" dirty="0" err="1"/>
-              <a:t>calendario</a:t>
-            </a:r>
-            <a:r>
-              <a:rPr lang="en-US" sz="2400" dirty="0"/>
-              <a:t>. </a:t>
-            </a:r>
-          </a:p>
-          <a:p>
-            <a:pPr marL="0" indent="0">
-              <a:buNone/>
-            </a:pPr>
-            <a:r>
-              <a:rPr lang="en-US" sz="2400" dirty="0" err="1"/>
-              <a:t>Cada</a:t>
-            </a:r>
-            <a:r>
-              <a:rPr lang="en-US" sz="2400" dirty="0"/>
-              <a:t> fila </a:t>
-            </a:r>
-            <a:r>
-              <a:rPr lang="en-US" sz="2400" dirty="0" err="1"/>
-              <a:t>deberá</a:t>
-            </a:r>
-            <a:r>
-              <a:rPr lang="en-US" sz="2400" dirty="0"/>
-              <a:t> </a:t>
-            </a:r>
-            <a:r>
-              <a:rPr lang="en-US" sz="2400" dirty="0" err="1"/>
-              <a:t>alc</a:t>
-            </a:r>
-            <a:endParaRPr lang="en-US" sz="2400" dirty="0"/>
-          </a:p>
-        </p:txBody>
-      </p:sp>
-    </p:spTree>
-    <p:extLst>
-      <p:ext uri="{BB962C8B-B14F-4D97-AF65-F5344CB8AC3E}">
-        <p14:creationId xmlns:p14="http://schemas.microsoft.com/office/powerpoint/2010/main" val="3985180665"/>
-      </p:ext>
-    </p:extLst>
-  </p:cSld>
-  <p:clrMapOvr>
-    <a:masterClrMapping/>
-  </p:clrMapOvr>
-</p:sld>
-</file>
-
-<file path=ppt/slides/slide14.xml><?xml version="1.0" encoding="utf-8"?>
+<file path=ppt/slides/slide12.xml><?xml version="1.0" encoding="utf-8"?>
 <p:sld xmlns:a="http://schemas.openxmlformats.org/drawingml/2006/main" xmlns:r="http://schemas.openxmlformats.org/officeDocument/2006/relationships" xmlns:p="http://schemas.openxmlformats.org/presentationml/2006/main" showMasterSp="0">
   <p:cSld>
     <p:spTree>
@@ -4065,7 +2468,1141 @@
 </p:sld>
 </file>
 
-<file path=ppt/slides/slide15.xml><?xml version="1.0" encoding="utf-8"?>
+<file path=ppt/slides/slide13.xml><?xml version="1.0" encoding="utf-8"?>
+<p:sld xmlns:a="http://schemas.openxmlformats.org/drawingml/2006/main" xmlns:r="http://schemas.openxmlformats.org/officeDocument/2006/relationships" xmlns:p="http://schemas.openxmlformats.org/presentationml/2006/main" showMasterSp="0">
+  <p:cSld>
+    <p:spTree>
+      <p:nvGrpSpPr>
+        <p:cNvPr id="1" name=""/>
+        <p:cNvGrpSpPr/>
+        <p:nvPr/>
+      </p:nvGrpSpPr>
+      <p:grpSpPr>
+        <a:xfrm>
+          <a:off x="0" y="0"/>
+          <a:ext cx="0" cy="0"/>
+          <a:chOff x="0" y="0"/>
+          <a:chExt cx="0" cy="0"/>
+        </a:xfrm>
+      </p:grpSpPr>
+      <p:sp>
+        <p:nvSpPr>
+          <p:cNvPr id="2" name="Title 1">
+            <a:extLst>
+              <a:ext uri="{FF2B5EF4-FFF2-40B4-BE49-F238E27FC236}">
+                <a16:creationId xmlns:a16="http://schemas.microsoft.com/office/drawing/2014/main" id="{606B4A49-1DEF-4D3F-93CD-79FB0BC49EBA}"/>
+              </a:ext>
+            </a:extLst>
+          </p:cNvPr>
+          <p:cNvSpPr>
+            <a:spLocks noGrp="1"/>
+          </p:cNvSpPr>
+          <p:nvPr>
+            <p:ph type="title"/>
+          </p:nvPr>
+        </p:nvSpPr>
+        <p:spPr>
+          <a:xfrm>
+            <a:off x="457200" y="72213"/>
+            <a:ext cx="8229600" cy="791066"/>
+          </a:xfrm>
+        </p:spPr>
+        <p:txBody>
+          <a:bodyPr/>
+          <a:lstStyle/>
+          <a:p>
+            <a:r>
+              <a:rPr lang="en-US" dirty="0" err="1"/>
+              <a:t>Ejemplo</a:t>
+            </a:r>
+            <a:r>
+              <a:rPr lang="en-US" dirty="0"/>
+              <a:t>: </a:t>
+            </a:r>
+            <a:r>
+              <a:rPr lang="en-US" dirty="0" err="1"/>
+              <a:t>Calendario</a:t>
+            </a:r>
+            <a:endParaRPr lang="en-US" dirty="0"/>
+          </a:p>
+        </p:txBody>
+      </p:sp>
+      <p:sp>
+        <p:nvSpPr>
+          <p:cNvPr id="3" name="Content Placeholder 2">
+            <a:extLst>
+              <a:ext uri="{FF2B5EF4-FFF2-40B4-BE49-F238E27FC236}">
+                <a16:creationId xmlns:a16="http://schemas.microsoft.com/office/drawing/2014/main" id="{2603337A-BCA9-44D9-BEB0-3CBA4D3C3043}"/>
+              </a:ext>
+            </a:extLst>
+          </p:cNvPr>
+          <p:cNvSpPr>
+            <a:spLocks noGrp="1"/>
+          </p:cNvSpPr>
+          <p:nvPr>
+            <p:ph idx="1"/>
+          </p:nvPr>
+        </p:nvSpPr>
+        <p:spPr>
+          <a:xfrm>
+            <a:off x="181484" y="913647"/>
+            <a:ext cx="4111310" cy="3511770"/>
+          </a:xfrm>
+        </p:spPr>
+        <p:txBody>
+          <a:bodyPr/>
+          <a:lstStyle/>
+          <a:p>
+            <a:pPr marL="0" indent="0">
+              <a:buNone/>
+            </a:pPr>
+            <a:r>
+              <a:rPr lang="en-US" sz="2000" dirty="0" err="1"/>
+              <a:t>Diseña</a:t>
+            </a:r>
+            <a:r>
+              <a:rPr lang="en-US" sz="2000" dirty="0"/>
+              <a:t> un </a:t>
+            </a:r>
+            <a:r>
+              <a:rPr lang="en-US" sz="2000" dirty="0" err="1"/>
+              <a:t>método</a:t>
+            </a:r>
+            <a:r>
+              <a:rPr lang="en-US" sz="2000" dirty="0"/>
+              <a:t> </a:t>
+            </a:r>
+            <a:r>
+              <a:rPr lang="en-US" sz="2000" dirty="0" err="1">
+                <a:solidFill>
+                  <a:schemeClr val="accent1">
+                    <a:lumMod val="75000"/>
+                  </a:schemeClr>
+                </a:solidFill>
+                <a:latin typeface="Cascadia Code" panose="00000509000000000000" pitchFamily="49" charset="0"/>
+              </a:rPr>
+              <a:t>createCalendar</a:t>
+            </a:r>
+            <a:r>
+              <a:rPr lang="en-US" sz="2000" dirty="0">
+                <a:solidFill>
+                  <a:schemeClr val="accent1">
+                    <a:lumMod val="75000"/>
+                  </a:schemeClr>
+                </a:solidFill>
+                <a:latin typeface="Cascadia Code" panose="00000509000000000000" pitchFamily="49" charset="0"/>
+              </a:rPr>
+              <a:t>()</a:t>
+            </a:r>
+            <a:r>
+              <a:rPr lang="en-US" sz="2000" dirty="0">
+                <a:solidFill>
+                  <a:schemeClr val="accent1">
+                    <a:lumMod val="75000"/>
+                  </a:schemeClr>
+                </a:solidFill>
+              </a:rPr>
+              <a:t> </a:t>
+            </a:r>
+            <a:r>
+              <a:rPr lang="en-US" sz="2000" dirty="0"/>
+              <a:t>que </a:t>
+            </a:r>
+            <a:r>
+              <a:rPr lang="en-US" sz="2000" dirty="0" err="1"/>
+              <a:t>instancíe</a:t>
+            </a:r>
+            <a:r>
+              <a:rPr lang="en-US" sz="2000" dirty="0"/>
+              <a:t> y </a:t>
+            </a:r>
+            <a:r>
+              <a:rPr lang="en-US" sz="2000" dirty="0" err="1"/>
+              <a:t>retorne</a:t>
+            </a:r>
+            <a:r>
+              <a:rPr lang="en-US" sz="2000" dirty="0"/>
+              <a:t> un </a:t>
+            </a:r>
+            <a:r>
+              <a:rPr lang="en-US" sz="2000" dirty="0" err="1"/>
+              <a:t>arreglo</a:t>
+            </a:r>
+            <a:r>
+              <a:rPr lang="en-US" sz="2000" dirty="0"/>
+              <a:t> multidimensional que </a:t>
+            </a:r>
+            <a:r>
+              <a:rPr lang="en-US" sz="2000" dirty="0" err="1"/>
+              <a:t>sirva</a:t>
+            </a:r>
+            <a:r>
+              <a:rPr lang="en-US" sz="2000" dirty="0"/>
+              <a:t> para </a:t>
+            </a:r>
+            <a:r>
+              <a:rPr lang="en-US" sz="2000" dirty="0" err="1"/>
+              <a:t>representar</a:t>
+            </a:r>
+            <a:r>
+              <a:rPr lang="en-US" sz="2000" dirty="0"/>
+              <a:t> el </a:t>
+            </a:r>
+            <a:r>
+              <a:rPr lang="en-US" sz="2000" dirty="0" err="1"/>
+              <a:t>calendario</a:t>
+            </a:r>
+            <a:r>
+              <a:rPr lang="en-US" sz="2000" dirty="0"/>
+              <a:t> de una </a:t>
+            </a:r>
+            <a:r>
+              <a:rPr lang="en-US" sz="2000" dirty="0" err="1"/>
+              <a:t>semana</a:t>
+            </a:r>
+            <a:r>
+              <a:rPr lang="en-US" sz="2000" dirty="0"/>
+              <a:t>, </a:t>
+            </a:r>
+            <a:r>
+              <a:rPr lang="en-US" sz="2000" dirty="0" err="1"/>
+              <a:t>como</a:t>
+            </a:r>
+            <a:r>
+              <a:rPr lang="en-US" sz="2000" dirty="0"/>
+              <a:t> se </a:t>
+            </a:r>
+            <a:r>
+              <a:rPr lang="en-US" sz="2000" dirty="0" err="1"/>
+              <a:t>puede</a:t>
+            </a:r>
+            <a:r>
+              <a:rPr lang="en-US" sz="2000" dirty="0"/>
+              <a:t> </a:t>
+            </a:r>
+            <a:r>
+              <a:rPr lang="en-US" sz="2000" dirty="0" err="1"/>
+              <a:t>ver</a:t>
+            </a:r>
+            <a:r>
+              <a:rPr lang="en-US" sz="2000" dirty="0"/>
+              <a:t> </a:t>
+            </a:r>
+            <a:r>
+              <a:rPr lang="en-US" sz="2000" dirty="0" err="1"/>
+              <a:t>en</a:t>
+            </a:r>
+            <a:r>
+              <a:rPr lang="en-US" sz="2000" dirty="0"/>
+              <a:t> la </a:t>
+            </a:r>
+            <a:r>
+              <a:rPr lang="en-US" sz="2000" dirty="0" err="1"/>
+              <a:t>siguiente</a:t>
+            </a:r>
+            <a:r>
+              <a:rPr lang="en-US" sz="2000" dirty="0"/>
+              <a:t> imagen.</a:t>
+            </a:r>
+          </a:p>
+          <a:p>
+            <a:pPr marL="0" indent="0">
+              <a:buNone/>
+            </a:pPr>
+            <a:r>
+              <a:rPr lang="en-US" sz="2000" dirty="0" err="1"/>
+              <a:t>Cada</a:t>
+            </a:r>
+            <a:r>
+              <a:rPr lang="en-US" sz="2000" dirty="0"/>
+              <a:t> fila </a:t>
+            </a:r>
+            <a:r>
+              <a:rPr lang="en-US" sz="2000" dirty="0" err="1"/>
+              <a:t>servirá</a:t>
+            </a:r>
+            <a:r>
+              <a:rPr lang="en-US" sz="2000" dirty="0"/>
+              <a:t> para </a:t>
+            </a:r>
+            <a:r>
+              <a:rPr lang="en-US" sz="2000" dirty="0" err="1"/>
+              <a:t>representar</a:t>
+            </a:r>
+            <a:r>
+              <a:rPr lang="en-US" sz="2000" dirty="0"/>
+              <a:t> 30 </a:t>
+            </a:r>
+            <a:r>
+              <a:rPr lang="en-US" sz="2000" dirty="0" err="1"/>
+              <a:t>minutos</a:t>
+            </a:r>
+            <a:r>
+              <a:rPr lang="en-US" sz="2000" dirty="0"/>
+              <a:t> del </a:t>
+            </a:r>
+            <a:r>
+              <a:rPr lang="en-US" sz="2000" dirty="0" err="1"/>
+              <a:t>día</a:t>
+            </a:r>
+            <a:r>
+              <a:rPr lang="en-US" sz="2000" dirty="0"/>
+              <a:t>, y </a:t>
+            </a:r>
+            <a:r>
+              <a:rPr lang="en-US" sz="2000" dirty="0" err="1"/>
+              <a:t>cada</a:t>
+            </a:r>
+            <a:r>
+              <a:rPr lang="en-US" sz="2000" dirty="0"/>
+              <a:t> </a:t>
+            </a:r>
+            <a:r>
+              <a:rPr lang="en-US" sz="2000" dirty="0" err="1"/>
+              <a:t>columna</a:t>
+            </a:r>
+            <a:r>
+              <a:rPr lang="en-US" sz="2000" dirty="0"/>
+              <a:t> </a:t>
+            </a:r>
+            <a:r>
+              <a:rPr lang="en-US" sz="2000" dirty="0" err="1"/>
+              <a:t>representará</a:t>
+            </a:r>
+            <a:r>
+              <a:rPr lang="en-US" sz="2000" dirty="0"/>
+              <a:t> 1 </a:t>
+            </a:r>
+            <a:r>
+              <a:rPr lang="en-US" sz="2000" dirty="0" err="1"/>
+              <a:t>día</a:t>
+            </a:r>
+            <a:r>
+              <a:rPr lang="en-US" sz="2000" dirty="0"/>
+              <a:t> de la </a:t>
+            </a:r>
+            <a:r>
+              <a:rPr lang="en-US" sz="2000" dirty="0" err="1"/>
+              <a:t>semana</a:t>
+            </a:r>
+            <a:r>
+              <a:rPr lang="en-US" sz="2000" dirty="0"/>
+              <a:t>.</a:t>
+            </a:r>
+          </a:p>
+        </p:txBody>
+      </p:sp>
+      <p:pic>
+        <p:nvPicPr>
+          <p:cNvPr id="4" name="Picture 3">
+            <a:extLst>
+              <a:ext uri="{FF2B5EF4-FFF2-40B4-BE49-F238E27FC236}">
+                <a16:creationId xmlns:a16="http://schemas.microsoft.com/office/drawing/2014/main" id="{D93CCF04-BF36-49E3-AB3F-44C116D337C2}"/>
+              </a:ext>
+            </a:extLst>
+          </p:cNvPr>
+          <p:cNvPicPr>
+            <a:picLocks noChangeAspect="1"/>
+          </p:cNvPicPr>
+          <p:nvPr/>
+        </p:nvPicPr>
+        <p:blipFill>
+          <a:blip r:embed="rId2"/>
+          <a:stretch>
+            <a:fillRect/>
+          </a:stretch>
+        </p:blipFill>
+        <p:spPr>
+          <a:xfrm>
+            <a:off x="4369576" y="913647"/>
+            <a:ext cx="4774424" cy="2972278"/>
+          </a:xfrm>
+          <a:prstGeom prst="rect">
+            <a:avLst/>
+          </a:prstGeom>
+          <a:ln w="38100" cap="sq">
+            <a:solidFill>
+              <a:srgbClr val="000000"/>
+            </a:solidFill>
+            <a:prstDash val="solid"/>
+            <a:miter lim="800000"/>
+          </a:ln>
+          <a:effectLst>
+            <a:outerShdw blurRad="50800" dist="38100" dir="2700000" algn="tl" rotWithShape="0">
+              <a:srgbClr val="000000">
+                <a:alpha val="43000"/>
+              </a:srgbClr>
+            </a:outerShdw>
+          </a:effectLst>
+        </p:spPr>
+      </p:pic>
+      <p:sp>
+        <p:nvSpPr>
+          <p:cNvPr id="5" name="Content Placeholder 2">
+            <a:extLst>
+              <a:ext uri="{FF2B5EF4-FFF2-40B4-BE49-F238E27FC236}">
+                <a16:creationId xmlns:a16="http://schemas.microsoft.com/office/drawing/2014/main" id="{F386B4DC-CCC5-43CE-A542-A5B6E570E0B4}"/>
+              </a:ext>
+            </a:extLst>
+          </p:cNvPr>
+          <p:cNvSpPr txBox="1">
+            <a:spLocks/>
+          </p:cNvSpPr>
+          <p:nvPr/>
+        </p:nvSpPr>
+        <p:spPr bwMode="auto">
+          <a:xfrm>
+            <a:off x="670096" y="4355615"/>
+            <a:ext cx="8016704" cy="2430171"/>
+          </a:xfrm>
+          <a:prstGeom prst="rect">
+            <a:avLst/>
+          </a:prstGeom>
+          <a:solidFill>
+            <a:schemeClr val="tx1"/>
+          </a:solidFill>
+          <a:ln>
+            <a:noFill/>
+          </a:ln>
+        </p:spPr>
+        <p:txBody>
+          <a:bodyPr vert="horz" wrap="square" lIns="91440" tIns="45720" rIns="91440" bIns="45720" numCol="1" anchor="t" anchorCtr="0" compatLnSpc="1">
+            <a:prstTxWarp prst="textNoShape">
+              <a:avLst/>
+            </a:prstTxWarp>
+          </a:bodyPr>
+          <a:lstStyle>
+            <a:lvl1pPr marL="0" indent="0" algn="l" rtl="0" eaLnBrk="0" fontAlgn="base" hangingPunct="0">
+              <a:spcBef>
+                <a:spcPct val="20000"/>
+              </a:spcBef>
+              <a:spcAft>
+                <a:spcPct val="0"/>
+              </a:spcAft>
+              <a:buNone/>
+              <a:defRPr sz="3200">
+                <a:solidFill>
+                  <a:schemeClr val="tx1"/>
+                </a:solidFill>
+                <a:latin typeface="Source Sans Pro" panose="020B0503030403020204" pitchFamily="34" charset="0"/>
+                <a:ea typeface="Source Sans Pro" panose="020B0503030403020204" pitchFamily="34" charset="0"/>
+                <a:cs typeface="+mn-cs"/>
+              </a:defRPr>
+            </a:lvl1pPr>
+            <a:lvl2pPr marL="742950" indent="-285750" algn="l" rtl="0" eaLnBrk="0" fontAlgn="base" hangingPunct="0">
+              <a:spcBef>
+                <a:spcPct val="20000"/>
+              </a:spcBef>
+              <a:spcAft>
+                <a:spcPct val="0"/>
+              </a:spcAft>
+              <a:buSzPct val="90000"/>
+              <a:buFont typeface="Wingdings" panose="05000000000000000000" pitchFamily="2" charset="2"/>
+              <a:buChar char="§"/>
+              <a:defRPr sz="2800">
+                <a:solidFill>
+                  <a:schemeClr val="tx1"/>
+                </a:solidFill>
+                <a:latin typeface="Source Sans Pro" panose="020B0503030403020204" pitchFamily="34" charset="0"/>
+                <a:ea typeface="Source Sans Pro" panose="020B0503030403020204" pitchFamily="34" charset="0"/>
+              </a:defRPr>
+            </a:lvl2pPr>
+            <a:lvl3pPr marL="1143000" indent="-228600" algn="l" rtl="0" eaLnBrk="0" fontAlgn="base" hangingPunct="0">
+              <a:spcBef>
+                <a:spcPct val="20000"/>
+              </a:spcBef>
+              <a:spcAft>
+                <a:spcPct val="0"/>
+              </a:spcAft>
+              <a:buChar char="•"/>
+              <a:defRPr sz="2400">
+                <a:solidFill>
+                  <a:schemeClr val="tx1"/>
+                </a:solidFill>
+                <a:latin typeface="Source Sans Pro" panose="020B0503030403020204" pitchFamily="34" charset="0"/>
+                <a:ea typeface="Source Sans Pro" panose="020B0503030403020204" pitchFamily="34" charset="0"/>
+              </a:defRPr>
+            </a:lvl3pPr>
+            <a:lvl4pPr marL="1600200" indent="-228600" algn="l" rtl="0" eaLnBrk="0" fontAlgn="base" hangingPunct="0">
+              <a:spcBef>
+                <a:spcPct val="20000"/>
+              </a:spcBef>
+              <a:spcAft>
+                <a:spcPct val="0"/>
+              </a:spcAft>
+              <a:buChar char="–"/>
+              <a:defRPr sz="2000">
+                <a:solidFill>
+                  <a:schemeClr val="tx1"/>
+                </a:solidFill>
+                <a:latin typeface="Source Sans Pro" panose="020B0503030403020204" pitchFamily="34" charset="0"/>
+                <a:ea typeface="Source Sans Pro" panose="020B0503030403020204" pitchFamily="34" charset="0"/>
+              </a:defRPr>
+            </a:lvl4pPr>
+            <a:lvl5pPr marL="2057400" indent="-228600" algn="l" rtl="0" eaLnBrk="0" fontAlgn="base" hangingPunct="0">
+              <a:spcBef>
+                <a:spcPct val="20000"/>
+              </a:spcBef>
+              <a:spcAft>
+                <a:spcPct val="0"/>
+              </a:spcAft>
+              <a:buChar char="»"/>
+              <a:defRPr sz="2000">
+                <a:solidFill>
+                  <a:schemeClr val="tx1"/>
+                </a:solidFill>
+                <a:latin typeface="Source Sans Pro" panose="020B0503030403020204" pitchFamily="34" charset="0"/>
+                <a:ea typeface="Source Sans Pro" panose="020B0503030403020204" pitchFamily="34" charset="0"/>
+              </a:defRPr>
+            </a:lvl5pPr>
+            <a:lvl6pPr marL="2514600" indent="-228600" algn="l" rtl="0" fontAlgn="base">
+              <a:spcBef>
+                <a:spcPct val="20000"/>
+              </a:spcBef>
+              <a:spcAft>
+                <a:spcPct val="0"/>
+              </a:spcAft>
+              <a:buChar char="»"/>
+              <a:defRPr sz="2000">
+                <a:solidFill>
+                  <a:schemeClr val="tx1"/>
+                </a:solidFill>
+                <a:latin typeface="+mn-lt"/>
+              </a:defRPr>
+            </a:lvl6pPr>
+            <a:lvl7pPr marL="2971800" indent="-228600" algn="l" rtl="0" fontAlgn="base">
+              <a:spcBef>
+                <a:spcPct val="20000"/>
+              </a:spcBef>
+              <a:spcAft>
+                <a:spcPct val="0"/>
+              </a:spcAft>
+              <a:buChar char="»"/>
+              <a:defRPr sz="2000">
+                <a:solidFill>
+                  <a:schemeClr val="tx1"/>
+                </a:solidFill>
+                <a:latin typeface="+mn-lt"/>
+              </a:defRPr>
+            </a:lvl7pPr>
+            <a:lvl8pPr marL="3429000" indent="-228600" algn="l" rtl="0" fontAlgn="base">
+              <a:spcBef>
+                <a:spcPct val="20000"/>
+              </a:spcBef>
+              <a:spcAft>
+                <a:spcPct val="0"/>
+              </a:spcAft>
+              <a:buChar char="»"/>
+              <a:defRPr sz="2000">
+                <a:solidFill>
+                  <a:schemeClr val="tx1"/>
+                </a:solidFill>
+                <a:latin typeface="+mn-lt"/>
+              </a:defRPr>
+            </a:lvl8pPr>
+            <a:lvl9pPr marL="3886200" indent="-228600" algn="l" rtl="0" fontAlgn="base">
+              <a:spcBef>
+                <a:spcPct val="20000"/>
+              </a:spcBef>
+              <a:spcAft>
+                <a:spcPct val="0"/>
+              </a:spcAft>
+              <a:buChar char="»"/>
+              <a:defRPr sz="2000">
+                <a:solidFill>
+                  <a:schemeClr val="tx1"/>
+                </a:solidFill>
+                <a:latin typeface="+mn-lt"/>
+              </a:defRPr>
+            </a:lvl9pPr>
+          </a:lstStyle>
+          <a:p>
+            <a:r>
+              <a:rPr lang="en-US" sz="1800" dirty="0">
+                <a:solidFill>
+                  <a:srgbClr val="569CD6"/>
+                </a:solidFill>
+                <a:latin typeface="Cascadia Code,  Courier New"/>
+              </a:rPr>
+              <a:t>public</a:t>
+            </a:r>
+            <a:r>
+              <a:rPr lang="en-US" sz="1800" dirty="0">
+                <a:solidFill>
+                  <a:srgbClr val="D4D4D4"/>
+                </a:solidFill>
+                <a:latin typeface="Cascadia Code,  Courier New"/>
+              </a:rPr>
+              <a:t> </a:t>
+            </a:r>
+            <a:r>
+              <a:rPr lang="en-US" sz="1800" dirty="0">
+                <a:solidFill>
+                  <a:srgbClr val="569CD6"/>
+                </a:solidFill>
+                <a:latin typeface="Cascadia Code,  Courier New"/>
+              </a:rPr>
+              <a:t>static</a:t>
+            </a:r>
+            <a:r>
+              <a:rPr lang="en-US" sz="1800" dirty="0">
+                <a:solidFill>
+                  <a:srgbClr val="D4D4D4"/>
+                </a:solidFill>
+                <a:latin typeface="Cascadia Code,  Courier New"/>
+              </a:rPr>
+              <a:t> </a:t>
+            </a:r>
+            <a:r>
+              <a:rPr lang="en-US" sz="1800" dirty="0">
+                <a:solidFill>
+                  <a:srgbClr val="4EC9B0"/>
+                </a:solidFill>
+                <a:latin typeface="Cascadia Code,  Courier New"/>
+              </a:rPr>
+              <a:t>String</a:t>
+            </a:r>
+            <a:r>
+              <a:rPr lang="en-US" sz="1800" dirty="0">
+                <a:solidFill>
+                  <a:srgbClr val="D4D4D4"/>
+                </a:solidFill>
+                <a:latin typeface="Cascadia Code,  Courier New"/>
+              </a:rPr>
+              <a:t>[][] </a:t>
+            </a:r>
+            <a:r>
+              <a:rPr lang="en-US" sz="1800" dirty="0" err="1">
+                <a:solidFill>
+                  <a:srgbClr val="DCDCAA"/>
+                </a:solidFill>
+                <a:latin typeface="Cascadia Code,  Courier New"/>
+              </a:rPr>
+              <a:t>createCalendar</a:t>
+            </a:r>
+            <a:r>
+              <a:rPr lang="en-US" sz="1800" dirty="0">
+                <a:solidFill>
+                  <a:srgbClr val="D4D4D4"/>
+                </a:solidFill>
+                <a:latin typeface="Cascadia Code,  Courier New"/>
+              </a:rPr>
+              <a:t>(){</a:t>
+            </a:r>
+          </a:p>
+          <a:p>
+            <a:r>
+              <a:rPr lang="en-US" sz="1800" dirty="0">
+                <a:solidFill>
+                  <a:srgbClr val="D4D4D4"/>
+                </a:solidFill>
+                <a:latin typeface="Cascadia Code,  Courier New"/>
+              </a:rPr>
+              <a:t>        </a:t>
+            </a:r>
+            <a:r>
+              <a:rPr lang="en-US" sz="1800" dirty="0">
+                <a:solidFill>
+                  <a:srgbClr val="4EC9B0"/>
+                </a:solidFill>
+                <a:latin typeface="Cascadia Code,  Courier New"/>
+              </a:rPr>
+              <a:t>int</a:t>
+            </a:r>
+            <a:r>
+              <a:rPr lang="en-US" sz="1800" dirty="0">
+                <a:solidFill>
+                  <a:srgbClr val="D4D4D4"/>
+                </a:solidFill>
+                <a:latin typeface="Cascadia Code,  Courier New"/>
+              </a:rPr>
+              <a:t> </a:t>
+            </a:r>
+            <a:r>
+              <a:rPr lang="en-US" sz="1800" dirty="0">
+                <a:solidFill>
+                  <a:srgbClr val="9CDCFE"/>
+                </a:solidFill>
+                <a:latin typeface="Cascadia Code,  Courier New"/>
+              </a:rPr>
+              <a:t>rows</a:t>
+            </a:r>
+            <a:r>
+              <a:rPr lang="en-US" sz="1800" dirty="0">
+                <a:solidFill>
+                  <a:srgbClr val="D4D4D4"/>
+                </a:solidFill>
+                <a:latin typeface="Cascadia Code,  Courier New"/>
+              </a:rPr>
+              <a:t> = </a:t>
+            </a:r>
+            <a:r>
+              <a:rPr lang="en-US" sz="1800" dirty="0">
+                <a:solidFill>
+                  <a:srgbClr val="B5CEA8"/>
+                </a:solidFill>
+                <a:latin typeface="Cascadia Code,  Courier New"/>
+              </a:rPr>
+              <a:t>48</a:t>
+            </a:r>
+            <a:r>
+              <a:rPr lang="en-US" sz="1800" dirty="0">
+                <a:solidFill>
+                  <a:srgbClr val="D4D4D4"/>
+                </a:solidFill>
+                <a:latin typeface="Cascadia Code,  Courier New"/>
+              </a:rPr>
+              <a:t>;     </a:t>
+            </a:r>
+            <a:r>
+              <a:rPr lang="en-US" sz="1800" dirty="0">
+                <a:solidFill>
+                  <a:srgbClr val="6A9955"/>
+                </a:solidFill>
+                <a:latin typeface="Cascadia Code,  Courier New"/>
+              </a:rPr>
+              <a:t>// 48 slots of 30 minutes in a day</a:t>
+            </a:r>
+            <a:endParaRPr lang="en-US" sz="1800" dirty="0">
+              <a:solidFill>
+                <a:srgbClr val="D4D4D4"/>
+              </a:solidFill>
+              <a:latin typeface="Cascadia Code,  Courier New"/>
+            </a:endParaRPr>
+          </a:p>
+          <a:p>
+            <a:r>
+              <a:rPr lang="en-US" sz="1800" dirty="0">
+                <a:solidFill>
+                  <a:srgbClr val="D4D4D4"/>
+                </a:solidFill>
+                <a:latin typeface="Cascadia Code,  Courier New"/>
+              </a:rPr>
+              <a:t>        </a:t>
+            </a:r>
+            <a:r>
+              <a:rPr lang="en-US" sz="1800" dirty="0">
+                <a:solidFill>
+                  <a:srgbClr val="4EC9B0"/>
+                </a:solidFill>
+                <a:latin typeface="Cascadia Code,  Courier New"/>
+              </a:rPr>
+              <a:t>int</a:t>
+            </a:r>
+            <a:r>
+              <a:rPr lang="en-US" sz="1800" dirty="0">
+                <a:solidFill>
+                  <a:srgbClr val="D4D4D4"/>
+                </a:solidFill>
+                <a:latin typeface="Cascadia Code,  Courier New"/>
+              </a:rPr>
+              <a:t> </a:t>
+            </a:r>
+            <a:r>
+              <a:rPr lang="en-US" sz="1800" dirty="0">
+                <a:solidFill>
+                  <a:srgbClr val="9CDCFE"/>
+                </a:solidFill>
+                <a:latin typeface="Cascadia Code,  Courier New"/>
+              </a:rPr>
+              <a:t>columns</a:t>
+            </a:r>
+            <a:r>
+              <a:rPr lang="en-US" sz="1800" dirty="0">
+                <a:solidFill>
+                  <a:srgbClr val="D4D4D4"/>
+                </a:solidFill>
+                <a:latin typeface="Cascadia Code,  Courier New"/>
+              </a:rPr>
+              <a:t> = </a:t>
+            </a:r>
+            <a:r>
+              <a:rPr lang="en-US" sz="1800" dirty="0">
+                <a:solidFill>
+                  <a:srgbClr val="B5CEA8"/>
+                </a:solidFill>
+                <a:latin typeface="Cascadia Code,  Courier New"/>
+              </a:rPr>
+              <a:t>7</a:t>
+            </a:r>
+            <a:r>
+              <a:rPr lang="en-US" sz="1800" dirty="0">
+                <a:solidFill>
+                  <a:srgbClr val="D4D4D4"/>
+                </a:solidFill>
+                <a:latin typeface="Cascadia Code,  Courier New"/>
+              </a:rPr>
+              <a:t>;  </a:t>
+            </a:r>
+            <a:r>
+              <a:rPr lang="en-US" sz="1800" dirty="0">
+                <a:solidFill>
+                  <a:srgbClr val="6A9955"/>
+                </a:solidFill>
+                <a:latin typeface="Cascadia Code,  Courier New"/>
+              </a:rPr>
+              <a:t>// 7 days in a week</a:t>
+            </a:r>
+            <a:endParaRPr lang="en-US" sz="1800" dirty="0">
+              <a:solidFill>
+                <a:srgbClr val="D4D4D4"/>
+              </a:solidFill>
+              <a:latin typeface="Cascadia Code,  Courier New"/>
+            </a:endParaRPr>
+          </a:p>
+          <a:p>
+            <a:r>
+              <a:rPr lang="en-US" sz="1800" dirty="0">
+                <a:solidFill>
+                  <a:srgbClr val="D4D4D4"/>
+                </a:solidFill>
+                <a:latin typeface="Cascadia Code,  Courier New"/>
+              </a:rPr>
+              <a:t>        </a:t>
+            </a:r>
+          </a:p>
+          <a:p>
+            <a:r>
+              <a:rPr lang="en-US" sz="1800" dirty="0">
+                <a:solidFill>
+                  <a:srgbClr val="D4D4D4"/>
+                </a:solidFill>
+                <a:latin typeface="Cascadia Code,  Courier New"/>
+              </a:rPr>
+              <a:t>        </a:t>
+            </a:r>
+            <a:r>
+              <a:rPr lang="en-US" sz="1800" dirty="0">
+                <a:solidFill>
+                  <a:srgbClr val="4EC9B0"/>
+                </a:solidFill>
+                <a:latin typeface="Cascadia Code,  Courier New"/>
+              </a:rPr>
+              <a:t>String</a:t>
+            </a:r>
+            <a:r>
+              <a:rPr lang="en-US" sz="1800" dirty="0">
+                <a:solidFill>
+                  <a:srgbClr val="D4D4D4"/>
+                </a:solidFill>
+                <a:latin typeface="Cascadia Code,  Courier New"/>
+              </a:rPr>
+              <a:t>[][] </a:t>
+            </a:r>
+            <a:r>
+              <a:rPr lang="en-US" sz="1800" dirty="0">
+                <a:solidFill>
+                  <a:srgbClr val="9CDCFE"/>
+                </a:solidFill>
+                <a:latin typeface="Cascadia Code,  Courier New"/>
+              </a:rPr>
+              <a:t>calendar</a:t>
+            </a:r>
+            <a:r>
+              <a:rPr lang="en-US" sz="1800" dirty="0">
+                <a:solidFill>
+                  <a:srgbClr val="D4D4D4"/>
+                </a:solidFill>
+                <a:latin typeface="Cascadia Code,  Courier New"/>
+              </a:rPr>
+              <a:t> = </a:t>
+            </a:r>
+            <a:r>
+              <a:rPr lang="en-US" sz="1800" dirty="0">
+                <a:solidFill>
+                  <a:srgbClr val="C586C0"/>
+                </a:solidFill>
+                <a:latin typeface="Cascadia Code,  Courier New"/>
+              </a:rPr>
+              <a:t>new</a:t>
+            </a:r>
+            <a:r>
+              <a:rPr lang="en-US" sz="1800" dirty="0">
+                <a:solidFill>
+                  <a:srgbClr val="D4D4D4"/>
+                </a:solidFill>
+                <a:latin typeface="Cascadia Code,  Courier New"/>
+              </a:rPr>
+              <a:t> </a:t>
+            </a:r>
+            <a:r>
+              <a:rPr lang="en-US" sz="1800" dirty="0">
+                <a:solidFill>
+                  <a:srgbClr val="4EC9B0"/>
+                </a:solidFill>
+                <a:latin typeface="Cascadia Code,  Courier New"/>
+              </a:rPr>
+              <a:t>String</a:t>
+            </a:r>
+            <a:r>
+              <a:rPr lang="en-US" sz="1800" dirty="0">
+                <a:solidFill>
+                  <a:srgbClr val="D4D4D4"/>
+                </a:solidFill>
+                <a:latin typeface="Cascadia Code,  Courier New"/>
+              </a:rPr>
+              <a:t>[rows][columns];</a:t>
+            </a:r>
+          </a:p>
+          <a:p>
+            <a:r>
+              <a:rPr lang="en-US" sz="1800" dirty="0">
+                <a:solidFill>
+                  <a:srgbClr val="D4D4D4"/>
+                </a:solidFill>
+                <a:latin typeface="Cascadia Code,  Courier New"/>
+              </a:rPr>
+              <a:t>        </a:t>
+            </a:r>
+            <a:r>
+              <a:rPr lang="en-US" sz="1800" dirty="0">
+                <a:solidFill>
+                  <a:srgbClr val="C586C0"/>
+                </a:solidFill>
+                <a:latin typeface="Cascadia Code,  Courier New"/>
+              </a:rPr>
+              <a:t>return</a:t>
+            </a:r>
+            <a:r>
+              <a:rPr lang="en-US" sz="1800" dirty="0">
+                <a:solidFill>
+                  <a:srgbClr val="D4D4D4"/>
+                </a:solidFill>
+                <a:latin typeface="Cascadia Code,  Courier New"/>
+              </a:rPr>
+              <a:t> calendar;</a:t>
+            </a:r>
+          </a:p>
+          <a:p>
+            <a:r>
+              <a:rPr lang="en-US" sz="1800" dirty="0">
+                <a:solidFill>
+                  <a:srgbClr val="D4D4D4"/>
+                </a:solidFill>
+                <a:latin typeface="Cascadia Code,  Courier New"/>
+              </a:rPr>
+              <a:t>}</a:t>
+            </a:r>
+          </a:p>
+        </p:txBody>
+      </p:sp>
+    </p:spTree>
+    <p:extLst>
+      <p:ext uri="{BB962C8B-B14F-4D97-AF65-F5344CB8AC3E}">
+        <p14:creationId xmlns:p14="http://schemas.microsoft.com/office/powerpoint/2010/main" val="3985180665"/>
+      </p:ext>
+    </p:extLst>
+  </p:cSld>
+  <p:clrMapOvr>
+    <a:masterClrMapping/>
+  </p:clrMapOvr>
+  <p:timing>
+    <p:tnLst>
+      <p:par>
+        <p:cTn id="1" dur="indefinite" restart="never" nodeType="tmRoot">
+          <p:childTnLst>
+            <p:seq concurrent="1" nextAc="seek">
+              <p:cTn id="2" dur="indefinite" nodeType="mainSeq">
+                <p:childTnLst>
+                  <p:par>
+                    <p:cTn id="3" fill="hold">
+                      <p:stCondLst>
+                        <p:cond delay="indefinite"/>
+                      </p:stCondLst>
+                      <p:childTnLst>
+                        <p:par>
+                          <p:cTn id="4" fill="hold">
+                            <p:stCondLst>
+                              <p:cond delay="0"/>
+                            </p:stCondLst>
+                            <p:childTnLst>
+                              <p:par>
+                                <p:cTn id="5" presetID="1" presetClass="entr" presetSubtype="0" fill="hold" nodeType="clickEffect">
+                                  <p:stCondLst>
+                                    <p:cond delay="0"/>
+                                  </p:stCondLst>
+                                  <p:childTnLst>
+                                    <p:set>
+                                      <p:cBhvr>
+                                        <p:cTn id="6" dur="1" fill="hold">
+                                          <p:stCondLst>
+                                            <p:cond delay="0"/>
+                                          </p:stCondLst>
+                                        </p:cTn>
+                                        <p:tgtEl>
+                                          <p:spTgt spid="5">
+                                            <p:txEl>
+                                              <p:pRg st="1" end="1"/>
+                                            </p:txEl>
+                                          </p:spTgt>
+                                        </p:tgtEl>
+                                        <p:attrNameLst>
+                                          <p:attrName>style.visibility</p:attrName>
+                                        </p:attrNameLst>
+                                      </p:cBhvr>
+                                      <p:to>
+                                        <p:strVal val="visible"/>
+                                      </p:to>
+                                    </p:set>
+                                  </p:childTnLst>
+                                </p:cTn>
+                              </p:par>
+                              <p:par>
+                                <p:cTn id="7" presetID="1" presetClass="entr" presetSubtype="0" fill="hold" nodeType="withEffect">
+                                  <p:stCondLst>
+                                    <p:cond delay="0"/>
+                                  </p:stCondLst>
+                                  <p:childTnLst>
+                                    <p:set>
+                                      <p:cBhvr>
+                                        <p:cTn id="8" dur="1" fill="hold">
+                                          <p:stCondLst>
+                                            <p:cond delay="0"/>
+                                          </p:stCondLst>
+                                        </p:cTn>
+                                        <p:tgtEl>
+                                          <p:spTgt spid="5">
+                                            <p:txEl>
+                                              <p:pRg st="2" end="2"/>
+                                            </p:txEl>
+                                          </p:spTgt>
+                                        </p:tgtEl>
+                                        <p:attrNameLst>
+                                          <p:attrName>style.visibility</p:attrName>
+                                        </p:attrNameLst>
+                                      </p:cBhvr>
+                                      <p:to>
+                                        <p:strVal val="visible"/>
+                                      </p:to>
+                                    </p:set>
+                                  </p:childTnLst>
+                                </p:cTn>
+                              </p:par>
+                              <p:par>
+                                <p:cTn id="9" presetID="1" presetClass="entr" presetSubtype="0" fill="hold" nodeType="withEffect">
+                                  <p:stCondLst>
+                                    <p:cond delay="0"/>
+                                  </p:stCondLst>
+                                  <p:childTnLst>
+                                    <p:set>
+                                      <p:cBhvr>
+                                        <p:cTn id="10" dur="1" fill="hold">
+                                          <p:stCondLst>
+                                            <p:cond delay="0"/>
+                                          </p:stCondLst>
+                                        </p:cTn>
+                                        <p:tgtEl>
+                                          <p:spTgt spid="5">
+                                            <p:txEl>
+                                              <p:pRg st="3" end="3"/>
+                                            </p:txEl>
+                                          </p:spTgt>
+                                        </p:tgtEl>
+                                        <p:attrNameLst>
+                                          <p:attrName>style.visibility</p:attrName>
+                                        </p:attrNameLst>
+                                      </p:cBhvr>
+                                      <p:to>
+                                        <p:strVal val="visible"/>
+                                      </p:to>
+                                    </p:set>
+                                  </p:childTnLst>
+                                </p:cTn>
+                              </p:par>
+                              <p:par>
+                                <p:cTn id="11" presetID="1" presetClass="entr" presetSubtype="0" fill="hold" nodeType="withEffect">
+                                  <p:stCondLst>
+                                    <p:cond delay="0"/>
+                                  </p:stCondLst>
+                                  <p:childTnLst>
+                                    <p:set>
+                                      <p:cBhvr>
+                                        <p:cTn id="12" dur="1" fill="hold">
+                                          <p:stCondLst>
+                                            <p:cond delay="0"/>
+                                          </p:stCondLst>
+                                        </p:cTn>
+                                        <p:tgtEl>
+                                          <p:spTgt spid="5">
+                                            <p:txEl>
+                                              <p:pRg st="4" end="4"/>
+                                            </p:txEl>
+                                          </p:spTgt>
+                                        </p:tgtEl>
+                                        <p:attrNameLst>
+                                          <p:attrName>style.visibility</p:attrName>
+                                        </p:attrNameLst>
+                                      </p:cBhvr>
+                                      <p:to>
+                                        <p:strVal val="visible"/>
+                                      </p:to>
+                                    </p:set>
+                                  </p:childTnLst>
+                                </p:cTn>
+                              </p:par>
+                              <p:par>
+                                <p:cTn id="13" presetID="1" presetClass="entr" presetSubtype="0" fill="hold" nodeType="withEffect">
+                                  <p:stCondLst>
+                                    <p:cond delay="0"/>
+                                  </p:stCondLst>
+                                  <p:childTnLst>
+                                    <p:set>
+                                      <p:cBhvr>
+                                        <p:cTn id="14" dur="1" fill="hold">
+                                          <p:stCondLst>
+                                            <p:cond delay="0"/>
+                                          </p:stCondLst>
+                                        </p:cTn>
+                                        <p:tgtEl>
+                                          <p:spTgt spid="5">
+                                            <p:txEl>
+                                              <p:pRg st="5" end="5"/>
+                                            </p:txEl>
+                                          </p:spTgt>
+                                        </p:tgtEl>
+                                        <p:attrNameLst>
+                                          <p:attrName>style.visibility</p:attrName>
+                                        </p:attrNameLst>
+                                      </p:cBhvr>
+                                      <p:to>
+                                        <p:strVal val="visible"/>
+                                      </p:to>
+                                    </p:set>
+                                  </p:childTnLst>
+                                </p:cTn>
+                              </p:par>
+                            </p:childTnLst>
+                          </p:cTn>
+                        </p:par>
+                      </p:childTnLst>
+                    </p:cTn>
+                  </p:par>
+                </p:childTnLst>
+              </p:cTn>
+              <p:prevCondLst>
+                <p:cond evt="onPrev" delay="0">
+                  <p:tgtEl>
+                    <p:sldTgt/>
+                  </p:tgtEl>
+                </p:cond>
+              </p:prevCondLst>
+              <p:nextCondLst>
+                <p:cond evt="onNext" delay="0">
+                  <p:tgtEl>
+                    <p:sldTgt/>
+                  </p:tgtEl>
+                </p:cond>
+              </p:nextCondLst>
+            </p:seq>
+          </p:childTnLst>
+        </p:cTn>
+      </p:par>
+    </p:tnLst>
+  </p:timing>
+</p:sld>
+</file>
+
+<file path=ppt/slides/slide14.xml><?xml version="1.0" encoding="utf-8"?>
 <p:sld xmlns:a="http://schemas.openxmlformats.org/drawingml/2006/main" xmlns:r="http://schemas.openxmlformats.org/officeDocument/2006/relationships" xmlns:p="http://schemas.openxmlformats.org/presentationml/2006/main" showMasterSp="0">
   <p:cSld>
     <p:spTree>
@@ -4154,7 +3691,17 @@
             </a:pPr>
             <a:r>
               <a:rPr lang="es-ES" sz="2400" dirty="0"/>
-              <a:t> Para obtener el numero de renglones de una matriz debe escribirse: </a:t>
+              <a:t> Para obtener el numero de renglones de una matriz podemos utilizar el atributo </a:t>
+            </a:r>
+            <a:r>
+              <a:rPr lang="es-ES" sz="2400" dirty="0" err="1">
+                <a:latin typeface="Cascadia Code" panose="00000509000000000000" pitchFamily="49" charset="0"/>
+              </a:rPr>
+              <a:t>length</a:t>
+            </a:r>
+            <a:r>
+              <a:rPr lang="es-ES" sz="2400" dirty="0"/>
+              <a:t>: </a:t>
             </a:r>
           </a:p>
           <a:p>
@@ -4190,7 +3737,7 @@
             </a:pPr>
             <a:r>
               <a:rPr lang="es-ES" sz="2400" dirty="0"/>
-              <a:t>Para obtener el numero de columnas de una matriz debe escribirse:  </a:t>
+              <a:t>Para obtener el numero de columnas de una matriz debe podemos utilizar:  </a:t>
             </a:r>
           </a:p>
           <a:p>
@@ -4262,7 +3809,7 @@
 </p:sld>
 </file>
 
-<file path=ppt/slides/slide16.xml><?xml version="1.0" encoding="utf-8"?>
+<file path=ppt/slides/slide15.xml><?xml version="1.0" encoding="utf-8"?>
 <p:sld xmlns:a="http://schemas.openxmlformats.org/drawingml/2006/main" xmlns:r="http://schemas.openxmlformats.org/officeDocument/2006/relationships" xmlns:p="http://schemas.openxmlformats.org/presentationml/2006/main" showMasterSp="0">
   <p:cSld>
     <p:spTree>
@@ -4342,7 +3889,7 @@
             </a:pPr>
             <a:r>
               <a:rPr lang="es-ES" sz="2400" dirty="0"/>
-              <a:t>La estructura compañera de las matrices es dos ciclos </a:t>
+              <a:t>La estructura compañera de las matrices está compuesta por dos ciclos </a:t>
             </a:r>
             <a:r>
               <a:rPr lang="es-ES" sz="2400" b="1" dirty="0" err="1">
@@ -4705,7 +4252,7 @@
 </p:sld>
 </file>
 
-<file path=ppt/slides/slide17.xml><?xml version="1.0" encoding="utf-8"?>
+<file path=ppt/slides/slide16.xml><?xml version="1.0" encoding="utf-8"?>
 <p:sld xmlns:a="http://schemas.openxmlformats.org/drawingml/2006/main" xmlns:r="http://schemas.openxmlformats.org/officeDocument/2006/relationships" xmlns:p="http://schemas.openxmlformats.org/presentationml/2006/main" showMasterSp="0">
   <p:cSld>
     <p:spTree>
@@ -6355,7 +5902,1476 @@
 </p:sld>
 </file>
 
+<file path=ppt/slides/slide17.xml><?xml version="1.0" encoding="utf-8"?>
+<p:sld xmlns:a="http://schemas.openxmlformats.org/drawingml/2006/main" xmlns:r="http://schemas.openxmlformats.org/officeDocument/2006/relationships" xmlns:p="http://schemas.openxmlformats.org/presentationml/2006/main">
+  <p:cSld>
+    <p:spTree>
+      <p:nvGrpSpPr>
+        <p:cNvPr id="1" name=""/>
+        <p:cNvGrpSpPr/>
+        <p:nvPr/>
+      </p:nvGrpSpPr>
+      <p:grpSpPr>
+        <a:xfrm>
+          <a:off x="0" y="0"/>
+          <a:ext cx="0" cy="0"/>
+          <a:chOff x="0" y="0"/>
+          <a:chExt cx="0" cy="0"/>
+        </a:xfrm>
+      </p:grpSpPr>
+      <p:sp>
+        <p:nvSpPr>
+          <p:cNvPr id="2" name="Title 1">
+            <a:extLst>
+              <a:ext uri="{FF2B5EF4-FFF2-40B4-BE49-F238E27FC236}">
+                <a16:creationId xmlns:a16="http://schemas.microsoft.com/office/drawing/2014/main" id="{606B4A49-1DEF-4D3F-93CD-79FB0BC49EBA}"/>
+              </a:ext>
+            </a:extLst>
+          </p:cNvPr>
+          <p:cNvSpPr>
+            <a:spLocks noGrp="1"/>
+          </p:cNvSpPr>
+          <p:nvPr>
+            <p:ph type="title"/>
+          </p:nvPr>
+        </p:nvSpPr>
+        <p:spPr>
+          <a:xfrm>
+            <a:off x="4369576" y="72213"/>
+            <a:ext cx="4606900" cy="791066"/>
+          </a:xfrm>
+        </p:spPr>
+        <p:txBody>
+          <a:bodyPr/>
+          <a:lstStyle/>
+          <a:p>
+            <a:r>
+              <a:rPr lang="en-US" dirty="0" err="1"/>
+              <a:t>Agendar</a:t>
+            </a:r>
+            <a:r>
+              <a:rPr lang="en-US" dirty="0"/>
+              <a:t> </a:t>
+            </a:r>
+            <a:r>
+              <a:rPr lang="en-US" dirty="0" err="1"/>
+              <a:t>eventos</a:t>
+            </a:r>
+            <a:endParaRPr lang="en-US" dirty="0"/>
+          </a:p>
+        </p:txBody>
+      </p:sp>
+      <p:sp>
+        <p:nvSpPr>
+          <p:cNvPr id="3" name="Content Placeholder 2">
+            <a:extLst>
+              <a:ext uri="{FF2B5EF4-FFF2-40B4-BE49-F238E27FC236}">
+                <a16:creationId xmlns:a16="http://schemas.microsoft.com/office/drawing/2014/main" id="{2603337A-BCA9-44D9-BEB0-3CBA4D3C3043}"/>
+              </a:ext>
+            </a:extLst>
+          </p:cNvPr>
+          <p:cNvSpPr>
+            <a:spLocks noGrp="1"/>
+          </p:cNvSpPr>
+          <p:nvPr>
+            <p:ph idx="1"/>
+          </p:nvPr>
+        </p:nvSpPr>
+        <p:spPr>
+          <a:xfrm>
+            <a:off x="258266" y="199650"/>
+            <a:ext cx="4111310" cy="4093143"/>
+          </a:xfrm>
+        </p:spPr>
+        <p:txBody>
+          <a:bodyPr/>
+          <a:lstStyle/>
+          <a:p>
+            <a:pPr marL="0" indent="0">
+              <a:buNone/>
+            </a:pPr>
+            <a:r>
+              <a:rPr lang="en-US" sz="2000" dirty="0" err="1"/>
+              <a:t>En</a:t>
+            </a:r>
+            <a:r>
+              <a:rPr lang="en-US" sz="2000" dirty="0"/>
+              <a:t> el </a:t>
+            </a:r>
+            <a:r>
+              <a:rPr lang="en-US" sz="2000" dirty="0" err="1"/>
+              <a:t>calendario</a:t>
+            </a:r>
+            <a:r>
+              <a:rPr lang="en-US" sz="2000" dirty="0"/>
+              <a:t>, </a:t>
+            </a:r>
+            <a:r>
+              <a:rPr lang="en-US" sz="2000" dirty="0" err="1"/>
+              <a:t>diseña</a:t>
+            </a:r>
+            <a:r>
+              <a:rPr lang="en-US" sz="2000" dirty="0"/>
+              <a:t> un </a:t>
+            </a:r>
+            <a:r>
+              <a:rPr lang="en-US" sz="2000" dirty="0" err="1"/>
+              <a:t>método</a:t>
+            </a:r>
+            <a:r>
+              <a:rPr lang="en-US" sz="2000" dirty="0"/>
+              <a:t> para </a:t>
+            </a:r>
+            <a:r>
+              <a:rPr lang="en-US" sz="2000" dirty="0" err="1"/>
+              <a:t>agendar</a:t>
+            </a:r>
+            <a:r>
+              <a:rPr lang="en-US" sz="2000" dirty="0"/>
+              <a:t> un </a:t>
+            </a:r>
+            <a:r>
+              <a:rPr lang="en-US" sz="2000" dirty="0" err="1"/>
+              <a:t>evento</a:t>
+            </a:r>
+            <a:r>
+              <a:rPr lang="en-US" sz="2000" dirty="0"/>
+              <a:t> </a:t>
+            </a:r>
+            <a:r>
+              <a:rPr lang="en-US" sz="2000" dirty="0" err="1"/>
+              <a:t>en</a:t>
+            </a:r>
+            <a:r>
+              <a:rPr lang="en-US" sz="2000" dirty="0"/>
+              <a:t> el </a:t>
+            </a:r>
+            <a:r>
+              <a:rPr lang="en-US" sz="2000" dirty="0" err="1"/>
+              <a:t>calendario</a:t>
+            </a:r>
+            <a:r>
+              <a:rPr lang="en-US" sz="2000" dirty="0"/>
+              <a:t>. </a:t>
+            </a:r>
+          </a:p>
+          <a:p>
+            <a:pPr marL="0" indent="0">
+              <a:buNone/>
+            </a:pPr>
+            <a:r>
+              <a:rPr lang="en-US" sz="2000" dirty="0" err="1"/>
+              <a:t>Deberás</a:t>
+            </a:r>
+            <a:r>
+              <a:rPr lang="en-US" sz="2000" dirty="0"/>
+              <a:t> </a:t>
+            </a:r>
+            <a:r>
+              <a:rPr lang="en-US" sz="2000" dirty="0" err="1"/>
+              <a:t>recibir</a:t>
+            </a:r>
+            <a:r>
+              <a:rPr lang="en-US" sz="2000" dirty="0"/>
+              <a:t>:</a:t>
+            </a:r>
+          </a:p>
+          <a:p>
+            <a:pPr marL="342900" indent="-342900">
+              <a:buFont typeface="Arial" panose="020B0604020202020204" pitchFamily="34" charset="0"/>
+              <a:buChar char="•"/>
+            </a:pPr>
+            <a:r>
+              <a:rPr lang="en-US" sz="2000" dirty="0"/>
+              <a:t>La </a:t>
+            </a:r>
+            <a:r>
+              <a:rPr lang="en-US" sz="2000" dirty="0" err="1"/>
+              <a:t>referencia</a:t>
+            </a:r>
+            <a:r>
+              <a:rPr lang="en-US" sz="2000" dirty="0"/>
+              <a:t> al </a:t>
+            </a:r>
+            <a:r>
+              <a:rPr lang="en-US" sz="2000" dirty="0" err="1"/>
+              <a:t>calendario</a:t>
+            </a:r>
+            <a:endParaRPr lang="en-US" sz="2000" dirty="0"/>
+          </a:p>
+          <a:p>
+            <a:pPr marL="342900" indent="-342900">
+              <a:buFont typeface="Arial" panose="020B0604020202020204" pitchFamily="34" charset="0"/>
+              <a:buChar char="•"/>
+            </a:pPr>
+            <a:r>
+              <a:rPr lang="en-US" sz="2000" dirty="0"/>
+              <a:t>El </a:t>
+            </a:r>
+            <a:r>
+              <a:rPr lang="en-US" sz="2000" dirty="0" err="1"/>
+              <a:t>nombre</a:t>
+            </a:r>
+            <a:r>
+              <a:rPr lang="en-US" sz="2000" dirty="0"/>
+              <a:t> del </a:t>
+            </a:r>
+            <a:r>
+              <a:rPr lang="en-US" sz="2000" dirty="0" err="1"/>
+              <a:t>evento</a:t>
+            </a:r>
+            <a:endParaRPr lang="en-US" sz="2000" dirty="0"/>
+          </a:p>
+          <a:p>
+            <a:pPr marL="342900" indent="-342900">
+              <a:buFont typeface="Arial" panose="020B0604020202020204" pitchFamily="34" charset="0"/>
+              <a:buChar char="•"/>
+            </a:pPr>
+            <a:r>
+              <a:rPr lang="en-US" sz="2000" dirty="0"/>
+              <a:t>El </a:t>
+            </a:r>
+            <a:r>
+              <a:rPr lang="en-US" sz="2000" dirty="0" err="1"/>
+              <a:t>día</a:t>
+            </a:r>
+            <a:endParaRPr lang="en-US" sz="2000" dirty="0"/>
+          </a:p>
+          <a:p>
+            <a:pPr marL="342900" indent="-342900">
+              <a:buFont typeface="Arial" panose="020B0604020202020204" pitchFamily="34" charset="0"/>
+              <a:buChar char="•"/>
+            </a:pPr>
+            <a:r>
+              <a:rPr lang="en-US" sz="2000" dirty="0"/>
+              <a:t>La hora</a:t>
+            </a:r>
+          </a:p>
+          <a:p>
+            <a:pPr marL="342900" indent="-342900">
+              <a:buFont typeface="Arial" panose="020B0604020202020204" pitchFamily="34" charset="0"/>
+              <a:buChar char="•"/>
+            </a:pPr>
+            <a:endParaRPr lang="en-US" sz="2000" dirty="0"/>
+          </a:p>
+          <a:p>
+            <a:r>
+              <a:rPr lang="en-US" sz="2000" dirty="0"/>
+              <a:t>Si el </a:t>
+            </a:r>
+            <a:r>
+              <a:rPr lang="en-US" sz="2000" dirty="0" err="1"/>
+              <a:t>evento</a:t>
+            </a:r>
+            <a:r>
+              <a:rPr lang="en-US" sz="2000" dirty="0"/>
+              <a:t> se </a:t>
+            </a:r>
+            <a:r>
+              <a:rPr lang="en-US" sz="2000" dirty="0" err="1"/>
+              <a:t>puede</a:t>
+            </a:r>
+            <a:r>
+              <a:rPr lang="en-US" sz="2000" dirty="0"/>
+              <a:t> </a:t>
+            </a:r>
+            <a:r>
+              <a:rPr lang="en-US" sz="2000" dirty="0" err="1"/>
+              <a:t>agendar</a:t>
+            </a:r>
+            <a:r>
+              <a:rPr lang="en-US" sz="2000" dirty="0"/>
+              <a:t>, </a:t>
+            </a:r>
+            <a:r>
+              <a:rPr lang="en-US" sz="2000" dirty="0" err="1"/>
+              <a:t>devuelve</a:t>
+            </a:r>
+            <a:r>
+              <a:rPr lang="en-US" sz="2000" dirty="0"/>
+              <a:t> TRUE. De lo </a:t>
+            </a:r>
+            <a:r>
+              <a:rPr lang="en-US" sz="2000" dirty="0" err="1"/>
+              <a:t>contrario</a:t>
+            </a:r>
+            <a:r>
+              <a:rPr lang="en-US" sz="2000" dirty="0"/>
+              <a:t>, </a:t>
+            </a:r>
+            <a:r>
+              <a:rPr lang="en-US" sz="2000" dirty="0" err="1"/>
+              <a:t>deberás</a:t>
+            </a:r>
+            <a:r>
+              <a:rPr lang="en-US" sz="2000" dirty="0"/>
+              <a:t> </a:t>
+            </a:r>
+            <a:r>
+              <a:rPr lang="en-US" sz="2000" dirty="0" err="1"/>
+              <a:t>retornar</a:t>
+            </a:r>
+            <a:r>
+              <a:rPr lang="en-US" sz="2000" dirty="0"/>
+              <a:t> FALSE.</a:t>
+            </a:r>
+          </a:p>
+        </p:txBody>
+      </p:sp>
+      <p:pic>
+        <p:nvPicPr>
+          <p:cNvPr id="4" name="Picture 3">
+            <a:extLst>
+              <a:ext uri="{FF2B5EF4-FFF2-40B4-BE49-F238E27FC236}">
+                <a16:creationId xmlns:a16="http://schemas.microsoft.com/office/drawing/2014/main" id="{D93CCF04-BF36-49E3-AB3F-44C116D337C2}"/>
+              </a:ext>
+            </a:extLst>
+          </p:cNvPr>
+          <p:cNvPicPr>
+            <a:picLocks noChangeAspect="1"/>
+          </p:cNvPicPr>
+          <p:nvPr/>
+        </p:nvPicPr>
+        <p:blipFill>
+          <a:blip r:embed="rId2"/>
+          <a:stretch>
+            <a:fillRect/>
+          </a:stretch>
+        </p:blipFill>
+        <p:spPr>
+          <a:xfrm>
+            <a:off x="4369576" y="913647"/>
+            <a:ext cx="4774424" cy="2972278"/>
+          </a:xfrm>
+          <a:prstGeom prst="rect">
+            <a:avLst/>
+          </a:prstGeom>
+          <a:ln w="38100" cap="sq">
+            <a:solidFill>
+              <a:srgbClr val="000000"/>
+            </a:solidFill>
+            <a:prstDash val="solid"/>
+            <a:miter lim="800000"/>
+          </a:ln>
+          <a:effectLst>
+            <a:outerShdw blurRad="50800" dist="38100" dir="2700000" algn="tl" rotWithShape="0">
+              <a:srgbClr val="000000">
+                <a:alpha val="43000"/>
+              </a:srgbClr>
+            </a:outerShdw>
+          </a:effectLst>
+        </p:spPr>
+      </p:pic>
+      <p:sp>
+        <p:nvSpPr>
+          <p:cNvPr id="5" name="Content Placeholder 2">
+            <a:extLst>
+              <a:ext uri="{FF2B5EF4-FFF2-40B4-BE49-F238E27FC236}">
+                <a16:creationId xmlns:a16="http://schemas.microsoft.com/office/drawing/2014/main" id="{F386B4DC-CCC5-43CE-A542-A5B6E570E0B4}"/>
+              </a:ext>
+            </a:extLst>
+          </p:cNvPr>
+          <p:cNvSpPr txBox="1">
+            <a:spLocks/>
+          </p:cNvSpPr>
+          <p:nvPr/>
+        </p:nvSpPr>
+        <p:spPr bwMode="auto">
+          <a:xfrm>
+            <a:off x="181484" y="4599921"/>
+            <a:ext cx="8962516" cy="2185866"/>
+          </a:xfrm>
+          <a:prstGeom prst="rect">
+            <a:avLst/>
+          </a:prstGeom>
+          <a:solidFill>
+            <a:schemeClr val="tx1"/>
+          </a:solidFill>
+          <a:ln>
+            <a:noFill/>
+          </a:ln>
+        </p:spPr>
+        <p:txBody>
+          <a:bodyPr vert="horz" wrap="square" lIns="91440" tIns="45720" rIns="91440" bIns="45720" numCol="1" anchor="t" anchorCtr="0" compatLnSpc="1">
+            <a:prstTxWarp prst="textNoShape">
+              <a:avLst/>
+            </a:prstTxWarp>
+          </a:bodyPr>
+          <a:lstStyle>
+            <a:lvl1pPr marL="0" indent="0" algn="l" rtl="0" eaLnBrk="0" fontAlgn="base" hangingPunct="0">
+              <a:spcBef>
+                <a:spcPct val="20000"/>
+              </a:spcBef>
+              <a:spcAft>
+                <a:spcPct val="0"/>
+              </a:spcAft>
+              <a:buNone/>
+              <a:defRPr sz="3200">
+                <a:solidFill>
+                  <a:schemeClr val="tx1"/>
+                </a:solidFill>
+                <a:latin typeface="Source Sans Pro" panose="020B0503030403020204" pitchFamily="34" charset="0"/>
+                <a:ea typeface="Source Sans Pro" panose="020B0503030403020204" pitchFamily="34" charset="0"/>
+                <a:cs typeface="+mn-cs"/>
+              </a:defRPr>
+            </a:lvl1pPr>
+            <a:lvl2pPr marL="742950" indent="-285750" algn="l" rtl="0" eaLnBrk="0" fontAlgn="base" hangingPunct="0">
+              <a:spcBef>
+                <a:spcPct val="20000"/>
+              </a:spcBef>
+              <a:spcAft>
+                <a:spcPct val="0"/>
+              </a:spcAft>
+              <a:buSzPct val="90000"/>
+              <a:buFont typeface="Wingdings" panose="05000000000000000000" pitchFamily="2" charset="2"/>
+              <a:buChar char="§"/>
+              <a:defRPr sz="2800">
+                <a:solidFill>
+                  <a:schemeClr val="tx1"/>
+                </a:solidFill>
+                <a:latin typeface="Source Sans Pro" panose="020B0503030403020204" pitchFamily="34" charset="0"/>
+                <a:ea typeface="Source Sans Pro" panose="020B0503030403020204" pitchFamily="34" charset="0"/>
+              </a:defRPr>
+            </a:lvl2pPr>
+            <a:lvl3pPr marL="1143000" indent="-228600" algn="l" rtl="0" eaLnBrk="0" fontAlgn="base" hangingPunct="0">
+              <a:spcBef>
+                <a:spcPct val="20000"/>
+              </a:spcBef>
+              <a:spcAft>
+                <a:spcPct val="0"/>
+              </a:spcAft>
+              <a:buChar char="•"/>
+              <a:defRPr sz="2400">
+                <a:solidFill>
+                  <a:schemeClr val="tx1"/>
+                </a:solidFill>
+                <a:latin typeface="Source Sans Pro" panose="020B0503030403020204" pitchFamily="34" charset="0"/>
+                <a:ea typeface="Source Sans Pro" panose="020B0503030403020204" pitchFamily="34" charset="0"/>
+              </a:defRPr>
+            </a:lvl3pPr>
+            <a:lvl4pPr marL="1600200" indent="-228600" algn="l" rtl="0" eaLnBrk="0" fontAlgn="base" hangingPunct="0">
+              <a:spcBef>
+                <a:spcPct val="20000"/>
+              </a:spcBef>
+              <a:spcAft>
+                <a:spcPct val="0"/>
+              </a:spcAft>
+              <a:buChar char="–"/>
+              <a:defRPr sz="2000">
+                <a:solidFill>
+                  <a:schemeClr val="tx1"/>
+                </a:solidFill>
+                <a:latin typeface="Source Sans Pro" panose="020B0503030403020204" pitchFamily="34" charset="0"/>
+                <a:ea typeface="Source Sans Pro" panose="020B0503030403020204" pitchFamily="34" charset="0"/>
+              </a:defRPr>
+            </a:lvl4pPr>
+            <a:lvl5pPr marL="2057400" indent="-228600" algn="l" rtl="0" eaLnBrk="0" fontAlgn="base" hangingPunct="0">
+              <a:spcBef>
+                <a:spcPct val="20000"/>
+              </a:spcBef>
+              <a:spcAft>
+                <a:spcPct val="0"/>
+              </a:spcAft>
+              <a:buChar char="»"/>
+              <a:defRPr sz="2000">
+                <a:solidFill>
+                  <a:schemeClr val="tx1"/>
+                </a:solidFill>
+                <a:latin typeface="Source Sans Pro" panose="020B0503030403020204" pitchFamily="34" charset="0"/>
+                <a:ea typeface="Source Sans Pro" panose="020B0503030403020204" pitchFamily="34" charset="0"/>
+              </a:defRPr>
+            </a:lvl5pPr>
+            <a:lvl6pPr marL="2514600" indent="-228600" algn="l" rtl="0" fontAlgn="base">
+              <a:spcBef>
+                <a:spcPct val="20000"/>
+              </a:spcBef>
+              <a:spcAft>
+                <a:spcPct val="0"/>
+              </a:spcAft>
+              <a:buChar char="»"/>
+              <a:defRPr sz="2000">
+                <a:solidFill>
+                  <a:schemeClr val="tx1"/>
+                </a:solidFill>
+                <a:latin typeface="+mn-lt"/>
+              </a:defRPr>
+            </a:lvl6pPr>
+            <a:lvl7pPr marL="2971800" indent="-228600" algn="l" rtl="0" fontAlgn="base">
+              <a:spcBef>
+                <a:spcPct val="20000"/>
+              </a:spcBef>
+              <a:spcAft>
+                <a:spcPct val="0"/>
+              </a:spcAft>
+              <a:buChar char="»"/>
+              <a:defRPr sz="2000">
+                <a:solidFill>
+                  <a:schemeClr val="tx1"/>
+                </a:solidFill>
+                <a:latin typeface="+mn-lt"/>
+              </a:defRPr>
+            </a:lvl7pPr>
+            <a:lvl8pPr marL="3429000" indent="-228600" algn="l" rtl="0" fontAlgn="base">
+              <a:spcBef>
+                <a:spcPct val="20000"/>
+              </a:spcBef>
+              <a:spcAft>
+                <a:spcPct val="0"/>
+              </a:spcAft>
+              <a:buChar char="»"/>
+              <a:defRPr sz="2000">
+                <a:solidFill>
+                  <a:schemeClr val="tx1"/>
+                </a:solidFill>
+                <a:latin typeface="+mn-lt"/>
+              </a:defRPr>
+            </a:lvl8pPr>
+            <a:lvl9pPr marL="3886200" indent="-228600" algn="l" rtl="0" fontAlgn="base">
+              <a:spcBef>
+                <a:spcPct val="20000"/>
+              </a:spcBef>
+              <a:spcAft>
+                <a:spcPct val="0"/>
+              </a:spcAft>
+              <a:buChar char="»"/>
+              <a:defRPr sz="2000">
+                <a:solidFill>
+                  <a:schemeClr val="tx1"/>
+                </a:solidFill>
+                <a:latin typeface="+mn-lt"/>
+              </a:defRPr>
+            </a:lvl9pPr>
+          </a:lstStyle>
+          <a:p>
+            <a:r>
+              <a:rPr lang="en-US" sz="1400" dirty="0">
+                <a:solidFill>
+                  <a:srgbClr val="569CD6"/>
+                </a:solidFill>
+                <a:latin typeface="Cascadia Code,  Courier New"/>
+              </a:rPr>
+              <a:t>public</a:t>
+            </a:r>
+            <a:r>
+              <a:rPr lang="en-US" sz="1400" dirty="0">
+                <a:solidFill>
+                  <a:srgbClr val="D4D4D4"/>
+                </a:solidFill>
+                <a:latin typeface="Cascadia Code,  Courier New"/>
+              </a:rPr>
+              <a:t> </a:t>
+            </a:r>
+            <a:r>
+              <a:rPr lang="en-US" sz="1400" dirty="0">
+                <a:solidFill>
+                  <a:srgbClr val="569CD6"/>
+                </a:solidFill>
+                <a:latin typeface="Cascadia Code,  Courier New"/>
+              </a:rPr>
+              <a:t>static</a:t>
+            </a:r>
+            <a:r>
+              <a:rPr lang="en-US" sz="1400" dirty="0">
+                <a:solidFill>
+                  <a:srgbClr val="D4D4D4"/>
+                </a:solidFill>
+                <a:latin typeface="Cascadia Code,  Courier New"/>
+              </a:rPr>
+              <a:t> </a:t>
+            </a:r>
+            <a:r>
+              <a:rPr lang="en-US" sz="1400" dirty="0" err="1">
+                <a:solidFill>
+                  <a:srgbClr val="4EC9B0"/>
+                </a:solidFill>
+                <a:latin typeface="Cascadia Code,  Courier New"/>
+              </a:rPr>
+              <a:t>boolean</a:t>
+            </a:r>
+            <a:r>
+              <a:rPr lang="en-US" sz="1400" dirty="0">
+                <a:solidFill>
+                  <a:srgbClr val="D4D4D4"/>
+                </a:solidFill>
+                <a:latin typeface="Cascadia Code,  Courier New"/>
+              </a:rPr>
+              <a:t> </a:t>
+            </a:r>
+            <a:r>
+              <a:rPr lang="en-US" sz="1400" dirty="0" err="1">
+                <a:solidFill>
+                  <a:srgbClr val="DCDCAA"/>
+                </a:solidFill>
+                <a:latin typeface="Cascadia Code,  Courier New"/>
+              </a:rPr>
+              <a:t>addEvent</a:t>
+            </a:r>
+            <a:r>
+              <a:rPr lang="en-US" sz="1400" dirty="0">
+                <a:solidFill>
+                  <a:srgbClr val="D4D4D4"/>
+                </a:solidFill>
+                <a:latin typeface="Cascadia Code,  Courier New"/>
+              </a:rPr>
+              <a:t>(String[][] calendar, String event, int day, int time){</a:t>
+            </a:r>
+          </a:p>
+          <a:p>
+            <a:r>
+              <a:rPr lang="en-US" sz="1400" dirty="0">
+                <a:solidFill>
+                  <a:srgbClr val="D4D4D4"/>
+                </a:solidFill>
+                <a:latin typeface="Cascadia Code,  Courier New"/>
+              </a:rPr>
+              <a:t>        </a:t>
+            </a:r>
+            <a:r>
+              <a:rPr lang="en-US" sz="1400" dirty="0">
+                <a:solidFill>
+                  <a:srgbClr val="6A9955"/>
+                </a:solidFill>
+                <a:latin typeface="Cascadia Code,  Courier New"/>
+              </a:rPr>
+              <a:t>// error!</a:t>
+            </a:r>
+            <a:endParaRPr lang="en-US" sz="1400" dirty="0">
+              <a:solidFill>
+                <a:srgbClr val="D4D4D4"/>
+              </a:solidFill>
+              <a:latin typeface="Cascadia Code,  Courier New"/>
+            </a:endParaRPr>
+          </a:p>
+          <a:p>
+            <a:r>
+              <a:rPr lang="en-US" sz="1400" dirty="0">
+                <a:solidFill>
+                  <a:srgbClr val="D4D4D4"/>
+                </a:solidFill>
+                <a:latin typeface="Cascadia Code,  Courier New"/>
+              </a:rPr>
+              <a:t>        </a:t>
+            </a:r>
+            <a:r>
+              <a:rPr lang="en-US" sz="1400" dirty="0">
+                <a:solidFill>
+                  <a:srgbClr val="C586C0"/>
+                </a:solidFill>
+                <a:latin typeface="Cascadia Code,  Courier New"/>
+              </a:rPr>
+              <a:t>if</a:t>
+            </a:r>
+            <a:r>
+              <a:rPr lang="en-US" sz="1400" dirty="0">
+                <a:solidFill>
+                  <a:srgbClr val="D4D4D4"/>
+                </a:solidFill>
+                <a:latin typeface="Cascadia Code,  Courier New"/>
+              </a:rPr>
+              <a:t> (calendar == </a:t>
+            </a:r>
+            <a:r>
+              <a:rPr lang="en-US" sz="1400" dirty="0">
+                <a:solidFill>
+                  <a:srgbClr val="569CD6"/>
+                </a:solidFill>
+                <a:latin typeface="Cascadia Code,  Courier New"/>
+              </a:rPr>
+              <a:t>null</a:t>
+            </a:r>
+            <a:r>
+              <a:rPr lang="en-US" sz="1400" dirty="0">
+                <a:solidFill>
+                  <a:srgbClr val="D4D4D4"/>
+                </a:solidFill>
+                <a:latin typeface="Cascadia Code,  Courier New"/>
+              </a:rPr>
+              <a:t> || </a:t>
+            </a:r>
+            <a:r>
+              <a:rPr lang="en-US" sz="1400" dirty="0" err="1">
+                <a:solidFill>
+                  <a:srgbClr val="9CDCFE"/>
+                </a:solidFill>
+                <a:latin typeface="Cascadia Code,  Courier New"/>
+              </a:rPr>
+              <a:t>calendar</a:t>
+            </a:r>
+            <a:r>
+              <a:rPr lang="en-US" sz="1400" dirty="0" err="1">
+                <a:solidFill>
+                  <a:srgbClr val="D4D4D4"/>
+                </a:solidFill>
+                <a:latin typeface="Cascadia Code,  Courier New"/>
+              </a:rPr>
+              <a:t>.</a:t>
+            </a:r>
+            <a:r>
+              <a:rPr lang="en-US" sz="1400" dirty="0" err="1">
+                <a:solidFill>
+                  <a:srgbClr val="9CDCFE"/>
+                </a:solidFill>
+                <a:latin typeface="Cascadia Code,  Courier New"/>
+              </a:rPr>
+              <a:t>length</a:t>
+            </a:r>
+            <a:r>
+              <a:rPr lang="en-US" sz="1400" dirty="0">
+                <a:solidFill>
+                  <a:srgbClr val="D4D4D4"/>
+                </a:solidFill>
+                <a:latin typeface="Cascadia Code,  Courier New"/>
+              </a:rPr>
+              <a:t> &lt;= time || calendar[time].</a:t>
+            </a:r>
+            <a:r>
+              <a:rPr lang="en-US" sz="1400" dirty="0">
+                <a:solidFill>
+                  <a:srgbClr val="9CDCFE"/>
+                </a:solidFill>
+                <a:latin typeface="Cascadia Code,  Courier New"/>
+              </a:rPr>
+              <a:t>length</a:t>
+            </a:r>
+            <a:r>
+              <a:rPr lang="en-US" sz="1400" dirty="0">
+                <a:solidFill>
+                  <a:srgbClr val="D4D4D4"/>
+                </a:solidFill>
+                <a:latin typeface="Cascadia Code,  Courier New"/>
+              </a:rPr>
+              <a:t> &lt;= day) {</a:t>
+            </a:r>
+          </a:p>
+          <a:p>
+            <a:r>
+              <a:rPr lang="en-US" sz="1400" dirty="0">
+                <a:solidFill>
+                  <a:srgbClr val="D4D4D4"/>
+                </a:solidFill>
+                <a:latin typeface="Cascadia Code,  Courier New"/>
+              </a:rPr>
+              <a:t>            </a:t>
+            </a:r>
+            <a:r>
+              <a:rPr lang="en-US" sz="1400" dirty="0">
+                <a:solidFill>
+                  <a:srgbClr val="C586C0"/>
+                </a:solidFill>
+                <a:latin typeface="Cascadia Code,  Courier New"/>
+              </a:rPr>
+              <a:t>return</a:t>
+            </a:r>
+            <a:r>
+              <a:rPr lang="en-US" sz="1400" dirty="0">
+                <a:solidFill>
+                  <a:srgbClr val="D4D4D4"/>
+                </a:solidFill>
+                <a:latin typeface="Cascadia Code,  Courier New"/>
+              </a:rPr>
+              <a:t> </a:t>
+            </a:r>
+            <a:r>
+              <a:rPr lang="en-US" sz="1400" dirty="0">
+                <a:solidFill>
+                  <a:srgbClr val="569CD6"/>
+                </a:solidFill>
+                <a:latin typeface="Cascadia Code,  Courier New"/>
+              </a:rPr>
+              <a:t>false</a:t>
+            </a:r>
+            <a:r>
+              <a:rPr lang="en-US" sz="1400" dirty="0">
+                <a:solidFill>
+                  <a:srgbClr val="D4D4D4"/>
+                </a:solidFill>
+                <a:latin typeface="Cascadia Code,  Courier New"/>
+              </a:rPr>
+              <a:t>;</a:t>
+            </a:r>
+          </a:p>
+          <a:p>
+            <a:r>
+              <a:rPr lang="en-US" sz="1400" dirty="0">
+                <a:solidFill>
+                  <a:srgbClr val="D4D4D4"/>
+                </a:solidFill>
+                <a:latin typeface="Cascadia Code,  Courier New"/>
+              </a:rPr>
+              <a:t>        }</a:t>
+            </a:r>
+          </a:p>
+          <a:p>
+            <a:r>
+              <a:rPr lang="en-US" sz="1400" dirty="0">
+                <a:solidFill>
+                  <a:srgbClr val="D4D4D4"/>
+                </a:solidFill>
+                <a:latin typeface="Cascadia Code,  Courier New"/>
+              </a:rPr>
+              <a:t>        calendar[time][day] =  event;</a:t>
+            </a:r>
+          </a:p>
+          <a:p>
+            <a:r>
+              <a:rPr lang="en-US" sz="1400" dirty="0">
+                <a:solidFill>
+                  <a:srgbClr val="D4D4D4"/>
+                </a:solidFill>
+                <a:latin typeface="Cascadia Code,  Courier New"/>
+              </a:rPr>
+              <a:t>        </a:t>
+            </a:r>
+            <a:r>
+              <a:rPr lang="en-US" sz="1400" dirty="0">
+                <a:solidFill>
+                  <a:srgbClr val="C586C0"/>
+                </a:solidFill>
+                <a:latin typeface="Cascadia Code,  Courier New"/>
+              </a:rPr>
+              <a:t>return</a:t>
+            </a:r>
+            <a:r>
+              <a:rPr lang="en-US" sz="1400" dirty="0">
+                <a:solidFill>
+                  <a:srgbClr val="D4D4D4"/>
+                </a:solidFill>
+                <a:latin typeface="Cascadia Code,  Courier New"/>
+              </a:rPr>
+              <a:t> </a:t>
+            </a:r>
+            <a:r>
+              <a:rPr lang="en-US" sz="1400" dirty="0">
+                <a:solidFill>
+                  <a:srgbClr val="569CD6"/>
+                </a:solidFill>
+                <a:latin typeface="Cascadia Code,  Courier New"/>
+              </a:rPr>
+              <a:t>true</a:t>
+            </a:r>
+            <a:r>
+              <a:rPr lang="en-US" sz="1400" dirty="0">
+                <a:solidFill>
+                  <a:srgbClr val="D4D4D4"/>
+                </a:solidFill>
+                <a:latin typeface="Cascadia Code,  Courier New"/>
+              </a:rPr>
+              <a:t>;</a:t>
+            </a:r>
+          </a:p>
+          <a:p>
+            <a:r>
+              <a:rPr lang="en-US" sz="1400" dirty="0">
+                <a:solidFill>
+                  <a:srgbClr val="D4D4D4"/>
+                </a:solidFill>
+                <a:latin typeface="Cascadia Code,  Courier New"/>
+              </a:rPr>
+              <a:t>}</a:t>
+            </a:r>
+          </a:p>
+        </p:txBody>
+      </p:sp>
+    </p:spTree>
+    <p:extLst>
+      <p:ext uri="{BB962C8B-B14F-4D97-AF65-F5344CB8AC3E}">
+        <p14:creationId xmlns:p14="http://schemas.microsoft.com/office/powerpoint/2010/main" val="2995028410"/>
+      </p:ext>
+    </p:extLst>
+  </p:cSld>
+  <p:clrMapOvr>
+    <a:masterClrMapping/>
+  </p:clrMapOvr>
+</p:sld>
+</file>
+
 <file path=ppt/slides/slide18.xml><?xml version="1.0" encoding="utf-8"?>
+<p:sld xmlns:a="http://schemas.openxmlformats.org/drawingml/2006/main" xmlns:r="http://schemas.openxmlformats.org/officeDocument/2006/relationships" xmlns:p="http://schemas.openxmlformats.org/presentationml/2006/main">
+  <p:cSld>
+    <p:spTree>
+      <p:nvGrpSpPr>
+        <p:cNvPr id="1" name=""/>
+        <p:cNvGrpSpPr/>
+        <p:nvPr/>
+      </p:nvGrpSpPr>
+      <p:grpSpPr>
+        <a:xfrm>
+          <a:off x="0" y="0"/>
+          <a:ext cx="0" cy="0"/>
+          <a:chOff x="0" y="0"/>
+          <a:chExt cx="0" cy="0"/>
+        </a:xfrm>
+      </p:grpSpPr>
+      <p:sp>
+        <p:nvSpPr>
+          <p:cNvPr id="2" name="Title 1">
+            <a:extLst>
+              <a:ext uri="{FF2B5EF4-FFF2-40B4-BE49-F238E27FC236}">
+                <a16:creationId xmlns:a16="http://schemas.microsoft.com/office/drawing/2014/main" id="{606B4A49-1DEF-4D3F-93CD-79FB0BC49EBA}"/>
+              </a:ext>
+            </a:extLst>
+          </p:cNvPr>
+          <p:cNvSpPr>
+            <a:spLocks noGrp="1"/>
+          </p:cNvSpPr>
+          <p:nvPr>
+            <p:ph type="title"/>
+          </p:nvPr>
+        </p:nvSpPr>
+        <p:spPr>
+          <a:xfrm>
+            <a:off x="4369576" y="72213"/>
+            <a:ext cx="4606900" cy="791066"/>
+          </a:xfrm>
+        </p:spPr>
+        <p:txBody>
+          <a:bodyPr/>
+          <a:lstStyle/>
+          <a:p>
+            <a:r>
+              <a:rPr lang="en-US" dirty="0" err="1"/>
+              <a:t>Reto</a:t>
+            </a:r>
+            <a:r>
+              <a:rPr lang="en-US" dirty="0"/>
+              <a:t>!</a:t>
+            </a:r>
+          </a:p>
+        </p:txBody>
+      </p:sp>
+      <p:sp>
+        <p:nvSpPr>
+          <p:cNvPr id="3" name="Content Placeholder 2">
+            <a:extLst>
+              <a:ext uri="{FF2B5EF4-FFF2-40B4-BE49-F238E27FC236}">
+                <a16:creationId xmlns:a16="http://schemas.microsoft.com/office/drawing/2014/main" id="{2603337A-BCA9-44D9-BEB0-3CBA4D3C3043}"/>
+              </a:ext>
+            </a:extLst>
+          </p:cNvPr>
+          <p:cNvSpPr>
+            <a:spLocks noGrp="1"/>
+          </p:cNvSpPr>
+          <p:nvPr>
+            <p:ph idx="1"/>
+          </p:nvPr>
+        </p:nvSpPr>
+        <p:spPr>
+          <a:xfrm>
+            <a:off x="258266" y="199650"/>
+            <a:ext cx="4111310" cy="4093143"/>
+          </a:xfrm>
+        </p:spPr>
+        <p:txBody>
+          <a:bodyPr/>
+          <a:lstStyle/>
+          <a:p>
+            <a:pPr marL="0" indent="0">
+              <a:buNone/>
+            </a:pPr>
+            <a:r>
+              <a:rPr lang="en-US" sz="2000" dirty="0" err="1"/>
+              <a:t>Incluye</a:t>
+            </a:r>
+            <a:r>
+              <a:rPr lang="en-US" sz="2000" dirty="0"/>
+              <a:t> </a:t>
+            </a:r>
+            <a:r>
+              <a:rPr lang="en-US" sz="2000" dirty="0" err="1"/>
+              <a:t>también</a:t>
+            </a:r>
+            <a:r>
+              <a:rPr lang="en-US" sz="2000" dirty="0"/>
+              <a:t> un </a:t>
+            </a:r>
+            <a:r>
+              <a:rPr lang="en-US" sz="2000" dirty="0" err="1"/>
+              <a:t>parámetro</a:t>
+            </a:r>
+            <a:r>
+              <a:rPr lang="en-US" sz="2000" dirty="0"/>
+              <a:t> </a:t>
+            </a:r>
+            <a:r>
+              <a:rPr lang="en-US" sz="2000" dirty="0" err="1"/>
+              <a:t>duración</a:t>
+            </a:r>
+            <a:r>
+              <a:rPr lang="en-US" sz="2000" dirty="0"/>
+              <a:t> que </a:t>
+            </a:r>
+            <a:r>
+              <a:rPr lang="en-US" sz="2000" dirty="0" err="1"/>
+              <a:t>permita</a:t>
+            </a:r>
+            <a:r>
+              <a:rPr lang="en-US" sz="2000" dirty="0"/>
+              <a:t> </a:t>
+            </a:r>
+            <a:r>
+              <a:rPr lang="en-US" sz="2000" dirty="0" err="1"/>
+              <a:t>enviar</a:t>
+            </a:r>
+            <a:r>
+              <a:rPr lang="en-US" sz="2000" dirty="0"/>
+              <a:t> la </a:t>
+            </a:r>
+            <a:r>
+              <a:rPr lang="en-US" sz="2000" dirty="0" err="1"/>
+              <a:t>duración</a:t>
+            </a:r>
+            <a:r>
+              <a:rPr lang="en-US" sz="2000" dirty="0"/>
+              <a:t> del </a:t>
+            </a:r>
+            <a:r>
+              <a:rPr lang="en-US" sz="2000" dirty="0" err="1"/>
+              <a:t>evento</a:t>
+            </a:r>
+            <a:r>
+              <a:rPr lang="en-US" sz="2000" dirty="0"/>
+              <a:t> a </a:t>
+            </a:r>
+            <a:r>
+              <a:rPr lang="en-US" sz="2000" dirty="0" err="1"/>
+              <a:t>agendar</a:t>
+            </a:r>
+            <a:r>
+              <a:rPr lang="en-US" sz="2000" dirty="0"/>
+              <a:t> (</a:t>
+            </a:r>
+            <a:r>
+              <a:rPr lang="en-US" sz="2000" dirty="0" err="1"/>
+              <a:t>en</a:t>
+            </a:r>
+            <a:r>
+              <a:rPr lang="en-US" sz="2000" dirty="0"/>
+              <a:t> </a:t>
+            </a:r>
+            <a:r>
+              <a:rPr lang="en-US" sz="2000" dirty="0" err="1"/>
+              <a:t>minutos</a:t>
+            </a:r>
+            <a:r>
+              <a:rPr lang="en-US" sz="2000" dirty="0"/>
+              <a:t>). </a:t>
+            </a:r>
+            <a:r>
+              <a:rPr lang="en-US" sz="2000" dirty="0" err="1"/>
+              <a:t>Asume</a:t>
+            </a:r>
+            <a:r>
+              <a:rPr lang="en-US" sz="2000" dirty="0"/>
+              <a:t> que la </a:t>
+            </a:r>
+            <a:r>
+              <a:rPr lang="en-US" sz="2000" dirty="0" err="1"/>
+              <a:t>duración</a:t>
+            </a:r>
+            <a:r>
+              <a:rPr lang="en-US" sz="2000" dirty="0"/>
+              <a:t> se </a:t>
+            </a:r>
+            <a:r>
+              <a:rPr lang="en-US" sz="2000" dirty="0" err="1"/>
+              <a:t>recibirá</a:t>
+            </a:r>
+            <a:r>
+              <a:rPr lang="en-US" sz="2000" dirty="0"/>
+              <a:t> </a:t>
+            </a:r>
+            <a:r>
+              <a:rPr lang="en-US" sz="2000" dirty="0" err="1"/>
+              <a:t>en</a:t>
+            </a:r>
+            <a:r>
+              <a:rPr lang="en-US" sz="2000" dirty="0"/>
+              <a:t> </a:t>
+            </a:r>
+            <a:r>
+              <a:rPr lang="en-US" sz="2000" dirty="0" err="1"/>
+              <a:t>múltiplos</a:t>
+            </a:r>
+            <a:r>
+              <a:rPr lang="en-US" sz="2000" dirty="0"/>
+              <a:t> de 30.</a:t>
+            </a:r>
+          </a:p>
+        </p:txBody>
+      </p:sp>
+      <p:pic>
+        <p:nvPicPr>
+          <p:cNvPr id="4" name="Picture 3">
+            <a:extLst>
+              <a:ext uri="{FF2B5EF4-FFF2-40B4-BE49-F238E27FC236}">
+                <a16:creationId xmlns:a16="http://schemas.microsoft.com/office/drawing/2014/main" id="{D93CCF04-BF36-49E3-AB3F-44C116D337C2}"/>
+              </a:ext>
+            </a:extLst>
+          </p:cNvPr>
+          <p:cNvPicPr>
+            <a:picLocks noChangeAspect="1"/>
+          </p:cNvPicPr>
+          <p:nvPr/>
+        </p:nvPicPr>
+        <p:blipFill>
+          <a:blip r:embed="rId2"/>
+          <a:stretch>
+            <a:fillRect/>
+          </a:stretch>
+        </p:blipFill>
+        <p:spPr>
+          <a:xfrm>
+            <a:off x="4369576" y="913647"/>
+            <a:ext cx="4774424" cy="2972278"/>
+          </a:xfrm>
+          <a:prstGeom prst="rect">
+            <a:avLst/>
+          </a:prstGeom>
+          <a:ln w="38100" cap="sq">
+            <a:solidFill>
+              <a:srgbClr val="000000"/>
+            </a:solidFill>
+            <a:prstDash val="solid"/>
+            <a:miter lim="800000"/>
+          </a:ln>
+          <a:effectLst>
+            <a:outerShdw blurRad="50800" dist="38100" dir="2700000" algn="tl" rotWithShape="0">
+              <a:srgbClr val="000000">
+                <a:alpha val="43000"/>
+              </a:srgbClr>
+            </a:outerShdw>
+          </a:effectLst>
+        </p:spPr>
+      </p:pic>
+      <p:sp>
+        <p:nvSpPr>
+          <p:cNvPr id="5" name="Content Placeholder 2">
+            <a:extLst>
+              <a:ext uri="{FF2B5EF4-FFF2-40B4-BE49-F238E27FC236}">
+                <a16:creationId xmlns:a16="http://schemas.microsoft.com/office/drawing/2014/main" id="{F386B4DC-CCC5-43CE-A542-A5B6E570E0B4}"/>
+              </a:ext>
+            </a:extLst>
+          </p:cNvPr>
+          <p:cNvSpPr txBox="1">
+            <a:spLocks/>
+          </p:cNvSpPr>
+          <p:nvPr/>
+        </p:nvSpPr>
+        <p:spPr bwMode="auto">
+          <a:xfrm>
+            <a:off x="181484" y="4599921"/>
+            <a:ext cx="8962516" cy="2185866"/>
+          </a:xfrm>
+          <a:prstGeom prst="rect">
+            <a:avLst/>
+          </a:prstGeom>
+          <a:solidFill>
+            <a:schemeClr val="tx1"/>
+          </a:solidFill>
+          <a:ln>
+            <a:noFill/>
+          </a:ln>
+        </p:spPr>
+        <p:txBody>
+          <a:bodyPr vert="horz" wrap="square" lIns="91440" tIns="45720" rIns="91440" bIns="45720" numCol="1" anchor="t" anchorCtr="0" compatLnSpc="1">
+            <a:prstTxWarp prst="textNoShape">
+              <a:avLst/>
+            </a:prstTxWarp>
+          </a:bodyPr>
+          <a:lstStyle>
+            <a:lvl1pPr marL="0" indent="0" algn="l" rtl="0" eaLnBrk="0" fontAlgn="base" hangingPunct="0">
+              <a:spcBef>
+                <a:spcPct val="20000"/>
+              </a:spcBef>
+              <a:spcAft>
+                <a:spcPct val="0"/>
+              </a:spcAft>
+              <a:buNone/>
+              <a:defRPr sz="3200">
+                <a:solidFill>
+                  <a:schemeClr val="tx1"/>
+                </a:solidFill>
+                <a:latin typeface="Source Sans Pro" panose="020B0503030403020204" pitchFamily="34" charset="0"/>
+                <a:ea typeface="Source Sans Pro" panose="020B0503030403020204" pitchFamily="34" charset="0"/>
+                <a:cs typeface="+mn-cs"/>
+              </a:defRPr>
+            </a:lvl1pPr>
+            <a:lvl2pPr marL="742950" indent="-285750" algn="l" rtl="0" eaLnBrk="0" fontAlgn="base" hangingPunct="0">
+              <a:spcBef>
+                <a:spcPct val="20000"/>
+              </a:spcBef>
+              <a:spcAft>
+                <a:spcPct val="0"/>
+              </a:spcAft>
+              <a:buSzPct val="90000"/>
+              <a:buFont typeface="Wingdings" panose="05000000000000000000" pitchFamily="2" charset="2"/>
+              <a:buChar char="§"/>
+              <a:defRPr sz="2800">
+                <a:solidFill>
+                  <a:schemeClr val="tx1"/>
+                </a:solidFill>
+                <a:latin typeface="Source Sans Pro" panose="020B0503030403020204" pitchFamily="34" charset="0"/>
+                <a:ea typeface="Source Sans Pro" panose="020B0503030403020204" pitchFamily="34" charset="0"/>
+              </a:defRPr>
+            </a:lvl2pPr>
+            <a:lvl3pPr marL="1143000" indent="-228600" algn="l" rtl="0" eaLnBrk="0" fontAlgn="base" hangingPunct="0">
+              <a:spcBef>
+                <a:spcPct val="20000"/>
+              </a:spcBef>
+              <a:spcAft>
+                <a:spcPct val="0"/>
+              </a:spcAft>
+              <a:buChar char="•"/>
+              <a:defRPr sz="2400">
+                <a:solidFill>
+                  <a:schemeClr val="tx1"/>
+                </a:solidFill>
+                <a:latin typeface="Source Sans Pro" panose="020B0503030403020204" pitchFamily="34" charset="0"/>
+                <a:ea typeface="Source Sans Pro" panose="020B0503030403020204" pitchFamily="34" charset="0"/>
+              </a:defRPr>
+            </a:lvl3pPr>
+            <a:lvl4pPr marL="1600200" indent="-228600" algn="l" rtl="0" eaLnBrk="0" fontAlgn="base" hangingPunct="0">
+              <a:spcBef>
+                <a:spcPct val="20000"/>
+              </a:spcBef>
+              <a:spcAft>
+                <a:spcPct val="0"/>
+              </a:spcAft>
+              <a:buChar char="–"/>
+              <a:defRPr sz="2000">
+                <a:solidFill>
+                  <a:schemeClr val="tx1"/>
+                </a:solidFill>
+                <a:latin typeface="Source Sans Pro" panose="020B0503030403020204" pitchFamily="34" charset="0"/>
+                <a:ea typeface="Source Sans Pro" panose="020B0503030403020204" pitchFamily="34" charset="0"/>
+              </a:defRPr>
+            </a:lvl4pPr>
+            <a:lvl5pPr marL="2057400" indent="-228600" algn="l" rtl="0" eaLnBrk="0" fontAlgn="base" hangingPunct="0">
+              <a:spcBef>
+                <a:spcPct val="20000"/>
+              </a:spcBef>
+              <a:spcAft>
+                <a:spcPct val="0"/>
+              </a:spcAft>
+              <a:buChar char="»"/>
+              <a:defRPr sz="2000">
+                <a:solidFill>
+                  <a:schemeClr val="tx1"/>
+                </a:solidFill>
+                <a:latin typeface="Source Sans Pro" panose="020B0503030403020204" pitchFamily="34" charset="0"/>
+                <a:ea typeface="Source Sans Pro" panose="020B0503030403020204" pitchFamily="34" charset="0"/>
+              </a:defRPr>
+            </a:lvl5pPr>
+            <a:lvl6pPr marL="2514600" indent="-228600" algn="l" rtl="0" fontAlgn="base">
+              <a:spcBef>
+                <a:spcPct val="20000"/>
+              </a:spcBef>
+              <a:spcAft>
+                <a:spcPct val="0"/>
+              </a:spcAft>
+              <a:buChar char="»"/>
+              <a:defRPr sz="2000">
+                <a:solidFill>
+                  <a:schemeClr val="tx1"/>
+                </a:solidFill>
+                <a:latin typeface="+mn-lt"/>
+              </a:defRPr>
+            </a:lvl6pPr>
+            <a:lvl7pPr marL="2971800" indent="-228600" algn="l" rtl="0" fontAlgn="base">
+              <a:spcBef>
+                <a:spcPct val="20000"/>
+              </a:spcBef>
+              <a:spcAft>
+                <a:spcPct val="0"/>
+              </a:spcAft>
+              <a:buChar char="»"/>
+              <a:defRPr sz="2000">
+                <a:solidFill>
+                  <a:schemeClr val="tx1"/>
+                </a:solidFill>
+                <a:latin typeface="+mn-lt"/>
+              </a:defRPr>
+            </a:lvl7pPr>
+            <a:lvl8pPr marL="3429000" indent="-228600" algn="l" rtl="0" fontAlgn="base">
+              <a:spcBef>
+                <a:spcPct val="20000"/>
+              </a:spcBef>
+              <a:spcAft>
+                <a:spcPct val="0"/>
+              </a:spcAft>
+              <a:buChar char="»"/>
+              <a:defRPr sz="2000">
+                <a:solidFill>
+                  <a:schemeClr val="tx1"/>
+                </a:solidFill>
+                <a:latin typeface="+mn-lt"/>
+              </a:defRPr>
+            </a:lvl8pPr>
+            <a:lvl9pPr marL="3886200" indent="-228600" algn="l" rtl="0" fontAlgn="base">
+              <a:spcBef>
+                <a:spcPct val="20000"/>
+              </a:spcBef>
+              <a:spcAft>
+                <a:spcPct val="0"/>
+              </a:spcAft>
+              <a:buChar char="»"/>
+              <a:defRPr sz="2000">
+                <a:solidFill>
+                  <a:schemeClr val="tx1"/>
+                </a:solidFill>
+                <a:latin typeface="+mn-lt"/>
+              </a:defRPr>
+            </a:lvl9pPr>
+          </a:lstStyle>
+          <a:p>
+            <a:r>
+              <a:rPr lang="en-US" sz="1400" dirty="0">
+                <a:solidFill>
+                  <a:srgbClr val="569CD6"/>
+                </a:solidFill>
+                <a:latin typeface="Cascadia Code,  Courier New"/>
+              </a:rPr>
+              <a:t>public</a:t>
+            </a:r>
+            <a:r>
+              <a:rPr lang="en-US" sz="1400" dirty="0">
+                <a:solidFill>
+                  <a:srgbClr val="D4D4D4"/>
+                </a:solidFill>
+                <a:latin typeface="Cascadia Code,  Courier New"/>
+              </a:rPr>
+              <a:t> </a:t>
+            </a:r>
+            <a:r>
+              <a:rPr lang="en-US" sz="1400" dirty="0">
+                <a:solidFill>
+                  <a:srgbClr val="569CD6"/>
+                </a:solidFill>
+                <a:latin typeface="Cascadia Code,  Courier New"/>
+              </a:rPr>
+              <a:t>static</a:t>
+            </a:r>
+            <a:r>
+              <a:rPr lang="en-US" sz="1400" dirty="0">
+                <a:solidFill>
+                  <a:srgbClr val="D4D4D4"/>
+                </a:solidFill>
+                <a:latin typeface="Cascadia Code,  Courier New"/>
+              </a:rPr>
+              <a:t> </a:t>
+            </a:r>
+            <a:r>
+              <a:rPr lang="en-US" sz="1400" dirty="0" err="1">
+                <a:solidFill>
+                  <a:srgbClr val="4EC9B0"/>
+                </a:solidFill>
+                <a:latin typeface="Cascadia Code,  Courier New"/>
+              </a:rPr>
+              <a:t>boolean</a:t>
+            </a:r>
+            <a:r>
+              <a:rPr lang="en-US" sz="1400" dirty="0">
+                <a:solidFill>
+                  <a:srgbClr val="D4D4D4"/>
+                </a:solidFill>
+                <a:latin typeface="Cascadia Code,  Courier New"/>
+              </a:rPr>
+              <a:t> </a:t>
+            </a:r>
+            <a:r>
+              <a:rPr lang="en-US" sz="1400" dirty="0" err="1">
+                <a:solidFill>
+                  <a:srgbClr val="DCDCAA"/>
+                </a:solidFill>
+                <a:latin typeface="Cascadia Code,  Courier New"/>
+              </a:rPr>
+              <a:t>addEvent</a:t>
+            </a:r>
+            <a:r>
+              <a:rPr lang="en-US" sz="1400" dirty="0">
+                <a:solidFill>
+                  <a:srgbClr val="D4D4D4"/>
+                </a:solidFill>
+                <a:latin typeface="Cascadia Code,  Courier New"/>
+              </a:rPr>
+              <a:t>(String[][] calendar, String event, int day, int time, int duration){</a:t>
+            </a:r>
+          </a:p>
+          <a:p>
+            <a:endParaRPr lang="en-US" sz="1400" dirty="0">
+              <a:solidFill>
+                <a:srgbClr val="D4D4D4"/>
+              </a:solidFill>
+              <a:latin typeface="Cascadia Code,  Courier New"/>
+            </a:endParaRPr>
+          </a:p>
+          <a:p>
+            <a:endParaRPr lang="en-US" sz="1400" dirty="0">
+              <a:solidFill>
+                <a:srgbClr val="D4D4D4"/>
+              </a:solidFill>
+              <a:latin typeface="Cascadia Code,  Courier New"/>
+            </a:endParaRPr>
+          </a:p>
+          <a:p>
+            <a:endParaRPr lang="en-US" sz="1400" dirty="0">
+              <a:solidFill>
+                <a:srgbClr val="D4D4D4"/>
+              </a:solidFill>
+              <a:latin typeface="Cascadia Code,  Courier New"/>
+            </a:endParaRPr>
+          </a:p>
+          <a:p>
+            <a:endParaRPr lang="en-US" sz="1400" dirty="0">
+              <a:solidFill>
+                <a:srgbClr val="D4D4D4"/>
+              </a:solidFill>
+              <a:latin typeface="Cascadia Code,  Courier New"/>
+            </a:endParaRPr>
+          </a:p>
+          <a:p>
+            <a:endParaRPr lang="en-US" sz="1400" dirty="0">
+              <a:solidFill>
+                <a:srgbClr val="D4D4D4"/>
+              </a:solidFill>
+              <a:latin typeface="Cascadia Code,  Courier New"/>
+            </a:endParaRPr>
+          </a:p>
+          <a:p>
+            <a:endParaRPr lang="en-US" sz="1400" dirty="0">
+              <a:solidFill>
+                <a:srgbClr val="D4D4D4"/>
+              </a:solidFill>
+              <a:latin typeface="Cascadia Code,  Courier New"/>
+            </a:endParaRPr>
+          </a:p>
+          <a:p>
+            <a:r>
+              <a:rPr lang="en-US" sz="1400" dirty="0">
+                <a:solidFill>
+                  <a:srgbClr val="D4D4D4"/>
+                </a:solidFill>
+                <a:latin typeface="Cascadia Code,  Courier New"/>
+              </a:rPr>
+              <a:t>}</a:t>
+            </a:r>
+          </a:p>
+        </p:txBody>
+      </p:sp>
+    </p:spTree>
+    <p:extLst>
+      <p:ext uri="{BB962C8B-B14F-4D97-AF65-F5344CB8AC3E}">
+        <p14:creationId xmlns:p14="http://schemas.microsoft.com/office/powerpoint/2010/main" val="2139507555"/>
+      </p:ext>
+    </p:extLst>
+  </p:cSld>
+  <p:clrMapOvr>
+    <a:masterClrMapping/>
+  </p:clrMapOvr>
+</p:sld>
+</file>
+
+<file path=ppt/slides/slide19.xml><?xml version="1.0" encoding="utf-8"?>
 <p:sld xmlns:a="http://schemas.openxmlformats.org/drawingml/2006/main" xmlns:r="http://schemas.openxmlformats.org/officeDocument/2006/relationships" xmlns:p="http://schemas.openxmlformats.org/presentationml/2006/main" showMasterSp="0">
   <p:cSld>
     <p:spTree>
@@ -6439,7 +7455,7 @@
             <a:pPr eaLnBrk="1" hangingPunct="1"/>
             <a:r>
               <a:rPr lang="es-MX" altLang="en-US" sz="2800" dirty="0"/>
-              <a:t>Los arreglos multidimensionales se representan internamente como muchos arreglos de una dimensión.</a:t>
+              <a:t>Los arreglos multidimensionales se representan internamente como arreglos de una dimensión.</a:t>
             </a:r>
           </a:p>
           <a:p>
@@ -6654,538 +7670,6 @@
           </a:prstGeom>
         </p:spPr>
       </p:pic>
-    </p:spTree>
-  </p:cSld>
-  <p:clrMapOvr>
-    <a:masterClrMapping/>
-  </p:clrMapOvr>
-</p:sld>
-</file>
-
-<file path=ppt/slides/slide19.xml><?xml version="1.0" encoding="utf-8"?>
-<p:sld xmlns:a="http://schemas.openxmlformats.org/drawingml/2006/main" xmlns:r="http://schemas.openxmlformats.org/officeDocument/2006/relationships" xmlns:p="http://schemas.openxmlformats.org/presentationml/2006/main" showMasterSp="0">
-  <p:cSld>
-    <p:spTree>
-      <p:nvGrpSpPr>
-        <p:cNvPr id="1" name=""/>
-        <p:cNvGrpSpPr/>
-        <p:nvPr/>
-      </p:nvGrpSpPr>
-      <p:grpSpPr>
-        <a:xfrm>
-          <a:off x="0" y="0"/>
-          <a:ext cx="0" cy="0"/>
-          <a:chOff x="0" y="0"/>
-          <a:chExt cx="0" cy="0"/>
-        </a:xfrm>
-      </p:grpSpPr>
-      <p:sp>
-        <p:nvSpPr>
-          <p:cNvPr id="22530" name="Title 1">
-            <a:extLst>
-              <a:ext uri="{FF2B5EF4-FFF2-40B4-BE49-F238E27FC236}">
-                <a16:creationId xmlns:a16="http://schemas.microsoft.com/office/drawing/2014/main" id="{00A33F5A-159D-4677-A8D0-1937142946B4}"/>
-              </a:ext>
-            </a:extLst>
-          </p:cNvPr>
-          <p:cNvSpPr>
-            <a:spLocks noGrp="1"/>
-          </p:cNvSpPr>
-          <p:nvPr>
-            <p:ph type="title"/>
-          </p:nvPr>
-        </p:nvSpPr>
-        <p:spPr/>
-        <p:txBody>
-          <a:bodyPr/>
-          <a:lstStyle/>
-          <a:p>
-            <a:pPr eaLnBrk="1" hangingPunct="1"/>
-            <a:r>
-              <a:rPr lang="en-US" altLang="en-US" dirty="0"/>
-              <a:t>Ragged Arrays</a:t>
-            </a:r>
-          </a:p>
-        </p:txBody>
-      </p:sp>
-      <p:sp>
-        <p:nvSpPr>
-          <p:cNvPr id="22531" name="Content Placeholder 2">
-            <a:extLst>
-              <a:ext uri="{FF2B5EF4-FFF2-40B4-BE49-F238E27FC236}">
-                <a16:creationId xmlns:a16="http://schemas.microsoft.com/office/drawing/2014/main" id="{2D1A6E3B-DC26-42FA-8C4B-6F84B482E53D}"/>
-              </a:ext>
-            </a:extLst>
-          </p:cNvPr>
-          <p:cNvSpPr>
-            <a:spLocks noGrp="1"/>
-          </p:cNvSpPr>
-          <p:nvPr>
-            <p:ph idx="1"/>
-          </p:nvPr>
-        </p:nvSpPr>
-        <p:spPr/>
-        <p:txBody>
-          <a:bodyPr/>
-          <a:lstStyle/>
-          <a:p>
-            <a:pPr eaLnBrk="1" hangingPunct="1"/>
-            <a:r>
-              <a:rPr lang="es-MX" altLang="en-US" dirty="0"/>
-              <a:t>No todos los elementos del arreglo tienen que ser del mismo tamaño.</a:t>
-            </a:r>
-            <a:endParaRPr lang="en-US" altLang="en-US" dirty="0"/>
-          </a:p>
-          <a:p>
-            <a:pPr eaLnBrk="1" hangingPunct="1"/>
-            <a:r>
-              <a:rPr lang="en-US" altLang="en-US" dirty="0" err="1"/>
-              <a:t>Ejemplo</a:t>
-            </a:r>
-            <a:r>
-              <a:rPr lang="en-US" altLang="en-US" dirty="0"/>
-              <a:t>:</a:t>
-            </a:r>
-          </a:p>
-        </p:txBody>
-      </p:sp>
-      <p:sp>
-        <p:nvSpPr>
-          <p:cNvPr id="5" name="Rectangle 4">
-            <a:extLst>
-              <a:ext uri="{FF2B5EF4-FFF2-40B4-BE49-F238E27FC236}">
-                <a16:creationId xmlns:a16="http://schemas.microsoft.com/office/drawing/2014/main" id="{60A0E600-9A6D-C44E-B68A-C4CC29A5A502}"/>
-              </a:ext>
-            </a:extLst>
-          </p:cNvPr>
-          <p:cNvSpPr/>
-          <p:nvPr/>
-        </p:nvSpPr>
-        <p:spPr>
-          <a:xfrm>
-            <a:off x="457200" y="3140478"/>
-            <a:ext cx="8436646" cy="1754326"/>
-          </a:xfrm>
-          <a:prstGeom prst="rect">
-            <a:avLst/>
-          </a:prstGeom>
-          <a:solidFill>
-            <a:schemeClr val="tx1"/>
-          </a:solidFill>
-        </p:spPr>
-        <p:txBody>
-          <a:bodyPr wrap="square">
-            <a:spAutoFit/>
-          </a:bodyPr>
-          <a:lstStyle/>
-          <a:p>
-            <a:r>
-              <a:rPr lang="en-US" dirty="0">
-                <a:solidFill>
-                  <a:srgbClr val="4EC9B0"/>
-                </a:solidFill>
-                <a:latin typeface="Menlo" panose="020B0609030804020204" pitchFamily="49" charset="0"/>
-              </a:rPr>
-              <a:t>int</a:t>
-            </a:r>
-            <a:r>
-              <a:rPr lang="en-US" dirty="0">
-                <a:solidFill>
-                  <a:srgbClr val="D4D4D4"/>
-                </a:solidFill>
-                <a:latin typeface="Menlo" panose="020B0609030804020204" pitchFamily="49" charset="0"/>
-              </a:rPr>
-              <a:t>[][] </a:t>
-            </a:r>
-            <a:r>
-              <a:rPr lang="en-US" dirty="0">
-                <a:solidFill>
-                  <a:srgbClr val="9CDCFE"/>
-                </a:solidFill>
-                <a:latin typeface="Menlo" panose="020B0609030804020204" pitchFamily="49" charset="0"/>
-              </a:rPr>
-              <a:t>b</a:t>
-            </a:r>
-            <a:r>
-              <a:rPr lang="en-US" dirty="0">
-                <a:solidFill>
-                  <a:srgbClr val="D4D4D4"/>
-                </a:solidFill>
-                <a:latin typeface="Menlo" panose="020B0609030804020204" pitchFamily="49" charset="0"/>
-              </a:rPr>
-              <a:t>;</a:t>
-            </a:r>
-          </a:p>
-          <a:p>
-            <a:r>
-              <a:rPr lang="en-US" dirty="0">
-                <a:solidFill>
-                  <a:srgbClr val="D4D4D4"/>
-                </a:solidFill>
-                <a:latin typeface="Menlo" panose="020B0609030804020204" pitchFamily="49" charset="0"/>
-              </a:rPr>
-              <a:t>b = </a:t>
-            </a:r>
-            <a:r>
-              <a:rPr lang="en-US" dirty="0">
-                <a:solidFill>
-                  <a:srgbClr val="C586C0"/>
-                </a:solidFill>
-                <a:latin typeface="Menlo" panose="020B0609030804020204" pitchFamily="49" charset="0"/>
-              </a:rPr>
-              <a:t>new</a:t>
-            </a:r>
-            <a:r>
-              <a:rPr lang="en-US" dirty="0">
-                <a:solidFill>
-                  <a:srgbClr val="D4D4D4"/>
-                </a:solidFill>
-                <a:latin typeface="Menlo" panose="020B0609030804020204" pitchFamily="49" charset="0"/>
-              </a:rPr>
-              <a:t> </a:t>
-            </a:r>
-            <a:r>
-              <a:rPr lang="en-US" dirty="0">
-                <a:solidFill>
-                  <a:srgbClr val="4EC9B0"/>
-                </a:solidFill>
-                <a:latin typeface="Menlo" panose="020B0609030804020204" pitchFamily="49" charset="0"/>
-              </a:rPr>
-              <a:t>int</a:t>
-            </a:r>
-            <a:r>
-              <a:rPr lang="en-US" dirty="0">
-                <a:solidFill>
-                  <a:srgbClr val="D4D4D4"/>
-                </a:solidFill>
-                <a:latin typeface="Menlo" panose="020B0609030804020204" pitchFamily="49" charset="0"/>
-              </a:rPr>
-              <a:t>[</a:t>
-            </a:r>
-            <a:r>
-              <a:rPr lang="en-US" dirty="0">
-                <a:solidFill>
-                  <a:srgbClr val="B5CEA8"/>
-                </a:solidFill>
-                <a:latin typeface="Menlo" panose="020B0609030804020204" pitchFamily="49" charset="0"/>
-              </a:rPr>
-              <a:t>3</a:t>
-            </a:r>
-            <a:r>
-              <a:rPr lang="en-US" dirty="0">
-                <a:solidFill>
-                  <a:srgbClr val="D4D4D4"/>
-                </a:solidFill>
-                <a:latin typeface="Menlo" panose="020B0609030804020204" pitchFamily="49" charset="0"/>
-              </a:rPr>
-              <a:t>][];</a:t>
-            </a:r>
-          </a:p>
-          <a:p>
-            <a:r>
-              <a:rPr lang="en-US" dirty="0">
-                <a:solidFill>
-                  <a:srgbClr val="D4D4D4"/>
-                </a:solidFill>
-                <a:latin typeface="Menlo" panose="020B0609030804020204" pitchFamily="49" charset="0"/>
-              </a:rPr>
-              <a:t>b[</a:t>
-            </a:r>
-            <a:r>
-              <a:rPr lang="en-US" dirty="0">
-                <a:solidFill>
-                  <a:srgbClr val="B5CEA8"/>
-                </a:solidFill>
-                <a:latin typeface="Menlo" panose="020B0609030804020204" pitchFamily="49" charset="0"/>
-              </a:rPr>
-              <a:t>0</a:t>
-            </a:r>
-            <a:r>
-              <a:rPr lang="en-US" dirty="0">
-                <a:solidFill>
-                  <a:srgbClr val="D4D4D4"/>
-                </a:solidFill>
-                <a:latin typeface="Menlo" panose="020B0609030804020204" pitchFamily="49" charset="0"/>
-              </a:rPr>
-              <a:t>] = </a:t>
-            </a:r>
-            <a:r>
-              <a:rPr lang="en-US" dirty="0">
-                <a:solidFill>
-                  <a:srgbClr val="C586C0"/>
-                </a:solidFill>
-                <a:latin typeface="Menlo" panose="020B0609030804020204" pitchFamily="49" charset="0"/>
-              </a:rPr>
-              <a:t>new</a:t>
-            </a:r>
-            <a:r>
-              <a:rPr lang="en-US" dirty="0">
-                <a:solidFill>
-                  <a:srgbClr val="D4D4D4"/>
-                </a:solidFill>
-                <a:latin typeface="Menlo" panose="020B0609030804020204" pitchFamily="49" charset="0"/>
-              </a:rPr>
-              <a:t> </a:t>
-            </a:r>
-            <a:r>
-              <a:rPr lang="en-US" dirty="0">
-                <a:solidFill>
-                  <a:srgbClr val="4EC9B0"/>
-                </a:solidFill>
-                <a:latin typeface="Menlo" panose="020B0609030804020204" pitchFamily="49" charset="0"/>
-              </a:rPr>
-              <a:t>int</a:t>
-            </a:r>
-            <a:r>
-              <a:rPr lang="en-US" dirty="0">
-                <a:solidFill>
-                  <a:srgbClr val="D4D4D4"/>
-                </a:solidFill>
-                <a:latin typeface="Menlo" panose="020B0609030804020204" pitchFamily="49" charset="0"/>
-              </a:rPr>
-              <a:t>[</a:t>
-            </a:r>
-            <a:r>
-              <a:rPr lang="en-US" dirty="0">
-                <a:solidFill>
-                  <a:srgbClr val="B5CEA8"/>
-                </a:solidFill>
-                <a:latin typeface="Menlo" panose="020B0609030804020204" pitchFamily="49" charset="0"/>
-              </a:rPr>
-              <a:t>5</a:t>
-            </a:r>
-            <a:r>
-              <a:rPr lang="en-US" dirty="0">
-                <a:solidFill>
-                  <a:srgbClr val="D4D4D4"/>
-                </a:solidFill>
-                <a:latin typeface="Menlo" panose="020B0609030804020204" pitchFamily="49" charset="0"/>
-              </a:rPr>
-              <a:t>]; </a:t>
-            </a:r>
-            <a:r>
-              <a:rPr lang="en-US" dirty="0">
-                <a:solidFill>
-                  <a:srgbClr val="6A9955"/>
-                </a:solidFill>
-                <a:latin typeface="Menlo" panose="020B0609030804020204" pitchFamily="49" charset="0"/>
-              </a:rPr>
-              <a:t>//First row, 5 elements</a:t>
-            </a:r>
-            <a:endParaRPr lang="en-US" dirty="0">
-              <a:solidFill>
-                <a:srgbClr val="D4D4D4"/>
-              </a:solidFill>
-              <a:latin typeface="Menlo" panose="020B0609030804020204" pitchFamily="49" charset="0"/>
-            </a:endParaRPr>
-          </a:p>
-          <a:p>
-            <a:r>
-              <a:rPr lang="en-US" dirty="0">
-                <a:solidFill>
-                  <a:srgbClr val="D4D4D4"/>
-                </a:solidFill>
-                <a:latin typeface="Menlo" panose="020B0609030804020204" pitchFamily="49" charset="0"/>
-              </a:rPr>
-              <a:t>b[</a:t>
-            </a:r>
-            <a:r>
-              <a:rPr lang="en-US" dirty="0">
-                <a:solidFill>
-                  <a:srgbClr val="B5CEA8"/>
-                </a:solidFill>
-                <a:latin typeface="Menlo" panose="020B0609030804020204" pitchFamily="49" charset="0"/>
-              </a:rPr>
-              <a:t>1</a:t>
-            </a:r>
-            <a:r>
-              <a:rPr lang="en-US" dirty="0">
-                <a:solidFill>
-                  <a:srgbClr val="D4D4D4"/>
-                </a:solidFill>
-                <a:latin typeface="Menlo" panose="020B0609030804020204" pitchFamily="49" charset="0"/>
-              </a:rPr>
-              <a:t>] = </a:t>
-            </a:r>
-            <a:r>
-              <a:rPr lang="en-US" dirty="0">
-                <a:solidFill>
-                  <a:srgbClr val="C586C0"/>
-                </a:solidFill>
-                <a:latin typeface="Menlo" panose="020B0609030804020204" pitchFamily="49" charset="0"/>
-              </a:rPr>
-              <a:t>new</a:t>
-            </a:r>
-            <a:r>
-              <a:rPr lang="en-US" dirty="0">
-                <a:solidFill>
-                  <a:srgbClr val="D4D4D4"/>
-                </a:solidFill>
-                <a:latin typeface="Menlo" panose="020B0609030804020204" pitchFamily="49" charset="0"/>
-              </a:rPr>
-              <a:t> </a:t>
-            </a:r>
-            <a:r>
-              <a:rPr lang="en-US" dirty="0">
-                <a:solidFill>
-                  <a:srgbClr val="4EC9B0"/>
-                </a:solidFill>
-                <a:latin typeface="Menlo" panose="020B0609030804020204" pitchFamily="49" charset="0"/>
-              </a:rPr>
-              <a:t>int</a:t>
-            </a:r>
-            <a:r>
-              <a:rPr lang="en-US" dirty="0">
-                <a:solidFill>
-                  <a:srgbClr val="D4D4D4"/>
-                </a:solidFill>
-                <a:latin typeface="Menlo" panose="020B0609030804020204" pitchFamily="49" charset="0"/>
-              </a:rPr>
-              <a:t>[</a:t>
-            </a:r>
-            <a:r>
-              <a:rPr lang="en-US" dirty="0">
-                <a:solidFill>
-                  <a:srgbClr val="B5CEA8"/>
-                </a:solidFill>
-                <a:latin typeface="Menlo" panose="020B0609030804020204" pitchFamily="49" charset="0"/>
-              </a:rPr>
-              <a:t>7</a:t>
-            </a:r>
-            <a:r>
-              <a:rPr lang="en-US" dirty="0">
-                <a:solidFill>
-                  <a:srgbClr val="D4D4D4"/>
-                </a:solidFill>
-                <a:latin typeface="Menlo" panose="020B0609030804020204" pitchFamily="49" charset="0"/>
-              </a:rPr>
-              <a:t>]; </a:t>
-            </a:r>
-            <a:r>
-              <a:rPr lang="en-US" dirty="0">
-                <a:solidFill>
-                  <a:srgbClr val="6A9955"/>
-                </a:solidFill>
-                <a:latin typeface="Menlo" panose="020B0609030804020204" pitchFamily="49" charset="0"/>
-              </a:rPr>
-              <a:t>//Second row, 7 elements</a:t>
-            </a:r>
-            <a:endParaRPr lang="en-US" dirty="0">
-              <a:solidFill>
-                <a:srgbClr val="D4D4D4"/>
-              </a:solidFill>
-              <a:latin typeface="Menlo" panose="020B0609030804020204" pitchFamily="49" charset="0"/>
-            </a:endParaRPr>
-          </a:p>
-          <a:p>
-            <a:r>
-              <a:rPr lang="en-US" dirty="0">
-                <a:solidFill>
-                  <a:srgbClr val="D4D4D4"/>
-                </a:solidFill>
-                <a:latin typeface="Menlo" panose="020B0609030804020204" pitchFamily="49" charset="0"/>
-              </a:rPr>
-              <a:t>b[</a:t>
-            </a:r>
-            <a:r>
-              <a:rPr lang="en-US" dirty="0">
-                <a:solidFill>
-                  <a:srgbClr val="B5CEA8"/>
-                </a:solidFill>
-                <a:latin typeface="Menlo" panose="020B0609030804020204" pitchFamily="49" charset="0"/>
-              </a:rPr>
-              <a:t>2</a:t>
-            </a:r>
-            <a:r>
-              <a:rPr lang="en-US" dirty="0">
-                <a:solidFill>
-                  <a:srgbClr val="D4D4D4"/>
-                </a:solidFill>
-                <a:latin typeface="Menlo" panose="020B0609030804020204" pitchFamily="49" charset="0"/>
-              </a:rPr>
-              <a:t>] = </a:t>
-            </a:r>
-            <a:r>
-              <a:rPr lang="en-US" dirty="0">
-                <a:solidFill>
-                  <a:srgbClr val="C586C0"/>
-                </a:solidFill>
-                <a:latin typeface="Menlo" panose="020B0609030804020204" pitchFamily="49" charset="0"/>
-              </a:rPr>
-              <a:t>new</a:t>
-            </a:r>
-            <a:r>
-              <a:rPr lang="en-US" dirty="0">
-                <a:solidFill>
-                  <a:srgbClr val="D4D4D4"/>
-                </a:solidFill>
-                <a:latin typeface="Menlo" panose="020B0609030804020204" pitchFamily="49" charset="0"/>
-              </a:rPr>
-              <a:t> </a:t>
-            </a:r>
-            <a:r>
-              <a:rPr lang="en-US" dirty="0">
-                <a:solidFill>
-                  <a:srgbClr val="4EC9B0"/>
-                </a:solidFill>
-                <a:latin typeface="Menlo" panose="020B0609030804020204" pitchFamily="49" charset="0"/>
-              </a:rPr>
-              <a:t>int</a:t>
-            </a:r>
-            <a:r>
-              <a:rPr lang="en-US" dirty="0">
-                <a:solidFill>
-                  <a:srgbClr val="D4D4D4"/>
-                </a:solidFill>
-                <a:latin typeface="Menlo" panose="020B0609030804020204" pitchFamily="49" charset="0"/>
-              </a:rPr>
-              <a:t>[</a:t>
-            </a:r>
-            <a:r>
-              <a:rPr lang="en-US" dirty="0">
-                <a:solidFill>
-                  <a:srgbClr val="B5CEA8"/>
-                </a:solidFill>
-                <a:latin typeface="Menlo" panose="020B0609030804020204" pitchFamily="49" charset="0"/>
-              </a:rPr>
-              <a:t>4</a:t>
-            </a:r>
-            <a:r>
-              <a:rPr lang="en-US" dirty="0">
-                <a:solidFill>
-                  <a:srgbClr val="D4D4D4"/>
-                </a:solidFill>
-                <a:latin typeface="Menlo" panose="020B0609030804020204" pitchFamily="49" charset="0"/>
-              </a:rPr>
-              <a:t>]; </a:t>
-            </a:r>
-            <a:r>
-              <a:rPr lang="en-US" dirty="0">
-                <a:solidFill>
-                  <a:srgbClr val="6A9955"/>
-                </a:solidFill>
-                <a:latin typeface="Menlo" panose="020B0609030804020204" pitchFamily="49" charset="0"/>
-              </a:rPr>
-              <a:t>//Third row, 4 elements</a:t>
-            </a:r>
-            <a:br>
-              <a:rPr lang="en-US" dirty="0">
-                <a:solidFill>
-                  <a:srgbClr val="D4D4D4"/>
-                </a:solidFill>
-                <a:latin typeface="Menlo" panose="020B0609030804020204" pitchFamily="49" charset="0"/>
-              </a:rPr>
-            </a:br>
-            <a:endParaRPr lang="en-US" b="0" dirty="0">
-              <a:solidFill>
-                <a:srgbClr val="D4D4D4"/>
-              </a:solidFill>
-              <a:effectLst/>
-              <a:latin typeface="Menlo" panose="020B0609030804020204" pitchFamily="49" charset="0"/>
-            </a:endParaRPr>
-          </a:p>
-        </p:txBody>
-      </p:sp>
     </p:spTree>
   </p:cSld>
   <p:clrMapOvr>
@@ -7357,7 +7841,7 @@
         </p:nvSpPr>
         <p:spPr>
           <a:xfrm>
-            <a:off x="342899" y="2793240"/>
+            <a:off x="566264" y="2555914"/>
             <a:ext cx="6595373" cy="3970318"/>
           </a:xfrm>
           <a:prstGeom prst="rect">
@@ -8596,6 +9080,538 @@
       </p:grpSpPr>
       <p:sp>
         <p:nvSpPr>
+          <p:cNvPr id="22530" name="Title 1">
+            <a:extLst>
+              <a:ext uri="{FF2B5EF4-FFF2-40B4-BE49-F238E27FC236}">
+                <a16:creationId xmlns:a16="http://schemas.microsoft.com/office/drawing/2014/main" id="{00A33F5A-159D-4677-A8D0-1937142946B4}"/>
+              </a:ext>
+            </a:extLst>
+          </p:cNvPr>
+          <p:cNvSpPr>
+            <a:spLocks noGrp="1"/>
+          </p:cNvSpPr>
+          <p:nvPr>
+            <p:ph type="title"/>
+          </p:nvPr>
+        </p:nvSpPr>
+        <p:spPr/>
+        <p:txBody>
+          <a:bodyPr/>
+          <a:lstStyle/>
+          <a:p>
+            <a:pPr eaLnBrk="1" hangingPunct="1"/>
+            <a:r>
+              <a:rPr lang="en-US" altLang="en-US" dirty="0"/>
+              <a:t>Ragged Arrays</a:t>
+            </a:r>
+          </a:p>
+        </p:txBody>
+      </p:sp>
+      <p:sp>
+        <p:nvSpPr>
+          <p:cNvPr id="22531" name="Content Placeholder 2">
+            <a:extLst>
+              <a:ext uri="{FF2B5EF4-FFF2-40B4-BE49-F238E27FC236}">
+                <a16:creationId xmlns:a16="http://schemas.microsoft.com/office/drawing/2014/main" id="{2D1A6E3B-DC26-42FA-8C4B-6F84B482E53D}"/>
+              </a:ext>
+            </a:extLst>
+          </p:cNvPr>
+          <p:cNvSpPr>
+            <a:spLocks noGrp="1"/>
+          </p:cNvSpPr>
+          <p:nvPr>
+            <p:ph idx="1"/>
+          </p:nvPr>
+        </p:nvSpPr>
+        <p:spPr/>
+        <p:txBody>
+          <a:bodyPr/>
+          <a:lstStyle/>
+          <a:p>
+            <a:pPr eaLnBrk="1" hangingPunct="1"/>
+            <a:r>
+              <a:rPr lang="es-MX" altLang="en-US" dirty="0"/>
+              <a:t>No todos los elementos del arreglo tienen que ser del mismo tamaño.</a:t>
+            </a:r>
+            <a:endParaRPr lang="en-US" altLang="en-US" dirty="0"/>
+          </a:p>
+          <a:p>
+            <a:pPr eaLnBrk="1" hangingPunct="1"/>
+            <a:r>
+              <a:rPr lang="en-US" altLang="en-US" dirty="0" err="1"/>
+              <a:t>Ejemplo</a:t>
+            </a:r>
+            <a:r>
+              <a:rPr lang="en-US" altLang="en-US" dirty="0"/>
+              <a:t>:</a:t>
+            </a:r>
+          </a:p>
+        </p:txBody>
+      </p:sp>
+      <p:sp>
+        <p:nvSpPr>
+          <p:cNvPr id="5" name="Rectangle 4">
+            <a:extLst>
+              <a:ext uri="{FF2B5EF4-FFF2-40B4-BE49-F238E27FC236}">
+                <a16:creationId xmlns:a16="http://schemas.microsoft.com/office/drawing/2014/main" id="{60A0E600-9A6D-C44E-B68A-C4CC29A5A502}"/>
+              </a:ext>
+            </a:extLst>
+          </p:cNvPr>
+          <p:cNvSpPr/>
+          <p:nvPr/>
+        </p:nvSpPr>
+        <p:spPr>
+          <a:xfrm>
+            <a:off x="457200" y="3140478"/>
+            <a:ext cx="8436646" cy="1754326"/>
+          </a:xfrm>
+          <a:prstGeom prst="rect">
+            <a:avLst/>
+          </a:prstGeom>
+          <a:solidFill>
+            <a:schemeClr val="tx1"/>
+          </a:solidFill>
+        </p:spPr>
+        <p:txBody>
+          <a:bodyPr wrap="square">
+            <a:spAutoFit/>
+          </a:bodyPr>
+          <a:lstStyle/>
+          <a:p>
+            <a:r>
+              <a:rPr lang="en-US" dirty="0">
+                <a:solidFill>
+                  <a:srgbClr val="4EC9B0"/>
+                </a:solidFill>
+                <a:latin typeface="Menlo" panose="020B0609030804020204" pitchFamily="49" charset="0"/>
+              </a:rPr>
+              <a:t>int</a:t>
+            </a:r>
+            <a:r>
+              <a:rPr lang="en-US" dirty="0">
+                <a:solidFill>
+                  <a:srgbClr val="D4D4D4"/>
+                </a:solidFill>
+                <a:latin typeface="Menlo" panose="020B0609030804020204" pitchFamily="49" charset="0"/>
+              </a:rPr>
+              <a:t>[][] </a:t>
+            </a:r>
+            <a:r>
+              <a:rPr lang="en-US" dirty="0">
+                <a:solidFill>
+                  <a:srgbClr val="9CDCFE"/>
+                </a:solidFill>
+                <a:latin typeface="Menlo" panose="020B0609030804020204" pitchFamily="49" charset="0"/>
+              </a:rPr>
+              <a:t>b</a:t>
+            </a:r>
+            <a:r>
+              <a:rPr lang="en-US" dirty="0">
+                <a:solidFill>
+                  <a:srgbClr val="D4D4D4"/>
+                </a:solidFill>
+                <a:latin typeface="Menlo" panose="020B0609030804020204" pitchFamily="49" charset="0"/>
+              </a:rPr>
+              <a:t>;</a:t>
+            </a:r>
+          </a:p>
+          <a:p>
+            <a:r>
+              <a:rPr lang="en-US" dirty="0">
+                <a:solidFill>
+                  <a:srgbClr val="D4D4D4"/>
+                </a:solidFill>
+                <a:latin typeface="Menlo" panose="020B0609030804020204" pitchFamily="49" charset="0"/>
+              </a:rPr>
+              <a:t>b = </a:t>
+            </a:r>
+            <a:r>
+              <a:rPr lang="en-US" dirty="0">
+                <a:solidFill>
+                  <a:srgbClr val="C586C0"/>
+                </a:solidFill>
+                <a:latin typeface="Menlo" panose="020B0609030804020204" pitchFamily="49" charset="0"/>
+              </a:rPr>
+              <a:t>new</a:t>
+            </a:r>
+            <a:r>
+              <a:rPr lang="en-US" dirty="0">
+                <a:solidFill>
+                  <a:srgbClr val="D4D4D4"/>
+                </a:solidFill>
+                <a:latin typeface="Menlo" panose="020B0609030804020204" pitchFamily="49" charset="0"/>
+              </a:rPr>
+              <a:t> </a:t>
+            </a:r>
+            <a:r>
+              <a:rPr lang="en-US" dirty="0">
+                <a:solidFill>
+                  <a:srgbClr val="4EC9B0"/>
+                </a:solidFill>
+                <a:latin typeface="Menlo" panose="020B0609030804020204" pitchFamily="49" charset="0"/>
+              </a:rPr>
+              <a:t>int</a:t>
+            </a:r>
+            <a:r>
+              <a:rPr lang="en-US" dirty="0">
+                <a:solidFill>
+                  <a:srgbClr val="D4D4D4"/>
+                </a:solidFill>
+                <a:latin typeface="Menlo" panose="020B0609030804020204" pitchFamily="49" charset="0"/>
+              </a:rPr>
+              <a:t>[</a:t>
+            </a:r>
+            <a:r>
+              <a:rPr lang="en-US" dirty="0">
+                <a:solidFill>
+                  <a:srgbClr val="B5CEA8"/>
+                </a:solidFill>
+                <a:latin typeface="Menlo" panose="020B0609030804020204" pitchFamily="49" charset="0"/>
+              </a:rPr>
+              <a:t>3</a:t>
+            </a:r>
+            <a:r>
+              <a:rPr lang="en-US" dirty="0">
+                <a:solidFill>
+                  <a:srgbClr val="D4D4D4"/>
+                </a:solidFill>
+                <a:latin typeface="Menlo" panose="020B0609030804020204" pitchFamily="49" charset="0"/>
+              </a:rPr>
+              <a:t>][];</a:t>
+            </a:r>
+          </a:p>
+          <a:p>
+            <a:r>
+              <a:rPr lang="en-US" dirty="0">
+                <a:solidFill>
+                  <a:srgbClr val="D4D4D4"/>
+                </a:solidFill>
+                <a:latin typeface="Menlo" panose="020B0609030804020204" pitchFamily="49" charset="0"/>
+              </a:rPr>
+              <a:t>b[</a:t>
+            </a:r>
+            <a:r>
+              <a:rPr lang="en-US" dirty="0">
+                <a:solidFill>
+                  <a:srgbClr val="B5CEA8"/>
+                </a:solidFill>
+                <a:latin typeface="Menlo" panose="020B0609030804020204" pitchFamily="49" charset="0"/>
+              </a:rPr>
+              <a:t>0</a:t>
+            </a:r>
+            <a:r>
+              <a:rPr lang="en-US" dirty="0">
+                <a:solidFill>
+                  <a:srgbClr val="D4D4D4"/>
+                </a:solidFill>
+                <a:latin typeface="Menlo" panose="020B0609030804020204" pitchFamily="49" charset="0"/>
+              </a:rPr>
+              <a:t>] = </a:t>
+            </a:r>
+            <a:r>
+              <a:rPr lang="en-US" dirty="0">
+                <a:solidFill>
+                  <a:srgbClr val="C586C0"/>
+                </a:solidFill>
+                <a:latin typeface="Menlo" panose="020B0609030804020204" pitchFamily="49" charset="0"/>
+              </a:rPr>
+              <a:t>new</a:t>
+            </a:r>
+            <a:r>
+              <a:rPr lang="en-US" dirty="0">
+                <a:solidFill>
+                  <a:srgbClr val="D4D4D4"/>
+                </a:solidFill>
+                <a:latin typeface="Menlo" panose="020B0609030804020204" pitchFamily="49" charset="0"/>
+              </a:rPr>
+              <a:t> </a:t>
+            </a:r>
+            <a:r>
+              <a:rPr lang="en-US" dirty="0">
+                <a:solidFill>
+                  <a:srgbClr val="4EC9B0"/>
+                </a:solidFill>
+                <a:latin typeface="Menlo" panose="020B0609030804020204" pitchFamily="49" charset="0"/>
+              </a:rPr>
+              <a:t>int</a:t>
+            </a:r>
+            <a:r>
+              <a:rPr lang="en-US" dirty="0">
+                <a:solidFill>
+                  <a:srgbClr val="D4D4D4"/>
+                </a:solidFill>
+                <a:latin typeface="Menlo" panose="020B0609030804020204" pitchFamily="49" charset="0"/>
+              </a:rPr>
+              <a:t>[</a:t>
+            </a:r>
+            <a:r>
+              <a:rPr lang="en-US" dirty="0">
+                <a:solidFill>
+                  <a:srgbClr val="B5CEA8"/>
+                </a:solidFill>
+                <a:latin typeface="Menlo" panose="020B0609030804020204" pitchFamily="49" charset="0"/>
+              </a:rPr>
+              <a:t>5</a:t>
+            </a:r>
+            <a:r>
+              <a:rPr lang="en-US" dirty="0">
+                <a:solidFill>
+                  <a:srgbClr val="D4D4D4"/>
+                </a:solidFill>
+                <a:latin typeface="Menlo" panose="020B0609030804020204" pitchFamily="49" charset="0"/>
+              </a:rPr>
+              <a:t>]; </a:t>
+            </a:r>
+            <a:r>
+              <a:rPr lang="en-US" dirty="0">
+                <a:solidFill>
+                  <a:srgbClr val="6A9955"/>
+                </a:solidFill>
+                <a:latin typeface="Menlo" panose="020B0609030804020204" pitchFamily="49" charset="0"/>
+              </a:rPr>
+              <a:t>//First row, 5 elements</a:t>
+            </a:r>
+            <a:endParaRPr lang="en-US" dirty="0">
+              <a:solidFill>
+                <a:srgbClr val="D4D4D4"/>
+              </a:solidFill>
+              <a:latin typeface="Menlo" panose="020B0609030804020204" pitchFamily="49" charset="0"/>
+            </a:endParaRPr>
+          </a:p>
+          <a:p>
+            <a:r>
+              <a:rPr lang="en-US" dirty="0">
+                <a:solidFill>
+                  <a:srgbClr val="D4D4D4"/>
+                </a:solidFill>
+                <a:latin typeface="Menlo" panose="020B0609030804020204" pitchFamily="49" charset="0"/>
+              </a:rPr>
+              <a:t>b[</a:t>
+            </a:r>
+            <a:r>
+              <a:rPr lang="en-US" dirty="0">
+                <a:solidFill>
+                  <a:srgbClr val="B5CEA8"/>
+                </a:solidFill>
+                <a:latin typeface="Menlo" panose="020B0609030804020204" pitchFamily="49" charset="0"/>
+              </a:rPr>
+              <a:t>1</a:t>
+            </a:r>
+            <a:r>
+              <a:rPr lang="en-US" dirty="0">
+                <a:solidFill>
+                  <a:srgbClr val="D4D4D4"/>
+                </a:solidFill>
+                <a:latin typeface="Menlo" panose="020B0609030804020204" pitchFamily="49" charset="0"/>
+              </a:rPr>
+              <a:t>] = </a:t>
+            </a:r>
+            <a:r>
+              <a:rPr lang="en-US" dirty="0">
+                <a:solidFill>
+                  <a:srgbClr val="C586C0"/>
+                </a:solidFill>
+                <a:latin typeface="Menlo" panose="020B0609030804020204" pitchFamily="49" charset="0"/>
+              </a:rPr>
+              <a:t>new</a:t>
+            </a:r>
+            <a:r>
+              <a:rPr lang="en-US" dirty="0">
+                <a:solidFill>
+                  <a:srgbClr val="D4D4D4"/>
+                </a:solidFill>
+                <a:latin typeface="Menlo" panose="020B0609030804020204" pitchFamily="49" charset="0"/>
+              </a:rPr>
+              <a:t> </a:t>
+            </a:r>
+            <a:r>
+              <a:rPr lang="en-US" dirty="0">
+                <a:solidFill>
+                  <a:srgbClr val="4EC9B0"/>
+                </a:solidFill>
+                <a:latin typeface="Menlo" panose="020B0609030804020204" pitchFamily="49" charset="0"/>
+              </a:rPr>
+              <a:t>int</a:t>
+            </a:r>
+            <a:r>
+              <a:rPr lang="en-US" dirty="0">
+                <a:solidFill>
+                  <a:srgbClr val="D4D4D4"/>
+                </a:solidFill>
+                <a:latin typeface="Menlo" panose="020B0609030804020204" pitchFamily="49" charset="0"/>
+              </a:rPr>
+              <a:t>[</a:t>
+            </a:r>
+            <a:r>
+              <a:rPr lang="en-US" dirty="0">
+                <a:solidFill>
+                  <a:srgbClr val="B5CEA8"/>
+                </a:solidFill>
+                <a:latin typeface="Menlo" panose="020B0609030804020204" pitchFamily="49" charset="0"/>
+              </a:rPr>
+              <a:t>7</a:t>
+            </a:r>
+            <a:r>
+              <a:rPr lang="en-US" dirty="0">
+                <a:solidFill>
+                  <a:srgbClr val="D4D4D4"/>
+                </a:solidFill>
+                <a:latin typeface="Menlo" panose="020B0609030804020204" pitchFamily="49" charset="0"/>
+              </a:rPr>
+              <a:t>]; </a:t>
+            </a:r>
+            <a:r>
+              <a:rPr lang="en-US" dirty="0">
+                <a:solidFill>
+                  <a:srgbClr val="6A9955"/>
+                </a:solidFill>
+                <a:latin typeface="Menlo" panose="020B0609030804020204" pitchFamily="49" charset="0"/>
+              </a:rPr>
+              <a:t>//Second row, 7 elements</a:t>
+            </a:r>
+            <a:endParaRPr lang="en-US" dirty="0">
+              <a:solidFill>
+                <a:srgbClr val="D4D4D4"/>
+              </a:solidFill>
+              <a:latin typeface="Menlo" panose="020B0609030804020204" pitchFamily="49" charset="0"/>
+            </a:endParaRPr>
+          </a:p>
+          <a:p>
+            <a:r>
+              <a:rPr lang="en-US" dirty="0">
+                <a:solidFill>
+                  <a:srgbClr val="D4D4D4"/>
+                </a:solidFill>
+                <a:latin typeface="Menlo" panose="020B0609030804020204" pitchFamily="49" charset="0"/>
+              </a:rPr>
+              <a:t>b[</a:t>
+            </a:r>
+            <a:r>
+              <a:rPr lang="en-US" dirty="0">
+                <a:solidFill>
+                  <a:srgbClr val="B5CEA8"/>
+                </a:solidFill>
+                <a:latin typeface="Menlo" panose="020B0609030804020204" pitchFamily="49" charset="0"/>
+              </a:rPr>
+              <a:t>2</a:t>
+            </a:r>
+            <a:r>
+              <a:rPr lang="en-US" dirty="0">
+                <a:solidFill>
+                  <a:srgbClr val="D4D4D4"/>
+                </a:solidFill>
+                <a:latin typeface="Menlo" panose="020B0609030804020204" pitchFamily="49" charset="0"/>
+              </a:rPr>
+              <a:t>] = </a:t>
+            </a:r>
+            <a:r>
+              <a:rPr lang="en-US" dirty="0">
+                <a:solidFill>
+                  <a:srgbClr val="C586C0"/>
+                </a:solidFill>
+                <a:latin typeface="Menlo" panose="020B0609030804020204" pitchFamily="49" charset="0"/>
+              </a:rPr>
+              <a:t>new</a:t>
+            </a:r>
+            <a:r>
+              <a:rPr lang="en-US" dirty="0">
+                <a:solidFill>
+                  <a:srgbClr val="D4D4D4"/>
+                </a:solidFill>
+                <a:latin typeface="Menlo" panose="020B0609030804020204" pitchFamily="49" charset="0"/>
+              </a:rPr>
+              <a:t> </a:t>
+            </a:r>
+            <a:r>
+              <a:rPr lang="en-US" dirty="0">
+                <a:solidFill>
+                  <a:srgbClr val="4EC9B0"/>
+                </a:solidFill>
+                <a:latin typeface="Menlo" panose="020B0609030804020204" pitchFamily="49" charset="0"/>
+              </a:rPr>
+              <a:t>int</a:t>
+            </a:r>
+            <a:r>
+              <a:rPr lang="en-US" dirty="0">
+                <a:solidFill>
+                  <a:srgbClr val="D4D4D4"/>
+                </a:solidFill>
+                <a:latin typeface="Menlo" panose="020B0609030804020204" pitchFamily="49" charset="0"/>
+              </a:rPr>
+              <a:t>[</a:t>
+            </a:r>
+            <a:r>
+              <a:rPr lang="en-US" dirty="0">
+                <a:solidFill>
+                  <a:srgbClr val="B5CEA8"/>
+                </a:solidFill>
+                <a:latin typeface="Menlo" panose="020B0609030804020204" pitchFamily="49" charset="0"/>
+              </a:rPr>
+              <a:t>4</a:t>
+            </a:r>
+            <a:r>
+              <a:rPr lang="en-US" dirty="0">
+                <a:solidFill>
+                  <a:srgbClr val="D4D4D4"/>
+                </a:solidFill>
+                <a:latin typeface="Menlo" panose="020B0609030804020204" pitchFamily="49" charset="0"/>
+              </a:rPr>
+              <a:t>]; </a:t>
+            </a:r>
+            <a:r>
+              <a:rPr lang="en-US" dirty="0">
+                <a:solidFill>
+                  <a:srgbClr val="6A9955"/>
+                </a:solidFill>
+                <a:latin typeface="Menlo" panose="020B0609030804020204" pitchFamily="49" charset="0"/>
+              </a:rPr>
+              <a:t>//Third row, 4 elements</a:t>
+            </a:r>
+            <a:br>
+              <a:rPr lang="en-US" dirty="0">
+                <a:solidFill>
+                  <a:srgbClr val="D4D4D4"/>
+                </a:solidFill>
+                <a:latin typeface="Menlo" panose="020B0609030804020204" pitchFamily="49" charset="0"/>
+              </a:rPr>
+            </a:br>
+            <a:endParaRPr lang="en-US" b="0" dirty="0">
+              <a:solidFill>
+                <a:srgbClr val="D4D4D4"/>
+              </a:solidFill>
+              <a:effectLst/>
+              <a:latin typeface="Menlo" panose="020B0609030804020204" pitchFamily="49" charset="0"/>
+            </a:endParaRPr>
+          </a:p>
+        </p:txBody>
+      </p:sp>
+    </p:spTree>
+  </p:cSld>
+  <p:clrMapOvr>
+    <a:masterClrMapping/>
+  </p:clrMapOvr>
+</p:sld>
+</file>
+
+<file path=ppt/slides/slide21.xml><?xml version="1.0" encoding="utf-8"?>
+<p:sld xmlns:a="http://schemas.openxmlformats.org/drawingml/2006/main" xmlns:r="http://schemas.openxmlformats.org/officeDocument/2006/relationships" xmlns:p="http://schemas.openxmlformats.org/presentationml/2006/main" showMasterSp="0">
+  <p:cSld>
+    <p:spTree>
+      <p:nvGrpSpPr>
+        <p:cNvPr id="1" name=""/>
+        <p:cNvGrpSpPr/>
+        <p:nvPr/>
+      </p:nvGrpSpPr>
+      <p:grpSpPr>
+        <a:xfrm>
+          <a:off x="0" y="0"/>
+          <a:ext cx="0" cy="0"/>
+          <a:chOff x="0" y="0"/>
+          <a:chExt cx="0" cy="0"/>
+        </a:xfrm>
+      </p:grpSpPr>
+      <p:sp>
+        <p:nvSpPr>
           <p:cNvPr id="7" name="Content Placeholder 2">
             <a:extLst>
               <a:ext uri="{FF2B5EF4-FFF2-40B4-BE49-F238E27FC236}">
@@ -9554,7 +10570,7 @@
 </p:sld>
 </file>
 
-<file path=ppt/slides/slide21.xml><?xml version="1.0" encoding="utf-8"?>
+<file path=ppt/slides/slide22.xml><?xml version="1.0" encoding="utf-8"?>
 <p:sld xmlns:a="http://schemas.openxmlformats.org/drawingml/2006/main" xmlns:r="http://schemas.openxmlformats.org/officeDocument/2006/relationships" xmlns:p="http://schemas.openxmlformats.org/presentationml/2006/main" showMasterSp="0">
   <p:cSld>
     <p:spTree>
@@ -9668,7 +10684,7 @@
 </p:sld>
 </file>
 
-<file path=ppt/slides/slide22.xml><?xml version="1.0" encoding="utf-8"?>
+<file path=ppt/slides/slide23.xml><?xml version="1.0" encoding="utf-8"?>
 <p:sld xmlns:a="http://schemas.openxmlformats.org/drawingml/2006/main" xmlns:r="http://schemas.openxmlformats.org/officeDocument/2006/relationships" xmlns:p="http://schemas.openxmlformats.org/presentationml/2006/main">
   <p:cSld>
     <p:spTree>
@@ -11014,6 +12030,51 @@
                       </p:childTnLst>
                     </p:cTn>
                   </p:par>
+                  <p:par>
+                    <p:cTn id="19" fill="hold">
+                      <p:stCondLst>
+                        <p:cond delay="indefinite"/>
+                      </p:stCondLst>
+                      <p:childTnLst>
+                        <p:par>
+                          <p:cTn id="20" fill="hold">
+                            <p:stCondLst>
+                              <p:cond delay="0"/>
+                            </p:stCondLst>
+                            <p:childTnLst>
+                              <p:par>
+                                <p:cTn id="21" presetID="1" presetClass="entr" presetSubtype="0" fill="hold" nodeType="clickEffect">
+                                  <p:stCondLst>
+                                    <p:cond delay="0"/>
+                                  </p:stCondLst>
+                                  <p:childTnLst>
+                                    <p:set>
+                                      <p:cBhvr>
+                                        <p:cTn id="22" dur="1" fill="hold">
+                                          <p:stCondLst>
+                                            <p:cond delay="0"/>
+                                          </p:stCondLst>
+                                        </p:cTn>
+                                        <p:tgtEl>
+                                          <p:spTgt spid="6"/>
+                                        </p:tgtEl>
+                                        <p:attrNameLst>
+                                          <p:attrName>style.visibility</p:attrName>
+                                        </p:attrNameLst>
+                                      </p:cBhvr>
+                                      <p:to>
+                                        <p:strVal val="visible"/>
+                                      </p:to>
+                                    </p:set>
+                                  </p:childTnLst>
+                                </p:cTn>
+                              </p:par>
+                            </p:childTnLst>
+                          </p:cTn>
+                        </p:par>
+                      </p:childTnLst>
+                    </p:cTn>
+                  </p:par>
                 </p:childTnLst>
               </p:cTn>
               <p:prevCondLst>
@@ -12246,7 +13307,7 @@
         </p:blipFill>
         <p:spPr>
           <a:xfrm>
-            <a:off x="1462343" y="4676337"/>
+            <a:off x="2146394" y="4676337"/>
             <a:ext cx="914400" cy="914400"/>
           </a:xfrm>
           <a:prstGeom prst="rect">
@@ -12285,7 +13346,7 @@
         </p:blipFill>
         <p:spPr>
           <a:xfrm>
-            <a:off x="2795553" y="4660646"/>
+            <a:off x="3479604" y="4660646"/>
             <a:ext cx="914400" cy="914400"/>
           </a:xfrm>
           <a:prstGeom prst="rect">
@@ -12324,7 +13385,7 @@
         </p:blipFill>
         <p:spPr>
           <a:xfrm>
-            <a:off x="5461973" y="4657963"/>
+            <a:off x="6146024" y="4657963"/>
             <a:ext cx="914400" cy="914400"/>
           </a:xfrm>
           <a:prstGeom prst="rect">
@@ -12334,10 +13395,10 @@
       </p:pic>
       <p:pic>
         <p:nvPicPr>
-          <p:cNvPr id="11" name="Graphic 10" descr="Music">
+          <p:cNvPr id="13" name="Graphic 12" descr="Map with pin">
             <a:extLst>
               <a:ext uri="{FF2B5EF4-FFF2-40B4-BE49-F238E27FC236}">
-                <a16:creationId xmlns:a16="http://schemas.microsoft.com/office/drawing/2014/main" id="{4F4A2AD1-01A6-4E32-955B-4CAB94CA624D}"/>
+                <a16:creationId xmlns:a16="http://schemas.microsoft.com/office/drawing/2014/main" id="{DE187029-E34C-4FF6-9DB0-4ECC56D6C0AB}"/>
               </a:ext>
             </a:extLst>
           </p:cNvPr>
@@ -12363,46 +13424,7 @@
         </p:blipFill>
         <p:spPr>
           <a:xfrm>
-            <a:off x="6795183" y="4676337"/>
-            <a:ext cx="914400" cy="914400"/>
-          </a:xfrm>
-          <a:prstGeom prst="rect">
-            <a:avLst/>
-          </a:prstGeom>
-        </p:spPr>
-      </p:pic>
-      <p:pic>
-        <p:nvPicPr>
-          <p:cNvPr id="13" name="Graphic 12" descr="Map with pin">
-            <a:extLst>
-              <a:ext uri="{FF2B5EF4-FFF2-40B4-BE49-F238E27FC236}">
-                <a16:creationId xmlns:a16="http://schemas.microsoft.com/office/drawing/2014/main" id="{DE187029-E34C-4FF6-9DB0-4ECC56D6C0AB}"/>
-              </a:ext>
-            </a:extLst>
-          </p:cNvPr>
-          <p:cNvPicPr>
-            <a:picLocks noChangeAspect="1"/>
-          </p:cNvPicPr>
-          <p:nvPr/>
-        </p:nvPicPr>
-        <p:blipFill>
-          <a:blip r:embed="rId10">
-            <a:extLst>
-              <a:ext uri="{28A0092B-C50C-407E-A947-70E740481C1C}">
-                <a14:useLocalDpi xmlns:a14="http://schemas.microsoft.com/office/drawing/2010/main" val="0"/>
-              </a:ext>
-              <a:ext uri="{96DAC541-7B7A-43D3-8B79-37D633B846F1}">
-                <asvg:svgBlip xmlns:asvg="http://schemas.microsoft.com/office/drawing/2016/SVG/main" r:embed="rId11"/>
-              </a:ext>
-            </a:extLst>
-          </a:blip>
-          <a:stretch>
-            <a:fillRect/>
-          </a:stretch>
-        </p:blipFill>
-        <p:spPr>
-          <a:xfrm>
-            <a:off x="4128763" y="4657963"/>
+            <a:off x="4812814" y="4657963"/>
             <a:ext cx="914400" cy="914400"/>
           </a:xfrm>
           <a:prstGeom prst="rect">
@@ -12657,51 +13679,6 @@
                       </p:childTnLst>
                     </p:cTn>
                   </p:par>
-                  <p:par>
-                    <p:cTn id="23" fill="hold">
-                      <p:stCondLst>
-                        <p:cond delay="indefinite"/>
-                      </p:stCondLst>
-                      <p:childTnLst>
-                        <p:par>
-                          <p:cTn id="24" fill="hold">
-                            <p:stCondLst>
-                              <p:cond delay="0"/>
-                            </p:stCondLst>
-                            <p:childTnLst>
-                              <p:par>
-                                <p:cTn id="25" presetID="1" presetClass="entr" presetSubtype="0" fill="hold" nodeType="clickEffect">
-                                  <p:stCondLst>
-                                    <p:cond delay="0"/>
-                                  </p:stCondLst>
-                                  <p:childTnLst>
-                                    <p:set>
-                                      <p:cBhvr>
-                                        <p:cTn id="26" dur="1" fill="hold">
-                                          <p:stCondLst>
-                                            <p:cond delay="0"/>
-                                          </p:stCondLst>
-                                        </p:cTn>
-                                        <p:tgtEl>
-                                          <p:spTgt spid="11"/>
-                                        </p:tgtEl>
-                                        <p:attrNameLst>
-                                          <p:attrName>style.visibility</p:attrName>
-                                        </p:attrNameLst>
-                                      </p:cBhvr>
-                                      <p:to>
-                                        <p:strVal val="visible"/>
-                                      </p:to>
-                                    </p:set>
-                                  </p:childTnLst>
-                                </p:cTn>
-                              </p:par>
-                            </p:childTnLst>
-                          </p:cTn>
-                        </p:par>
-                      </p:childTnLst>
-                    </p:cTn>
-                  </p:par>
                 </p:childTnLst>
               </p:cTn>
               <p:prevCondLst>
@@ -12728,112 +13705,6 @@
 </file>
 
 <file path=ppt/slides/slide8.xml><?xml version="1.0" encoding="utf-8"?>
-<p:sld xmlns:a="http://schemas.openxmlformats.org/drawingml/2006/main" xmlns:r="http://schemas.openxmlformats.org/officeDocument/2006/relationships" xmlns:p="http://schemas.openxmlformats.org/presentationml/2006/main" showMasterSp="0">
-  <p:cSld>
-    <p:spTree>
-      <p:nvGrpSpPr>
-        <p:cNvPr id="1" name=""/>
-        <p:cNvGrpSpPr/>
-        <p:nvPr/>
-      </p:nvGrpSpPr>
-      <p:grpSpPr>
-        <a:xfrm>
-          <a:off x="0" y="0"/>
-          <a:ext cx="0" cy="0"/>
-          <a:chOff x="0" y="0"/>
-          <a:chExt cx="0" cy="0"/>
-        </a:xfrm>
-      </p:grpSpPr>
-      <p:sp>
-        <p:nvSpPr>
-          <p:cNvPr id="15362" name="Title 1">
-            <a:extLst>
-              <a:ext uri="{FF2B5EF4-FFF2-40B4-BE49-F238E27FC236}">
-                <a16:creationId xmlns:a16="http://schemas.microsoft.com/office/drawing/2014/main" id="{D4E9B64E-FE35-414C-8E9B-DCB136FA4EE4}"/>
-              </a:ext>
-            </a:extLst>
-          </p:cNvPr>
-          <p:cNvSpPr>
-            <a:spLocks noGrp="1"/>
-          </p:cNvSpPr>
-          <p:nvPr>
-            <p:ph type="title"/>
-          </p:nvPr>
-        </p:nvSpPr>
-        <p:spPr/>
-        <p:txBody>
-          <a:bodyPr/>
-          <a:lstStyle/>
-          <a:p>
-            <a:pPr eaLnBrk="1" hangingPunct="1"/>
-            <a:r>
-              <a:rPr lang="en-US" altLang="en-US"/>
-              <a:t>Arreglos multidimensionales</a:t>
-            </a:r>
-          </a:p>
-        </p:txBody>
-      </p:sp>
-      <p:pic>
-        <p:nvPicPr>
-          <p:cNvPr id="47109" name="Picture 5">
-            <a:extLst>
-              <a:ext uri="{FF2B5EF4-FFF2-40B4-BE49-F238E27FC236}">
-                <a16:creationId xmlns:a16="http://schemas.microsoft.com/office/drawing/2014/main" id="{B09C7CA7-80CE-487D-AD99-012EDA3C5528}"/>
-              </a:ext>
-            </a:extLst>
-          </p:cNvPr>
-          <p:cNvPicPr>
-            <a:picLocks noChangeAspect="1" noChangeArrowheads="1"/>
-          </p:cNvPicPr>
-          <p:nvPr/>
-        </p:nvPicPr>
-        <p:blipFill>
-          <a:blip r:embed="rId2"/>
-          <a:srcRect/>
-          <a:stretch>
-            <a:fillRect/>
-          </a:stretch>
-        </p:blipFill>
-        <p:spPr bwMode="auto">
-          <a:xfrm>
-            <a:off x="709613" y="1323975"/>
-            <a:ext cx="7407275" cy="4938713"/>
-          </a:xfrm>
-          <a:prstGeom prst="rect">
-            <a:avLst/>
-          </a:prstGeom>
-          <a:solidFill>
-            <a:schemeClr val="accent1"/>
-          </a:solidFill>
-          <a:ln w="12700" algn="ctr">
-            <a:solidFill>
-              <a:schemeClr val="tx1">
-                <a:lumMod val="65000"/>
-                <a:lumOff val="35000"/>
-              </a:schemeClr>
-            </a:solidFill>
-            <a:miter lim="800000"/>
-            <a:headEnd/>
-            <a:tailEnd/>
-          </a:ln>
-          <a:effectLst>
-            <a:outerShdw dist="107763" dir="2700000" algn="ctr" rotWithShape="0">
-              <a:schemeClr val="bg2">
-                <a:alpha val="50000"/>
-              </a:schemeClr>
-            </a:outerShdw>
-          </a:effectLst>
-        </p:spPr>
-      </p:pic>
-    </p:spTree>
-  </p:cSld>
-  <p:clrMapOvr>
-    <a:masterClrMapping/>
-  </p:clrMapOvr>
-</p:sld>
-</file>
-
-<file path=ppt/slides/slide9.xml><?xml version="1.0" encoding="utf-8"?>
 <p:sld xmlns:a="http://schemas.openxmlformats.org/drawingml/2006/main" xmlns:r="http://schemas.openxmlformats.org/officeDocument/2006/relationships" xmlns:p="http://schemas.openxmlformats.org/presentationml/2006/main" showMasterSp="0">
   <p:cSld>
     <p:spTree>
@@ -13651,6 +14522,1395 @@
     <p:bldLst>
       <p:bldP spid="6" grpId="0" animBg="1"/>
     </p:bldLst>
+  </p:timing>
+</p:sld>
+</file>
+
+<file path=ppt/slides/slide9.xml><?xml version="1.0" encoding="utf-8"?>
+<p:sld xmlns:a="http://schemas.openxmlformats.org/drawingml/2006/main" xmlns:r="http://schemas.openxmlformats.org/officeDocument/2006/relationships" xmlns:p="http://schemas.openxmlformats.org/presentationml/2006/main" showMasterSp="0">
+  <p:cSld>
+    <p:spTree>
+      <p:nvGrpSpPr>
+        <p:cNvPr id="1" name=""/>
+        <p:cNvGrpSpPr/>
+        <p:nvPr/>
+      </p:nvGrpSpPr>
+      <p:grpSpPr>
+        <a:xfrm>
+          <a:off x="0" y="0"/>
+          <a:ext cx="0" cy="0"/>
+          <a:chOff x="0" y="0"/>
+          <a:chExt cx="0" cy="0"/>
+        </a:xfrm>
+      </p:grpSpPr>
+      <p:sp>
+        <p:nvSpPr>
+          <p:cNvPr id="2" name="Title 1">
+            <a:extLst>
+              <a:ext uri="{FF2B5EF4-FFF2-40B4-BE49-F238E27FC236}">
+                <a16:creationId xmlns:a16="http://schemas.microsoft.com/office/drawing/2014/main" id="{BEFD78A1-DA76-4206-A791-6ABE6434C7CA}"/>
+              </a:ext>
+            </a:extLst>
+          </p:cNvPr>
+          <p:cNvSpPr>
+            <a:spLocks noGrp="1"/>
+          </p:cNvSpPr>
+          <p:nvPr>
+            <p:ph type="title"/>
+          </p:nvPr>
+        </p:nvSpPr>
+        <p:spPr/>
+        <p:txBody>
+          <a:bodyPr>
+            <a:normAutofit fontScale="90000"/>
+          </a:bodyPr>
+          <a:lstStyle/>
+          <a:p>
+            <a:r>
+              <a:rPr lang="en-US" dirty="0" err="1"/>
+              <a:t>Declaración</a:t>
+            </a:r>
+            <a:r>
+              <a:rPr lang="en-US" dirty="0"/>
+              <a:t> de </a:t>
+            </a:r>
+            <a:r>
+              <a:rPr lang="en-US" dirty="0" err="1"/>
+              <a:t>arreglos</a:t>
+            </a:r>
+            <a:r>
+              <a:rPr lang="en-US" dirty="0"/>
+              <a:t> </a:t>
+            </a:r>
+            <a:r>
+              <a:rPr lang="en-US" dirty="0" err="1"/>
+              <a:t>multidimensionales</a:t>
+            </a:r>
+            <a:endParaRPr lang="en-US" dirty="0"/>
+          </a:p>
+        </p:txBody>
+      </p:sp>
+      <p:sp>
+        <p:nvSpPr>
+          <p:cNvPr id="3" name="Content Placeholder 2">
+            <a:extLst>
+              <a:ext uri="{FF2B5EF4-FFF2-40B4-BE49-F238E27FC236}">
+                <a16:creationId xmlns:a16="http://schemas.microsoft.com/office/drawing/2014/main" id="{F63D7DCD-9BF6-434A-B214-E8425555EE25}"/>
+              </a:ext>
+            </a:extLst>
+          </p:cNvPr>
+          <p:cNvSpPr>
+            <a:spLocks noGrp="1"/>
+          </p:cNvSpPr>
+          <p:nvPr>
+            <p:ph idx="1"/>
+          </p:nvPr>
+        </p:nvSpPr>
+        <p:spPr>
+          <a:xfrm>
+            <a:off x="457200" y="1245092"/>
+            <a:ext cx="8229600" cy="1295684"/>
+          </a:xfrm>
+        </p:spPr>
+        <p:txBody>
+          <a:bodyPr/>
+          <a:lstStyle/>
+          <a:p>
+            <a:pPr marL="0" indent="0" fontAlgn="auto">
+              <a:spcAft>
+                <a:spcPts val="0"/>
+              </a:spcAft>
+              <a:buNone/>
+              <a:defRPr/>
+            </a:pPr>
+            <a:r>
+              <a:rPr lang="es-ES" dirty="0"/>
+              <a:t>La forma general de declarar una matriz es la siguiente:</a:t>
+            </a:r>
+          </a:p>
+          <a:p>
+            <a:pPr marL="320040" indent="-320040" fontAlgn="auto">
+              <a:spcAft>
+                <a:spcPts val="0"/>
+              </a:spcAft>
+              <a:buFont typeface="Wingdings"/>
+              <a:buNone/>
+              <a:defRPr/>
+            </a:pPr>
+            <a:endParaRPr lang="es-ES" dirty="0"/>
+          </a:p>
+        </p:txBody>
+      </p:sp>
+      <p:sp>
+        <p:nvSpPr>
+          <p:cNvPr id="5" name="Rectangle 4">
+            <a:extLst>
+              <a:ext uri="{FF2B5EF4-FFF2-40B4-BE49-F238E27FC236}">
+                <a16:creationId xmlns:a16="http://schemas.microsoft.com/office/drawing/2014/main" id="{909892FB-C854-4639-889C-E65B798B2850}"/>
+              </a:ext>
+            </a:extLst>
+          </p:cNvPr>
+          <p:cNvSpPr/>
+          <p:nvPr/>
+        </p:nvSpPr>
+        <p:spPr>
+          <a:xfrm>
+            <a:off x="520020" y="2540775"/>
+            <a:ext cx="6564835" cy="3693319"/>
+          </a:xfrm>
+          <a:prstGeom prst="rect">
+            <a:avLst/>
+          </a:prstGeom>
+          <a:solidFill>
+            <a:schemeClr val="tx1"/>
+          </a:solidFill>
+        </p:spPr>
+        <p:txBody>
+          <a:bodyPr wrap="square">
+            <a:spAutoFit/>
+          </a:bodyPr>
+          <a:lstStyle/>
+          <a:p>
+            <a:r>
+              <a:rPr lang="en-US" dirty="0">
+                <a:solidFill>
+                  <a:srgbClr val="6A9955"/>
+                </a:solidFill>
+                <a:latin typeface="Cascadia Code,  Courier New"/>
+              </a:rPr>
+              <a:t>//Method 1: Declaration and instantiation</a:t>
+            </a:r>
+            <a:endParaRPr lang="en-US" dirty="0">
+              <a:solidFill>
+                <a:srgbClr val="4EC9B0"/>
+              </a:solidFill>
+              <a:latin typeface="Cascadia Code,  Courier New"/>
+            </a:endParaRPr>
+          </a:p>
+          <a:p>
+            <a:r>
+              <a:rPr lang="en-US" dirty="0">
+                <a:solidFill>
+                  <a:srgbClr val="4EC9B0"/>
+                </a:solidFill>
+                <a:latin typeface="Cascadia Code,  Courier New"/>
+              </a:rPr>
+              <a:t>int</a:t>
+            </a:r>
+            <a:r>
+              <a:rPr lang="en-US" dirty="0">
+                <a:solidFill>
+                  <a:srgbClr val="D4D4D4"/>
+                </a:solidFill>
+                <a:latin typeface="Cascadia Code,  Courier New"/>
+              </a:rPr>
+              <a:t>[][] </a:t>
+            </a:r>
+            <a:r>
+              <a:rPr lang="en-US" dirty="0">
+                <a:solidFill>
+                  <a:srgbClr val="9CDCFE"/>
+                </a:solidFill>
+                <a:latin typeface="Cascadia Code,  Courier New"/>
+              </a:rPr>
+              <a:t>x1</a:t>
+            </a:r>
+            <a:r>
+              <a:rPr lang="en-US" dirty="0">
+                <a:solidFill>
+                  <a:srgbClr val="D4D4D4"/>
+                </a:solidFill>
+                <a:latin typeface="Cascadia Code,  Courier New"/>
+              </a:rPr>
+              <a:t> = </a:t>
+            </a:r>
+            <a:r>
+              <a:rPr lang="en-US" dirty="0">
+                <a:solidFill>
+                  <a:srgbClr val="C586C0"/>
+                </a:solidFill>
+                <a:latin typeface="Cascadia Code,  Courier New"/>
+              </a:rPr>
+              <a:t>new</a:t>
+            </a:r>
+            <a:r>
+              <a:rPr lang="en-US" dirty="0">
+                <a:solidFill>
+                  <a:srgbClr val="D4D4D4"/>
+                </a:solidFill>
+                <a:latin typeface="Cascadia Code,  Courier New"/>
+              </a:rPr>
+              <a:t> </a:t>
+            </a:r>
+            <a:r>
+              <a:rPr lang="en-US" dirty="0">
+                <a:solidFill>
+                  <a:srgbClr val="4EC9B0"/>
+                </a:solidFill>
+                <a:latin typeface="Cascadia Code,  Courier New"/>
+              </a:rPr>
+              <a:t>int</a:t>
+            </a:r>
+            <a:r>
+              <a:rPr lang="en-US" dirty="0">
+                <a:solidFill>
+                  <a:srgbClr val="D4D4D4"/>
+                </a:solidFill>
+                <a:latin typeface="Cascadia Code,  Courier New"/>
+              </a:rPr>
+              <a:t>[</a:t>
+            </a:r>
+            <a:r>
+              <a:rPr lang="en-US" dirty="0">
+                <a:solidFill>
+                  <a:srgbClr val="B5CEA8"/>
+                </a:solidFill>
+                <a:latin typeface="Cascadia Code,  Courier New"/>
+              </a:rPr>
+              <a:t>3</a:t>
+            </a:r>
+            <a:r>
+              <a:rPr lang="en-US" dirty="0">
+                <a:solidFill>
+                  <a:srgbClr val="D4D4D4"/>
+                </a:solidFill>
+                <a:latin typeface="Cascadia Code,  Courier New"/>
+              </a:rPr>
+              <a:t>][</a:t>
+            </a:r>
+            <a:r>
+              <a:rPr lang="en-US" dirty="0">
+                <a:solidFill>
+                  <a:srgbClr val="B5CEA8"/>
+                </a:solidFill>
+                <a:latin typeface="Cascadia Code,  Courier New"/>
+              </a:rPr>
+              <a:t>3</a:t>
+            </a:r>
+            <a:r>
+              <a:rPr lang="en-US" dirty="0">
+                <a:solidFill>
+                  <a:srgbClr val="D4D4D4"/>
+                </a:solidFill>
+                <a:latin typeface="Cascadia Code,  Courier New"/>
+              </a:rPr>
+              <a:t>];</a:t>
+            </a:r>
+          </a:p>
+          <a:p>
+            <a:r>
+              <a:rPr lang="en-US" dirty="0">
+                <a:solidFill>
+                  <a:srgbClr val="4EC9B0"/>
+                </a:solidFill>
+                <a:latin typeface="Cascadia Code,  Courier New"/>
+              </a:rPr>
+              <a:t>int</a:t>
+            </a:r>
+            <a:r>
+              <a:rPr lang="en-US" dirty="0">
+                <a:solidFill>
+                  <a:srgbClr val="D4D4D4"/>
+                </a:solidFill>
+                <a:latin typeface="Cascadia Code,  Courier New"/>
+              </a:rPr>
+              <a:t> </a:t>
+            </a:r>
+            <a:r>
+              <a:rPr lang="en-US" dirty="0">
+                <a:solidFill>
+                  <a:srgbClr val="9CDCFE"/>
+                </a:solidFill>
+                <a:latin typeface="Cascadia Code,  Courier New"/>
+              </a:rPr>
+              <a:t>x2</a:t>
+            </a:r>
+            <a:r>
+              <a:rPr lang="en-US" dirty="0">
+                <a:solidFill>
+                  <a:srgbClr val="D4D4D4"/>
+                </a:solidFill>
+                <a:latin typeface="Cascadia Code,  Courier New"/>
+              </a:rPr>
+              <a:t>[][] = </a:t>
+            </a:r>
+            <a:r>
+              <a:rPr lang="en-US" dirty="0">
+                <a:solidFill>
+                  <a:srgbClr val="C586C0"/>
+                </a:solidFill>
+                <a:latin typeface="Cascadia Code,  Courier New"/>
+              </a:rPr>
+              <a:t>new</a:t>
+            </a:r>
+            <a:r>
+              <a:rPr lang="en-US" dirty="0">
+                <a:solidFill>
+                  <a:srgbClr val="D4D4D4"/>
+                </a:solidFill>
+                <a:latin typeface="Cascadia Code,  Courier New"/>
+              </a:rPr>
+              <a:t> </a:t>
+            </a:r>
+            <a:r>
+              <a:rPr lang="en-US" dirty="0">
+                <a:solidFill>
+                  <a:srgbClr val="4EC9B0"/>
+                </a:solidFill>
+                <a:latin typeface="Cascadia Code,  Courier New"/>
+              </a:rPr>
+              <a:t>int</a:t>
+            </a:r>
+            <a:r>
+              <a:rPr lang="en-US" dirty="0">
+                <a:solidFill>
+                  <a:srgbClr val="D4D4D4"/>
+                </a:solidFill>
+                <a:latin typeface="Cascadia Code,  Courier New"/>
+              </a:rPr>
+              <a:t>[</a:t>
+            </a:r>
+            <a:r>
+              <a:rPr lang="en-US" dirty="0">
+                <a:solidFill>
+                  <a:srgbClr val="B5CEA8"/>
+                </a:solidFill>
+                <a:latin typeface="Cascadia Code,  Courier New"/>
+              </a:rPr>
+              <a:t>3</a:t>
+            </a:r>
+            <a:r>
+              <a:rPr lang="en-US" dirty="0">
+                <a:solidFill>
+                  <a:srgbClr val="D4D4D4"/>
+                </a:solidFill>
+                <a:latin typeface="Cascadia Code,  Courier New"/>
+              </a:rPr>
+              <a:t>][</a:t>
+            </a:r>
+            <a:r>
+              <a:rPr lang="en-US" dirty="0">
+                <a:solidFill>
+                  <a:srgbClr val="B5CEA8"/>
+                </a:solidFill>
+                <a:latin typeface="Cascadia Code,  Courier New"/>
+              </a:rPr>
+              <a:t>3</a:t>
+            </a:r>
+            <a:r>
+              <a:rPr lang="en-US" dirty="0">
+                <a:solidFill>
+                  <a:srgbClr val="D4D4D4"/>
+                </a:solidFill>
+                <a:latin typeface="Cascadia Code,  Courier New"/>
+              </a:rPr>
+              <a:t>];</a:t>
+            </a:r>
+          </a:p>
+          <a:p>
+            <a:br>
+              <a:rPr lang="en-US" dirty="0">
+                <a:solidFill>
+                  <a:srgbClr val="D4D4D4"/>
+                </a:solidFill>
+                <a:latin typeface="Cascadia Code,  Courier New"/>
+              </a:rPr>
+            </a:br>
+            <a:r>
+              <a:rPr lang="en-US" dirty="0">
+                <a:solidFill>
+                  <a:srgbClr val="6A9955"/>
+                </a:solidFill>
+                <a:latin typeface="Cascadia Code,  Courier New"/>
+              </a:rPr>
+              <a:t>// Method 2: Implicit initialization</a:t>
+            </a:r>
+            <a:endParaRPr lang="en-US" dirty="0">
+              <a:solidFill>
+                <a:srgbClr val="D4D4D4"/>
+              </a:solidFill>
+              <a:latin typeface="Cascadia Code,  Courier New"/>
+            </a:endParaRPr>
+          </a:p>
+          <a:p>
+            <a:r>
+              <a:rPr lang="en-US" dirty="0">
+                <a:solidFill>
+                  <a:srgbClr val="4EC9B0"/>
+                </a:solidFill>
+                <a:latin typeface="Cascadia Code,  Courier New"/>
+              </a:rPr>
+              <a:t>int</a:t>
+            </a:r>
+            <a:r>
+              <a:rPr lang="en-US" dirty="0">
+                <a:solidFill>
+                  <a:srgbClr val="D4D4D4"/>
+                </a:solidFill>
+                <a:latin typeface="Cascadia Code,  Courier New"/>
+              </a:rPr>
+              <a:t>[][] </a:t>
+            </a:r>
+            <a:r>
+              <a:rPr lang="en-US" dirty="0">
+                <a:solidFill>
+                  <a:srgbClr val="9CDCFE"/>
+                </a:solidFill>
+                <a:latin typeface="Cascadia Code,  Courier New"/>
+              </a:rPr>
+              <a:t>x3</a:t>
+            </a:r>
+            <a:r>
+              <a:rPr lang="en-US" dirty="0">
+                <a:solidFill>
+                  <a:srgbClr val="D4D4D4"/>
+                </a:solidFill>
+                <a:latin typeface="Cascadia Code,  Courier New"/>
+              </a:rPr>
+              <a:t> = {{</a:t>
+            </a:r>
+            <a:r>
+              <a:rPr lang="en-US" dirty="0">
+                <a:solidFill>
+                  <a:srgbClr val="B5CEA8"/>
+                </a:solidFill>
+                <a:latin typeface="Cascadia Code,  Courier New"/>
+              </a:rPr>
+              <a:t>1</a:t>
+            </a:r>
+            <a:r>
+              <a:rPr lang="en-US" dirty="0">
+                <a:solidFill>
+                  <a:srgbClr val="D4D4D4"/>
+                </a:solidFill>
+                <a:latin typeface="Cascadia Code,  Courier New"/>
+              </a:rPr>
+              <a:t>,</a:t>
+            </a:r>
+            <a:r>
+              <a:rPr lang="en-US" dirty="0">
+                <a:solidFill>
+                  <a:srgbClr val="B5CEA8"/>
+                </a:solidFill>
+                <a:latin typeface="Cascadia Code,  Courier New"/>
+              </a:rPr>
+              <a:t>2</a:t>
+            </a:r>
+            <a:r>
+              <a:rPr lang="en-US" dirty="0">
+                <a:solidFill>
+                  <a:srgbClr val="D4D4D4"/>
+                </a:solidFill>
+                <a:latin typeface="Cascadia Code,  Courier New"/>
+              </a:rPr>
+              <a:t>,</a:t>
+            </a:r>
+            <a:r>
+              <a:rPr lang="en-US" dirty="0">
+                <a:solidFill>
+                  <a:srgbClr val="B5CEA8"/>
+                </a:solidFill>
+                <a:latin typeface="Cascadia Code,  Courier New"/>
+              </a:rPr>
+              <a:t>3</a:t>
+            </a:r>
+            <a:r>
+              <a:rPr lang="en-US" dirty="0">
+                <a:solidFill>
+                  <a:srgbClr val="D4D4D4"/>
+                </a:solidFill>
+                <a:latin typeface="Cascadia Code,  Courier New"/>
+              </a:rPr>
+              <a:t>},{</a:t>
+            </a:r>
+            <a:r>
+              <a:rPr lang="en-US" dirty="0">
+                <a:solidFill>
+                  <a:srgbClr val="B5CEA8"/>
+                </a:solidFill>
+                <a:latin typeface="Cascadia Code,  Courier New"/>
+              </a:rPr>
+              <a:t>4</a:t>
+            </a:r>
+            <a:r>
+              <a:rPr lang="en-US" dirty="0">
+                <a:solidFill>
+                  <a:srgbClr val="D4D4D4"/>
+                </a:solidFill>
+                <a:latin typeface="Cascadia Code,  Courier New"/>
+              </a:rPr>
+              <a:t>,</a:t>
+            </a:r>
+            <a:r>
+              <a:rPr lang="en-US" dirty="0">
+                <a:solidFill>
+                  <a:srgbClr val="B5CEA8"/>
+                </a:solidFill>
+                <a:latin typeface="Cascadia Code,  Courier New"/>
+              </a:rPr>
+              <a:t>5</a:t>
+            </a:r>
+            <a:r>
+              <a:rPr lang="en-US" dirty="0">
+                <a:solidFill>
+                  <a:srgbClr val="D4D4D4"/>
+                </a:solidFill>
+                <a:latin typeface="Cascadia Code,  Courier New"/>
+              </a:rPr>
+              <a:t>,</a:t>
+            </a:r>
+            <a:r>
+              <a:rPr lang="en-US" dirty="0">
+                <a:solidFill>
+                  <a:srgbClr val="B5CEA8"/>
+                </a:solidFill>
+                <a:latin typeface="Cascadia Code,  Courier New"/>
+              </a:rPr>
+              <a:t>6</a:t>
+            </a:r>
+            <a:r>
+              <a:rPr lang="en-US" dirty="0">
+                <a:solidFill>
+                  <a:srgbClr val="D4D4D4"/>
+                </a:solidFill>
+                <a:latin typeface="Cascadia Code,  Courier New"/>
+              </a:rPr>
+              <a:t>},{</a:t>
+            </a:r>
+            <a:r>
+              <a:rPr lang="en-US" dirty="0">
+                <a:solidFill>
+                  <a:srgbClr val="B5CEA8"/>
+                </a:solidFill>
+                <a:latin typeface="Cascadia Code,  Courier New"/>
+              </a:rPr>
+              <a:t>7</a:t>
+            </a:r>
+            <a:r>
+              <a:rPr lang="en-US" dirty="0">
+                <a:solidFill>
+                  <a:srgbClr val="D4D4D4"/>
+                </a:solidFill>
+                <a:latin typeface="Cascadia Code,  Courier New"/>
+              </a:rPr>
+              <a:t>,</a:t>
+            </a:r>
+            <a:r>
+              <a:rPr lang="en-US" dirty="0">
+                <a:solidFill>
+                  <a:srgbClr val="B5CEA8"/>
+                </a:solidFill>
+                <a:latin typeface="Cascadia Code,  Courier New"/>
+              </a:rPr>
+              <a:t>8</a:t>
+            </a:r>
+            <a:r>
+              <a:rPr lang="en-US" dirty="0">
+                <a:solidFill>
+                  <a:srgbClr val="D4D4D4"/>
+                </a:solidFill>
+                <a:latin typeface="Cascadia Code,  Courier New"/>
+              </a:rPr>
+              <a:t>,</a:t>
+            </a:r>
+            <a:r>
+              <a:rPr lang="en-US" dirty="0">
+                <a:solidFill>
+                  <a:srgbClr val="B5CEA8"/>
+                </a:solidFill>
+                <a:latin typeface="Cascadia Code,  Courier New"/>
+              </a:rPr>
+              <a:t>9</a:t>
+            </a:r>
+            <a:r>
+              <a:rPr lang="en-US" dirty="0">
+                <a:solidFill>
+                  <a:srgbClr val="D4D4D4"/>
+                </a:solidFill>
+                <a:latin typeface="Cascadia Code,  Courier New"/>
+              </a:rPr>
+              <a:t>}};</a:t>
+            </a:r>
+          </a:p>
+          <a:p>
+            <a:endParaRPr lang="en-US" dirty="0">
+              <a:solidFill>
+                <a:srgbClr val="D4D4D4"/>
+              </a:solidFill>
+              <a:latin typeface="Cascadia Code,  Courier New"/>
+            </a:endParaRPr>
+          </a:p>
+          <a:p>
+            <a:r>
+              <a:rPr lang="en-US" dirty="0">
+                <a:solidFill>
+                  <a:srgbClr val="6A9955"/>
+                </a:solidFill>
+                <a:latin typeface="Cascadia Code,  Courier New"/>
+              </a:rPr>
+              <a:t>//Method 3: Declaration and instantiation</a:t>
+            </a:r>
+            <a:endParaRPr lang="en-US" dirty="0">
+              <a:solidFill>
+                <a:srgbClr val="D4D4D4"/>
+              </a:solidFill>
+              <a:latin typeface="Cascadia Code,  Courier New"/>
+            </a:endParaRPr>
+          </a:p>
+          <a:p>
+            <a:r>
+              <a:rPr lang="en-US" dirty="0">
+                <a:solidFill>
+                  <a:srgbClr val="4EC9B0"/>
+                </a:solidFill>
+                <a:latin typeface="Cascadia Code,  Courier New"/>
+              </a:rPr>
+              <a:t>int</a:t>
+            </a:r>
+            <a:r>
+              <a:rPr lang="en-US" dirty="0">
+                <a:solidFill>
+                  <a:srgbClr val="D4D4D4"/>
+                </a:solidFill>
+                <a:latin typeface="Cascadia Code,  Courier New"/>
+              </a:rPr>
+              <a:t>[][] </a:t>
+            </a:r>
+            <a:r>
+              <a:rPr lang="en-US" dirty="0">
+                <a:solidFill>
+                  <a:srgbClr val="9CDCFE"/>
+                </a:solidFill>
+                <a:latin typeface="Cascadia Code,  Courier New"/>
+              </a:rPr>
+              <a:t>x4</a:t>
+            </a:r>
+            <a:r>
+              <a:rPr lang="en-US" dirty="0">
+                <a:solidFill>
+                  <a:srgbClr val="D4D4D4"/>
+                </a:solidFill>
+                <a:latin typeface="Cascadia Code,  Courier New"/>
+              </a:rPr>
+              <a:t> = </a:t>
+            </a:r>
+            <a:r>
+              <a:rPr lang="en-US" dirty="0">
+                <a:solidFill>
+                  <a:srgbClr val="C586C0"/>
+                </a:solidFill>
+                <a:latin typeface="Cascadia Code,  Courier New"/>
+              </a:rPr>
+              <a:t>new</a:t>
+            </a:r>
+            <a:r>
+              <a:rPr lang="en-US" dirty="0">
+                <a:solidFill>
+                  <a:srgbClr val="D4D4D4"/>
+                </a:solidFill>
+                <a:latin typeface="Cascadia Code,  Courier New"/>
+              </a:rPr>
+              <a:t> </a:t>
+            </a:r>
+            <a:r>
+              <a:rPr lang="en-US" dirty="0">
+                <a:solidFill>
+                  <a:srgbClr val="4EC9B0"/>
+                </a:solidFill>
+                <a:latin typeface="Cascadia Code,  Courier New"/>
+              </a:rPr>
+              <a:t>int</a:t>
+            </a:r>
+            <a:r>
+              <a:rPr lang="en-US" dirty="0">
+                <a:solidFill>
+                  <a:srgbClr val="D4D4D4"/>
+                </a:solidFill>
+                <a:latin typeface="Cascadia Code,  Courier New"/>
+              </a:rPr>
+              <a:t>[</a:t>
+            </a:r>
+            <a:r>
+              <a:rPr lang="en-US" dirty="0">
+                <a:solidFill>
+                  <a:srgbClr val="B5CEA8"/>
+                </a:solidFill>
+                <a:latin typeface="Cascadia Code,  Courier New"/>
+              </a:rPr>
+              <a:t>3</a:t>
+            </a:r>
+            <a:r>
+              <a:rPr lang="en-US" dirty="0">
+                <a:solidFill>
+                  <a:srgbClr val="D4D4D4"/>
+                </a:solidFill>
+                <a:latin typeface="Cascadia Code,  Courier New"/>
+              </a:rPr>
+              <a:t>][];</a:t>
+            </a:r>
+          </a:p>
+          <a:p>
+            <a:r>
+              <a:rPr lang="en-US" dirty="0">
+                <a:solidFill>
+                  <a:srgbClr val="D4D4D4"/>
+                </a:solidFill>
+                <a:latin typeface="Cascadia Code,  Courier New"/>
+              </a:rPr>
+              <a:t>x4[</a:t>
+            </a:r>
+            <a:r>
+              <a:rPr lang="en-US" dirty="0">
+                <a:solidFill>
+                  <a:srgbClr val="B5CEA8"/>
+                </a:solidFill>
+                <a:latin typeface="Cascadia Code,  Courier New"/>
+              </a:rPr>
+              <a:t>0</a:t>
+            </a:r>
+            <a:r>
+              <a:rPr lang="en-US" dirty="0">
+                <a:solidFill>
+                  <a:srgbClr val="D4D4D4"/>
+                </a:solidFill>
+                <a:latin typeface="Cascadia Code,  Courier New"/>
+              </a:rPr>
+              <a:t>] = </a:t>
+            </a:r>
+            <a:r>
+              <a:rPr lang="en-US" dirty="0">
+                <a:solidFill>
+                  <a:srgbClr val="C586C0"/>
+                </a:solidFill>
+                <a:latin typeface="Cascadia Code,  Courier New"/>
+              </a:rPr>
+              <a:t>new</a:t>
+            </a:r>
+            <a:r>
+              <a:rPr lang="en-US" dirty="0">
+                <a:solidFill>
+                  <a:srgbClr val="D4D4D4"/>
+                </a:solidFill>
+                <a:latin typeface="Cascadia Code,  Courier New"/>
+              </a:rPr>
+              <a:t> </a:t>
+            </a:r>
+            <a:r>
+              <a:rPr lang="en-US" dirty="0">
+                <a:solidFill>
+                  <a:srgbClr val="4EC9B0"/>
+                </a:solidFill>
+                <a:latin typeface="Cascadia Code,  Courier New"/>
+              </a:rPr>
+              <a:t>int</a:t>
+            </a:r>
+            <a:r>
+              <a:rPr lang="en-US" dirty="0">
+                <a:solidFill>
+                  <a:srgbClr val="D4D4D4"/>
+                </a:solidFill>
+                <a:latin typeface="Cascadia Code,  Courier New"/>
+              </a:rPr>
+              <a:t>[</a:t>
+            </a:r>
+            <a:r>
+              <a:rPr lang="en-US" dirty="0">
+                <a:solidFill>
+                  <a:srgbClr val="B5CEA8"/>
+                </a:solidFill>
+                <a:latin typeface="Cascadia Code,  Courier New"/>
+              </a:rPr>
+              <a:t>3</a:t>
+            </a:r>
+            <a:r>
+              <a:rPr lang="en-US" dirty="0">
+                <a:solidFill>
+                  <a:srgbClr val="D4D4D4"/>
+                </a:solidFill>
+                <a:latin typeface="Cascadia Code,  Courier New"/>
+              </a:rPr>
+              <a:t>];</a:t>
+            </a:r>
+          </a:p>
+          <a:p>
+            <a:r>
+              <a:rPr lang="en-US" dirty="0">
+                <a:solidFill>
+                  <a:srgbClr val="D4D4D4"/>
+                </a:solidFill>
+                <a:latin typeface="Cascadia Code,  Courier New"/>
+              </a:rPr>
+              <a:t>x4[</a:t>
+            </a:r>
+            <a:r>
+              <a:rPr lang="en-US" dirty="0">
+                <a:solidFill>
+                  <a:srgbClr val="B5CEA8"/>
+                </a:solidFill>
+                <a:latin typeface="Cascadia Code,  Courier New"/>
+              </a:rPr>
+              <a:t>1</a:t>
+            </a:r>
+            <a:r>
+              <a:rPr lang="en-US" dirty="0">
+                <a:solidFill>
+                  <a:srgbClr val="D4D4D4"/>
+                </a:solidFill>
+                <a:latin typeface="Cascadia Code,  Courier New"/>
+              </a:rPr>
+              <a:t>] = </a:t>
+            </a:r>
+            <a:r>
+              <a:rPr lang="en-US" dirty="0">
+                <a:solidFill>
+                  <a:srgbClr val="C586C0"/>
+                </a:solidFill>
+                <a:latin typeface="Cascadia Code,  Courier New"/>
+              </a:rPr>
+              <a:t>new</a:t>
+            </a:r>
+            <a:r>
+              <a:rPr lang="en-US" dirty="0">
+                <a:solidFill>
+                  <a:srgbClr val="D4D4D4"/>
+                </a:solidFill>
+                <a:latin typeface="Cascadia Code,  Courier New"/>
+              </a:rPr>
+              <a:t> </a:t>
+            </a:r>
+            <a:r>
+              <a:rPr lang="en-US" dirty="0">
+                <a:solidFill>
+                  <a:srgbClr val="4EC9B0"/>
+                </a:solidFill>
+                <a:latin typeface="Cascadia Code,  Courier New"/>
+              </a:rPr>
+              <a:t>int</a:t>
+            </a:r>
+            <a:r>
+              <a:rPr lang="en-US" dirty="0">
+                <a:solidFill>
+                  <a:srgbClr val="D4D4D4"/>
+                </a:solidFill>
+                <a:latin typeface="Cascadia Code,  Courier New"/>
+              </a:rPr>
+              <a:t>[</a:t>
+            </a:r>
+            <a:r>
+              <a:rPr lang="en-US" dirty="0">
+                <a:solidFill>
+                  <a:srgbClr val="B5CEA8"/>
+                </a:solidFill>
+                <a:latin typeface="Cascadia Code,  Courier New"/>
+              </a:rPr>
+              <a:t>3</a:t>
+            </a:r>
+            <a:r>
+              <a:rPr lang="en-US" dirty="0">
+                <a:solidFill>
+                  <a:srgbClr val="D4D4D4"/>
+                </a:solidFill>
+                <a:latin typeface="Cascadia Code,  Courier New"/>
+              </a:rPr>
+              <a:t>];</a:t>
+            </a:r>
+          </a:p>
+          <a:p>
+            <a:r>
+              <a:rPr lang="en-US" dirty="0">
+                <a:solidFill>
+                  <a:srgbClr val="D4D4D4"/>
+                </a:solidFill>
+                <a:latin typeface="Cascadia Code,  Courier New"/>
+              </a:rPr>
+              <a:t>x4[</a:t>
+            </a:r>
+            <a:r>
+              <a:rPr lang="en-US" dirty="0">
+                <a:solidFill>
+                  <a:srgbClr val="B5CEA8"/>
+                </a:solidFill>
+                <a:latin typeface="Cascadia Code,  Courier New"/>
+              </a:rPr>
+              <a:t>2</a:t>
+            </a:r>
+            <a:r>
+              <a:rPr lang="en-US" dirty="0">
+                <a:solidFill>
+                  <a:srgbClr val="D4D4D4"/>
+                </a:solidFill>
+                <a:latin typeface="Cascadia Code,  Courier New"/>
+              </a:rPr>
+              <a:t>] = </a:t>
+            </a:r>
+            <a:r>
+              <a:rPr lang="en-US" dirty="0">
+                <a:solidFill>
+                  <a:srgbClr val="C586C0"/>
+                </a:solidFill>
+                <a:latin typeface="Cascadia Code,  Courier New"/>
+              </a:rPr>
+              <a:t>new</a:t>
+            </a:r>
+            <a:r>
+              <a:rPr lang="en-US" dirty="0">
+                <a:solidFill>
+                  <a:srgbClr val="D4D4D4"/>
+                </a:solidFill>
+                <a:latin typeface="Cascadia Code,  Courier New"/>
+              </a:rPr>
+              <a:t> </a:t>
+            </a:r>
+            <a:r>
+              <a:rPr lang="en-US" dirty="0">
+                <a:solidFill>
+                  <a:srgbClr val="4EC9B0"/>
+                </a:solidFill>
+                <a:latin typeface="Cascadia Code,  Courier New"/>
+              </a:rPr>
+              <a:t>int</a:t>
+            </a:r>
+            <a:r>
+              <a:rPr lang="en-US" dirty="0">
+                <a:solidFill>
+                  <a:srgbClr val="D4D4D4"/>
+                </a:solidFill>
+                <a:latin typeface="Cascadia Code,  Courier New"/>
+              </a:rPr>
+              <a:t>[</a:t>
+            </a:r>
+            <a:r>
+              <a:rPr lang="en-US" dirty="0">
+                <a:solidFill>
+                  <a:srgbClr val="B5CEA8"/>
+                </a:solidFill>
+                <a:latin typeface="Cascadia Code,  Courier New"/>
+              </a:rPr>
+              <a:t>3</a:t>
+            </a:r>
+            <a:r>
+              <a:rPr lang="en-US" dirty="0">
+                <a:solidFill>
+                  <a:srgbClr val="D4D4D4"/>
+                </a:solidFill>
+                <a:latin typeface="Cascadia Code,  Courier New"/>
+              </a:rPr>
+              <a:t>];</a:t>
+            </a:r>
+          </a:p>
+          <a:p>
+            <a:endParaRPr lang="en-US" dirty="0">
+              <a:solidFill>
+                <a:srgbClr val="D4D4D4"/>
+              </a:solidFill>
+              <a:latin typeface="Cascadia Code,  Courier New"/>
+            </a:endParaRPr>
+          </a:p>
+        </p:txBody>
+      </p:sp>
+    </p:spTree>
+    <p:extLst>
+      <p:ext uri="{BB962C8B-B14F-4D97-AF65-F5344CB8AC3E}">
+        <p14:creationId xmlns:p14="http://schemas.microsoft.com/office/powerpoint/2010/main" val="1266400681"/>
+      </p:ext>
+    </p:extLst>
+  </p:cSld>
+  <p:clrMapOvr>
+    <a:masterClrMapping/>
+  </p:clrMapOvr>
+  <p:timing>
+    <p:tnLst>
+      <p:par>
+        <p:cTn id="1" dur="indefinite" restart="never" nodeType="tmRoot">
+          <p:childTnLst>
+            <p:seq concurrent="1" nextAc="seek">
+              <p:cTn id="2" dur="indefinite" nodeType="mainSeq">
+                <p:childTnLst>
+                  <p:par>
+                    <p:cTn id="3" fill="hold">
+                      <p:stCondLst>
+                        <p:cond delay="indefinite"/>
+                      </p:stCondLst>
+                      <p:childTnLst>
+                        <p:par>
+                          <p:cTn id="4" fill="hold">
+                            <p:stCondLst>
+                              <p:cond delay="0"/>
+                            </p:stCondLst>
+                            <p:childTnLst>
+                              <p:par>
+                                <p:cTn id="5" presetID="1" presetClass="entr" presetSubtype="0" fill="hold" nodeType="clickEffect">
+                                  <p:stCondLst>
+                                    <p:cond delay="0"/>
+                                  </p:stCondLst>
+                                  <p:childTnLst>
+                                    <p:set>
+                                      <p:cBhvr>
+                                        <p:cTn id="6" dur="1" fill="hold">
+                                          <p:stCondLst>
+                                            <p:cond delay="0"/>
+                                          </p:stCondLst>
+                                        </p:cTn>
+                                        <p:tgtEl>
+                                          <p:spTgt spid="5">
+                                            <p:txEl>
+                                              <p:pRg st="0" end="0"/>
+                                            </p:txEl>
+                                          </p:spTgt>
+                                        </p:tgtEl>
+                                        <p:attrNameLst>
+                                          <p:attrName>style.visibility</p:attrName>
+                                        </p:attrNameLst>
+                                      </p:cBhvr>
+                                      <p:to>
+                                        <p:strVal val="visible"/>
+                                      </p:to>
+                                    </p:set>
+                                  </p:childTnLst>
+                                </p:cTn>
+                              </p:par>
+                              <p:par>
+                                <p:cTn id="7" presetID="1" presetClass="entr" presetSubtype="0" fill="hold" nodeType="withEffect">
+                                  <p:stCondLst>
+                                    <p:cond delay="0"/>
+                                  </p:stCondLst>
+                                  <p:childTnLst>
+                                    <p:set>
+                                      <p:cBhvr>
+                                        <p:cTn id="8" dur="1" fill="hold">
+                                          <p:stCondLst>
+                                            <p:cond delay="0"/>
+                                          </p:stCondLst>
+                                        </p:cTn>
+                                        <p:tgtEl>
+                                          <p:spTgt spid="5">
+                                            <p:txEl>
+                                              <p:pRg st="1" end="1"/>
+                                            </p:txEl>
+                                          </p:spTgt>
+                                        </p:tgtEl>
+                                        <p:attrNameLst>
+                                          <p:attrName>style.visibility</p:attrName>
+                                        </p:attrNameLst>
+                                      </p:cBhvr>
+                                      <p:to>
+                                        <p:strVal val="visible"/>
+                                      </p:to>
+                                    </p:set>
+                                  </p:childTnLst>
+                                </p:cTn>
+                              </p:par>
+                              <p:par>
+                                <p:cTn id="9" presetID="1" presetClass="entr" presetSubtype="0" fill="hold" nodeType="withEffect">
+                                  <p:stCondLst>
+                                    <p:cond delay="0"/>
+                                  </p:stCondLst>
+                                  <p:childTnLst>
+                                    <p:set>
+                                      <p:cBhvr>
+                                        <p:cTn id="10" dur="1" fill="hold">
+                                          <p:stCondLst>
+                                            <p:cond delay="0"/>
+                                          </p:stCondLst>
+                                        </p:cTn>
+                                        <p:tgtEl>
+                                          <p:spTgt spid="5">
+                                            <p:txEl>
+                                              <p:pRg st="2" end="2"/>
+                                            </p:txEl>
+                                          </p:spTgt>
+                                        </p:tgtEl>
+                                        <p:attrNameLst>
+                                          <p:attrName>style.visibility</p:attrName>
+                                        </p:attrNameLst>
+                                      </p:cBhvr>
+                                      <p:to>
+                                        <p:strVal val="visible"/>
+                                      </p:to>
+                                    </p:set>
+                                  </p:childTnLst>
+                                </p:cTn>
+                              </p:par>
+                            </p:childTnLst>
+                          </p:cTn>
+                        </p:par>
+                      </p:childTnLst>
+                    </p:cTn>
+                  </p:par>
+                  <p:par>
+                    <p:cTn id="11" fill="hold">
+                      <p:stCondLst>
+                        <p:cond delay="indefinite"/>
+                      </p:stCondLst>
+                      <p:childTnLst>
+                        <p:par>
+                          <p:cTn id="12" fill="hold">
+                            <p:stCondLst>
+                              <p:cond delay="0"/>
+                            </p:stCondLst>
+                            <p:childTnLst>
+                              <p:par>
+                                <p:cTn id="13" presetID="1" presetClass="entr" presetSubtype="0" fill="hold" nodeType="clickEffect">
+                                  <p:stCondLst>
+                                    <p:cond delay="0"/>
+                                  </p:stCondLst>
+                                  <p:childTnLst>
+                                    <p:set>
+                                      <p:cBhvr>
+                                        <p:cTn id="14" dur="1" fill="hold">
+                                          <p:stCondLst>
+                                            <p:cond delay="0"/>
+                                          </p:stCondLst>
+                                        </p:cTn>
+                                        <p:tgtEl>
+                                          <p:spTgt spid="5">
+                                            <p:txEl>
+                                              <p:pRg st="3" end="3"/>
+                                            </p:txEl>
+                                          </p:spTgt>
+                                        </p:tgtEl>
+                                        <p:attrNameLst>
+                                          <p:attrName>style.visibility</p:attrName>
+                                        </p:attrNameLst>
+                                      </p:cBhvr>
+                                      <p:to>
+                                        <p:strVal val="visible"/>
+                                      </p:to>
+                                    </p:set>
+                                  </p:childTnLst>
+                                </p:cTn>
+                              </p:par>
+                              <p:par>
+                                <p:cTn id="15" presetID="1" presetClass="entr" presetSubtype="0" fill="hold" nodeType="withEffect">
+                                  <p:stCondLst>
+                                    <p:cond delay="0"/>
+                                  </p:stCondLst>
+                                  <p:childTnLst>
+                                    <p:set>
+                                      <p:cBhvr>
+                                        <p:cTn id="16" dur="1" fill="hold">
+                                          <p:stCondLst>
+                                            <p:cond delay="0"/>
+                                          </p:stCondLst>
+                                        </p:cTn>
+                                        <p:tgtEl>
+                                          <p:spTgt spid="5">
+                                            <p:txEl>
+                                              <p:pRg st="4" end="4"/>
+                                            </p:txEl>
+                                          </p:spTgt>
+                                        </p:tgtEl>
+                                        <p:attrNameLst>
+                                          <p:attrName>style.visibility</p:attrName>
+                                        </p:attrNameLst>
+                                      </p:cBhvr>
+                                      <p:to>
+                                        <p:strVal val="visible"/>
+                                      </p:to>
+                                    </p:set>
+                                  </p:childTnLst>
+                                </p:cTn>
+                              </p:par>
+                            </p:childTnLst>
+                          </p:cTn>
+                        </p:par>
+                      </p:childTnLst>
+                    </p:cTn>
+                  </p:par>
+                  <p:par>
+                    <p:cTn id="17" fill="hold">
+                      <p:stCondLst>
+                        <p:cond delay="indefinite"/>
+                      </p:stCondLst>
+                      <p:childTnLst>
+                        <p:par>
+                          <p:cTn id="18" fill="hold">
+                            <p:stCondLst>
+                              <p:cond delay="0"/>
+                            </p:stCondLst>
+                            <p:childTnLst>
+                              <p:par>
+                                <p:cTn id="19" presetID="1" presetClass="entr" presetSubtype="0" fill="hold" nodeType="clickEffect">
+                                  <p:stCondLst>
+                                    <p:cond delay="0"/>
+                                  </p:stCondLst>
+                                  <p:childTnLst>
+                                    <p:set>
+                                      <p:cBhvr>
+                                        <p:cTn id="20" dur="1" fill="hold">
+                                          <p:stCondLst>
+                                            <p:cond delay="0"/>
+                                          </p:stCondLst>
+                                        </p:cTn>
+                                        <p:tgtEl>
+                                          <p:spTgt spid="5">
+                                            <p:txEl>
+                                              <p:pRg st="6" end="6"/>
+                                            </p:txEl>
+                                          </p:spTgt>
+                                        </p:tgtEl>
+                                        <p:attrNameLst>
+                                          <p:attrName>style.visibility</p:attrName>
+                                        </p:attrNameLst>
+                                      </p:cBhvr>
+                                      <p:to>
+                                        <p:strVal val="visible"/>
+                                      </p:to>
+                                    </p:set>
+                                  </p:childTnLst>
+                                </p:cTn>
+                              </p:par>
+                              <p:par>
+                                <p:cTn id="21" presetID="1" presetClass="entr" presetSubtype="0" fill="hold" nodeType="withEffect">
+                                  <p:stCondLst>
+                                    <p:cond delay="0"/>
+                                  </p:stCondLst>
+                                  <p:childTnLst>
+                                    <p:set>
+                                      <p:cBhvr>
+                                        <p:cTn id="22" dur="1" fill="hold">
+                                          <p:stCondLst>
+                                            <p:cond delay="0"/>
+                                          </p:stCondLst>
+                                        </p:cTn>
+                                        <p:tgtEl>
+                                          <p:spTgt spid="5">
+                                            <p:txEl>
+                                              <p:pRg st="7" end="7"/>
+                                            </p:txEl>
+                                          </p:spTgt>
+                                        </p:tgtEl>
+                                        <p:attrNameLst>
+                                          <p:attrName>style.visibility</p:attrName>
+                                        </p:attrNameLst>
+                                      </p:cBhvr>
+                                      <p:to>
+                                        <p:strVal val="visible"/>
+                                      </p:to>
+                                    </p:set>
+                                  </p:childTnLst>
+                                </p:cTn>
+                              </p:par>
+                              <p:par>
+                                <p:cTn id="23" presetID="1" presetClass="entr" presetSubtype="0" fill="hold" nodeType="withEffect">
+                                  <p:stCondLst>
+                                    <p:cond delay="0"/>
+                                  </p:stCondLst>
+                                  <p:childTnLst>
+                                    <p:set>
+                                      <p:cBhvr>
+                                        <p:cTn id="24" dur="1" fill="hold">
+                                          <p:stCondLst>
+                                            <p:cond delay="0"/>
+                                          </p:stCondLst>
+                                        </p:cTn>
+                                        <p:tgtEl>
+                                          <p:spTgt spid="5">
+                                            <p:txEl>
+                                              <p:pRg st="8" end="8"/>
+                                            </p:txEl>
+                                          </p:spTgt>
+                                        </p:tgtEl>
+                                        <p:attrNameLst>
+                                          <p:attrName>style.visibility</p:attrName>
+                                        </p:attrNameLst>
+                                      </p:cBhvr>
+                                      <p:to>
+                                        <p:strVal val="visible"/>
+                                      </p:to>
+                                    </p:set>
+                                  </p:childTnLst>
+                                </p:cTn>
+                              </p:par>
+                              <p:par>
+                                <p:cTn id="25" presetID="1" presetClass="entr" presetSubtype="0" fill="hold" nodeType="withEffect">
+                                  <p:stCondLst>
+                                    <p:cond delay="0"/>
+                                  </p:stCondLst>
+                                  <p:childTnLst>
+                                    <p:set>
+                                      <p:cBhvr>
+                                        <p:cTn id="26" dur="1" fill="hold">
+                                          <p:stCondLst>
+                                            <p:cond delay="0"/>
+                                          </p:stCondLst>
+                                        </p:cTn>
+                                        <p:tgtEl>
+                                          <p:spTgt spid="5">
+                                            <p:txEl>
+                                              <p:pRg st="9" end="9"/>
+                                            </p:txEl>
+                                          </p:spTgt>
+                                        </p:tgtEl>
+                                        <p:attrNameLst>
+                                          <p:attrName>style.visibility</p:attrName>
+                                        </p:attrNameLst>
+                                      </p:cBhvr>
+                                      <p:to>
+                                        <p:strVal val="visible"/>
+                                      </p:to>
+                                    </p:set>
+                                  </p:childTnLst>
+                                </p:cTn>
+                              </p:par>
+                              <p:par>
+                                <p:cTn id="27" presetID="1" presetClass="entr" presetSubtype="0" fill="hold" nodeType="withEffect">
+                                  <p:stCondLst>
+                                    <p:cond delay="0"/>
+                                  </p:stCondLst>
+                                  <p:childTnLst>
+                                    <p:set>
+                                      <p:cBhvr>
+                                        <p:cTn id="28" dur="1" fill="hold">
+                                          <p:stCondLst>
+                                            <p:cond delay="0"/>
+                                          </p:stCondLst>
+                                        </p:cTn>
+                                        <p:tgtEl>
+                                          <p:spTgt spid="5">
+                                            <p:txEl>
+                                              <p:pRg st="10" end="10"/>
+                                            </p:txEl>
+                                          </p:spTgt>
+                                        </p:tgtEl>
+                                        <p:attrNameLst>
+                                          <p:attrName>style.visibility</p:attrName>
+                                        </p:attrNameLst>
+                                      </p:cBhvr>
+                                      <p:to>
+                                        <p:strVal val="visible"/>
+                                      </p:to>
+                                    </p:set>
+                                  </p:childTnLst>
+                                </p:cTn>
+                              </p:par>
+                            </p:childTnLst>
+                          </p:cTn>
+                        </p:par>
+                      </p:childTnLst>
+                    </p:cTn>
+                  </p:par>
+                </p:childTnLst>
+              </p:cTn>
+              <p:prevCondLst>
+                <p:cond evt="onPrev" delay="0">
+                  <p:tgtEl>
+                    <p:sldTgt/>
+                  </p:tgtEl>
+                </p:cond>
+              </p:prevCondLst>
+              <p:nextCondLst>
+                <p:cond evt="onNext" delay="0">
+                  <p:tgtEl>
+                    <p:sldTgt/>
+                  </p:tgtEl>
+                </p:cond>
+              </p:nextCondLst>
+            </p:seq>
+          </p:childTnLst>
+        </p:cTn>
+      </p:par>
+    </p:tnLst>
   </p:timing>
 </p:sld>
 </file>

--- a/MOD01_Arreglos_multidimensionales/01 Presentacion/INFO2_MOD01-Arreglos_Multidimensionales.pptx
+++ b/MOD01_Arreglos_multidimensionales/01 Presentacion/INFO2_MOD01-Arreglos_Multidimensionales.pptx
@@ -353,7 +353,7 @@
           <a:p>
             <a:fld id="{0130A19F-DA6C-488F-8115-A486A94DC5D0}" type="datetimeFigureOut">
               <a:rPr lang="en-US" smtClean="0"/>
-              <a:t>1/15/2020</a:t>
+              <a:t>1/16/20</a:t>
             </a:fld>
             <a:endParaRPr lang="en-US"/>
           </a:p>
@@ -1932,7 +1932,7 @@
         <p:spPr>
           <a:xfrm>
             <a:off x="718955" y="4003733"/>
-            <a:ext cx="4897495" cy="369332"/>
+            <a:ext cx="6109365" cy="369332"/>
           </a:xfrm>
           <a:prstGeom prst="rect">
             <a:avLst/>
@@ -1959,7 +1959,31 @@
                 </a:solidFill>
                 <a:latin typeface="Cascadia Code,  Courier New"/>
               </a:rPr>
-              <a:t>rows: </a:t>
+              <a:t>r</a:t>
+            </a:r>
+            <a:r>
+              <a:rPr lang="en-US">
+                <a:solidFill>
+                  <a:schemeClr val="accent2">
+                    <a:lumMod val="20000"/>
+                    <a:lumOff val="80000"/>
+                  </a:schemeClr>
+                </a:solidFill>
+                <a:latin typeface="Cascadia Code,  Courier New"/>
+              </a:rPr>
+              <a:t>ows </a:t>
+            </a:r>
+            <a:r>
+              <a:rPr lang="en-US" dirty="0">
+                <a:solidFill>
+                  <a:schemeClr val="accent2">
+                    <a:lumMod val="20000"/>
+                    <a:lumOff val="80000"/>
+                  </a:schemeClr>
+                </a:solidFill>
+                <a:latin typeface="Cascadia Code,  Courier New"/>
+              </a:rPr>
+              <a:t>y columns: </a:t>
             </a:r>
             <a:r>
               <a:rPr lang="en-US" dirty="0" err="1">
@@ -7842,7 +7866,7 @@
         <p:spPr>
           <a:xfrm>
             <a:off x="566264" y="2555914"/>
-            <a:ext cx="6595373" cy="3970318"/>
+            <a:ext cx="8011066" cy="3970318"/>
           </a:xfrm>
           <a:prstGeom prst="rect">
             <a:avLst/>

--- a/MOD01_Arreglos_multidimensionales/01 Presentacion/INFO2_MOD01-Arreglos_Multidimensionales.pptx
+++ b/MOD01_Arreglos_multidimensionales/01 Presentacion/INFO2_MOD01-Arreglos_Multidimensionales.pptx
@@ -353,7 +353,7 @@
           <a:p>
             <a:fld id="{0130A19F-DA6C-488F-8115-A486A94DC5D0}" type="datetimeFigureOut">
               <a:rPr lang="en-US" smtClean="0"/>
-              <a:t>1/16/20</a:t>
+              <a:t>1/17/20</a:t>
             </a:fld>
             <a:endParaRPr lang="en-US"/>
           </a:p>
@@ -2876,8 +2876,8 @@
         </p:nvSpPr>
         <p:spPr bwMode="auto">
           <a:xfrm>
-            <a:off x="670096" y="4355615"/>
-            <a:ext cx="8016704" cy="2430171"/>
+            <a:off x="334851" y="4355615"/>
+            <a:ext cx="8809149" cy="2430171"/>
           </a:xfrm>
           <a:prstGeom prst="rect">
             <a:avLst/>
@@ -3122,7 +3122,7 @@
                 </a:solidFill>
                 <a:latin typeface="Cascadia Code,  Courier New"/>
               </a:rPr>
-              <a:t>        </a:t>
+              <a:t>  </a:t>
             </a:r>
             <a:r>
               <a:rPr lang="en-US" sz="1800" dirty="0">
@@ -3202,7 +3202,7 @@
                 </a:solidFill>
                 <a:latin typeface="Cascadia Code,  Courier New"/>
               </a:rPr>
-              <a:t>        </a:t>
+              <a:t>  </a:t>
             </a:r>
             <a:r>
               <a:rPr lang="en-US" sz="1800" dirty="0">
@@ -3293,7 +3293,7 @@
                 </a:solidFill>
                 <a:latin typeface="Cascadia Code,  Courier New"/>
               </a:rPr>
-              <a:t>        </a:t>
+              <a:t>  </a:t>
             </a:r>
             <a:r>
               <a:rPr lang="en-US" sz="1800" dirty="0">
@@ -3376,7 +3376,7 @@
                 </a:solidFill>
                 <a:latin typeface="Cascadia Code,  Courier New"/>
               </a:rPr>
-              <a:t>        </a:t>
+              <a:t>  </a:t>
             </a:r>
             <a:r>
               <a:rPr lang="en-US" sz="1800" dirty="0">

--- a/MOD01_Arreglos_multidimensionales/01 Presentacion/INFO2_MOD01-Arreglos_Multidimensionales.pptx
+++ b/MOD01_Arreglos_multidimensionales/01 Presentacion/INFO2_MOD01-Arreglos_Multidimensionales.pptx
@@ -3997,7 +3997,7 @@
         <p:spPr>
           <a:xfrm>
             <a:off x="457200" y="3429000"/>
-            <a:ext cx="8037646" cy="1477328"/>
+            <a:ext cx="8506496" cy="1477328"/>
           </a:xfrm>
           <a:prstGeom prst="rect">
             <a:avLst/>
@@ -6004,7 +6004,7 @@
         <p:spPr>
           <a:xfrm>
             <a:off x="258266" y="199650"/>
-            <a:ext cx="4111310" cy="4093143"/>
+            <a:ext cx="4111310" cy="3686275"/>
           </a:xfrm>
         </p:spPr>
         <p:txBody>
@@ -6015,67 +6015,67 @@
               <a:buNone/>
             </a:pPr>
             <a:r>
-              <a:rPr lang="en-US" sz="2000" dirty="0" err="1"/>
+              <a:rPr lang="en-US" sz="1800" dirty="0" err="1"/>
               <a:t>En</a:t>
             </a:r>
             <a:r>
-              <a:rPr lang="en-US" sz="2000" dirty="0"/>
+              <a:rPr lang="en-US" sz="1800" dirty="0"/>
               <a:t> el </a:t>
             </a:r>
             <a:r>
-              <a:rPr lang="en-US" sz="2000" dirty="0" err="1"/>
+              <a:rPr lang="en-US" sz="1800" dirty="0" err="1"/>
               <a:t>calendario</a:t>
             </a:r>
             <a:r>
-              <a:rPr lang="en-US" sz="2000" dirty="0"/>
+              <a:rPr lang="en-US" sz="1800" dirty="0"/>
               <a:t>, </a:t>
             </a:r>
             <a:r>
-              <a:rPr lang="en-US" sz="2000" dirty="0" err="1"/>
+              <a:rPr lang="en-US" sz="1800" dirty="0" err="1"/>
               <a:t>diseña</a:t>
             </a:r>
             <a:r>
-              <a:rPr lang="en-US" sz="2000" dirty="0"/>
+              <a:rPr lang="en-US" sz="1800" dirty="0"/>
               <a:t> un </a:t>
             </a:r>
             <a:r>
-              <a:rPr lang="en-US" sz="2000" dirty="0" err="1"/>
+              <a:rPr lang="en-US" sz="1800" dirty="0" err="1"/>
               <a:t>método</a:t>
             </a:r>
             <a:r>
-              <a:rPr lang="en-US" sz="2000" dirty="0"/>
+              <a:rPr lang="en-US" sz="1800" dirty="0"/>
               <a:t> para </a:t>
             </a:r>
             <a:r>
-              <a:rPr lang="en-US" sz="2000" dirty="0" err="1"/>
+              <a:rPr lang="en-US" sz="1800" dirty="0" err="1"/>
               <a:t>agendar</a:t>
             </a:r>
             <a:r>
-              <a:rPr lang="en-US" sz="2000" dirty="0"/>
+              <a:rPr lang="en-US" sz="1800" dirty="0"/>
               <a:t> un </a:t>
             </a:r>
             <a:r>
-              <a:rPr lang="en-US" sz="2000" dirty="0" err="1"/>
+              <a:rPr lang="en-US" sz="1800" dirty="0" err="1"/>
               <a:t>evento</a:t>
             </a:r>
             <a:r>
-              <a:rPr lang="en-US" sz="2000" dirty="0"/>
+              <a:rPr lang="en-US" sz="1800" dirty="0"/>
               <a:t> </a:t>
             </a:r>
             <a:r>
-              <a:rPr lang="en-US" sz="2000" dirty="0" err="1"/>
+              <a:rPr lang="en-US" sz="1800" dirty="0" err="1"/>
               <a:t>en</a:t>
             </a:r>
             <a:r>
-              <a:rPr lang="en-US" sz="2000" dirty="0"/>
+              <a:rPr lang="en-US" sz="1800" dirty="0"/>
               <a:t> el </a:t>
             </a:r>
             <a:r>
-              <a:rPr lang="en-US" sz="2000" dirty="0" err="1"/>
+              <a:rPr lang="en-US" sz="1800" dirty="0" err="1"/>
               <a:t>calendario</a:t>
             </a:r>
             <a:r>
-              <a:rPr lang="en-US" sz="2000" dirty="0"/>
+              <a:rPr lang="en-US" sz="1800" dirty="0"/>
               <a:t>. </a:t>
             </a:r>
           </a:p>
@@ -6084,19 +6084,19 @@
               <a:buNone/>
             </a:pPr>
             <a:r>
-              <a:rPr lang="en-US" sz="2000" dirty="0" err="1"/>
+              <a:rPr lang="en-US" sz="1800" dirty="0" err="1"/>
               <a:t>Deberás</a:t>
             </a:r>
             <a:r>
-              <a:rPr lang="en-US" sz="2000" dirty="0"/>
+              <a:rPr lang="en-US" sz="1800" dirty="0"/>
               <a:t> </a:t>
             </a:r>
             <a:r>
-              <a:rPr lang="en-US" sz="2000" dirty="0" err="1"/>
+              <a:rPr lang="en-US" sz="1800" dirty="0" err="1"/>
               <a:t>recibir</a:t>
             </a:r>
             <a:r>
-              <a:rPr lang="en-US" sz="2000" dirty="0"/>
+              <a:rPr lang="en-US" sz="1800" dirty="0"/>
               <a:t>:</a:t>
             </a:r>
           </a:p>
@@ -6106,22 +6106,22 @@
               <a:buChar char="•"/>
             </a:pPr>
             <a:r>
-              <a:rPr lang="en-US" sz="2000" dirty="0"/>
+              <a:rPr lang="en-US" sz="1800" dirty="0"/>
               <a:t>La </a:t>
             </a:r>
             <a:r>
-              <a:rPr lang="en-US" sz="2000" dirty="0" err="1"/>
+              <a:rPr lang="en-US" sz="1800" dirty="0" err="1"/>
               <a:t>referencia</a:t>
             </a:r>
             <a:r>
-              <a:rPr lang="en-US" sz="2000" dirty="0"/>
+              <a:rPr lang="en-US" sz="1800" dirty="0"/>
               <a:t> al </a:t>
             </a:r>
             <a:r>
-              <a:rPr lang="en-US" sz="2000" dirty="0" err="1"/>
+              <a:rPr lang="en-US" sz="1800" dirty="0" err="1"/>
               <a:t>calendario</a:t>
             </a:r>
-            <a:endParaRPr lang="en-US" sz="2000" dirty="0"/>
+            <a:endParaRPr lang="en-US" sz="1800" dirty="0"/>
           </a:p>
           <a:p>
             <a:pPr marL="342900" indent="-342900">
@@ -6129,22 +6129,22 @@
               <a:buChar char="•"/>
             </a:pPr>
             <a:r>
-              <a:rPr lang="en-US" sz="2000" dirty="0"/>
+              <a:rPr lang="en-US" sz="1800" dirty="0"/>
               <a:t>El </a:t>
             </a:r>
             <a:r>
-              <a:rPr lang="en-US" sz="2000" dirty="0" err="1"/>
+              <a:rPr lang="en-US" sz="1800" dirty="0" err="1"/>
               <a:t>nombre</a:t>
             </a:r>
             <a:r>
-              <a:rPr lang="en-US" sz="2000" dirty="0"/>
+              <a:rPr lang="en-US" sz="1800" dirty="0"/>
               <a:t> del </a:t>
             </a:r>
             <a:r>
-              <a:rPr lang="en-US" sz="2000" dirty="0" err="1"/>
+              <a:rPr lang="en-US" sz="1800" dirty="0" err="1"/>
               <a:t>evento</a:t>
             </a:r>
-            <a:endParaRPr lang="en-US" sz="2000" dirty="0"/>
+            <a:endParaRPr lang="en-US" sz="1800" dirty="0"/>
           </a:p>
           <a:p>
             <a:pPr marL="342900" indent="-342900">
@@ -6152,14 +6152,14 @@
               <a:buChar char="•"/>
             </a:pPr>
             <a:r>
-              <a:rPr lang="en-US" sz="2000" dirty="0"/>
+              <a:rPr lang="en-US" sz="1800" dirty="0"/>
               <a:t>El </a:t>
             </a:r>
             <a:r>
-              <a:rPr lang="en-US" sz="2000" dirty="0" err="1"/>
+              <a:rPr lang="en-US" sz="1800" dirty="0" err="1"/>
               <a:t>día</a:t>
             </a:r>
-            <a:endParaRPr lang="en-US" sz="2000" dirty="0"/>
+            <a:endParaRPr lang="en-US" sz="1800" dirty="0"/>
           </a:p>
           <a:p>
             <a:pPr marL="342900" indent="-342900">
@@ -6167,7 +6167,7 @@
               <a:buChar char="•"/>
             </a:pPr>
             <a:r>
-              <a:rPr lang="en-US" sz="2000" dirty="0"/>
+              <a:rPr lang="en-US" sz="1800" dirty="0"/>
               <a:t>La hora</a:t>
             </a:r>
           </a:p>
@@ -6176,67 +6176,83 @@
               <a:buFont typeface="Arial" panose="020B0604020202020204" pitchFamily="34" charset="0"/>
               <a:buChar char="•"/>
             </a:pPr>
-            <a:endParaRPr lang="en-US" sz="2000" dirty="0"/>
-          </a:p>
-          <a:p>
-            <a:r>
-              <a:rPr lang="en-US" sz="2000" dirty="0"/>
+            <a:endParaRPr lang="en-US" sz="1800" dirty="0"/>
+          </a:p>
+          <a:p>
+            <a:r>
+              <a:rPr lang="en-US" sz="1800" dirty="0"/>
               <a:t>Si el </a:t>
             </a:r>
             <a:r>
-              <a:rPr lang="en-US" sz="2000" dirty="0" err="1"/>
+              <a:rPr lang="en-US" sz="1800" dirty="0" err="1"/>
               <a:t>evento</a:t>
             </a:r>
             <a:r>
-              <a:rPr lang="en-US" sz="2000" dirty="0"/>
+              <a:rPr lang="en-US" sz="1800" dirty="0"/>
               <a:t> se </a:t>
             </a:r>
             <a:r>
-              <a:rPr lang="en-US" sz="2000" dirty="0" err="1"/>
+              <a:rPr lang="en-US" sz="1800" dirty="0" err="1"/>
               <a:t>puede</a:t>
             </a:r>
             <a:r>
-              <a:rPr lang="en-US" sz="2000" dirty="0"/>
+              <a:rPr lang="en-US" sz="1800" dirty="0"/>
               <a:t> </a:t>
             </a:r>
             <a:r>
-              <a:rPr lang="en-US" sz="2000" dirty="0" err="1"/>
+              <a:rPr lang="en-US" sz="1800" dirty="0" err="1"/>
               <a:t>agendar</a:t>
             </a:r>
             <a:r>
-              <a:rPr lang="en-US" sz="2000" dirty="0"/>
+              <a:rPr lang="en-US" sz="1800" dirty="0"/>
               <a:t>, </a:t>
             </a:r>
             <a:r>
-              <a:rPr lang="en-US" sz="2000" dirty="0" err="1"/>
+              <a:rPr lang="en-US" sz="1800" dirty="0" err="1"/>
+              <a:t>agrégalo</a:t>
+            </a:r>
+            <a:r>
+              <a:rPr lang="en-US" sz="1800" dirty="0"/>
+              <a:t> al </a:t>
+            </a:r>
+            <a:r>
+              <a:rPr lang="en-US" sz="1800" dirty="0" err="1"/>
+              <a:t>calendario</a:t>
+            </a:r>
+            <a:r>
+              <a:rPr lang="en-US" sz="1800" dirty="0"/>
+              <a:t> y </a:t>
+            </a:r>
+            <a:r>
+              <a:rPr lang="en-US" sz="1800" dirty="0" err="1"/>
               <a:t>devuelve</a:t>
             </a:r>
             <a:r>
-              <a:rPr lang="en-US" sz="2000" dirty="0"/>
+              <a:rPr lang="en-US" sz="1800" dirty="0"/>
               <a:t> TRUE. De lo </a:t>
             </a:r>
             <a:r>
-              <a:rPr lang="en-US" sz="2000" dirty="0" err="1"/>
+              <a:rPr lang="en-US" sz="1800" dirty="0" err="1"/>
               <a:t>contrario</a:t>
             </a:r>
             <a:r>
-              <a:rPr lang="en-US" sz="2000" dirty="0"/>
+              <a:rPr lang="en-US" sz="1800" dirty="0"/>
               <a:t>, </a:t>
             </a:r>
             <a:r>
-              <a:rPr lang="en-US" sz="2000" dirty="0" err="1"/>
+              <a:rPr lang="en-US" sz="1800" dirty="0" err="1"/>
               <a:t>deberás</a:t>
             </a:r>
             <a:r>
-              <a:rPr lang="en-US" sz="2000" dirty="0"/>
+              <a:rPr lang="en-US" sz="1800" dirty="0"/>
               <a:t> </a:t>
             </a:r>
             <a:r>
-              <a:rPr lang="en-US" sz="2000" dirty="0" err="1"/>
+              <a:rPr lang="en-US" sz="1800" dirty="0" err="1"/>
               <a:t>retornar</a:t>
             </a:r>
             <a:r>
-              <a:rPr lang="en-US" sz="2000" dirty="0"/>
+              <a:rPr lang="en-US" sz="1800" dirty="0"/>
               <a:t> FALSE.</a:t>
             </a:r>
           </a:p>
@@ -6302,8 +6318,8 @@
         </p:nvSpPr>
         <p:spPr bwMode="auto">
           <a:xfrm>
-            <a:off x="181484" y="4599921"/>
-            <a:ext cx="8962516" cy="2185866"/>
+            <a:off x="181484" y="4013362"/>
+            <a:ext cx="8962516" cy="2772425"/>
           </a:xfrm>
           <a:prstGeom prst="rect">
             <a:avLst/>
@@ -6468,7 +6484,7 @@
           </a:lstStyle>
           <a:p>
             <a:r>
-              <a:rPr lang="en-US" sz="1400" dirty="0">
+              <a:rPr lang="en-US" sz="1300" dirty="0">
                 <a:solidFill>
                   <a:srgbClr val="569CD6"/>
                 </a:solidFill>
@@ -6477,7 +6493,7 @@
               <a:t>public</a:t>
             </a:r>
             <a:r>
-              <a:rPr lang="en-US" sz="1400" dirty="0">
+              <a:rPr lang="en-US" sz="1300" dirty="0">
                 <a:solidFill>
                   <a:srgbClr val="D4D4D4"/>
                 </a:solidFill>
@@ -6486,7 +6502,7 @@
               <a:t> </a:t>
             </a:r>
             <a:r>
-              <a:rPr lang="en-US" sz="1400" dirty="0">
+              <a:rPr lang="en-US" sz="1300" dirty="0">
                 <a:solidFill>
                   <a:srgbClr val="569CD6"/>
                 </a:solidFill>
@@ -6495,7 +6511,7 @@
               <a:t>static</a:t>
             </a:r>
             <a:r>
-              <a:rPr lang="en-US" sz="1400" dirty="0">
+              <a:rPr lang="en-US" sz="1300" dirty="0">
                 <a:solidFill>
                   <a:srgbClr val="D4D4D4"/>
                 </a:solidFill>
@@ -6504,7 +6520,7 @@
               <a:t> </a:t>
             </a:r>
             <a:r>
-              <a:rPr lang="en-US" sz="1400" dirty="0" err="1">
+              <a:rPr lang="en-US" sz="1300" dirty="0" err="1">
                 <a:solidFill>
                   <a:srgbClr val="4EC9B0"/>
                 </a:solidFill>
@@ -6513,7 +6529,7 @@
               <a:t>boolean</a:t>
             </a:r>
             <a:r>
-              <a:rPr lang="en-US" sz="1400" dirty="0">
+              <a:rPr lang="en-US" sz="1300" dirty="0">
                 <a:solidFill>
                   <a:srgbClr val="D4D4D4"/>
                 </a:solidFill>
@@ -6522,7 +6538,7 @@
               <a:t> </a:t>
             </a:r>
             <a:r>
-              <a:rPr lang="en-US" sz="1400" dirty="0" err="1">
+              <a:rPr lang="en-US" sz="1300" dirty="0" err="1">
                 <a:solidFill>
                   <a:srgbClr val="DCDCAA"/>
                 </a:solidFill>
@@ -6531,7 +6547,7 @@
               <a:t>addEvent</a:t>
             </a:r>
             <a:r>
-              <a:rPr lang="en-US" sz="1400" dirty="0">
+              <a:rPr lang="en-US" sz="1300" dirty="0">
                 <a:solidFill>
                   <a:srgbClr val="D4D4D4"/>
                 </a:solidFill>
@@ -6542,16 +6558,16 @@
           </a:p>
           <a:p>
             <a:r>
-              <a:rPr lang="en-US" sz="1400" dirty="0">
-                <a:solidFill>
-                  <a:srgbClr val="D4D4D4"/>
-                </a:solidFill>
-                <a:latin typeface="Cascadia Code,  Courier New"/>
-              </a:rPr>
-              <a:t>        </a:t>
-            </a:r>
-            <a:r>
-              <a:rPr lang="en-US" sz="1400" dirty="0">
+              <a:rPr lang="en-US" sz="1300" dirty="0">
+                <a:solidFill>
+                  <a:srgbClr val="D4D4D4"/>
+                </a:solidFill>
+                <a:latin typeface="Cascadia Code,  Courier New"/>
+              </a:rPr>
+              <a:t>  </a:t>
+            </a:r>
+            <a:r>
+              <a:rPr lang="en-US" sz="1300" dirty="0">
                 <a:solidFill>
                   <a:srgbClr val="6A9955"/>
                 </a:solidFill>
@@ -6559,7 +6575,7 @@
               </a:rPr>
               <a:t>// error!</a:t>
             </a:r>
-            <a:endParaRPr lang="en-US" sz="1400" dirty="0">
+            <a:endParaRPr lang="en-US" sz="1300" dirty="0">
               <a:solidFill>
                 <a:srgbClr val="D4D4D4"/>
               </a:solidFill>
@@ -6568,16 +6584,16 @@
           </a:p>
           <a:p>
             <a:r>
-              <a:rPr lang="en-US" sz="1400" dirty="0">
-                <a:solidFill>
-                  <a:srgbClr val="D4D4D4"/>
-                </a:solidFill>
-                <a:latin typeface="Cascadia Code,  Courier New"/>
-              </a:rPr>
-              <a:t>        </a:t>
-            </a:r>
-            <a:r>
-              <a:rPr lang="en-US" sz="1400" dirty="0">
+              <a:rPr lang="en-US" sz="1300" dirty="0">
+                <a:solidFill>
+                  <a:srgbClr val="D4D4D4"/>
+                </a:solidFill>
+                <a:latin typeface="Cascadia Code,  Courier New"/>
+              </a:rPr>
+              <a:t>  </a:t>
+            </a:r>
+            <a:r>
+              <a:rPr lang="en-US" sz="1300" dirty="0">
                 <a:solidFill>
                   <a:srgbClr val="C586C0"/>
                 </a:solidFill>
@@ -6586,7 +6602,7 @@
               <a:t>if</a:t>
             </a:r>
             <a:r>
-              <a:rPr lang="en-US" sz="1400" dirty="0">
+              <a:rPr lang="en-US" sz="1300" dirty="0">
                 <a:solidFill>
                   <a:srgbClr val="D4D4D4"/>
                 </a:solidFill>
@@ -6595,7 +6611,7 @@
               <a:t> (calendar == </a:t>
             </a:r>
             <a:r>
-              <a:rPr lang="en-US" sz="1400" dirty="0">
+              <a:rPr lang="en-US" sz="1300" dirty="0">
                 <a:solidFill>
                   <a:srgbClr val="569CD6"/>
                 </a:solidFill>
@@ -6604,7 +6620,7 @@
               <a:t>null</a:t>
             </a:r>
             <a:r>
-              <a:rPr lang="en-US" sz="1400" dirty="0">
+              <a:rPr lang="en-US" sz="1300" dirty="0">
                 <a:solidFill>
                   <a:srgbClr val="D4D4D4"/>
                 </a:solidFill>
@@ -6613,7 +6629,7 @@
               <a:t> || </a:t>
             </a:r>
             <a:r>
-              <a:rPr lang="en-US" sz="1400" dirty="0" err="1">
+              <a:rPr lang="en-US" sz="1300" dirty="0" err="1">
                 <a:solidFill>
                   <a:srgbClr val="9CDCFE"/>
                 </a:solidFill>
@@ -6622,7 +6638,7 @@
               <a:t>calendar</a:t>
             </a:r>
             <a:r>
-              <a:rPr lang="en-US" sz="1400" dirty="0" err="1">
+              <a:rPr lang="en-US" sz="1300" dirty="0" err="1">
                 <a:solidFill>
                   <a:srgbClr val="D4D4D4"/>
                 </a:solidFill>
@@ -6631,7 +6647,7 @@
               <a:t>.</a:t>
             </a:r>
             <a:r>
-              <a:rPr lang="en-US" sz="1400" dirty="0" err="1">
+              <a:rPr lang="en-US" sz="1300" dirty="0" err="1">
                 <a:solidFill>
                   <a:srgbClr val="9CDCFE"/>
                 </a:solidFill>
@@ -6640,7 +6656,7 @@
               <a:t>length</a:t>
             </a:r>
             <a:r>
-              <a:rPr lang="en-US" sz="1400" dirty="0">
+              <a:rPr lang="en-US" sz="1300" dirty="0">
                 <a:solidFill>
                   <a:srgbClr val="D4D4D4"/>
                 </a:solidFill>
@@ -6649,7 +6665,7 @@
               <a:t> &lt;= time || calendar[time].</a:t>
             </a:r>
             <a:r>
-              <a:rPr lang="en-US" sz="1400" dirty="0">
+              <a:rPr lang="en-US" sz="1300" dirty="0">
                 <a:solidFill>
                   <a:srgbClr val="9CDCFE"/>
                 </a:solidFill>
@@ -6658,7 +6674,7 @@
               <a:t>length</a:t>
             </a:r>
             <a:r>
-              <a:rPr lang="en-US" sz="1400" dirty="0">
+              <a:rPr lang="en-US" sz="1300" dirty="0">
                 <a:solidFill>
                   <a:srgbClr val="D4D4D4"/>
                 </a:solidFill>
@@ -6669,16 +6685,16 @@
           </a:p>
           <a:p>
             <a:r>
-              <a:rPr lang="en-US" sz="1400" dirty="0">
-                <a:solidFill>
-                  <a:srgbClr val="D4D4D4"/>
-                </a:solidFill>
-                <a:latin typeface="Cascadia Code,  Courier New"/>
-              </a:rPr>
-              <a:t>            </a:t>
-            </a:r>
-            <a:r>
-              <a:rPr lang="en-US" sz="1400" dirty="0">
+              <a:rPr lang="en-US" sz="1300" dirty="0">
+                <a:solidFill>
+                  <a:srgbClr val="D4D4D4"/>
+                </a:solidFill>
+                <a:latin typeface="Cascadia Code,  Courier New"/>
+              </a:rPr>
+              <a:t>    </a:t>
+            </a:r>
+            <a:r>
+              <a:rPr lang="en-US" sz="1300" dirty="0">
                 <a:solidFill>
                   <a:srgbClr val="C586C0"/>
                 </a:solidFill>
@@ -6687,7 +6703,7 @@
               <a:t>return</a:t>
             </a:r>
             <a:r>
-              <a:rPr lang="en-US" sz="1400" dirty="0">
+              <a:rPr lang="en-US" sz="1300" dirty="0">
                 <a:solidFill>
                   <a:srgbClr val="D4D4D4"/>
                 </a:solidFill>
@@ -6696,7 +6712,7 @@
               <a:t> </a:t>
             </a:r>
             <a:r>
-              <a:rPr lang="en-US" sz="1400" dirty="0">
+              <a:rPr lang="en-US" sz="1300" dirty="0">
                 <a:solidFill>
                   <a:srgbClr val="569CD6"/>
                 </a:solidFill>
@@ -6705,7 +6721,7 @@
               <a:t>false</a:t>
             </a:r>
             <a:r>
-              <a:rPr lang="en-US" sz="1400" dirty="0">
+              <a:rPr lang="en-US" sz="1300" dirty="0">
                 <a:solidFill>
                   <a:srgbClr val="D4D4D4"/>
                 </a:solidFill>
@@ -6716,38 +6732,68 @@
           </a:p>
           <a:p>
             <a:r>
-              <a:rPr lang="en-US" sz="1400" dirty="0">
-                <a:solidFill>
-                  <a:srgbClr val="D4D4D4"/>
-                </a:solidFill>
-                <a:latin typeface="Cascadia Code,  Courier New"/>
-              </a:rPr>
-              <a:t>        }</a:t>
-            </a:r>
-          </a:p>
-          <a:p>
-            <a:r>
-              <a:rPr lang="en-US" sz="1400" dirty="0">
-                <a:solidFill>
-                  <a:srgbClr val="D4D4D4"/>
-                </a:solidFill>
-                <a:latin typeface="Cascadia Code,  Courier New"/>
-              </a:rPr>
-              <a:t>        calendar[time][day] =  event;</a:t>
-            </a:r>
-          </a:p>
-          <a:p>
-            <a:r>
-              <a:rPr lang="en-US" sz="1400" dirty="0">
-                <a:solidFill>
-                  <a:srgbClr val="D4D4D4"/>
-                </a:solidFill>
-                <a:latin typeface="Cascadia Code,  Courier New"/>
-              </a:rPr>
-              <a:t>        </a:t>
-            </a:r>
-            <a:r>
-              <a:rPr lang="en-US" sz="1400" dirty="0">
+              <a:rPr lang="en-US" sz="1300" dirty="0">
+                <a:solidFill>
+                  <a:srgbClr val="D4D4D4"/>
+                </a:solidFill>
+                <a:latin typeface="Cascadia Code,  Courier New"/>
+              </a:rPr>
+              <a:t>  }</a:t>
+            </a:r>
+          </a:p>
+          <a:p>
+            <a:r>
+              <a:rPr lang="en-US" sz="1300" dirty="0">
+                <a:solidFill>
+                  <a:srgbClr val="D4D4D4"/>
+                </a:solidFill>
+                <a:latin typeface="Cascadia Code,  Courier New"/>
+              </a:rPr>
+              <a:t>  if (calendar[time][day] == null || calendar[time][day].equals(""))</a:t>
+            </a:r>
+          </a:p>
+          <a:p>
+            <a:r>
+              <a:rPr lang="en-US" sz="1300" dirty="0">
+                <a:solidFill>
+                  <a:srgbClr val="D4D4D4"/>
+                </a:solidFill>
+                <a:latin typeface="Cascadia Code,  Courier New"/>
+              </a:rPr>
+              <a:t>     return false;</a:t>
+            </a:r>
+          </a:p>
+          <a:p>
+            <a:endParaRPr lang="en-US" sz="1300" dirty="0">
+              <a:solidFill>
+                <a:srgbClr val="D4D4D4"/>
+              </a:solidFill>
+              <a:latin typeface="Cascadia Code,  Courier New"/>
+            </a:endParaRPr>
+          </a:p>
+          <a:p>
+            <a:r>
+              <a:rPr lang="en-US" sz="1300" dirty="0">
+                <a:solidFill>
+                  <a:srgbClr val="D4D4D4"/>
+                </a:solidFill>
+                <a:latin typeface="Cascadia Code,  Courier New"/>
+              </a:rPr>
+              <a:t>  calendar[time][day] =  event;</a:t>
+            </a:r>
+          </a:p>
+          <a:p>
+            <a:r>
+              <a:rPr lang="en-US" sz="1300" dirty="0">
+                <a:solidFill>
+                  <a:srgbClr val="D4D4D4"/>
+                </a:solidFill>
+                <a:latin typeface="Cascadia Code,  Courier New"/>
+              </a:rPr>
+              <a:t>  </a:t>
+            </a:r>
+            <a:r>
+              <a:rPr lang="en-US" sz="1300" dirty="0">
                 <a:solidFill>
                   <a:srgbClr val="C586C0"/>
                 </a:solidFill>
@@ -6756,7 +6802,7 @@
               <a:t>return</a:t>
             </a:r>
             <a:r>
-              <a:rPr lang="en-US" sz="1400" dirty="0">
+              <a:rPr lang="en-US" sz="1300" dirty="0">
                 <a:solidFill>
                   <a:srgbClr val="D4D4D4"/>
                 </a:solidFill>
@@ -6765,7 +6811,7 @@
               <a:t> </a:t>
             </a:r>
             <a:r>
-              <a:rPr lang="en-US" sz="1400" dirty="0">
+              <a:rPr lang="en-US" sz="1300" dirty="0">
                 <a:solidFill>
                   <a:srgbClr val="569CD6"/>
                 </a:solidFill>
@@ -6774,7 +6820,7 @@
               <a:t>true</a:t>
             </a:r>
             <a:r>
-              <a:rPr lang="en-US" sz="1400" dirty="0">
+              <a:rPr lang="en-US" sz="1300" dirty="0">
                 <a:solidFill>
                   <a:srgbClr val="D4D4D4"/>
                 </a:solidFill>
@@ -6785,7 +6831,7 @@
           </a:p>
           <a:p>
             <a:r>
-              <a:rPr lang="en-US" sz="1400" dirty="0">
+              <a:rPr lang="en-US" sz="1300" dirty="0">
                 <a:solidFill>
                   <a:srgbClr val="D4D4D4"/>
                 </a:solidFill>
@@ -6806,6 +6852,84 @@
   <p:clrMapOvr>
     <a:masterClrMapping/>
   </p:clrMapOvr>
+  <p:timing>
+    <p:tnLst>
+      <p:par>
+        <p:cTn id="1" dur="indefinite" restart="never" nodeType="tmRoot">
+          <p:childTnLst>
+            <p:seq concurrent="1" nextAc="seek">
+              <p:cTn id="2" dur="indefinite" nodeType="mainSeq">
+                <p:childTnLst>
+                  <p:par>
+                    <p:cTn id="3" fill="hold">
+                      <p:stCondLst>
+                        <p:cond delay="indefinite"/>
+                      </p:stCondLst>
+                      <p:childTnLst>
+                        <p:par>
+                          <p:cTn id="4" fill="hold">
+                            <p:stCondLst>
+                              <p:cond delay="0"/>
+                            </p:stCondLst>
+                            <p:childTnLst>
+                              <p:par>
+                                <p:cTn id="5" presetID="1" presetClass="entr" presetSubtype="0" fill="hold" grpId="0" nodeType="clickEffect">
+                                  <p:stCondLst>
+                                    <p:cond delay="0"/>
+                                  </p:stCondLst>
+                                  <p:childTnLst>
+                                    <p:set>
+                                      <p:cBhvr>
+                                        <p:cTn id="6" dur="1" fill="hold">
+                                          <p:stCondLst>
+                                            <p:cond delay="0"/>
+                                          </p:stCondLst>
+                                        </p:cTn>
+                                        <p:tgtEl>
+                                          <p:spTgt spid="5"/>
+                                        </p:tgtEl>
+                                        <p:attrNameLst>
+                                          <p:attrName>style.visibility</p:attrName>
+                                        </p:attrNameLst>
+                                      </p:cBhvr>
+                                      <p:to>
+                                        <p:strVal val="visible"/>
+                                      </p:to>
+                                    </p:set>
+                                  </p:childTnLst>
+                                </p:cTn>
+                              </p:par>
+                            </p:childTnLst>
+                          </p:cTn>
+                        </p:par>
+                      </p:childTnLst>
+                    </p:cTn>
+                  </p:par>
+                </p:childTnLst>
+              </p:cTn>
+              <p:prevCondLst>
+                <p:cond evt="onPrev" delay="0">
+                  <p:tgtEl>
+                    <p:sldTgt/>
+                  </p:tgtEl>
+                </p:cond>
+              </p:prevCondLst>
+              <p:nextCondLst>
+                <p:cond evt="onNext" delay="0">
+                  <p:tgtEl>
+                    <p:sldTgt/>
+                  </p:tgtEl>
+                </p:cond>
+              </p:nextCondLst>
+            </p:seq>
+          </p:childTnLst>
+        </p:cTn>
+      </p:par>
+    </p:tnLst>
+    <p:bldLst>
+      <p:bldP spid="5" grpId="0" animBg="1"/>
+    </p:bldLst>
+  </p:timing>
 </p:sld>
 </file>
 
